--- a/파이썬기초(PPT)/파이썬 기초 2강_자료형과 변수.pptx
+++ b/파이썬기초(PPT)/파이썬 기초 2강_자료형과 변수.pptx
@@ -11,18 +11,11 @@
     <p:sldId id="273" r:id="rId5"/>
     <p:sldId id="281" r:id="rId6"/>
     <p:sldId id="282" r:id="rId7"/>
-    <p:sldId id="271" r:id="rId8"/>
-    <p:sldId id="265" r:id="rId9"/>
-    <p:sldId id="259" r:id="rId10"/>
-    <p:sldId id="260" r:id="rId11"/>
-    <p:sldId id="274" r:id="rId12"/>
-    <p:sldId id="275" r:id="rId13"/>
-    <p:sldId id="276" r:id="rId14"/>
-    <p:sldId id="277" r:id="rId15"/>
-    <p:sldId id="278" r:id="rId16"/>
-    <p:sldId id="279" r:id="rId17"/>
-    <p:sldId id="280" r:id="rId18"/>
-    <p:sldId id="263" r:id="rId19"/>
+    <p:sldId id="285" r:id="rId8"/>
+    <p:sldId id="283" r:id="rId9"/>
+    <p:sldId id="284" r:id="rId10"/>
+    <p:sldId id="286" r:id="rId11"/>
+    <p:sldId id="263" r:id="rId12"/>
   </p:sldIdLst>
   <p:sldSz cx="9144000" cy="6858000" type="screen4x3"/>
   <p:notesSz cx="6858000" cy="9144000"/>
@@ -305,7 +298,7 @@
           <a:p>
             <a:fld id="{FB30EDBD-1C2D-4C1E-B459-B60219FAB484}" type="datetimeFigureOut">
               <a:rPr lang="ko-KR" altLang="en-US" smtClean="0"/>
-              <a:t>2020-10-18</a:t>
+              <a:t>2020-10-20</a:t>
             </a:fld>
             <a:endParaRPr lang="ko-KR" altLang="en-US"/>
           </a:p>
@@ -470,7 +463,7 @@
           <a:p>
             <a:fld id="{FB30EDBD-1C2D-4C1E-B459-B60219FAB484}" type="datetimeFigureOut">
               <a:rPr lang="ko-KR" altLang="en-US" smtClean="0"/>
-              <a:t>2020-10-18</a:t>
+              <a:t>2020-10-20</a:t>
             </a:fld>
             <a:endParaRPr lang="ko-KR" altLang="en-US"/>
           </a:p>
@@ -645,7 +638,7 @@
           <a:p>
             <a:fld id="{FB30EDBD-1C2D-4C1E-B459-B60219FAB484}" type="datetimeFigureOut">
               <a:rPr lang="ko-KR" altLang="en-US" smtClean="0"/>
-              <a:t>2020-10-18</a:t>
+              <a:t>2020-10-20</a:t>
             </a:fld>
             <a:endParaRPr lang="ko-KR" altLang="en-US"/>
           </a:p>
@@ -810,7 +803,7 @@
           <a:p>
             <a:fld id="{FB30EDBD-1C2D-4C1E-B459-B60219FAB484}" type="datetimeFigureOut">
               <a:rPr lang="ko-KR" altLang="en-US" smtClean="0"/>
-              <a:t>2020-10-18</a:t>
+              <a:t>2020-10-20</a:t>
             </a:fld>
             <a:endParaRPr lang="ko-KR" altLang="en-US"/>
           </a:p>
@@ -1051,7 +1044,7 @@
           <a:p>
             <a:fld id="{FB30EDBD-1C2D-4C1E-B459-B60219FAB484}" type="datetimeFigureOut">
               <a:rPr lang="ko-KR" altLang="en-US" smtClean="0"/>
-              <a:t>2020-10-18</a:t>
+              <a:t>2020-10-20</a:t>
             </a:fld>
             <a:endParaRPr lang="ko-KR" altLang="en-US"/>
           </a:p>
@@ -1334,7 +1327,7 @@
           <a:p>
             <a:fld id="{FB30EDBD-1C2D-4C1E-B459-B60219FAB484}" type="datetimeFigureOut">
               <a:rPr lang="ko-KR" altLang="en-US" smtClean="0"/>
-              <a:t>2020-10-18</a:t>
+              <a:t>2020-10-20</a:t>
             </a:fld>
             <a:endParaRPr lang="ko-KR" altLang="en-US"/>
           </a:p>
@@ -1751,7 +1744,7 @@
           <a:p>
             <a:fld id="{FB30EDBD-1C2D-4C1E-B459-B60219FAB484}" type="datetimeFigureOut">
               <a:rPr lang="ko-KR" altLang="en-US" smtClean="0"/>
-              <a:t>2020-10-18</a:t>
+              <a:t>2020-10-20</a:t>
             </a:fld>
             <a:endParaRPr lang="ko-KR" altLang="en-US"/>
           </a:p>
@@ -1864,7 +1857,7 @@
           <a:p>
             <a:fld id="{FB30EDBD-1C2D-4C1E-B459-B60219FAB484}" type="datetimeFigureOut">
               <a:rPr lang="ko-KR" altLang="en-US" smtClean="0"/>
-              <a:t>2020-10-18</a:t>
+              <a:t>2020-10-20</a:t>
             </a:fld>
             <a:endParaRPr lang="ko-KR" altLang="en-US"/>
           </a:p>
@@ -1954,7 +1947,7 @@
           <a:p>
             <a:fld id="{FB30EDBD-1C2D-4C1E-B459-B60219FAB484}" type="datetimeFigureOut">
               <a:rPr lang="ko-KR" altLang="en-US" smtClean="0"/>
-              <a:t>2020-10-18</a:t>
+              <a:t>2020-10-20</a:t>
             </a:fld>
             <a:endParaRPr lang="ko-KR" altLang="en-US"/>
           </a:p>
@@ -2226,7 +2219,7 @@
           <a:p>
             <a:fld id="{FB30EDBD-1C2D-4C1E-B459-B60219FAB484}" type="datetimeFigureOut">
               <a:rPr lang="ko-KR" altLang="en-US" smtClean="0"/>
-              <a:t>2020-10-18</a:t>
+              <a:t>2020-10-20</a:t>
             </a:fld>
             <a:endParaRPr lang="ko-KR" altLang="en-US"/>
           </a:p>
@@ -2474,7 +2467,7 @@
           <a:p>
             <a:fld id="{FB30EDBD-1C2D-4C1E-B459-B60219FAB484}" type="datetimeFigureOut">
               <a:rPr lang="ko-KR" altLang="en-US" smtClean="0"/>
-              <a:t>2020-10-18</a:t>
+              <a:t>2020-10-20</a:t>
             </a:fld>
             <a:endParaRPr lang="ko-KR" altLang="en-US"/>
           </a:p>
@@ -2682,7 +2675,7 @@
           <a:p>
             <a:fld id="{FB30EDBD-1C2D-4C1E-B459-B60219FAB484}" type="datetimeFigureOut">
               <a:rPr lang="ko-KR" altLang="en-US" smtClean="0"/>
-              <a:t>2020-10-18</a:t>
+              <a:t>2020-10-20</a:t>
             </a:fld>
             <a:endParaRPr lang="ko-KR" altLang="en-US"/>
           </a:p>
@@ -3404,24 +3397,43 @@
             <p:ph type="ctrTitle"/>
           </p:nvPr>
         </p:nvSpPr>
-        <p:spPr/>
+        <p:spPr>
+          <a:xfrm>
+            <a:off x="685800" y="908720"/>
+            <a:ext cx="7772400" cy="1470025"/>
+          </a:xfrm>
+        </p:spPr>
         <p:txBody>
           <a:bodyPr/>
           <a:lstStyle/>
           <a:p>
             <a:r>
-              <a:rPr lang="ko-KR" altLang="en-US" dirty="0" err="1" smtClean="0">
-                <a:latin typeface="배달의민족 주아" pitchFamily="18" charset="-127"/>
-                <a:ea typeface="배달의민족 주아" pitchFamily="18" charset="-127"/>
-              </a:rPr>
-              <a:t>파이썬</a:t>
-            </a:r>
-            <a:r>
-              <a:rPr lang="en-US" altLang="ko-KR" dirty="0" smtClean="0">
-                <a:latin typeface="배달의민족 주아" pitchFamily="18" charset="-127"/>
-                <a:ea typeface="배달의민족 주아" pitchFamily="18" charset="-127"/>
-              </a:rPr>
-              <a:t>?</a:t>
+              <a:rPr lang="ko-KR" altLang="en-US" dirty="0" smtClean="0">
+                <a:latin typeface="배달의민족 주아" pitchFamily="18" charset="-127"/>
+                <a:ea typeface="배달의민족 주아" pitchFamily="18" charset="-127"/>
+              </a:rPr>
+              <a:t>미리 예약된 이름</a:t>
+            </a:r>
+            <a:r>
+              <a:rPr lang="en-US" altLang="ko-KR" dirty="0" smtClean="0">
+                <a:latin typeface="배달의민족 주아" pitchFamily="18" charset="-127"/>
+                <a:ea typeface="배달의민족 주아" pitchFamily="18" charset="-127"/>
+              </a:rPr>
+              <a:t>(</a:t>
+            </a:r>
+            <a:r>
+              <a:rPr lang="ko-KR" altLang="en-US" dirty="0" smtClean="0">
+                <a:latin typeface="배달의민족 주아" pitchFamily="18" charset="-127"/>
+                <a:ea typeface="배달의민족 주아" pitchFamily="18" charset="-127"/>
+              </a:rPr>
+              <a:t>키워드</a:t>
+            </a:r>
+            <a:r>
+              <a:rPr lang="en-US" altLang="ko-KR" dirty="0" smtClean="0">
+                <a:latin typeface="배달의민족 주아" pitchFamily="18" charset="-127"/>
+                <a:ea typeface="배달의민족 주아" pitchFamily="18" charset="-127"/>
+              </a:rPr>
+              <a:t>)</a:t>
             </a:r>
             <a:endParaRPr lang="ko-KR" altLang="en-US" dirty="0">
               <a:latin typeface="배달의민족 주아" pitchFamily="18" charset="-127"/>
@@ -3495,20 +3507,65 @@
       </p:sp>
       <p:sp>
         <p:nvSpPr>
-          <p:cNvPr id="6" name="직사각형 5"/>
-          <p:cNvSpPr/>
+          <p:cNvPr id="4" name="제목 1"/>
+          <p:cNvSpPr txBox="1">
+            <a:spLocks/>
+          </p:cNvSpPr>
           <p:nvPr/>
         </p:nvSpPr>
         <p:spPr>
           <a:xfrm>
-            <a:off x="107504" y="116632"/>
-            <a:ext cx="2592288" cy="646331"/>
+            <a:off x="685800" y="2895079"/>
+            <a:ext cx="7772400" cy="1470025"/>
           </a:xfrm>
           <a:prstGeom prst="rect">
             <a:avLst/>
           </a:prstGeom>
         </p:spPr>
         <p:txBody>
+          <a:bodyPr vert="horz" lIns="91440" tIns="45720" rIns="91440" bIns="45720" rtlCol="0" anchor="ctr">
+            <a:normAutofit/>
+          </a:bodyPr>
+          <a:lstStyle>
+            <a:lvl1pPr algn="ctr" defTabSz="914400" rtl="0" eaLnBrk="1" latinLnBrk="1" hangingPunct="1">
+              <a:spcBef>
+                <a:spcPct val="0"/>
+              </a:spcBef>
+              <a:buNone/>
+              <a:defRPr sz="4400" kern="1200">
+                <a:solidFill>
+                  <a:schemeClr val="tx1"/>
+                </a:solidFill>
+                <a:latin typeface="+mj-lt"/>
+                <a:ea typeface="+mj-ea"/>
+                <a:cs typeface="+mj-cs"/>
+              </a:defRPr>
+            </a:lvl1pPr>
+          </a:lstStyle>
+          <a:p>
+            <a:endParaRPr lang="ko-KR" altLang="en-US" dirty="0">
+              <a:latin typeface="배달의민족 주아" pitchFamily="18" charset="-127"/>
+              <a:ea typeface="배달의민족 주아" pitchFamily="18" charset="-127"/>
+            </a:endParaRPr>
+          </a:p>
+        </p:txBody>
+      </p:sp>
+      <p:sp>
+        <p:nvSpPr>
+          <p:cNvPr id="5" name="직사각형 4"/>
+          <p:cNvSpPr/>
+          <p:nvPr/>
+        </p:nvSpPr>
+        <p:spPr>
+          <a:xfrm>
+            <a:off x="107504" y="116632"/>
+            <a:ext cx="2592288" cy="369332"/>
+          </a:xfrm>
+          <a:prstGeom prst="rect">
+            <a:avLst/>
+          </a:prstGeom>
+        </p:spPr>
+        <p:txBody>
           <a:bodyPr wrap="square">
             <a:spAutoFit/>
           </a:bodyPr>
@@ -3519,49 +3576,184 @@
                 <a:latin typeface="배달의민족 주아" pitchFamily="18" charset="-127"/>
                 <a:ea typeface="배달의민족 주아" pitchFamily="18" charset="-127"/>
               </a:rPr>
-              <a:t>2. </a:t>
-            </a:r>
-            <a:r>
-              <a:rPr lang="ko-KR" altLang="en-US" dirty="0" err="1" smtClean="0">
-                <a:latin typeface="배달의민족 주아" pitchFamily="18" charset="-127"/>
-                <a:ea typeface="배달의민족 주아" pitchFamily="18" charset="-127"/>
-              </a:rPr>
-              <a:t>파이썬이란</a:t>
+              <a:t>3. </a:t>
             </a:r>
             <a:r>
               <a:rPr lang="ko-KR" altLang="en-US" dirty="0" smtClean="0">
                 <a:latin typeface="배달의민족 주아" pitchFamily="18" charset="-127"/>
                 <a:ea typeface="배달의민족 주아" pitchFamily="18" charset="-127"/>
               </a:rPr>
-              <a:t> </a:t>
-            </a:r>
-            <a:r>
-              <a:rPr lang="ko-KR" altLang="en-US" dirty="0">
-                <a:latin typeface="배달의민족 주아" pitchFamily="18" charset="-127"/>
-                <a:ea typeface="배달의민족 주아" pitchFamily="18" charset="-127"/>
-              </a:rPr>
-              <a:t>무엇인가</a:t>
-            </a:r>
+              <a:t>변수</a:t>
+            </a:r>
+            <a:r>
+              <a:rPr lang="en-US" altLang="ko-KR" dirty="0" smtClean="0">
+                <a:latin typeface="배달의민족 주아" pitchFamily="18" charset="-127"/>
+                <a:ea typeface="배달의민족 주아" pitchFamily="18" charset="-127"/>
+              </a:rPr>
+              <a:t>(variable)</a:t>
+            </a:r>
+            <a:endParaRPr lang="ko-KR" altLang="en-US" dirty="0"/>
+          </a:p>
+        </p:txBody>
+      </p:sp>
+      <p:sp>
+        <p:nvSpPr>
+          <p:cNvPr id="13" name="제목 1"/>
+          <p:cNvSpPr txBox="1">
+            <a:spLocks/>
+          </p:cNvSpPr>
+          <p:nvPr/>
+        </p:nvSpPr>
+        <p:spPr>
+          <a:xfrm>
+            <a:off x="251520" y="2505174"/>
+            <a:ext cx="8712968" cy="1254001"/>
+          </a:xfrm>
+          <a:prstGeom prst="rect">
+            <a:avLst/>
+          </a:prstGeom>
+        </p:spPr>
+        <p:txBody>
+          <a:bodyPr vert="horz" lIns="91440" tIns="45720" rIns="91440" bIns="45720" rtlCol="0" anchor="ctr">
+            <a:normAutofit/>
+          </a:bodyPr>
+          <a:lstStyle>
+            <a:lvl1pPr algn="ctr" defTabSz="914400" rtl="0" eaLnBrk="1" latinLnBrk="1" hangingPunct="1">
+              <a:spcBef>
+                <a:spcPct val="0"/>
+              </a:spcBef>
+              <a:buNone/>
+              <a:defRPr sz="4400" kern="1200">
+                <a:solidFill>
+                  <a:schemeClr val="tx1"/>
+                </a:solidFill>
+                <a:latin typeface="+mj-lt"/>
+                <a:ea typeface="+mj-ea"/>
+                <a:cs typeface="+mj-cs"/>
+              </a:defRPr>
+            </a:lvl1pPr>
+          </a:lstStyle>
+          <a:p>
+            <a:endParaRPr lang="ko-KR" altLang="en-US" sz="3600" dirty="0">
+              <a:latin typeface="배달의민족 주아" pitchFamily="18" charset="-127"/>
+              <a:ea typeface="배달의민족 주아" pitchFamily="18" charset="-127"/>
+            </a:endParaRPr>
+          </a:p>
+        </p:txBody>
+      </p:sp>
+      <p:sp>
+        <p:nvSpPr>
+          <p:cNvPr id="9" name="직사각형 8"/>
+          <p:cNvSpPr/>
+          <p:nvPr/>
+        </p:nvSpPr>
+        <p:spPr>
+          <a:xfrm>
+            <a:off x="899592" y="2708920"/>
+            <a:ext cx="7342584" cy="923330"/>
+          </a:xfrm>
+          <a:prstGeom prst="rect">
+            <a:avLst/>
+          </a:prstGeom>
+          <a:solidFill>
+            <a:schemeClr val="tx1"/>
+          </a:solidFill>
+          <a:effectLst>
+            <a:softEdge rad="31750"/>
+          </a:effectLst>
+        </p:spPr>
+        <p:txBody>
+          <a:bodyPr wrap="square">
+            <a:spAutoFit/>
+          </a:bodyPr>
+          <a:lstStyle/>
+          <a:p>
             <a:r>
               <a:rPr lang="en-US" altLang="ko-KR" dirty="0">
-                <a:latin typeface="배달의민족 주아" pitchFamily="18" charset="-127"/>
-                <a:ea typeface="배달의민족 주아" pitchFamily="18" charset="-127"/>
-              </a:rPr>
-              <a:t>?</a:t>
+                <a:solidFill>
+                  <a:srgbClr val="C586C0"/>
+                </a:solidFill>
+                <a:latin typeface="Consolas"/>
+              </a:rPr>
+              <a:t>import</a:t>
+            </a:r>
+            <a:r>
+              <a:rPr lang="en-US" altLang="ko-KR" dirty="0">
+                <a:solidFill>
+                  <a:srgbClr val="D4D4D4"/>
+                </a:solidFill>
+                <a:latin typeface="Consolas"/>
+              </a:rPr>
+              <a:t> keyword</a:t>
+            </a:r>
+          </a:p>
+          <a:p>
+            <a:r>
+              <a:rPr lang="en-US" altLang="ko-KR" dirty="0">
+                <a:solidFill>
+                  <a:srgbClr val="D4D4D4"/>
+                </a:solidFill>
+                <a:latin typeface="Consolas"/>
+              </a:rPr>
+              <a:t/>
             </a:r>
             <a:br>
               <a:rPr lang="en-US" altLang="ko-KR" dirty="0">
-                <a:latin typeface="배달의민족 주아" pitchFamily="18" charset="-127"/>
-                <a:ea typeface="배달의민족 주아" pitchFamily="18" charset="-127"/>
+                <a:solidFill>
+                  <a:srgbClr val="D4D4D4"/>
+                </a:solidFill>
+                <a:latin typeface="Consolas"/>
               </a:rPr>
             </a:br>
-            <a:endParaRPr lang="ko-KR" altLang="en-US" dirty="0"/>
+            <a:r>
+              <a:rPr lang="en-US" altLang="ko-KR" dirty="0">
+                <a:solidFill>
+                  <a:srgbClr val="DCDCAA"/>
+                </a:solidFill>
+                <a:latin typeface="Consolas"/>
+              </a:rPr>
+              <a:t>print</a:t>
+            </a:r>
+            <a:r>
+              <a:rPr lang="en-US" altLang="ko-KR" dirty="0">
+                <a:solidFill>
+                  <a:srgbClr val="D4D4D4"/>
+                </a:solidFill>
+                <a:latin typeface="Consolas"/>
+              </a:rPr>
+              <a:t>(</a:t>
+            </a:r>
+            <a:r>
+              <a:rPr lang="en-US" altLang="ko-KR" dirty="0" err="1">
+                <a:solidFill>
+                  <a:srgbClr val="D4D4D4"/>
+                </a:solidFill>
+                <a:latin typeface="Consolas"/>
+              </a:rPr>
+              <a:t>keyword.kwlist</a:t>
+            </a:r>
+            <a:r>
+              <a:rPr lang="en-US" altLang="ko-KR" dirty="0">
+                <a:solidFill>
+                  <a:srgbClr val="D4D4D4"/>
+                </a:solidFill>
+                <a:latin typeface="Consolas"/>
+              </a:rPr>
+              <a:t>)</a:t>
+            </a:r>
+            <a:endParaRPr lang="en-US" altLang="ko-KR" b="0" dirty="0">
+              <a:solidFill>
+                <a:srgbClr val="D4D4D4"/>
+              </a:solidFill>
+              <a:effectLst/>
+              <a:latin typeface="Consolas"/>
+            </a:endParaRPr>
           </a:p>
         </p:txBody>
       </p:sp>
       <p:pic>
         <p:nvPicPr>
-          <p:cNvPr id="7" name="Picture 2" descr="C:\Users\Administrator\Downloads\python.png"/>
+          <p:cNvPr id="2050" name="Picture 2"/>
           <p:cNvPicPr>
             <a:picLocks noChangeAspect="1" noChangeArrowheads="1"/>
           </p:cNvPicPr>
@@ -3582,20 +3774,39 @@
         </p:blipFill>
         <p:spPr bwMode="auto">
           <a:xfrm>
-            <a:off x="3487431" y="3212976"/>
-            <a:ext cx="2169138" cy="2169138"/>
+            <a:off x="899592" y="4221088"/>
+            <a:ext cx="7342583" cy="936104"/>
           </a:xfrm>
           <a:prstGeom prst="rect">
             <a:avLst/>
           </a:prstGeom>
           <a:noFill/>
+          <a:ln>
+            <a:noFill/>
+          </a:ln>
+          <a:effectLst>
+            <a:outerShdw dist="35921" dir="2700000" algn="ctr" rotWithShape="0">
+              <a:schemeClr val="bg2"/>
+            </a:outerShdw>
+            <a:softEdge rad="31750"/>
+          </a:effectLst>
           <a:extLst>
             <a:ext uri="{909E8E84-426E-40DD-AFC4-6F175D3DCCD1}">
               <a14:hiddenFill xmlns:a14="http://schemas.microsoft.com/office/drawing/2010/main">
                 <a:solidFill>
-                  <a:srgbClr val="FFFFFF"/>
+                  <a:schemeClr val="accent1"/>
                 </a:solidFill>
               </a14:hiddenFill>
+            </a:ext>
+            <a:ext uri="{91240B29-F687-4F45-9708-019B960494DF}">
+              <a14:hiddenLine xmlns:a14="http://schemas.microsoft.com/office/drawing/2010/main" w="9525">
+                <a:solidFill>
+                  <a:schemeClr val="tx1"/>
+                </a:solidFill>
+                <a:miter lim="800000"/>
+                <a:headEnd/>
+                <a:tailEnd/>
+              </a14:hiddenLine>
             </a:ext>
           </a:extLst>
         </p:spPr>
@@ -3603,7 +3814,7 @@
     </p:spTree>
     <p:extLst>
       <p:ext uri="{BB962C8B-B14F-4D97-AF65-F5344CB8AC3E}">
-        <p14:creationId xmlns:p14="http://schemas.microsoft.com/office/powerpoint/2010/main" val="3842579216"/>
+        <p14:creationId xmlns:p14="http://schemas.microsoft.com/office/powerpoint/2010/main" val="4065086377"/>
       </p:ext>
     </p:extLst>
   </p:cSld>
@@ -3631,10 +3842,15 @@
                             </p:stCondLst>
                             <p:childTnLst>
                               <p:par>
-                                <p:cTn id="5" presetID="10" presetClass="entr" presetSubtype="0" fill="hold" nodeType="clickEffect">
+                                <p:cTn id="5" presetID="10" presetClass="entr" presetSubtype="0" fill="hold" grpId="0" nodeType="clickEffect" nodePh="1">
                                   <p:stCondLst>
                                     <p:cond delay="0"/>
                                   </p:stCondLst>
+                                  <p:endCondLst>
+                                    <p:cond evt="begin" delay="0">
+                                      <p:tn val="5"/>
+                                    </p:cond>
+                                  </p:endCondLst>
                                   <p:childTnLst>
                                     <p:set>
                                       <p:cBhvr>
@@ -3644,7 +3860,7 @@
                                           </p:stCondLst>
                                         </p:cTn>
                                         <p:tgtEl>
-                                          <p:spTgt spid="7"/>
+                                          <p:spTgt spid="4"/>
                                         </p:tgtEl>
                                         <p:attrNameLst>
                                           <p:attrName>style.visibility</p:attrName>
@@ -3658,7 +3874,7 @@
                                       <p:cBhvr>
                                         <p:cTn id="7" dur="500"/>
                                         <p:tgtEl>
-                                          <p:spTgt spid="7"/>
+                                          <p:spTgt spid="4"/>
                                         </p:tgtEl>
                                       </p:cBhvr>
                                     </p:animEffect>
@@ -3671,382 +3887,38 @@
                       </p:childTnLst>
                     </p:cTn>
                   </p:par>
-                </p:childTnLst>
-              </p:cTn>
-              <p:prevCondLst>
-                <p:cond evt="onPrev" delay="0">
-                  <p:tgtEl>
-                    <p:sldTgt/>
-                  </p:tgtEl>
-                </p:cond>
-              </p:prevCondLst>
-              <p:nextCondLst>
-                <p:cond evt="onNext" delay="0">
-                  <p:tgtEl>
-                    <p:sldTgt/>
-                  </p:tgtEl>
-                </p:cond>
-              </p:nextCondLst>
-            </p:seq>
-          </p:childTnLst>
-        </p:cTn>
-      </p:par>
-    </p:tnLst>
-  </p:timing>
-</p:sld>
-</file>
-
-<file path=ppt/slides/slide11.xml><?xml version="1.0" encoding="utf-8"?>
-<p:sld xmlns:a="http://schemas.openxmlformats.org/drawingml/2006/main" xmlns:r="http://schemas.openxmlformats.org/officeDocument/2006/relationships" xmlns:p="http://schemas.openxmlformats.org/presentationml/2006/main">
-  <p:cSld>
-    <p:spTree>
-      <p:nvGrpSpPr>
-        <p:cNvPr id="1" name=""/>
-        <p:cNvGrpSpPr/>
-        <p:nvPr/>
-      </p:nvGrpSpPr>
-      <p:grpSpPr>
-        <a:xfrm>
-          <a:off x="0" y="0"/>
-          <a:ext cx="0" cy="0"/>
-          <a:chOff x="0" y="0"/>
-          <a:chExt cx="0" cy="0"/>
-        </a:xfrm>
-      </p:grpSpPr>
-      <p:sp>
-        <p:nvSpPr>
-          <p:cNvPr id="2" name="제목 1"/>
-          <p:cNvSpPr>
-            <a:spLocks noGrp="1"/>
-          </p:cNvSpPr>
-          <p:nvPr>
-            <p:ph type="ctrTitle"/>
-          </p:nvPr>
-        </p:nvSpPr>
-        <p:spPr>
-          <a:xfrm>
-            <a:off x="685800" y="1484784"/>
-            <a:ext cx="7772400" cy="1470025"/>
-          </a:xfrm>
-        </p:spPr>
-        <p:txBody>
-          <a:bodyPr/>
-          <a:lstStyle/>
-          <a:p>
-            <a:r>
-              <a:rPr lang="ko-KR" altLang="en-US" dirty="0" err="1" smtClean="0">
-                <a:latin typeface="배달의민족 주아" pitchFamily="18" charset="-127"/>
-                <a:ea typeface="배달의민족 주아" pitchFamily="18" charset="-127"/>
-              </a:rPr>
-              <a:t>파이썬</a:t>
-            </a:r>
-            <a:r>
-              <a:rPr lang="ko-KR" altLang="en-US" dirty="0" smtClean="0">
-                <a:latin typeface="배달의민족 주아" pitchFamily="18" charset="-127"/>
-                <a:ea typeface="배달의민족 주아" pitchFamily="18" charset="-127"/>
-              </a:rPr>
-              <a:t> 특징</a:t>
-            </a:r>
-            <a:endParaRPr lang="ko-KR" altLang="en-US" dirty="0">
-              <a:latin typeface="배달의민족 주아" pitchFamily="18" charset="-127"/>
-              <a:ea typeface="배달의민족 주아" pitchFamily="18" charset="-127"/>
-            </a:endParaRPr>
-          </a:p>
-        </p:txBody>
-      </p:sp>
-      <p:sp>
-        <p:nvSpPr>
-          <p:cNvPr id="3" name="TextBox 2"/>
-          <p:cNvSpPr txBox="1"/>
-          <p:nvPr/>
-        </p:nvSpPr>
-        <p:spPr>
-          <a:xfrm>
-            <a:off x="6588224" y="6165304"/>
-            <a:ext cx="1838965" cy="369332"/>
-          </a:xfrm>
-          <a:prstGeom prst="rect">
-            <a:avLst/>
-          </a:prstGeom>
-          <a:noFill/>
-        </p:spPr>
-        <p:txBody>
-          <a:bodyPr wrap="none" rtlCol="0">
-            <a:spAutoFit/>
-          </a:bodyPr>
-          <a:lstStyle/>
-          <a:p>
-            <a:r>
-              <a:rPr lang="en-US" altLang="ko-KR" dirty="0" smtClean="0">
-                <a:solidFill>
-                  <a:schemeClr val="accent5"/>
-                </a:solidFill>
-                <a:latin typeface="배달의민족 도현" pitchFamily="50" charset="-127"/>
-                <a:ea typeface="배달의민족 도현" pitchFamily="50" charset="-127"/>
-              </a:rPr>
-              <a:t>S</a:t>
-            </a:r>
-            <a:r>
-              <a:rPr lang="en-US" altLang="ko-KR" dirty="0" smtClean="0">
-                <a:latin typeface="배달의민족 도현" pitchFamily="50" charset="-127"/>
-                <a:ea typeface="배달의민족 도현" pitchFamily="50" charset="-127"/>
-              </a:rPr>
-              <a:t>TART</a:t>
-            </a:r>
-            <a:r>
-              <a:rPr lang="en-US" altLang="ko-KR" dirty="0" smtClean="0">
-                <a:solidFill>
-                  <a:schemeClr val="accent5"/>
-                </a:solidFill>
-                <a:latin typeface="배달의민족 도현" pitchFamily="50" charset="-127"/>
-                <a:ea typeface="배달의민족 도현" pitchFamily="50" charset="-127"/>
-              </a:rPr>
-              <a:t>C</a:t>
-            </a:r>
-            <a:r>
-              <a:rPr lang="en-US" altLang="ko-KR" dirty="0" smtClean="0">
-                <a:latin typeface="배달의민족 도현" pitchFamily="50" charset="-127"/>
-                <a:ea typeface="배달의민족 도현" pitchFamily="50" charset="-127"/>
-              </a:rPr>
-              <a:t>ODING</a:t>
-            </a:r>
-            <a:endParaRPr lang="ko-KR" altLang="en-US" dirty="0">
-              <a:latin typeface="배달의민족 도현" pitchFamily="50" charset="-127"/>
-              <a:ea typeface="배달의민족 도현" pitchFamily="50" charset="-127"/>
-            </a:endParaRPr>
-          </a:p>
-        </p:txBody>
-      </p:sp>
-      <p:sp>
-        <p:nvSpPr>
-          <p:cNvPr id="6" name="직사각형 5"/>
-          <p:cNvSpPr/>
-          <p:nvPr/>
-        </p:nvSpPr>
-        <p:spPr>
-          <a:xfrm>
-            <a:off x="107504" y="116632"/>
-            <a:ext cx="2592288" cy="646331"/>
-          </a:xfrm>
-          <a:prstGeom prst="rect">
-            <a:avLst/>
-          </a:prstGeom>
-        </p:spPr>
-        <p:txBody>
-          <a:bodyPr wrap="square">
-            <a:spAutoFit/>
-          </a:bodyPr>
-          <a:lstStyle/>
-          <a:p>
-            <a:r>
-              <a:rPr lang="en-US" altLang="ko-KR" dirty="0" smtClean="0">
-                <a:latin typeface="배달의민족 주아" pitchFamily="18" charset="-127"/>
-                <a:ea typeface="배달의민족 주아" pitchFamily="18" charset="-127"/>
-              </a:rPr>
-              <a:t>2. </a:t>
-            </a:r>
-            <a:r>
-              <a:rPr lang="ko-KR" altLang="en-US" dirty="0" err="1" smtClean="0">
-                <a:latin typeface="배달의민족 주아" pitchFamily="18" charset="-127"/>
-                <a:ea typeface="배달의민족 주아" pitchFamily="18" charset="-127"/>
-              </a:rPr>
-              <a:t>파이썬이란</a:t>
-            </a:r>
-            <a:r>
-              <a:rPr lang="ko-KR" altLang="en-US" dirty="0" smtClean="0">
-                <a:latin typeface="배달의민족 주아" pitchFamily="18" charset="-127"/>
-                <a:ea typeface="배달의민족 주아" pitchFamily="18" charset="-127"/>
-              </a:rPr>
-              <a:t> </a:t>
-            </a:r>
-            <a:r>
-              <a:rPr lang="ko-KR" altLang="en-US" dirty="0">
-                <a:latin typeface="배달의민족 주아" pitchFamily="18" charset="-127"/>
-                <a:ea typeface="배달의민족 주아" pitchFamily="18" charset="-127"/>
-              </a:rPr>
-              <a:t>무엇인가</a:t>
-            </a:r>
-            <a:r>
-              <a:rPr lang="en-US" altLang="ko-KR" dirty="0">
-                <a:latin typeface="배달의민족 주아" pitchFamily="18" charset="-127"/>
-                <a:ea typeface="배달의민족 주아" pitchFamily="18" charset="-127"/>
-              </a:rPr>
-              <a:t>?</a:t>
-            </a:r>
-            <a:br>
-              <a:rPr lang="en-US" altLang="ko-KR" dirty="0">
-                <a:latin typeface="배달의민족 주아" pitchFamily="18" charset="-127"/>
-                <a:ea typeface="배달의민족 주아" pitchFamily="18" charset="-127"/>
-              </a:rPr>
-            </a:br>
-            <a:endParaRPr lang="ko-KR" altLang="en-US" dirty="0"/>
-          </a:p>
-        </p:txBody>
-      </p:sp>
-      <p:sp>
-        <p:nvSpPr>
-          <p:cNvPr id="11" name="제목 1"/>
-          <p:cNvSpPr txBox="1">
-            <a:spLocks/>
-          </p:cNvSpPr>
-          <p:nvPr/>
-        </p:nvSpPr>
-        <p:spPr>
-          <a:xfrm>
-            <a:off x="1552128" y="3183111"/>
-            <a:ext cx="7772400" cy="1470025"/>
-          </a:xfrm>
-          <a:prstGeom prst="rect">
-            <a:avLst/>
-          </a:prstGeom>
-        </p:spPr>
-        <p:txBody>
-          <a:bodyPr vert="horz" lIns="91440" tIns="45720" rIns="91440" bIns="45720" rtlCol="0" anchor="ctr">
-            <a:normAutofit fontScale="85000" lnSpcReduction="20000"/>
-          </a:bodyPr>
-          <a:lstStyle>
-            <a:lvl1pPr algn="ctr" defTabSz="914400" rtl="0" eaLnBrk="1" latinLnBrk="1" hangingPunct="1">
-              <a:spcBef>
-                <a:spcPct val="0"/>
-              </a:spcBef>
-              <a:buNone/>
-              <a:defRPr sz="4400" kern="1200">
-                <a:solidFill>
-                  <a:schemeClr val="tx1"/>
-                </a:solidFill>
-                <a:latin typeface="+mj-lt"/>
-                <a:ea typeface="+mj-ea"/>
-                <a:cs typeface="+mj-cs"/>
-              </a:defRPr>
-            </a:lvl1pPr>
-          </a:lstStyle>
-          <a:p>
-            <a:pPr algn="l"/>
-            <a:r>
-              <a:rPr lang="en-US" altLang="ko-KR" dirty="0" smtClean="0">
-                <a:latin typeface="배달의민족 주아" pitchFamily="18" charset="-127"/>
-                <a:ea typeface="배달의민족 주아" pitchFamily="18" charset="-127"/>
-              </a:rPr>
-              <a:t>1. </a:t>
-            </a:r>
-            <a:r>
-              <a:rPr lang="ko-KR" altLang="en-US" dirty="0" smtClean="0">
-                <a:latin typeface="배달의민족 주아" pitchFamily="18" charset="-127"/>
-                <a:ea typeface="배달의민족 주아" pitchFamily="18" charset="-127"/>
-              </a:rPr>
-              <a:t>초보자가 배우기 쉽다</a:t>
-            </a:r>
-            <a:endParaRPr lang="en-US" altLang="ko-KR" dirty="0" smtClean="0">
-              <a:latin typeface="배달의민족 주아" pitchFamily="18" charset="-127"/>
-              <a:ea typeface="배달의민족 주아" pitchFamily="18" charset="-127"/>
-            </a:endParaRPr>
-          </a:p>
-          <a:p>
-            <a:pPr algn="l"/>
-            <a:r>
-              <a:rPr lang="en-US" altLang="ko-KR" dirty="0" smtClean="0">
-                <a:latin typeface="배달의민족 주아" pitchFamily="18" charset="-127"/>
-                <a:ea typeface="배달의민족 주아" pitchFamily="18" charset="-127"/>
-              </a:rPr>
-              <a:t>2. </a:t>
-            </a:r>
-            <a:r>
-              <a:rPr lang="ko-KR" altLang="en-US" dirty="0" smtClean="0">
-                <a:latin typeface="배달의민족 주아" pitchFamily="18" charset="-127"/>
-                <a:ea typeface="배달의민족 주아" pitchFamily="18" charset="-127"/>
-              </a:rPr>
-              <a:t>인기가 많다 </a:t>
-            </a:r>
-            <a:r>
-              <a:rPr lang="en-US" altLang="ko-KR" dirty="0" smtClean="0">
-                <a:latin typeface="배달의민족 주아" pitchFamily="18" charset="-127"/>
-                <a:ea typeface="배달의민족 주아" pitchFamily="18" charset="-127"/>
-              </a:rPr>
-              <a:t>(</a:t>
-            </a:r>
-            <a:r>
-              <a:rPr lang="ko-KR" altLang="en-US" dirty="0" smtClean="0">
-                <a:latin typeface="배달의민족 주아" pitchFamily="18" charset="-127"/>
-                <a:ea typeface="배달의민족 주아" pitchFamily="18" charset="-127"/>
-              </a:rPr>
-              <a:t>참고할 자료가 많다</a:t>
-            </a:r>
-            <a:r>
-              <a:rPr lang="en-US" altLang="ko-KR" dirty="0" smtClean="0">
-                <a:latin typeface="배달의민족 주아" pitchFamily="18" charset="-127"/>
-                <a:ea typeface="배달의민족 주아" pitchFamily="18" charset="-127"/>
-              </a:rPr>
-              <a:t>)</a:t>
-            </a:r>
-          </a:p>
-          <a:p>
-            <a:pPr algn="l"/>
-            <a:r>
-              <a:rPr lang="en-US" altLang="ko-KR" dirty="0" smtClean="0">
-                <a:latin typeface="배달의민족 주아" pitchFamily="18" charset="-127"/>
-                <a:ea typeface="배달의민족 주아" pitchFamily="18" charset="-127"/>
-              </a:rPr>
-              <a:t>3. </a:t>
-            </a:r>
-            <a:r>
-              <a:rPr lang="ko-KR" altLang="en-US" dirty="0" smtClean="0">
-                <a:latin typeface="배달의민족 주아" pitchFamily="18" charset="-127"/>
-                <a:ea typeface="배달의민족 주아" pitchFamily="18" charset="-127"/>
-              </a:rPr>
-              <a:t>다양한 분야에 활용 될 수 있다</a:t>
-            </a:r>
-            <a:endParaRPr lang="ko-KR" altLang="en-US" dirty="0">
-              <a:latin typeface="배달의민족 주아" pitchFamily="18" charset="-127"/>
-              <a:ea typeface="배달의민족 주아" pitchFamily="18" charset="-127"/>
-            </a:endParaRPr>
-          </a:p>
-        </p:txBody>
-      </p:sp>
-    </p:spTree>
-    <p:extLst>
-      <p:ext uri="{BB962C8B-B14F-4D97-AF65-F5344CB8AC3E}">
-        <p14:creationId xmlns:p14="http://schemas.microsoft.com/office/powerpoint/2010/main" val="2797372766"/>
-      </p:ext>
-    </p:extLst>
-  </p:cSld>
-  <p:clrMapOvr>
-    <a:masterClrMapping/>
-  </p:clrMapOvr>
-  <p:timing>
-    <p:tnLst>
-      <p:par>
-        <p:cTn id="1" dur="indefinite" restart="never" nodeType="tmRoot">
-          <p:childTnLst>
-            <p:seq concurrent="1" nextAc="seek">
-              <p:cTn id="2" dur="indefinite" nodeType="mainSeq">
-                <p:childTnLst>
                   <p:par>
-                    <p:cTn id="3" fill="hold">
+                    <p:cTn id="8" fill="hold">
                       <p:stCondLst>
                         <p:cond delay="indefinite"/>
                       </p:stCondLst>
                       <p:childTnLst>
                         <p:par>
-                          <p:cTn id="4" fill="hold">
+                          <p:cTn id="9" fill="hold">
                             <p:stCondLst>
                               <p:cond delay="0"/>
                             </p:stCondLst>
                             <p:childTnLst>
                               <p:par>
-                                <p:cTn id="5" presetID="10" presetClass="entr" presetSubtype="0" fill="hold" grpId="0" nodeType="clickEffect">
+                                <p:cTn id="10" presetID="10" presetClass="entr" presetSubtype="0" fill="hold" grpId="0" nodeType="clickEffect" nodePh="1">
                                   <p:stCondLst>
                                     <p:cond delay="0"/>
                                   </p:stCondLst>
+                                  <p:endCondLst>
+                                    <p:cond evt="begin" delay="0">
+                                      <p:tn val="10"/>
+                                    </p:cond>
+                                  </p:endCondLst>
                                   <p:childTnLst>
                                     <p:set>
                                       <p:cBhvr>
-                                        <p:cTn id="6" dur="1" fill="hold">
+                                        <p:cTn id="11" dur="1" fill="hold">
                                           <p:stCondLst>
                                             <p:cond delay="0"/>
                                           </p:stCondLst>
                                         </p:cTn>
                                         <p:tgtEl>
-                                          <p:spTgt spid="11"/>
+                                          <p:spTgt spid="13"/>
                                         </p:tgtEl>
                                         <p:attrNameLst>
                                           <p:attrName>style.visibility</p:attrName>
@@ -4058,9 +3930,9 @@
                                     </p:set>
                                     <p:animEffect transition="in" filter="fade">
                                       <p:cBhvr>
-                                        <p:cTn id="7" dur="500"/>
+                                        <p:cTn id="12" dur="500"/>
                                         <p:tgtEl>
-                                          <p:spTgt spid="11"/>
+                                          <p:spTgt spid="13"/>
                                         </p:tgtEl>
                                       </p:cBhvr>
                                     </p:animEffect>
@@ -4095,2575 +3967,14 @@
       </p:par>
     </p:tnLst>
     <p:bldLst>
-      <p:bldP spid="11" grpId="0"/>
+      <p:bldP spid="4" grpId="0"/>
+      <p:bldP spid="13" grpId="0"/>
     </p:bldLst>
   </p:timing>
 </p:sld>
 </file>
 
-<file path=ppt/slides/slide12.xml><?xml version="1.0" encoding="utf-8"?>
-<p:sld xmlns:a="http://schemas.openxmlformats.org/drawingml/2006/main" xmlns:r="http://schemas.openxmlformats.org/officeDocument/2006/relationships" xmlns:p="http://schemas.openxmlformats.org/presentationml/2006/main">
-  <p:cSld>
-    <p:spTree>
-      <p:nvGrpSpPr>
-        <p:cNvPr id="1" name=""/>
-        <p:cNvGrpSpPr/>
-        <p:nvPr/>
-      </p:nvGrpSpPr>
-      <p:grpSpPr>
-        <a:xfrm>
-          <a:off x="0" y="0"/>
-          <a:ext cx="0" cy="0"/>
-          <a:chOff x="0" y="0"/>
-          <a:chExt cx="0" cy="0"/>
-        </a:xfrm>
-      </p:grpSpPr>
-      <p:sp>
-        <p:nvSpPr>
-          <p:cNvPr id="2" name="제목 1"/>
-          <p:cNvSpPr>
-            <a:spLocks noGrp="1"/>
-          </p:cNvSpPr>
-          <p:nvPr>
-            <p:ph type="ctrTitle"/>
-          </p:nvPr>
-        </p:nvSpPr>
-        <p:spPr>
-          <a:xfrm>
-            <a:off x="685800" y="1484784"/>
-            <a:ext cx="7772400" cy="1470025"/>
-          </a:xfrm>
-        </p:spPr>
-        <p:txBody>
-          <a:bodyPr>
-            <a:noAutofit/>
-          </a:bodyPr>
-          <a:lstStyle/>
-          <a:p>
-            <a:pPr algn="l"/>
-            <a:r>
-              <a:rPr lang="en-US" altLang="ko-KR" sz="3200" dirty="0" smtClean="0">
-                <a:solidFill>
-                  <a:schemeClr val="accent4"/>
-                </a:solidFill>
-                <a:latin typeface="Consolas" pitchFamily="49" charset="0"/>
-                <a:ea typeface="배달의민족 주아" pitchFamily="18" charset="-127"/>
-                <a:cs typeface="Consolas" pitchFamily="49" charset="0"/>
-              </a:rPr>
-              <a:t>#include </a:t>
-            </a:r>
-            <a:r>
-              <a:rPr lang="en-US" altLang="ko-KR" sz="3200" dirty="0" smtClean="0">
-                <a:latin typeface="Consolas" pitchFamily="49" charset="0"/>
-                <a:ea typeface="배달의민족 주아" pitchFamily="18" charset="-127"/>
-                <a:cs typeface="Consolas" pitchFamily="49" charset="0"/>
-              </a:rPr>
-              <a:t>&lt;</a:t>
-            </a:r>
-            <a:r>
-              <a:rPr lang="en-US" altLang="ko-KR" sz="3200" dirty="0" err="1" smtClean="0">
-                <a:latin typeface="Consolas" pitchFamily="49" charset="0"/>
-                <a:ea typeface="배달의민족 주아" pitchFamily="18" charset="-127"/>
-                <a:cs typeface="Consolas" pitchFamily="49" charset="0"/>
-              </a:rPr>
-              <a:t>stdio.h</a:t>
-            </a:r>
-            <a:r>
-              <a:rPr lang="en-US" altLang="ko-KR" sz="3200" dirty="0" smtClean="0">
-                <a:latin typeface="Consolas" pitchFamily="49" charset="0"/>
-                <a:ea typeface="배달의민족 주아" pitchFamily="18" charset="-127"/>
-                <a:cs typeface="Consolas" pitchFamily="49" charset="0"/>
-              </a:rPr>
-              <a:t>&gt;</a:t>
-            </a:r>
-            <a:br>
-              <a:rPr lang="en-US" altLang="ko-KR" sz="3200" dirty="0" smtClean="0">
-                <a:latin typeface="Consolas" pitchFamily="49" charset="0"/>
-                <a:ea typeface="배달의민족 주아" pitchFamily="18" charset="-127"/>
-                <a:cs typeface="Consolas" pitchFamily="49" charset="0"/>
-              </a:rPr>
-            </a:br>
-            <a:r>
-              <a:rPr lang="en-US" altLang="ko-KR" sz="3200" dirty="0" err="1" smtClean="0">
-                <a:latin typeface="Consolas" pitchFamily="49" charset="0"/>
-                <a:ea typeface="배달의민족 주아" pitchFamily="18" charset="-127"/>
-                <a:cs typeface="Consolas" pitchFamily="49" charset="0"/>
-              </a:rPr>
-              <a:t>int</a:t>
-            </a:r>
-            <a:r>
-              <a:rPr lang="en-US" altLang="ko-KR" sz="3200" dirty="0" smtClean="0">
-                <a:latin typeface="Consolas" pitchFamily="49" charset="0"/>
-                <a:ea typeface="배달의민족 주아" pitchFamily="18" charset="-127"/>
-                <a:cs typeface="Consolas" pitchFamily="49" charset="0"/>
-              </a:rPr>
-              <a:t> main (void){</a:t>
-            </a:r>
-            <a:br>
-              <a:rPr lang="en-US" altLang="ko-KR" sz="3200" dirty="0" smtClean="0">
-                <a:latin typeface="Consolas" pitchFamily="49" charset="0"/>
-                <a:ea typeface="배달의민족 주아" pitchFamily="18" charset="-127"/>
-                <a:cs typeface="Consolas" pitchFamily="49" charset="0"/>
-              </a:rPr>
-            </a:br>
-            <a:r>
-              <a:rPr lang="en-US" altLang="ko-KR" sz="3200" dirty="0" smtClean="0">
-                <a:latin typeface="Consolas" pitchFamily="49" charset="0"/>
-                <a:ea typeface="배달의민족 주아" pitchFamily="18" charset="-127"/>
-                <a:cs typeface="Consolas" pitchFamily="49" charset="0"/>
-              </a:rPr>
-              <a:t>	</a:t>
-            </a:r>
-            <a:r>
-              <a:rPr lang="en-US" altLang="ko-KR" sz="3200" dirty="0" err="1" smtClean="0">
-                <a:latin typeface="Consolas" pitchFamily="49" charset="0"/>
-                <a:ea typeface="배달의민족 주아" pitchFamily="18" charset="-127"/>
-                <a:cs typeface="Consolas" pitchFamily="49" charset="0"/>
-              </a:rPr>
-              <a:t>printf</a:t>
-            </a:r>
-            <a:r>
-              <a:rPr lang="en-US" altLang="ko-KR" sz="3200" dirty="0" smtClean="0">
-                <a:latin typeface="Consolas" pitchFamily="49" charset="0"/>
-                <a:ea typeface="배달의민족 주아" pitchFamily="18" charset="-127"/>
-                <a:cs typeface="Consolas" pitchFamily="49" charset="0"/>
-              </a:rPr>
-              <a:t>( </a:t>
-            </a:r>
-            <a:r>
-              <a:rPr lang="en-US" altLang="ko-KR" sz="3200" dirty="0" smtClean="0">
-                <a:solidFill>
-                  <a:schemeClr val="accent6"/>
-                </a:solidFill>
-                <a:latin typeface="Consolas" pitchFamily="49" charset="0"/>
-                <a:ea typeface="배달의민족 주아" pitchFamily="18" charset="-127"/>
-                <a:cs typeface="Consolas" pitchFamily="49" charset="0"/>
-              </a:rPr>
-              <a:t>“hello” </a:t>
-            </a:r>
-            <a:r>
-              <a:rPr lang="en-US" altLang="ko-KR" sz="3200" dirty="0" smtClean="0">
-                <a:latin typeface="Consolas" pitchFamily="49" charset="0"/>
-                <a:ea typeface="배달의민족 주아" pitchFamily="18" charset="-127"/>
-                <a:cs typeface="Consolas" pitchFamily="49" charset="0"/>
-              </a:rPr>
-              <a:t>);</a:t>
-            </a:r>
-            <a:r>
-              <a:rPr lang="en-US" altLang="ko-KR" sz="3200" dirty="0">
-                <a:latin typeface="Consolas" pitchFamily="49" charset="0"/>
-                <a:ea typeface="배달의민족 주아" pitchFamily="18" charset="-127"/>
-                <a:cs typeface="Consolas" pitchFamily="49" charset="0"/>
-              </a:rPr>
-              <a:t/>
-            </a:r>
-            <a:br>
-              <a:rPr lang="en-US" altLang="ko-KR" sz="3200" dirty="0">
-                <a:latin typeface="Consolas" pitchFamily="49" charset="0"/>
-                <a:ea typeface="배달의민족 주아" pitchFamily="18" charset="-127"/>
-                <a:cs typeface="Consolas" pitchFamily="49" charset="0"/>
-              </a:rPr>
-            </a:br>
-            <a:r>
-              <a:rPr lang="en-US" altLang="ko-KR" sz="3200" dirty="0" smtClean="0">
-                <a:latin typeface="Consolas" pitchFamily="49" charset="0"/>
-                <a:ea typeface="배달의민족 주아" pitchFamily="18" charset="-127"/>
-                <a:cs typeface="Consolas" pitchFamily="49" charset="0"/>
-              </a:rPr>
-              <a:t>	return 0;</a:t>
-            </a:r>
-            <a:br>
-              <a:rPr lang="en-US" altLang="ko-KR" sz="3200" dirty="0" smtClean="0">
-                <a:latin typeface="Consolas" pitchFamily="49" charset="0"/>
-                <a:ea typeface="배달의민족 주아" pitchFamily="18" charset="-127"/>
-                <a:cs typeface="Consolas" pitchFamily="49" charset="0"/>
-              </a:rPr>
-            </a:br>
-            <a:r>
-              <a:rPr lang="en-US" altLang="ko-KR" sz="3200" dirty="0">
-                <a:latin typeface="Consolas" pitchFamily="49" charset="0"/>
-                <a:ea typeface="배달의민족 주아" pitchFamily="18" charset="-127"/>
-                <a:cs typeface="Consolas" pitchFamily="49" charset="0"/>
-              </a:rPr>
-              <a:t>}</a:t>
-            </a:r>
-            <a:endParaRPr lang="ko-KR" altLang="en-US" sz="3200" dirty="0">
-              <a:latin typeface="Consolas" pitchFamily="49" charset="0"/>
-              <a:ea typeface="배달의민족 주아" pitchFamily="18" charset="-127"/>
-              <a:cs typeface="Consolas" pitchFamily="49" charset="0"/>
-            </a:endParaRPr>
-          </a:p>
-        </p:txBody>
-      </p:sp>
-      <p:sp>
-        <p:nvSpPr>
-          <p:cNvPr id="3" name="TextBox 2"/>
-          <p:cNvSpPr txBox="1"/>
-          <p:nvPr/>
-        </p:nvSpPr>
-        <p:spPr>
-          <a:xfrm>
-            <a:off x="6588224" y="6165304"/>
-            <a:ext cx="1838965" cy="369332"/>
-          </a:xfrm>
-          <a:prstGeom prst="rect">
-            <a:avLst/>
-          </a:prstGeom>
-          <a:noFill/>
-        </p:spPr>
-        <p:txBody>
-          <a:bodyPr wrap="none" rtlCol="0">
-            <a:spAutoFit/>
-          </a:bodyPr>
-          <a:lstStyle/>
-          <a:p>
-            <a:r>
-              <a:rPr lang="en-US" altLang="ko-KR" dirty="0" smtClean="0">
-                <a:solidFill>
-                  <a:schemeClr val="accent5"/>
-                </a:solidFill>
-                <a:latin typeface="배달의민족 도현" pitchFamily="50" charset="-127"/>
-                <a:ea typeface="배달의민족 도현" pitchFamily="50" charset="-127"/>
-              </a:rPr>
-              <a:t>S</a:t>
-            </a:r>
-            <a:r>
-              <a:rPr lang="en-US" altLang="ko-KR" dirty="0" smtClean="0">
-                <a:latin typeface="배달의민족 도현" pitchFamily="50" charset="-127"/>
-                <a:ea typeface="배달의민족 도현" pitchFamily="50" charset="-127"/>
-              </a:rPr>
-              <a:t>TART</a:t>
-            </a:r>
-            <a:r>
-              <a:rPr lang="en-US" altLang="ko-KR" dirty="0" smtClean="0">
-                <a:solidFill>
-                  <a:schemeClr val="accent5"/>
-                </a:solidFill>
-                <a:latin typeface="배달의민족 도현" pitchFamily="50" charset="-127"/>
-                <a:ea typeface="배달의민족 도현" pitchFamily="50" charset="-127"/>
-              </a:rPr>
-              <a:t>C</a:t>
-            </a:r>
-            <a:r>
-              <a:rPr lang="en-US" altLang="ko-KR" dirty="0" smtClean="0">
-                <a:latin typeface="배달의민족 도현" pitchFamily="50" charset="-127"/>
-                <a:ea typeface="배달의민족 도현" pitchFamily="50" charset="-127"/>
-              </a:rPr>
-              <a:t>ODING</a:t>
-            </a:r>
-            <a:endParaRPr lang="ko-KR" altLang="en-US" dirty="0">
-              <a:latin typeface="배달의민족 도현" pitchFamily="50" charset="-127"/>
-              <a:ea typeface="배달의민족 도현" pitchFamily="50" charset="-127"/>
-            </a:endParaRPr>
-          </a:p>
-        </p:txBody>
-      </p:sp>
-      <p:sp>
-        <p:nvSpPr>
-          <p:cNvPr id="6" name="직사각형 5"/>
-          <p:cNvSpPr/>
-          <p:nvPr/>
-        </p:nvSpPr>
-        <p:spPr>
-          <a:xfrm>
-            <a:off x="107504" y="116632"/>
-            <a:ext cx="2592288" cy="646331"/>
-          </a:xfrm>
-          <a:prstGeom prst="rect">
-            <a:avLst/>
-          </a:prstGeom>
-        </p:spPr>
-        <p:txBody>
-          <a:bodyPr wrap="square">
-            <a:spAutoFit/>
-          </a:bodyPr>
-          <a:lstStyle/>
-          <a:p>
-            <a:r>
-              <a:rPr lang="en-US" altLang="ko-KR" dirty="0" smtClean="0">
-                <a:latin typeface="배달의민족 주아" pitchFamily="18" charset="-127"/>
-                <a:ea typeface="배달의민족 주아" pitchFamily="18" charset="-127"/>
-              </a:rPr>
-              <a:t>2. </a:t>
-            </a:r>
-            <a:r>
-              <a:rPr lang="ko-KR" altLang="en-US" dirty="0" err="1" smtClean="0">
-                <a:latin typeface="배달의민족 주아" pitchFamily="18" charset="-127"/>
-                <a:ea typeface="배달의민족 주아" pitchFamily="18" charset="-127"/>
-              </a:rPr>
-              <a:t>파이썬이란</a:t>
-            </a:r>
-            <a:r>
-              <a:rPr lang="ko-KR" altLang="en-US" dirty="0" smtClean="0">
-                <a:latin typeface="배달의민족 주아" pitchFamily="18" charset="-127"/>
-                <a:ea typeface="배달의민족 주아" pitchFamily="18" charset="-127"/>
-              </a:rPr>
-              <a:t> </a:t>
-            </a:r>
-            <a:r>
-              <a:rPr lang="ko-KR" altLang="en-US" dirty="0">
-                <a:latin typeface="배달의민족 주아" pitchFamily="18" charset="-127"/>
-                <a:ea typeface="배달의민족 주아" pitchFamily="18" charset="-127"/>
-              </a:rPr>
-              <a:t>무엇인가</a:t>
-            </a:r>
-            <a:r>
-              <a:rPr lang="en-US" altLang="ko-KR" dirty="0">
-                <a:latin typeface="배달의민족 주아" pitchFamily="18" charset="-127"/>
-                <a:ea typeface="배달의민족 주아" pitchFamily="18" charset="-127"/>
-              </a:rPr>
-              <a:t>?</a:t>
-            </a:r>
-            <a:br>
-              <a:rPr lang="en-US" altLang="ko-KR" dirty="0">
-                <a:latin typeface="배달의민족 주아" pitchFamily="18" charset="-127"/>
-                <a:ea typeface="배달의민족 주아" pitchFamily="18" charset="-127"/>
-              </a:rPr>
-            </a:br>
-            <a:endParaRPr lang="ko-KR" altLang="en-US" dirty="0"/>
-          </a:p>
-        </p:txBody>
-      </p:sp>
-      <p:pic>
-        <p:nvPicPr>
-          <p:cNvPr id="7" name="Picture 4" descr="C:\Users\Administrator\Downloads\code.png"/>
-          <p:cNvPicPr>
-            <a:picLocks noChangeAspect="1" noChangeArrowheads="1"/>
-          </p:cNvPicPr>
-          <p:nvPr/>
-        </p:nvPicPr>
-        <p:blipFill>
-          <a:blip r:embed="rId2" cstate="print">
-            <a:extLst>
-              <a:ext uri="{28A0092B-C50C-407E-A947-70E740481C1C}">
-                <a14:useLocalDpi xmlns:a14="http://schemas.microsoft.com/office/drawing/2010/main" val="0"/>
-              </a:ext>
-            </a:extLst>
-          </a:blip>
-          <a:srcRect/>
-          <a:stretch>
-            <a:fillRect/>
-          </a:stretch>
-        </p:blipFill>
-        <p:spPr bwMode="auto">
-          <a:xfrm>
-            <a:off x="6084168" y="1268760"/>
-            <a:ext cx="1944216" cy="1944216"/>
-          </a:xfrm>
-          <a:prstGeom prst="rect">
-            <a:avLst/>
-          </a:prstGeom>
-          <a:noFill/>
-          <a:extLst>
-            <a:ext uri="{909E8E84-426E-40DD-AFC4-6F175D3DCCD1}">
-              <a14:hiddenFill xmlns:a14="http://schemas.microsoft.com/office/drawing/2010/main">
-                <a:solidFill>
-                  <a:srgbClr val="FFFFFF"/>
-                </a:solidFill>
-              </a14:hiddenFill>
-            </a:ext>
-          </a:extLst>
-        </p:spPr>
-      </p:pic>
-      <p:sp>
-        <p:nvSpPr>
-          <p:cNvPr id="8" name="제목 1"/>
-          <p:cNvSpPr txBox="1">
-            <a:spLocks/>
-          </p:cNvSpPr>
-          <p:nvPr/>
-        </p:nvSpPr>
-        <p:spPr>
-          <a:xfrm>
-            <a:off x="685800" y="4149080"/>
-            <a:ext cx="7772400" cy="1470025"/>
-          </a:xfrm>
-          <a:prstGeom prst="rect">
-            <a:avLst/>
-          </a:prstGeom>
-        </p:spPr>
-        <p:txBody>
-          <a:bodyPr vert="horz" lIns="91440" tIns="45720" rIns="91440" bIns="45720" rtlCol="0" anchor="ctr">
-            <a:noAutofit/>
-          </a:bodyPr>
-          <a:lstStyle>
-            <a:lvl1pPr algn="ctr" defTabSz="914400" rtl="0" eaLnBrk="1" latinLnBrk="1" hangingPunct="1">
-              <a:spcBef>
-                <a:spcPct val="0"/>
-              </a:spcBef>
-              <a:buNone/>
-              <a:defRPr sz="4400" kern="1200">
-                <a:solidFill>
-                  <a:schemeClr val="tx1"/>
-                </a:solidFill>
-                <a:latin typeface="+mj-lt"/>
-                <a:ea typeface="+mj-ea"/>
-                <a:cs typeface="+mj-cs"/>
-              </a:defRPr>
-            </a:lvl1pPr>
-          </a:lstStyle>
-          <a:p>
-            <a:pPr algn="l"/>
-            <a:r>
-              <a:rPr lang="en-US" altLang="ko-KR" sz="3200" dirty="0" smtClean="0">
-                <a:latin typeface="Consolas" pitchFamily="49" charset="0"/>
-                <a:ea typeface="배달의민족 주아" pitchFamily="18" charset="-127"/>
-                <a:cs typeface="Consolas" pitchFamily="49" charset="0"/>
-              </a:rPr>
-              <a:t>print(“hello”)</a:t>
-            </a:r>
-            <a:endParaRPr lang="ko-KR" altLang="en-US" sz="3200" dirty="0">
-              <a:latin typeface="Consolas" pitchFamily="49" charset="0"/>
-              <a:ea typeface="배달의민족 주아" pitchFamily="18" charset="-127"/>
-              <a:cs typeface="Consolas" pitchFamily="49" charset="0"/>
-            </a:endParaRPr>
-          </a:p>
-        </p:txBody>
-      </p:sp>
-      <p:pic>
-        <p:nvPicPr>
-          <p:cNvPr id="9" name="Picture 2" descr="C:\Users\Administrator\Downloads\python.png"/>
-          <p:cNvPicPr>
-            <a:picLocks noChangeAspect="1" noChangeArrowheads="1"/>
-          </p:cNvPicPr>
-          <p:nvPr/>
-        </p:nvPicPr>
-        <p:blipFill>
-          <a:blip r:embed="rId3">
-            <a:extLst>
-              <a:ext uri="{28A0092B-C50C-407E-A947-70E740481C1C}">
-                <a14:useLocalDpi xmlns:a14="http://schemas.microsoft.com/office/drawing/2010/main" val="0"/>
-              </a:ext>
-            </a:extLst>
-          </a:blip>
-          <a:srcRect/>
-          <a:stretch>
-            <a:fillRect/>
-          </a:stretch>
-        </p:blipFill>
-        <p:spPr bwMode="auto">
-          <a:xfrm>
-            <a:off x="5971707" y="3799523"/>
-            <a:ext cx="2169138" cy="2169138"/>
-          </a:xfrm>
-          <a:prstGeom prst="rect">
-            <a:avLst/>
-          </a:prstGeom>
-          <a:noFill/>
-          <a:extLst>
-            <a:ext uri="{909E8E84-426E-40DD-AFC4-6F175D3DCCD1}">
-              <a14:hiddenFill xmlns:a14="http://schemas.microsoft.com/office/drawing/2010/main">
-                <a:solidFill>
-                  <a:srgbClr val="FFFFFF"/>
-                </a:solidFill>
-              </a14:hiddenFill>
-            </a:ext>
-          </a:extLst>
-        </p:spPr>
-      </p:pic>
-    </p:spTree>
-    <p:extLst>
-      <p:ext uri="{BB962C8B-B14F-4D97-AF65-F5344CB8AC3E}">
-        <p14:creationId xmlns:p14="http://schemas.microsoft.com/office/powerpoint/2010/main" val="1178041945"/>
-      </p:ext>
-    </p:extLst>
-  </p:cSld>
-  <p:clrMapOvr>
-    <a:masterClrMapping/>
-  </p:clrMapOvr>
-  <p:timing>
-    <p:tnLst>
-      <p:par>
-        <p:cTn id="1" dur="indefinite" restart="never" nodeType="tmRoot">
-          <p:childTnLst>
-            <p:seq concurrent="1" nextAc="seek">
-              <p:cTn id="2" dur="indefinite" nodeType="mainSeq">
-                <p:childTnLst>
-                  <p:par>
-                    <p:cTn id="3" fill="hold">
-                      <p:stCondLst>
-                        <p:cond delay="indefinite"/>
-                      </p:stCondLst>
-                      <p:childTnLst>
-                        <p:par>
-                          <p:cTn id="4" fill="hold">
-                            <p:stCondLst>
-                              <p:cond delay="0"/>
-                            </p:stCondLst>
-                            <p:childTnLst>
-                              <p:par>
-                                <p:cTn id="5" presetID="10" presetClass="entr" presetSubtype="0" fill="hold" grpId="0" nodeType="clickEffect">
-                                  <p:stCondLst>
-                                    <p:cond delay="0"/>
-                                  </p:stCondLst>
-                                  <p:childTnLst>
-                                    <p:set>
-                                      <p:cBhvr>
-                                        <p:cTn id="6" dur="1" fill="hold">
-                                          <p:stCondLst>
-                                            <p:cond delay="0"/>
-                                          </p:stCondLst>
-                                        </p:cTn>
-                                        <p:tgtEl>
-                                          <p:spTgt spid="2"/>
-                                        </p:tgtEl>
-                                        <p:attrNameLst>
-                                          <p:attrName>style.visibility</p:attrName>
-                                        </p:attrNameLst>
-                                      </p:cBhvr>
-                                      <p:to>
-                                        <p:strVal val="visible"/>
-                                      </p:to>
-                                    </p:set>
-                                    <p:animEffect transition="in" filter="fade">
-                                      <p:cBhvr>
-                                        <p:cTn id="7" dur="500"/>
-                                        <p:tgtEl>
-                                          <p:spTgt spid="2"/>
-                                        </p:tgtEl>
-                                      </p:cBhvr>
-                                    </p:animEffect>
-                                  </p:childTnLst>
-                                </p:cTn>
-                              </p:par>
-                              <p:par>
-                                <p:cTn id="8" presetID="10" presetClass="entr" presetSubtype="0" fill="hold" nodeType="withEffect">
-                                  <p:stCondLst>
-                                    <p:cond delay="0"/>
-                                  </p:stCondLst>
-                                  <p:childTnLst>
-                                    <p:set>
-                                      <p:cBhvr>
-                                        <p:cTn id="9" dur="1" fill="hold">
-                                          <p:stCondLst>
-                                            <p:cond delay="0"/>
-                                          </p:stCondLst>
-                                        </p:cTn>
-                                        <p:tgtEl>
-                                          <p:spTgt spid="7"/>
-                                        </p:tgtEl>
-                                        <p:attrNameLst>
-                                          <p:attrName>style.visibility</p:attrName>
-                                        </p:attrNameLst>
-                                      </p:cBhvr>
-                                      <p:to>
-                                        <p:strVal val="visible"/>
-                                      </p:to>
-                                    </p:set>
-                                    <p:animEffect transition="in" filter="fade">
-                                      <p:cBhvr>
-                                        <p:cTn id="10" dur="500"/>
-                                        <p:tgtEl>
-                                          <p:spTgt spid="7"/>
-                                        </p:tgtEl>
-                                      </p:cBhvr>
-                                    </p:animEffect>
-                                  </p:childTnLst>
-                                </p:cTn>
-                              </p:par>
-                            </p:childTnLst>
-                          </p:cTn>
-                        </p:par>
-                      </p:childTnLst>
-                    </p:cTn>
-                  </p:par>
-                  <p:par>
-                    <p:cTn id="11" fill="hold">
-                      <p:stCondLst>
-                        <p:cond delay="indefinite"/>
-                      </p:stCondLst>
-                      <p:childTnLst>
-                        <p:par>
-                          <p:cTn id="12" fill="hold">
-                            <p:stCondLst>
-                              <p:cond delay="0"/>
-                            </p:stCondLst>
-                            <p:childTnLst>
-                              <p:par>
-                                <p:cTn id="13" presetID="10" presetClass="entr" presetSubtype="0" fill="hold" grpId="0" nodeType="clickEffect">
-                                  <p:stCondLst>
-                                    <p:cond delay="0"/>
-                                  </p:stCondLst>
-                                  <p:childTnLst>
-                                    <p:set>
-                                      <p:cBhvr>
-                                        <p:cTn id="14" dur="1" fill="hold">
-                                          <p:stCondLst>
-                                            <p:cond delay="0"/>
-                                          </p:stCondLst>
-                                        </p:cTn>
-                                        <p:tgtEl>
-                                          <p:spTgt spid="8"/>
-                                        </p:tgtEl>
-                                        <p:attrNameLst>
-                                          <p:attrName>style.visibility</p:attrName>
-                                        </p:attrNameLst>
-                                      </p:cBhvr>
-                                      <p:to>
-                                        <p:strVal val="visible"/>
-                                      </p:to>
-                                    </p:set>
-                                    <p:animEffect transition="in" filter="fade">
-                                      <p:cBhvr>
-                                        <p:cTn id="15" dur="500"/>
-                                        <p:tgtEl>
-                                          <p:spTgt spid="8"/>
-                                        </p:tgtEl>
-                                      </p:cBhvr>
-                                    </p:animEffect>
-                                  </p:childTnLst>
-                                </p:cTn>
-                              </p:par>
-                              <p:par>
-                                <p:cTn id="16" presetID="10" presetClass="entr" presetSubtype="0" fill="hold" nodeType="withEffect">
-                                  <p:stCondLst>
-                                    <p:cond delay="0"/>
-                                  </p:stCondLst>
-                                  <p:childTnLst>
-                                    <p:set>
-                                      <p:cBhvr>
-                                        <p:cTn id="17" dur="1" fill="hold">
-                                          <p:stCondLst>
-                                            <p:cond delay="0"/>
-                                          </p:stCondLst>
-                                        </p:cTn>
-                                        <p:tgtEl>
-                                          <p:spTgt spid="9"/>
-                                        </p:tgtEl>
-                                        <p:attrNameLst>
-                                          <p:attrName>style.visibility</p:attrName>
-                                        </p:attrNameLst>
-                                      </p:cBhvr>
-                                      <p:to>
-                                        <p:strVal val="visible"/>
-                                      </p:to>
-                                    </p:set>
-                                    <p:animEffect transition="in" filter="fade">
-                                      <p:cBhvr>
-                                        <p:cTn id="18" dur="500"/>
-                                        <p:tgtEl>
-                                          <p:spTgt spid="9"/>
-                                        </p:tgtEl>
-                                      </p:cBhvr>
-                                    </p:animEffect>
-                                  </p:childTnLst>
-                                </p:cTn>
-                              </p:par>
-                            </p:childTnLst>
-                          </p:cTn>
-                        </p:par>
-                      </p:childTnLst>
-                    </p:cTn>
-                  </p:par>
-                </p:childTnLst>
-              </p:cTn>
-              <p:prevCondLst>
-                <p:cond evt="onPrev" delay="0">
-                  <p:tgtEl>
-                    <p:sldTgt/>
-                  </p:tgtEl>
-                </p:cond>
-              </p:prevCondLst>
-              <p:nextCondLst>
-                <p:cond evt="onNext" delay="0">
-                  <p:tgtEl>
-                    <p:sldTgt/>
-                  </p:tgtEl>
-                </p:cond>
-              </p:nextCondLst>
-            </p:seq>
-          </p:childTnLst>
-        </p:cTn>
-      </p:par>
-    </p:tnLst>
-    <p:bldLst>
-      <p:bldP spid="2" grpId="0"/>
-      <p:bldP spid="8" grpId="0"/>
-    </p:bldLst>
-  </p:timing>
-</p:sld>
-</file>
-
-<file path=ppt/slides/slide13.xml><?xml version="1.0" encoding="utf-8"?>
-<p:sld xmlns:a="http://schemas.openxmlformats.org/drawingml/2006/main" xmlns:r="http://schemas.openxmlformats.org/officeDocument/2006/relationships" xmlns:p="http://schemas.openxmlformats.org/presentationml/2006/main">
-  <p:cSld>
-    <p:spTree>
-      <p:nvGrpSpPr>
-        <p:cNvPr id="1" name=""/>
-        <p:cNvGrpSpPr/>
-        <p:nvPr/>
-      </p:nvGrpSpPr>
-      <p:grpSpPr>
-        <a:xfrm>
-          <a:off x="0" y="0"/>
-          <a:ext cx="0" cy="0"/>
-          <a:chOff x="0" y="0"/>
-          <a:chExt cx="0" cy="0"/>
-        </a:xfrm>
-      </p:grpSpPr>
-      <p:sp>
-        <p:nvSpPr>
-          <p:cNvPr id="3" name="TextBox 2"/>
-          <p:cNvSpPr txBox="1"/>
-          <p:nvPr/>
-        </p:nvSpPr>
-        <p:spPr>
-          <a:xfrm>
-            <a:off x="6588224" y="6165304"/>
-            <a:ext cx="1838965" cy="369332"/>
-          </a:xfrm>
-          <a:prstGeom prst="rect">
-            <a:avLst/>
-          </a:prstGeom>
-          <a:noFill/>
-        </p:spPr>
-        <p:txBody>
-          <a:bodyPr wrap="none" rtlCol="0">
-            <a:spAutoFit/>
-          </a:bodyPr>
-          <a:lstStyle/>
-          <a:p>
-            <a:r>
-              <a:rPr lang="en-US" altLang="ko-KR" dirty="0" smtClean="0">
-                <a:solidFill>
-                  <a:schemeClr val="accent5"/>
-                </a:solidFill>
-                <a:latin typeface="배달의민족 도현" pitchFamily="50" charset="-127"/>
-                <a:ea typeface="배달의민족 도현" pitchFamily="50" charset="-127"/>
-              </a:rPr>
-              <a:t>S</a:t>
-            </a:r>
-            <a:r>
-              <a:rPr lang="en-US" altLang="ko-KR" dirty="0" smtClean="0">
-                <a:latin typeface="배달의민족 도현" pitchFamily="50" charset="-127"/>
-                <a:ea typeface="배달의민족 도현" pitchFamily="50" charset="-127"/>
-              </a:rPr>
-              <a:t>TART</a:t>
-            </a:r>
-            <a:r>
-              <a:rPr lang="en-US" altLang="ko-KR" dirty="0" smtClean="0">
-                <a:solidFill>
-                  <a:schemeClr val="accent5"/>
-                </a:solidFill>
-                <a:latin typeface="배달의민족 도현" pitchFamily="50" charset="-127"/>
-                <a:ea typeface="배달의민족 도현" pitchFamily="50" charset="-127"/>
-              </a:rPr>
-              <a:t>C</a:t>
-            </a:r>
-            <a:r>
-              <a:rPr lang="en-US" altLang="ko-KR" dirty="0" smtClean="0">
-                <a:latin typeface="배달의민족 도현" pitchFamily="50" charset="-127"/>
-                <a:ea typeface="배달의민족 도현" pitchFamily="50" charset="-127"/>
-              </a:rPr>
-              <a:t>ODING</a:t>
-            </a:r>
-            <a:endParaRPr lang="ko-KR" altLang="en-US" dirty="0">
-              <a:latin typeface="배달의민족 도현" pitchFamily="50" charset="-127"/>
-              <a:ea typeface="배달의민족 도현" pitchFamily="50" charset="-127"/>
-            </a:endParaRPr>
-          </a:p>
-        </p:txBody>
-      </p:sp>
-      <p:sp>
-        <p:nvSpPr>
-          <p:cNvPr id="6" name="직사각형 5"/>
-          <p:cNvSpPr/>
-          <p:nvPr/>
-        </p:nvSpPr>
-        <p:spPr>
-          <a:xfrm>
-            <a:off x="107504" y="116632"/>
-            <a:ext cx="2592288" cy="646331"/>
-          </a:xfrm>
-          <a:prstGeom prst="rect">
-            <a:avLst/>
-          </a:prstGeom>
-        </p:spPr>
-        <p:txBody>
-          <a:bodyPr wrap="square">
-            <a:spAutoFit/>
-          </a:bodyPr>
-          <a:lstStyle/>
-          <a:p>
-            <a:r>
-              <a:rPr lang="en-US" altLang="ko-KR" dirty="0" smtClean="0">
-                <a:latin typeface="배달의민족 주아" pitchFamily="18" charset="-127"/>
-                <a:ea typeface="배달의민족 주아" pitchFamily="18" charset="-127"/>
-              </a:rPr>
-              <a:t>2. </a:t>
-            </a:r>
-            <a:r>
-              <a:rPr lang="ko-KR" altLang="en-US" dirty="0" err="1" smtClean="0">
-                <a:latin typeface="배달의민족 주아" pitchFamily="18" charset="-127"/>
-                <a:ea typeface="배달의민족 주아" pitchFamily="18" charset="-127"/>
-              </a:rPr>
-              <a:t>파이썬이란</a:t>
-            </a:r>
-            <a:r>
-              <a:rPr lang="ko-KR" altLang="en-US" dirty="0" smtClean="0">
-                <a:latin typeface="배달의민족 주아" pitchFamily="18" charset="-127"/>
-                <a:ea typeface="배달의민족 주아" pitchFamily="18" charset="-127"/>
-              </a:rPr>
-              <a:t> </a:t>
-            </a:r>
-            <a:r>
-              <a:rPr lang="ko-KR" altLang="en-US" dirty="0">
-                <a:latin typeface="배달의민족 주아" pitchFamily="18" charset="-127"/>
-                <a:ea typeface="배달의민족 주아" pitchFamily="18" charset="-127"/>
-              </a:rPr>
-              <a:t>무엇인가</a:t>
-            </a:r>
-            <a:r>
-              <a:rPr lang="en-US" altLang="ko-KR" dirty="0">
-                <a:latin typeface="배달의민족 주아" pitchFamily="18" charset="-127"/>
-                <a:ea typeface="배달의민족 주아" pitchFamily="18" charset="-127"/>
-              </a:rPr>
-              <a:t>?</a:t>
-            </a:r>
-            <a:br>
-              <a:rPr lang="en-US" altLang="ko-KR" dirty="0">
-                <a:latin typeface="배달의민족 주아" pitchFamily="18" charset="-127"/>
-                <a:ea typeface="배달의민족 주아" pitchFamily="18" charset="-127"/>
-              </a:rPr>
-            </a:br>
-            <a:endParaRPr lang="ko-KR" altLang="en-US" dirty="0"/>
-          </a:p>
-        </p:txBody>
-      </p:sp>
-      <p:pic>
-        <p:nvPicPr>
-          <p:cNvPr id="3074" name="Picture 2"/>
-          <p:cNvPicPr>
-            <a:picLocks noChangeAspect="1" noChangeArrowheads="1"/>
-          </p:cNvPicPr>
-          <p:nvPr/>
-        </p:nvPicPr>
-        <p:blipFill>
-          <a:blip r:embed="rId2">
-            <a:extLst>
-              <a:ext uri="{28A0092B-C50C-407E-A947-70E740481C1C}">
-                <a14:useLocalDpi xmlns:a14="http://schemas.microsoft.com/office/drawing/2010/main" val="0"/>
-              </a:ext>
-            </a:extLst>
-          </a:blip>
-          <a:srcRect/>
-          <a:stretch>
-            <a:fillRect/>
-          </a:stretch>
-        </p:blipFill>
-        <p:spPr bwMode="auto">
-          <a:xfrm>
-            <a:off x="1115616" y="412159"/>
-            <a:ext cx="7128793" cy="5695069"/>
-          </a:xfrm>
-          <a:prstGeom prst="rect">
-            <a:avLst/>
-          </a:prstGeom>
-          <a:noFill/>
-          <a:ln>
-            <a:noFill/>
-          </a:ln>
-          <a:effectLst/>
-          <a:extLst>
-            <a:ext uri="{909E8E84-426E-40DD-AFC4-6F175D3DCCD1}">
-              <a14:hiddenFill xmlns:a14="http://schemas.microsoft.com/office/drawing/2010/main">
-                <a:solidFill>
-                  <a:schemeClr val="accent1"/>
-                </a:solidFill>
-              </a14:hiddenFill>
-            </a:ext>
-            <a:ext uri="{91240B29-F687-4F45-9708-019B960494DF}">
-              <a14:hiddenLine xmlns:a14="http://schemas.microsoft.com/office/drawing/2010/main" w="9525">
-                <a:solidFill>
-                  <a:schemeClr val="tx1"/>
-                </a:solidFill>
-                <a:miter lim="800000"/>
-                <a:headEnd/>
-                <a:tailEnd/>
-              </a14:hiddenLine>
-            </a:ext>
-            <a:ext uri="{AF507438-7753-43E0-B8FC-AC1667EBCBE1}">
-              <a14:hiddenEffects xmlns:a14="http://schemas.microsoft.com/office/drawing/2010/main">
-                <a:effectLst>
-                  <a:outerShdw dist="35921" dir="2700000" algn="ctr" rotWithShape="0">
-                    <a:schemeClr val="bg2"/>
-                  </a:outerShdw>
-                </a:effectLst>
-              </a14:hiddenEffects>
-            </a:ext>
-          </a:extLst>
-        </p:spPr>
-      </p:pic>
-    </p:spTree>
-    <p:extLst>
-      <p:ext uri="{BB962C8B-B14F-4D97-AF65-F5344CB8AC3E}">
-        <p14:creationId xmlns:p14="http://schemas.microsoft.com/office/powerpoint/2010/main" val="1599848002"/>
-      </p:ext>
-    </p:extLst>
-  </p:cSld>
-  <p:clrMapOvr>
-    <a:masterClrMapping/>
-  </p:clrMapOvr>
-  <p:timing>
-    <p:tnLst>
-      <p:par>
-        <p:cTn id="1" dur="indefinite" restart="never" nodeType="tmRoot"/>
-      </p:par>
-    </p:tnLst>
-  </p:timing>
-</p:sld>
-</file>
-
-<file path=ppt/slides/slide14.xml><?xml version="1.0" encoding="utf-8"?>
-<p:sld xmlns:a="http://schemas.openxmlformats.org/drawingml/2006/main" xmlns:r="http://schemas.openxmlformats.org/officeDocument/2006/relationships" xmlns:p="http://schemas.openxmlformats.org/presentationml/2006/main">
-  <p:cSld>
-    <p:spTree>
-      <p:nvGrpSpPr>
-        <p:cNvPr id="1" name=""/>
-        <p:cNvGrpSpPr/>
-        <p:nvPr/>
-      </p:nvGrpSpPr>
-      <p:grpSpPr>
-        <a:xfrm>
-          <a:off x="0" y="0"/>
-          <a:ext cx="0" cy="0"/>
-          <a:chOff x="0" y="0"/>
-          <a:chExt cx="0" cy="0"/>
-        </a:xfrm>
-      </p:grpSpPr>
-      <p:sp>
-        <p:nvSpPr>
-          <p:cNvPr id="3" name="TextBox 2"/>
-          <p:cNvSpPr txBox="1"/>
-          <p:nvPr/>
-        </p:nvSpPr>
-        <p:spPr>
-          <a:xfrm>
-            <a:off x="6588224" y="6165304"/>
-            <a:ext cx="1838965" cy="369332"/>
-          </a:xfrm>
-          <a:prstGeom prst="rect">
-            <a:avLst/>
-          </a:prstGeom>
-          <a:noFill/>
-        </p:spPr>
-        <p:txBody>
-          <a:bodyPr wrap="none" rtlCol="0">
-            <a:spAutoFit/>
-          </a:bodyPr>
-          <a:lstStyle/>
-          <a:p>
-            <a:r>
-              <a:rPr lang="en-US" altLang="ko-KR" dirty="0" smtClean="0">
-                <a:solidFill>
-                  <a:schemeClr val="accent5"/>
-                </a:solidFill>
-                <a:latin typeface="배달의민족 도현" pitchFamily="50" charset="-127"/>
-                <a:ea typeface="배달의민족 도현" pitchFamily="50" charset="-127"/>
-              </a:rPr>
-              <a:t>S</a:t>
-            </a:r>
-            <a:r>
-              <a:rPr lang="en-US" altLang="ko-KR" dirty="0" smtClean="0">
-                <a:latin typeface="배달의민족 도현" pitchFamily="50" charset="-127"/>
-                <a:ea typeface="배달의민족 도현" pitchFamily="50" charset="-127"/>
-              </a:rPr>
-              <a:t>TART</a:t>
-            </a:r>
-            <a:r>
-              <a:rPr lang="en-US" altLang="ko-KR" dirty="0" smtClean="0">
-                <a:solidFill>
-                  <a:schemeClr val="accent5"/>
-                </a:solidFill>
-                <a:latin typeface="배달의민족 도현" pitchFamily="50" charset="-127"/>
-                <a:ea typeface="배달의민족 도현" pitchFamily="50" charset="-127"/>
-              </a:rPr>
-              <a:t>C</a:t>
-            </a:r>
-            <a:r>
-              <a:rPr lang="en-US" altLang="ko-KR" dirty="0" smtClean="0">
-                <a:latin typeface="배달의민족 도현" pitchFamily="50" charset="-127"/>
-                <a:ea typeface="배달의민족 도현" pitchFamily="50" charset="-127"/>
-              </a:rPr>
-              <a:t>ODING</a:t>
-            </a:r>
-            <a:endParaRPr lang="ko-KR" altLang="en-US" dirty="0">
-              <a:latin typeface="배달의민족 도현" pitchFamily="50" charset="-127"/>
-              <a:ea typeface="배달의민족 도현" pitchFamily="50" charset="-127"/>
-            </a:endParaRPr>
-          </a:p>
-        </p:txBody>
-      </p:sp>
-      <p:sp>
-        <p:nvSpPr>
-          <p:cNvPr id="6" name="직사각형 5"/>
-          <p:cNvSpPr/>
-          <p:nvPr/>
-        </p:nvSpPr>
-        <p:spPr>
-          <a:xfrm>
-            <a:off x="107504" y="116632"/>
-            <a:ext cx="2592288" cy="646331"/>
-          </a:xfrm>
-          <a:prstGeom prst="rect">
-            <a:avLst/>
-          </a:prstGeom>
-        </p:spPr>
-        <p:txBody>
-          <a:bodyPr wrap="square">
-            <a:spAutoFit/>
-          </a:bodyPr>
-          <a:lstStyle/>
-          <a:p>
-            <a:r>
-              <a:rPr lang="en-US" altLang="ko-KR" dirty="0" smtClean="0">
-                <a:latin typeface="배달의민족 주아" pitchFamily="18" charset="-127"/>
-                <a:ea typeface="배달의민족 주아" pitchFamily="18" charset="-127"/>
-              </a:rPr>
-              <a:t>2. </a:t>
-            </a:r>
-            <a:r>
-              <a:rPr lang="ko-KR" altLang="en-US" dirty="0" err="1" smtClean="0">
-                <a:latin typeface="배달의민족 주아" pitchFamily="18" charset="-127"/>
-                <a:ea typeface="배달의민족 주아" pitchFamily="18" charset="-127"/>
-              </a:rPr>
-              <a:t>파이썬이란</a:t>
-            </a:r>
-            <a:r>
-              <a:rPr lang="ko-KR" altLang="en-US" dirty="0" smtClean="0">
-                <a:latin typeface="배달의민족 주아" pitchFamily="18" charset="-127"/>
-                <a:ea typeface="배달의민족 주아" pitchFamily="18" charset="-127"/>
-              </a:rPr>
-              <a:t> </a:t>
-            </a:r>
-            <a:r>
-              <a:rPr lang="ko-KR" altLang="en-US" dirty="0">
-                <a:latin typeface="배달의민족 주아" pitchFamily="18" charset="-127"/>
-                <a:ea typeface="배달의민족 주아" pitchFamily="18" charset="-127"/>
-              </a:rPr>
-              <a:t>무엇인가</a:t>
-            </a:r>
-            <a:r>
-              <a:rPr lang="en-US" altLang="ko-KR" dirty="0">
-                <a:latin typeface="배달의민족 주아" pitchFamily="18" charset="-127"/>
-                <a:ea typeface="배달의민족 주아" pitchFamily="18" charset="-127"/>
-              </a:rPr>
-              <a:t>?</a:t>
-            </a:r>
-            <a:br>
-              <a:rPr lang="en-US" altLang="ko-KR" dirty="0">
-                <a:latin typeface="배달의민족 주아" pitchFamily="18" charset="-127"/>
-                <a:ea typeface="배달의민족 주아" pitchFamily="18" charset="-127"/>
-              </a:rPr>
-            </a:br>
-            <a:endParaRPr lang="ko-KR" altLang="en-US" dirty="0"/>
-          </a:p>
-        </p:txBody>
-      </p:sp>
-      <p:pic>
-        <p:nvPicPr>
-          <p:cNvPr id="3075" name="Picture 3" descr="C:\Users\Administrator\Downloads\free-icon-ai-1693820.png"/>
-          <p:cNvPicPr>
-            <a:picLocks noChangeAspect="1" noChangeArrowheads="1"/>
-          </p:cNvPicPr>
-          <p:nvPr/>
-        </p:nvPicPr>
-        <p:blipFill>
-          <a:blip r:embed="rId2">
-            <a:extLst>
-              <a:ext uri="{28A0092B-C50C-407E-A947-70E740481C1C}">
-                <a14:useLocalDpi xmlns:a14="http://schemas.microsoft.com/office/drawing/2010/main" val="0"/>
-              </a:ext>
-            </a:extLst>
-          </a:blip>
-          <a:srcRect/>
-          <a:stretch>
-            <a:fillRect/>
-          </a:stretch>
-        </p:blipFill>
-        <p:spPr bwMode="auto">
-          <a:xfrm>
-            <a:off x="1862832" y="1772816"/>
-            <a:ext cx="2205112" cy="2205112"/>
-          </a:xfrm>
-          <a:prstGeom prst="rect">
-            <a:avLst/>
-          </a:prstGeom>
-          <a:noFill/>
-          <a:extLst>
-            <a:ext uri="{909E8E84-426E-40DD-AFC4-6F175D3DCCD1}">
-              <a14:hiddenFill xmlns:a14="http://schemas.microsoft.com/office/drawing/2010/main">
-                <a:solidFill>
-                  <a:srgbClr val="FFFFFF"/>
-                </a:solidFill>
-              </a14:hiddenFill>
-            </a:ext>
-          </a:extLst>
-        </p:spPr>
-      </p:pic>
-      <p:sp>
-        <p:nvSpPr>
-          <p:cNvPr id="7" name="제목 1"/>
-          <p:cNvSpPr>
-            <a:spLocks noGrp="1"/>
-          </p:cNvSpPr>
-          <p:nvPr>
-            <p:ph type="ctrTitle"/>
-          </p:nvPr>
-        </p:nvSpPr>
-        <p:spPr>
-          <a:xfrm>
-            <a:off x="685800" y="476672"/>
-            <a:ext cx="7772400" cy="1470025"/>
-          </a:xfrm>
-        </p:spPr>
-        <p:txBody>
-          <a:bodyPr/>
-          <a:lstStyle/>
-          <a:p>
-            <a:r>
-              <a:rPr lang="ko-KR" altLang="en-US" dirty="0" err="1" smtClean="0">
-                <a:latin typeface="배달의민족 주아" pitchFamily="18" charset="-127"/>
-                <a:ea typeface="배달의민족 주아" pitchFamily="18" charset="-127"/>
-              </a:rPr>
-              <a:t>파이썬이</a:t>
-            </a:r>
-            <a:r>
-              <a:rPr lang="ko-KR" altLang="en-US" dirty="0" smtClean="0">
-                <a:latin typeface="배달의민족 주아" pitchFamily="18" charset="-127"/>
-                <a:ea typeface="배달의민족 주아" pitchFamily="18" charset="-127"/>
-              </a:rPr>
-              <a:t> 활용되는 곳 </a:t>
-            </a:r>
-            <a:endParaRPr lang="ko-KR" altLang="en-US" dirty="0">
-              <a:latin typeface="배달의민족 주아" pitchFamily="18" charset="-127"/>
-              <a:ea typeface="배달의민족 주아" pitchFamily="18" charset="-127"/>
-            </a:endParaRPr>
-          </a:p>
-        </p:txBody>
-      </p:sp>
-      <p:pic>
-        <p:nvPicPr>
-          <p:cNvPr id="4098" name="Picture 2" descr="C:\Users\Administrator\Downloads\free-icon-big-data-2245159.png"/>
-          <p:cNvPicPr>
-            <a:picLocks noChangeAspect="1" noChangeArrowheads="1"/>
-          </p:cNvPicPr>
-          <p:nvPr/>
-        </p:nvPicPr>
-        <p:blipFill>
-          <a:blip r:embed="rId3" cstate="print">
-            <a:extLst>
-              <a:ext uri="{28A0092B-C50C-407E-A947-70E740481C1C}">
-                <a14:useLocalDpi xmlns:a14="http://schemas.microsoft.com/office/drawing/2010/main" val="0"/>
-              </a:ext>
-            </a:extLst>
-          </a:blip>
-          <a:srcRect/>
-          <a:stretch>
-            <a:fillRect/>
-          </a:stretch>
-        </p:blipFill>
-        <p:spPr bwMode="auto">
-          <a:xfrm>
-            <a:off x="4860032" y="1817688"/>
-            <a:ext cx="2069728" cy="2069728"/>
-          </a:xfrm>
-          <a:prstGeom prst="rect">
-            <a:avLst/>
-          </a:prstGeom>
-          <a:noFill/>
-          <a:extLst>
-            <a:ext uri="{909E8E84-426E-40DD-AFC4-6F175D3DCCD1}">
-              <a14:hiddenFill xmlns:a14="http://schemas.microsoft.com/office/drawing/2010/main">
-                <a:solidFill>
-                  <a:srgbClr val="FFFFFF"/>
-                </a:solidFill>
-              </a14:hiddenFill>
-            </a:ext>
-          </a:extLst>
-        </p:spPr>
-      </p:pic>
-      <p:pic>
-        <p:nvPicPr>
-          <p:cNvPr id="4099" name="Picture 3"/>
-          <p:cNvPicPr>
-            <a:picLocks noChangeAspect="1" noChangeArrowheads="1"/>
-          </p:cNvPicPr>
-          <p:nvPr/>
-        </p:nvPicPr>
-        <p:blipFill>
-          <a:blip r:embed="rId4">
-            <a:extLst>
-              <a:ext uri="{28A0092B-C50C-407E-A947-70E740481C1C}">
-                <a14:useLocalDpi xmlns:a14="http://schemas.microsoft.com/office/drawing/2010/main" val="0"/>
-              </a:ext>
-            </a:extLst>
-          </a:blip>
-          <a:srcRect/>
-          <a:stretch>
-            <a:fillRect/>
-          </a:stretch>
-        </p:blipFill>
-        <p:spPr bwMode="auto">
-          <a:xfrm>
-            <a:off x="827584" y="4481984"/>
-            <a:ext cx="3672408" cy="1479267"/>
-          </a:xfrm>
-          <a:prstGeom prst="rect">
-            <a:avLst/>
-          </a:prstGeom>
-          <a:noFill/>
-          <a:ln>
-            <a:noFill/>
-          </a:ln>
-          <a:effectLst/>
-          <a:extLst>
-            <a:ext uri="{909E8E84-426E-40DD-AFC4-6F175D3DCCD1}">
-              <a14:hiddenFill xmlns:a14="http://schemas.microsoft.com/office/drawing/2010/main">
-                <a:solidFill>
-                  <a:schemeClr val="accent1"/>
-                </a:solidFill>
-              </a14:hiddenFill>
-            </a:ext>
-            <a:ext uri="{91240B29-F687-4F45-9708-019B960494DF}">
-              <a14:hiddenLine xmlns:a14="http://schemas.microsoft.com/office/drawing/2010/main" w="9525">
-                <a:solidFill>
-                  <a:schemeClr val="tx1"/>
-                </a:solidFill>
-                <a:miter lim="800000"/>
-                <a:headEnd/>
-                <a:tailEnd/>
-              </a14:hiddenLine>
-            </a:ext>
-            <a:ext uri="{AF507438-7753-43E0-B8FC-AC1667EBCBE1}">
-              <a14:hiddenEffects xmlns:a14="http://schemas.microsoft.com/office/drawing/2010/main">
-                <a:effectLst>
-                  <a:outerShdw dist="35921" dir="2700000" algn="ctr" rotWithShape="0">
-                    <a:schemeClr val="bg2"/>
-                  </a:outerShdw>
-                </a:effectLst>
-              </a14:hiddenEffects>
-            </a:ext>
-          </a:extLst>
-        </p:spPr>
-      </p:pic>
-      <p:pic>
-        <p:nvPicPr>
-          <p:cNvPr id="4100" name="Picture 4" descr="C:\Users\Administrator\Downloads\free-icon-web-crawler-2504132.png"/>
-          <p:cNvPicPr>
-            <a:picLocks noChangeAspect="1" noChangeArrowheads="1"/>
-          </p:cNvPicPr>
-          <p:nvPr/>
-        </p:nvPicPr>
-        <p:blipFill>
-          <a:blip r:embed="rId5" cstate="print">
-            <a:extLst>
-              <a:ext uri="{28A0092B-C50C-407E-A947-70E740481C1C}">
-                <a14:useLocalDpi xmlns:a14="http://schemas.microsoft.com/office/drawing/2010/main" val="0"/>
-              </a:ext>
-            </a:extLst>
-          </a:blip>
-          <a:srcRect/>
-          <a:stretch>
-            <a:fillRect/>
-          </a:stretch>
-        </p:blipFill>
-        <p:spPr bwMode="auto">
-          <a:xfrm>
-            <a:off x="4851400" y="4049936"/>
-            <a:ext cx="2078360" cy="2078360"/>
-          </a:xfrm>
-          <a:prstGeom prst="rect">
-            <a:avLst/>
-          </a:prstGeom>
-          <a:noFill/>
-          <a:extLst>
-            <a:ext uri="{909E8E84-426E-40DD-AFC4-6F175D3DCCD1}">
-              <a14:hiddenFill xmlns:a14="http://schemas.microsoft.com/office/drawing/2010/main">
-                <a:solidFill>
-                  <a:srgbClr val="FFFFFF"/>
-                </a:solidFill>
-              </a14:hiddenFill>
-            </a:ext>
-          </a:extLst>
-        </p:spPr>
-      </p:pic>
-    </p:spTree>
-    <p:extLst>
-      <p:ext uri="{BB962C8B-B14F-4D97-AF65-F5344CB8AC3E}">
-        <p14:creationId xmlns:p14="http://schemas.microsoft.com/office/powerpoint/2010/main" val="3142930960"/>
-      </p:ext>
-    </p:extLst>
-  </p:cSld>
-  <p:clrMapOvr>
-    <a:masterClrMapping/>
-  </p:clrMapOvr>
-  <p:timing>
-    <p:tnLst>
-      <p:par>
-        <p:cTn id="1" dur="indefinite" restart="never" nodeType="tmRoot">
-          <p:childTnLst>
-            <p:seq concurrent="1" nextAc="seek">
-              <p:cTn id="2" dur="indefinite" nodeType="mainSeq">
-                <p:childTnLst>
-                  <p:par>
-                    <p:cTn id="3" fill="hold">
-                      <p:stCondLst>
-                        <p:cond delay="indefinite"/>
-                      </p:stCondLst>
-                      <p:childTnLst>
-                        <p:par>
-                          <p:cTn id="4" fill="hold">
-                            <p:stCondLst>
-                              <p:cond delay="0"/>
-                            </p:stCondLst>
-                            <p:childTnLst>
-                              <p:par>
-                                <p:cTn id="5" presetID="10" presetClass="entr" presetSubtype="0" fill="hold" nodeType="clickEffect">
-                                  <p:stCondLst>
-                                    <p:cond delay="0"/>
-                                  </p:stCondLst>
-                                  <p:childTnLst>
-                                    <p:set>
-                                      <p:cBhvr>
-                                        <p:cTn id="6" dur="1" fill="hold">
-                                          <p:stCondLst>
-                                            <p:cond delay="0"/>
-                                          </p:stCondLst>
-                                        </p:cTn>
-                                        <p:tgtEl>
-                                          <p:spTgt spid="3075"/>
-                                        </p:tgtEl>
-                                        <p:attrNameLst>
-                                          <p:attrName>style.visibility</p:attrName>
-                                        </p:attrNameLst>
-                                      </p:cBhvr>
-                                      <p:to>
-                                        <p:strVal val="visible"/>
-                                      </p:to>
-                                    </p:set>
-                                    <p:animEffect transition="in" filter="fade">
-                                      <p:cBhvr>
-                                        <p:cTn id="7" dur="500"/>
-                                        <p:tgtEl>
-                                          <p:spTgt spid="3075"/>
-                                        </p:tgtEl>
-                                      </p:cBhvr>
-                                    </p:animEffect>
-                                  </p:childTnLst>
-                                </p:cTn>
-                              </p:par>
-                            </p:childTnLst>
-                          </p:cTn>
-                        </p:par>
-                      </p:childTnLst>
-                    </p:cTn>
-                  </p:par>
-                  <p:par>
-                    <p:cTn id="8" fill="hold">
-                      <p:stCondLst>
-                        <p:cond delay="indefinite"/>
-                      </p:stCondLst>
-                      <p:childTnLst>
-                        <p:par>
-                          <p:cTn id="9" fill="hold">
-                            <p:stCondLst>
-                              <p:cond delay="0"/>
-                            </p:stCondLst>
-                            <p:childTnLst>
-                              <p:par>
-                                <p:cTn id="10" presetID="10" presetClass="entr" presetSubtype="0" fill="hold" nodeType="clickEffect">
-                                  <p:stCondLst>
-                                    <p:cond delay="0"/>
-                                  </p:stCondLst>
-                                  <p:childTnLst>
-                                    <p:set>
-                                      <p:cBhvr>
-                                        <p:cTn id="11" dur="1" fill="hold">
-                                          <p:stCondLst>
-                                            <p:cond delay="0"/>
-                                          </p:stCondLst>
-                                        </p:cTn>
-                                        <p:tgtEl>
-                                          <p:spTgt spid="4098"/>
-                                        </p:tgtEl>
-                                        <p:attrNameLst>
-                                          <p:attrName>style.visibility</p:attrName>
-                                        </p:attrNameLst>
-                                      </p:cBhvr>
-                                      <p:to>
-                                        <p:strVal val="visible"/>
-                                      </p:to>
-                                    </p:set>
-                                    <p:animEffect transition="in" filter="fade">
-                                      <p:cBhvr>
-                                        <p:cTn id="12" dur="500"/>
-                                        <p:tgtEl>
-                                          <p:spTgt spid="4098"/>
-                                        </p:tgtEl>
-                                      </p:cBhvr>
-                                    </p:animEffect>
-                                  </p:childTnLst>
-                                </p:cTn>
-                              </p:par>
-                            </p:childTnLst>
-                          </p:cTn>
-                        </p:par>
-                      </p:childTnLst>
-                    </p:cTn>
-                  </p:par>
-                  <p:par>
-                    <p:cTn id="13" fill="hold">
-                      <p:stCondLst>
-                        <p:cond delay="indefinite"/>
-                      </p:stCondLst>
-                      <p:childTnLst>
-                        <p:par>
-                          <p:cTn id="14" fill="hold">
-                            <p:stCondLst>
-                              <p:cond delay="0"/>
-                            </p:stCondLst>
-                            <p:childTnLst>
-                              <p:par>
-                                <p:cTn id="15" presetID="10" presetClass="entr" presetSubtype="0" fill="hold" nodeType="clickEffect">
-                                  <p:stCondLst>
-                                    <p:cond delay="0"/>
-                                  </p:stCondLst>
-                                  <p:childTnLst>
-                                    <p:set>
-                                      <p:cBhvr>
-                                        <p:cTn id="16" dur="1" fill="hold">
-                                          <p:stCondLst>
-                                            <p:cond delay="0"/>
-                                          </p:stCondLst>
-                                        </p:cTn>
-                                        <p:tgtEl>
-                                          <p:spTgt spid="4099"/>
-                                        </p:tgtEl>
-                                        <p:attrNameLst>
-                                          <p:attrName>style.visibility</p:attrName>
-                                        </p:attrNameLst>
-                                      </p:cBhvr>
-                                      <p:to>
-                                        <p:strVal val="visible"/>
-                                      </p:to>
-                                    </p:set>
-                                    <p:animEffect transition="in" filter="fade">
-                                      <p:cBhvr>
-                                        <p:cTn id="17" dur="500"/>
-                                        <p:tgtEl>
-                                          <p:spTgt spid="4099"/>
-                                        </p:tgtEl>
-                                      </p:cBhvr>
-                                    </p:animEffect>
-                                  </p:childTnLst>
-                                </p:cTn>
-                              </p:par>
-                            </p:childTnLst>
-                          </p:cTn>
-                        </p:par>
-                      </p:childTnLst>
-                    </p:cTn>
-                  </p:par>
-                  <p:par>
-                    <p:cTn id="18" fill="hold">
-                      <p:stCondLst>
-                        <p:cond delay="indefinite"/>
-                      </p:stCondLst>
-                      <p:childTnLst>
-                        <p:par>
-                          <p:cTn id="19" fill="hold">
-                            <p:stCondLst>
-                              <p:cond delay="0"/>
-                            </p:stCondLst>
-                            <p:childTnLst>
-                              <p:par>
-                                <p:cTn id="20" presetID="10" presetClass="entr" presetSubtype="0" fill="hold" nodeType="clickEffect">
-                                  <p:stCondLst>
-                                    <p:cond delay="0"/>
-                                  </p:stCondLst>
-                                  <p:childTnLst>
-                                    <p:set>
-                                      <p:cBhvr>
-                                        <p:cTn id="21" dur="1" fill="hold">
-                                          <p:stCondLst>
-                                            <p:cond delay="0"/>
-                                          </p:stCondLst>
-                                        </p:cTn>
-                                        <p:tgtEl>
-                                          <p:spTgt spid="4100"/>
-                                        </p:tgtEl>
-                                        <p:attrNameLst>
-                                          <p:attrName>style.visibility</p:attrName>
-                                        </p:attrNameLst>
-                                      </p:cBhvr>
-                                      <p:to>
-                                        <p:strVal val="visible"/>
-                                      </p:to>
-                                    </p:set>
-                                    <p:animEffect transition="in" filter="fade">
-                                      <p:cBhvr>
-                                        <p:cTn id="22" dur="500"/>
-                                        <p:tgtEl>
-                                          <p:spTgt spid="4100"/>
-                                        </p:tgtEl>
-                                      </p:cBhvr>
-                                    </p:animEffect>
-                                  </p:childTnLst>
-                                </p:cTn>
-                              </p:par>
-                            </p:childTnLst>
-                          </p:cTn>
-                        </p:par>
-                      </p:childTnLst>
-                    </p:cTn>
-                  </p:par>
-                </p:childTnLst>
-              </p:cTn>
-              <p:prevCondLst>
-                <p:cond evt="onPrev" delay="0">
-                  <p:tgtEl>
-                    <p:sldTgt/>
-                  </p:tgtEl>
-                </p:cond>
-              </p:prevCondLst>
-              <p:nextCondLst>
-                <p:cond evt="onNext" delay="0">
-                  <p:tgtEl>
-                    <p:sldTgt/>
-                  </p:tgtEl>
-                </p:cond>
-              </p:nextCondLst>
-            </p:seq>
-          </p:childTnLst>
-        </p:cTn>
-      </p:par>
-    </p:tnLst>
-  </p:timing>
-</p:sld>
-</file>
-
-<file path=ppt/slides/slide15.xml><?xml version="1.0" encoding="utf-8"?>
-<p:sld xmlns:a="http://schemas.openxmlformats.org/drawingml/2006/main" xmlns:r="http://schemas.openxmlformats.org/officeDocument/2006/relationships" xmlns:p="http://schemas.openxmlformats.org/presentationml/2006/main">
-  <p:cSld>
-    <p:spTree>
-      <p:nvGrpSpPr>
-        <p:cNvPr id="1" name=""/>
-        <p:cNvGrpSpPr/>
-        <p:nvPr/>
-      </p:nvGrpSpPr>
-      <p:grpSpPr>
-        <a:xfrm>
-          <a:off x="0" y="0"/>
-          <a:ext cx="0" cy="0"/>
-          <a:chOff x="0" y="0"/>
-          <a:chExt cx="0" cy="0"/>
-        </a:xfrm>
-      </p:grpSpPr>
-      <p:sp>
-        <p:nvSpPr>
-          <p:cNvPr id="3" name="TextBox 2"/>
-          <p:cNvSpPr txBox="1"/>
-          <p:nvPr/>
-        </p:nvSpPr>
-        <p:spPr>
-          <a:xfrm>
-            <a:off x="6588224" y="6165304"/>
-            <a:ext cx="1838965" cy="369332"/>
-          </a:xfrm>
-          <a:prstGeom prst="rect">
-            <a:avLst/>
-          </a:prstGeom>
-          <a:noFill/>
-        </p:spPr>
-        <p:txBody>
-          <a:bodyPr wrap="none" rtlCol="0">
-            <a:spAutoFit/>
-          </a:bodyPr>
-          <a:lstStyle/>
-          <a:p>
-            <a:r>
-              <a:rPr lang="en-US" altLang="ko-KR" dirty="0" smtClean="0">
-                <a:solidFill>
-                  <a:schemeClr val="accent5"/>
-                </a:solidFill>
-                <a:latin typeface="배달의민족 도현" pitchFamily="50" charset="-127"/>
-                <a:ea typeface="배달의민족 도현" pitchFamily="50" charset="-127"/>
-              </a:rPr>
-              <a:t>S</a:t>
-            </a:r>
-            <a:r>
-              <a:rPr lang="en-US" altLang="ko-KR" dirty="0" smtClean="0">
-                <a:latin typeface="배달의민족 도현" pitchFamily="50" charset="-127"/>
-                <a:ea typeface="배달의민족 도현" pitchFamily="50" charset="-127"/>
-              </a:rPr>
-              <a:t>TART</a:t>
-            </a:r>
-            <a:r>
-              <a:rPr lang="en-US" altLang="ko-KR" dirty="0" smtClean="0">
-                <a:solidFill>
-                  <a:schemeClr val="accent5"/>
-                </a:solidFill>
-                <a:latin typeface="배달의민족 도현" pitchFamily="50" charset="-127"/>
-                <a:ea typeface="배달의민족 도현" pitchFamily="50" charset="-127"/>
-              </a:rPr>
-              <a:t>C</a:t>
-            </a:r>
-            <a:r>
-              <a:rPr lang="en-US" altLang="ko-KR" dirty="0" smtClean="0">
-                <a:latin typeface="배달의민족 도현" pitchFamily="50" charset="-127"/>
-                <a:ea typeface="배달의민족 도현" pitchFamily="50" charset="-127"/>
-              </a:rPr>
-              <a:t>ODING</a:t>
-            </a:r>
-            <a:endParaRPr lang="ko-KR" altLang="en-US" dirty="0">
-              <a:latin typeface="배달의민족 도현" pitchFamily="50" charset="-127"/>
-              <a:ea typeface="배달의민족 도현" pitchFamily="50" charset="-127"/>
-            </a:endParaRPr>
-          </a:p>
-        </p:txBody>
-      </p:sp>
-      <p:sp>
-        <p:nvSpPr>
-          <p:cNvPr id="6" name="직사각형 5"/>
-          <p:cNvSpPr/>
-          <p:nvPr/>
-        </p:nvSpPr>
-        <p:spPr>
-          <a:xfrm>
-            <a:off x="107504" y="116632"/>
-            <a:ext cx="2592288" cy="369332"/>
-          </a:xfrm>
-          <a:prstGeom prst="rect">
-            <a:avLst/>
-          </a:prstGeom>
-        </p:spPr>
-        <p:txBody>
-          <a:bodyPr wrap="square">
-            <a:spAutoFit/>
-          </a:bodyPr>
-          <a:lstStyle/>
-          <a:p>
-            <a:r>
-              <a:rPr lang="en-US" altLang="ko-KR" dirty="0" smtClean="0">
-                <a:latin typeface="배달의민족 주아" pitchFamily="18" charset="-127"/>
-                <a:ea typeface="배달의민족 주아" pitchFamily="18" charset="-127"/>
-              </a:rPr>
-              <a:t>3. </a:t>
-            </a:r>
-            <a:r>
-              <a:rPr lang="ko-KR" altLang="en-US" dirty="0" smtClean="0">
-                <a:latin typeface="배달의민족 주아" pitchFamily="18" charset="-127"/>
-                <a:ea typeface="배달의민족 주아" pitchFamily="18" charset="-127"/>
-              </a:rPr>
-              <a:t>프로그램 설치</a:t>
-            </a:r>
-            <a:endParaRPr lang="ko-KR" altLang="en-US" dirty="0"/>
-          </a:p>
-        </p:txBody>
-      </p:sp>
-      <p:sp>
-        <p:nvSpPr>
-          <p:cNvPr id="7" name="제목 1"/>
-          <p:cNvSpPr>
-            <a:spLocks noGrp="1"/>
-          </p:cNvSpPr>
-          <p:nvPr>
-            <p:ph type="ctrTitle"/>
-          </p:nvPr>
-        </p:nvSpPr>
-        <p:spPr>
-          <a:xfrm>
-            <a:off x="685800" y="476672"/>
-            <a:ext cx="7772400" cy="1470025"/>
-          </a:xfrm>
-        </p:spPr>
-        <p:txBody>
-          <a:bodyPr/>
-          <a:lstStyle/>
-          <a:p>
-            <a:r>
-              <a:rPr lang="ko-KR" altLang="en-US" dirty="0" err="1" smtClean="0">
-                <a:latin typeface="배달의민족 주아" pitchFamily="18" charset="-127"/>
-                <a:ea typeface="배달의민족 주아" pitchFamily="18" charset="-127"/>
-              </a:rPr>
-              <a:t>파이썬</a:t>
-            </a:r>
-            <a:r>
-              <a:rPr lang="ko-KR" altLang="en-US" dirty="0" smtClean="0">
-                <a:latin typeface="배달의민족 주아" pitchFamily="18" charset="-127"/>
-                <a:ea typeface="배달의민족 주아" pitchFamily="18" charset="-127"/>
-              </a:rPr>
-              <a:t> 설치</a:t>
-            </a:r>
-            <a:endParaRPr lang="ko-KR" altLang="en-US" dirty="0">
-              <a:latin typeface="배달의민족 주아" pitchFamily="18" charset="-127"/>
-              <a:ea typeface="배달의민족 주아" pitchFamily="18" charset="-127"/>
-            </a:endParaRPr>
-          </a:p>
-        </p:txBody>
-      </p:sp>
-      <p:pic>
-        <p:nvPicPr>
-          <p:cNvPr id="5122" name="Picture 2"/>
-          <p:cNvPicPr>
-            <a:picLocks noChangeAspect="1" noChangeArrowheads="1"/>
-          </p:cNvPicPr>
-          <p:nvPr/>
-        </p:nvPicPr>
-        <p:blipFill>
-          <a:blip r:embed="rId2">
-            <a:extLst>
-              <a:ext uri="{28A0092B-C50C-407E-A947-70E740481C1C}">
-                <a14:useLocalDpi xmlns:a14="http://schemas.microsoft.com/office/drawing/2010/main" val="0"/>
-              </a:ext>
-            </a:extLst>
-          </a:blip>
-          <a:srcRect/>
-          <a:stretch>
-            <a:fillRect/>
-          </a:stretch>
-        </p:blipFill>
-        <p:spPr bwMode="auto">
-          <a:xfrm>
-            <a:off x="917848" y="2208766"/>
-            <a:ext cx="7308304" cy="3093337"/>
-          </a:xfrm>
-          <a:prstGeom prst="rect">
-            <a:avLst/>
-          </a:prstGeom>
-          <a:noFill/>
-          <a:ln>
-            <a:noFill/>
-          </a:ln>
-          <a:effectLst/>
-          <a:extLst>
-            <a:ext uri="{909E8E84-426E-40DD-AFC4-6F175D3DCCD1}">
-              <a14:hiddenFill xmlns:a14="http://schemas.microsoft.com/office/drawing/2010/main">
-                <a:solidFill>
-                  <a:schemeClr val="accent1"/>
-                </a:solidFill>
-              </a14:hiddenFill>
-            </a:ext>
-            <a:ext uri="{91240B29-F687-4F45-9708-019B960494DF}">
-              <a14:hiddenLine xmlns:a14="http://schemas.microsoft.com/office/drawing/2010/main" w="9525">
-                <a:solidFill>
-                  <a:schemeClr val="tx1"/>
-                </a:solidFill>
-                <a:miter lim="800000"/>
-                <a:headEnd/>
-                <a:tailEnd/>
-              </a14:hiddenLine>
-            </a:ext>
-            <a:ext uri="{AF507438-7753-43E0-B8FC-AC1667EBCBE1}">
-              <a14:hiddenEffects xmlns:a14="http://schemas.microsoft.com/office/drawing/2010/main">
-                <a:effectLst>
-                  <a:outerShdw dist="35921" dir="2700000" algn="ctr" rotWithShape="0">
-                    <a:schemeClr val="bg2"/>
-                  </a:outerShdw>
-                </a:effectLst>
-              </a14:hiddenEffects>
-            </a:ext>
-          </a:extLst>
-        </p:spPr>
-      </p:pic>
-      <p:sp>
-        <p:nvSpPr>
-          <p:cNvPr id="2" name="직사각형 1"/>
-          <p:cNvSpPr/>
-          <p:nvPr/>
-        </p:nvSpPr>
-        <p:spPr>
-          <a:xfrm>
-            <a:off x="2594824" y="1628800"/>
-            <a:ext cx="3954352" cy="646331"/>
-          </a:xfrm>
-          <a:prstGeom prst="rect">
-            <a:avLst/>
-          </a:prstGeom>
-        </p:spPr>
-        <p:txBody>
-          <a:bodyPr wrap="none">
-            <a:spAutoFit/>
-          </a:bodyPr>
-          <a:lstStyle/>
-          <a:p>
-            <a:r>
-              <a:rPr lang="en-US" altLang="ko-KR" dirty="0">
-                <a:hlinkClick r:id="rId3"/>
-              </a:rPr>
-              <a:t>https://www.python.org/downloads</a:t>
-            </a:r>
-            <a:r>
-              <a:rPr lang="en-US" altLang="ko-KR" dirty="0" smtClean="0">
-                <a:hlinkClick r:id="rId3"/>
-              </a:rPr>
-              <a:t>/</a:t>
-            </a:r>
-            <a:endParaRPr lang="en-US" altLang="ko-KR" dirty="0" smtClean="0"/>
-          </a:p>
-          <a:p>
-            <a:endParaRPr lang="en-US" altLang="ko-KR" dirty="0" smtClean="0"/>
-          </a:p>
-        </p:txBody>
-      </p:sp>
-      <p:sp>
-        <p:nvSpPr>
-          <p:cNvPr id="4" name="직사각형 3"/>
-          <p:cNvSpPr/>
-          <p:nvPr/>
-        </p:nvSpPr>
-        <p:spPr>
-          <a:xfrm>
-            <a:off x="1547664" y="3429000"/>
-            <a:ext cx="1512168" cy="576064"/>
-          </a:xfrm>
-          <a:prstGeom prst="rect">
-            <a:avLst/>
-          </a:prstGeom>
-          <a:noFill/>
-          <a:ln>
-            <a:solidFill>
-              <a:srgbClr val="FF0000"/>
-            </a:solidFill>
-          </a:ln>
-        </p:spPr>
-        <p:style>
-          <a:lnRef idx="2">
-            <a:schemeClr val="accent1">
-              <a:shade val="50000"/>
-            </a:schemeClr>
-          </a:lnRef>
-          <a:fillRef idx="1">
-            <a:schemeClr val="accent1"/>
-          </a:fillRef>
-          <a:effectRef idx="0">
-            <a:schemeClr val="accent1"/>
-          </a:effectRef>
-          <a:fontRef idx="minor">
-            <a:schemeClr val="lt1"/>
-          </a:fontRef>
-        </p:style>
-        <p:txBody>
-          <a:bodyPr rtlCol="0" anchor="ctr"/>
-          <a:lstStyle/>
-          <a:p>
-            <a:pPr algn="ctr"/>
-            <a:endParaRPr lang="ko-KR" altLang="en-US"/>
-          </a:p>
-        </p:txBody>
-      </p:sp>
-      <p:sp>
-        <p:nvSpPr>
-          <p:cNvPr id="5" name="직사각형 4"/>
-          <p:cNvSpPr/>
-          <p:nvPr/>
-        </p:nvSpPr>
-        <p:spPr>
-          <a:xfrm>
-            <a:off x="2699792" y="5517232"/>
-            <a:ext cx="3720955" cy="369332"/>
-          </a:xfrm>
-          <a:prstGeom prst="rect">
-            <a:avLst/>
-          </a:prstGeom>
-        </p:spPr>
-        <p:txBody>
-          <a:bodyPr wrap="none">
-            <a:spAutoFit/>
-          </a:bodyPr>
-          <a:lstStyle/>
-          <a:p>
-            <a:r>
-              <a:rPr lang="en-US" altLang="ko-KR" dirty="0">
-                <a:solidFill>
-                  <a:srgbClr val="FF0000"/>
-                </a:solidFill>
-              </a:rPr>
-              <a:t>Add Python </a:t>
-            </a:r>
-            <a:r>
-              <a:rPr lang="en-US" altLang="ko-KR" dirty="0" smtClean="0">
-                <a:solidFill>
-                  <a:srgbClr val="FF0000"/>
-                </a:solidFill>
-              </a:rPr>
-              <a:t>3.9 </a:t>
-            </a:r>
-            <a:r>
-              <a:rPr lang="en-US" altLang="ko-KR" dirty="0">
-                <a:solidFill>
-                  <a:srgbClr val="FF0000"/>
-                </a:solidFill>
-              </a:rPr>
-              <a:t>to </a:t>
-            </a:r>
-            <a:r>
-              <a:rPr lang="en-US" altLang="ko-KR" dirty="0" smtClean="0">
-                <a:solidFill>
-                  <a:srgbClr val="FF0000"/>
-                </a:solidFill>
-              </a:rPr>
-              <a:t>PATH </a:t>
-            </a:r>
-            <a:r>
-              <a:rPr lang="ko-KR" altLang="en-US" dirty="0" smtClean="0">
-                <a:solidFill>
-                  <a:srgbClr val="FF0000"/>
-                </a:solidFill>
-              </a:rPr>
-              <a:t>꼭 체크</a:t>
-            </a:r>
-            <a:r>
-              <a:rPr lang="en-US" altLang="ko-KR" dirty="0" smtClean="0">
-                <a:solidFill>
-                  <a:srgbClr val="FF0000"/>
-                </a:solidFill>
-              </a:rPr>
-              <a:t>!!</a:t>
-            </a:r>
-            <a:endParaRPr lang="ko-KR" altLang="en-US" dirty="0">
-              <a:solidFill>
-                <a:srgbClr val="FF0000"/>
-              </a:solidFill>
-            </a:endParaRPr>
-          </a:p>
-        </p:txBody>
-      </p:sp>
-    </p:spTree>
-    <p:extLst>
-      <p:ext uri="{BB962C8B-B14F-4D97-AF65-F5344CB8AC3E}">
-        <p14:creationId xmlns:p14="http://schemas.microsoft.com/office/powerpoint/2010/main" val="1947931717"/>
-      </p:ext>
-    </p:extLst>
-  </p:cSld>
-  <p:clrMapOvr>
-    <a:masterClrMapping/>
-  </p:clrMapOvr>
-  <p:timing>
-    <p:tnLst>
-      <p:par>
-        <p:cTn id="1" dur="indefinite" restart="never" nodeType="tmRoot"/>
-      </p:par>
-    </p:tnLst>
-  </p:timing>
-</p:sld>
-</file>
-
-<file path=ppt/slides/slide16.xml><?xml version="1.0" encoding="utf-8"?>
-<p:sld xmlns:a="http://schemas.openxmlformats.org/drawingml/2006/main" xmlns:r="http://schemas.openxmlformats.org/officeDocument/2006/relationships" xmlns:p="http://schemas.openxmlformats.org/presentationml/2006/main">
-  <p:cSld>
-    <p:spTree>
-      <p:nvGrpSpPr>
-        <p:cNvPr id="1" name=""/>
-        <p:cNvGrpSpPr/>
-        <p:nvPr/>
-      </p:nvGrpSpPr>
-      <p:grpSpPr>
-        <a:xfrm>
-          <a:off x="0" y="0"/>
-          <a:ext cx="0" cy="0"/>
-          <a:chOff x="0" y="0"/>
-          <a:chExt cx="0" cy="0"/>
-        </a:xfrm>
-      </p:grpSpPr>
-      <p:sp>
-        <p:nvSpPr>
-          <p:cNvPr id="3" name="TextBox 2"/>
-          <p:cNvSpPr txBox="1"/>
-          <p:nvPr/>
-        </p:nvSpPr>
-        <p:spPr>
-          <a:xfrm>
-            <a:off x="6588224" y="6165304"/>
-            <a:ext cx="1838965" cy="369332"/>
-          </a:xfrm>
-          <a:prstGeom prst="rect">
-            <a:avLst/>
-          </a:prstGeom>
-          <a:noFill/>
-        </p:spPr>
-        <p:txBody>
-          <a:bodyPr wrap="none" rtlCol="0">
-            <a:spAutoFit/>
-          </a:bodyPr>
-          <a:lstStyle/>
-          <a:p>
-            <a:r>
-              <a:rPr lang="en-US" altLang="ko-KR" dirty="0" smtClean="0">
-                <a:solidFill>
-                  <a:schemeClr val="accent5"/>
-                </a:solidFill>
-                <a:latin typeface="배달의민족 도현" pitchFamily="50" charset="-127"/>
-                <a:ea typeface="배달의민족 도현" pitchFamily="50" charset="-127"/>
-              </a:rPr>
-              <a:t>S</a:t>
-            </a:r>
-            <a:r>
-              <a:rPr lang="en-US" altLang="ko-KR" dirty="0" smtClean="0">
-                <a:latin typeface="배달의민족 도현" pitchFamily="50" charset="-127"/>
-                <a:ea typeface="배달의민족 도현" pitchFamily="50" charset="-127"/>
-              </a:rPr>
-              <a:t>TART</a:t>
-            </a:r>
-            <a:r>
-              <a:rPr lang="en-US" altLang="ko-KR" dirty="0" smtClean="0">
-                <a:solidFill>
-                  <a:schemeClr val="accent5"/>
-                </a:solidFill>
-                <a:latin typeface="배달의민족 도현" pitchFamily="50" charset="-127"/>
-                <a:ea typeface="배달의민족 도현" pitchFamily="50" charset="-127"/>
-              </a:rPr>
-              <a:t>C</a:t>
-            </a:r>
-            <a:r>
-              <a:rPr lang="en-US" altLang="ko-KR" dirty="0" smtClean="0">
-                <a:latin typeface="배달의민족 도현" pitchFamily="50" charset="-127"/>
-                <a:ea typeface="배달의민족 도현" pitchFamily="50" charset="-127"/>
-              </a:rPr>
-              <a:t>ODING</a:t>
-            </a:r>
-            <a:endParaRPr lang="ko-KR" altLang="en-US" dirty="0">
-              <a:latin typeface="배달의민족 도현" pitchFamily="50" charset="-127"/>
-              <a:ea typeface="배달의민족 도현" pitchFamily="50" charset="-127"/>
-            </a:endParaRPr>
-          </a:p>
-        </p:txBody>
-      </p:sp>
-      <p:sp>
-        <p:nvSpPr>
-          <p:cNvPr id="6" name="직사각형 5"/>
-          <p:cNvSpPr/>
-          <p:nvPr/>
-        </p:nvSpPr>
-        <p:spPr>
-          <a:xfrm>
-            <a:off x="107504" y="116632"/>
-            <a:ext cx="2592288" cy="369332"/>
-          </a:xfrm>
-          <a:prstGeom prst="rect">
-            <a:avLst/>
-          </a:prstGeom>
-        </p:spPr>
-        <p:txBody>
-          <a:bodyPr wrap="square">
-            <a:spAutoFit/>
-          </a:bodyPr>
-          <a:lstStyle/>
-          <a:p>
-            <a:r>
-              <a:rPr lang="en-US" altLang="ko-KR" dirty="0" smtClean="0">
-                <a:latin typeface="배달의민족 주아" pitchFamily="18" charset="-127"/>
-                <a:ea typeface="배달의민족 주아" pitchFamily="18" charset="-127"/>
-              </a:rPr>
-              <a:t>3. </a:t>
-            </a:r>
-            <a:r>
-              <a:rPr lang="ko-KR" altLang="en-US" dirty="0" smtClean="0">
-                <a:latin typeface="배달의민족 주아" pitchFamily="18" charset="-127"/>
-                <a:ea typeface="배달의민족 주아" pitchFamily="18" charset="-127"/>
-              </a:rPr>
-              <a:t>프로그램 설치</a:t>
-            </a:r>
-            <a:endParaRPr lang="ko-KR" altLang="en-US" dirty="0"/>
-          </a:p>
-        </p:txBody>
-      </p:sp>
-      <p:sp>
-        <p:nvSpPr>
-          <p:cNvPr id="7" name="제목 1"/>
-          <p:cNvSpPr>
-            <a:spLocks noGrp="1"/>
-          </p:cNvSpPr>
-          <p:nvPr>
-            <p:ph type="ctrTitle"/>
-          </p:nvPr>
-        </p:nvSpPr>
-        <p:spPr>
-          <a:xfrm>
-            <a:off x="685800" y="476672"/>
-            <a:ext cx="7772400" cy="1470025"/>
-          </a:xfrm>
-        </p:spPr>
-        <p:txBody>
-          <a:bodyPr/>
-          <a:lstStyle/>
-          <a:p>
-            <a:r>
-              <a:rPr lang="ko-KR" altLang="en-US" dirty="0" smtClean="0">
-                <a:latin typeface="배달의민족 주아" pitchFamily="18" charset="-127"/>
-                <a:ea typeface="배달의민족 주아" pitchFamily="18" charset="-127"/>
-              </a:rPr>
-              <a:t>에디터</a:t>
-            </a:r>
-            <a:r>
-              <a:rPr lang="en-US" altLang="ko-KR" dirty="0" smtClean="0">
-                <a:latin typeface="배달의민족 주아" pitchFamily="18" charset="-127"/>
-                <a:ea typeface="배달의민족 주아" pitchFamily="18" charset="-127"/>
-              </a:rPr>
-              <a:t>(Visual Studio Code)</a:t>
-            </a:r>
-            <a:r>
-              <a:rPr lang="ko-KR" altLang="en-US" dirty="0" smtClean="0">
-                <a:latin typeface="배달의민족 주아" pitchFamily="18" charset="-127"/>
-                <a:ea typeface="배달의민족 주아" pitchFamily="18" charset="-127"/>
-              </a:rPr>
-              <a:t> 설치</a:t>
-            </a:r>
-            <a:endParaRPr lang="ko-KR" altLang="en-US" dirty="0">
-              <a:latin typeface="배달의민족 주아" pitchFamily="18" charset="-127"/>
-              <a:ea typeface="배달의민족 주아" pitchFamily="18" charset="-127"/>
-            </a:endParaRPr>
-          </a:p>
-        </p:txBody>
-      </p:sp>
-      <p:sp>
-        <p:nvSpPr>
-          <p:cNvPr id="2" name="직사각형 1"/>
-          <p:cNvSpPr/>
-          <p:nvPr/>
-        </p:nvSpPr>
-        <p:spPr>
-          <a:xfrm>
-            <a:off x="2901632" y="1628800"/>
-            <a:ext cx="3326552" cy="646331"/>
-          </a:xfrm>
-          <a:prstGeom prst="rect">
-            <a:avLst/>
-          </a:prstGeom>
-        </p:spPr>
-        <p:txBody>
-          <a:bodyPr wrap="none">
-            <a:spAutoFit/>
-          </a:bodyPr>
-          <a:lstStyle/>
-          <a:p>
-            <a:r>
-              <a:rPr lang="en-US" altLang="ko-KR" dirty="0" smtClean="0">
-                <a:hlinkClick r:id="rId2"/>
-              </a:rPr>
-              <a:t>https://code.visualstudio.com/</a:t>
-            </a:r>
-            <a:endParaRPr lang="en-US" altLang="ko-KR" dirty="0" smtClean="0"/>
-          </a:p>
-          <a:p>
-            <a:endParaRPr lang="en-US" altLang="ko-KR" dirty="0" smtClean="0"/>
-          </a:p>
-        </p:txBody>
-      </p:sp>
-      <p:pic>
-        <p:nvPicPr>
-          <p:cNvPr id="6146" name="Picture 2"/>
-          <p:cNvPicPr>
-            <a:picLocks noChangeAspect="1" noChangeArrowheads="1"/>
-          </p:cNvPicPr>
-          <p:nvPr/>
-        </p:nvPicPr>
-        <p:blipFill>
-          <a:blip r:embed="rId3">
-            <a:extLst>
-              <a:ext uri="{28A0092B-C50C-407E-A947-70E740481C1C}">
-                <a14:useLocalDpi xmlns:a14="http://schemas.microsoft.com/office/drawing/2010/main" val="0"/>
-              </a:ext>
-            </a:extLst>
-          </a:blip>
-          <a:srcRect/>
-          <a:stretch>
-            <a:fillRect/>
-          </a:stretch>
-        </p:blipFill>
-        <p:spPr bwMode="auto">
-          <a:xfrm>
-            <a:off x="1277888" y="2060848"/>
-            <a:ext cx="6588224" cy="3935468"/>
-          </a:xfrm>
-          <a:prstGeom prst="rect">
-            <a:avLst/>
-          </a:prstGeom>
-          <a:noFill/>
-          <a:ln>
-            <a:noFill/>
-          </a:ln>
-          <a:effectLst/>
-          <a:extLst>
-            <a:ext uri="{909E8E84-426E-40DD-AFC4-6F175D3DCCD1}">
-              <a14:hiddenFill xmlns:a14="http://schemas.microsoft.com/office/drawing/2010/main">
-                <a:solidFill>
-                  <a:schemeClr val="accent1"/>
-                </a:solidFill>
-              </a14:hiddenFill>
-            </a:ext>
-            <a:ext uri="{91240B29-F687-4F45-9708-019B960494DF}">
-              <a14:hiddenLine xmlns:a14="http://schemas.microsoft.com/office/drawing/2010/main" w="9525">
-                <a:solidFill>
-                  <a:schemeClr val="tx1"/>
-                </a:solidFill>
-                <a:miter lim="800000"/>
-                <a:headEnd/>
-                <a:tailEnd/>
-              </a14:hiddenLine>
-            </a:ext>
-            <a:ext uri="{AF507438-7753-43E0-B8FC-AC1667EBCBE1}">
-              <a14:hiddenEffects xmlns:a14="http://schemas.microsoft.com/office/drawing/2010/main">
-                <a:effectLst>
-                  <a:outerShdw dist="35921" dir="2700000" algn="ctr" rotWithShape="0">
-                    <a:schemeClr val="bg2"/>
-                  </a:outerShdw>
-                </a:effectLst>
-              </a14:hiddenEffects>
-            </a:ext>
-          </a:extLst>
-        </p:spPr>
-      </p:pic>
-      <p:sp>
-        <p:nvSpPr>
-          <p:cNvPr id="4" name="직사각형 3"/>
-          <p:cNvSpPr/>
-          <p:nvPr/>
-        </p:nvSpPr>
-        <p:spPr>
-          <a:xfrm>
-            <a:off x="1691680" y="3740550"/>
-            <a:ext cx="1512168" cy="576064"/>
-          </a:xfrm>
-          <a:prstGeom prst="rect">
-            <a:avLst/>
-          </a:prstGeom>
-          <a:noFill/>
-          <a:ln>
-            <a:solidFill>
-              <a:srgbClr val="FF0000"/>
-            </a:solidFill>
-          </a:ln>
-        </p:spPr>
-        <p:style>
-          <a:lnRef idx="2">
-            <a:schemeClr val="accent1">
-              <a:shade val="50000"/>
-            </a:schemeClr>
-          </a:lnRef>
-          <a:fillRef idx="1">
-            <a:schemeClr val="accent1"/>
-          </a:fillRef>
-          <a:effectRef idx="0">
-            <a:schemeClr val="accent1"/>
-          </a:effectRef>
-          <a:fontRef idx="minor">
-            <a:schemeClr val="lt1"/>
-          </a:fontRef>
-        </p:style>
-        <p:txBody>
-          <a:bodyPr rtlCol="0" anchor="ctr"/>
-          <a:lstStyle/>
-          <a:p>
-            <a:pPr algn="ctr"/>
-            <a:endParaRPr lang="ko-KR" altLang="en-US"/>
-          </a:p>
-        </p:txBody>
-      </p:sp>
-    </p:spTree>
-    <p:extLst>
-      <p:ext uri="{BB962C8B-B14F-4D97-AF65-F5344CB8AC3E}">
-        <p14:creationId xmlns:p14="http://schemas.microsoft.com/office/powerpoint/2010/main" val="3692365508"/>
-      </p:ext>
-    </p:extLst>
-  </p:cSld>
-  <p:clrMapOvr>
-    <a:masterClrMapping/>
-  </p:clrMapOvr>
-  <p:timing>
-    <p:tnLst>
-      <p:par>
-        <p:cTn id="1" dur="indefinite" restart="never" nodeType="tmRoot"/>
-      </p:par>
-    </p:tnLst>
-  </p:timing>
-</p:sld>
-</file>
-
-<file path=ppt/slides/slide17.xml><?xml version="1.0" encoding="utf-8"?>
-<p:sld xmlns:a="http://schemas.openxmlformats.org/drawingml/2006/main" xmlns:r="http://schemas.openxmlformats.org/officeDocument/2006/relationships" xmlns:p="http://schemas.openxmlformats.org/presentationml/2006/main">
-  <p:cSld>
-    <p:spTree>
-      <p:nvGrpSpPr>
-        <p:cNvPr id="1" name=""/>
-        <p:cNvGrpSpPr/>
-        <p:nvPr/>
-      </p:nvGrpSpPr>
-      <p:grpSpPr>
-        <a:xfrm>
-          <a:off x="0" y="0"/>
-          <a:ext cx="0" cy="0"/>
-          <a:chOff x="0" y="0"/>
-          <a:chExt cx="0" cy="0"/>
-        </a:xfrm>
-      </p:grpSpPr>
-      <p:sp>
-        <p:nvSpPr>
-          <p:cNvPr id="3" name="TextBox 2"/>
-          <p:cNvSpPr txBox="1"/>
-          <p:nvPr/>
-        </p:nvSpPr>
-        <p:spPr>
-          <a:xfrm>
-            <a:off x="6588224" y="6165304"/>
-            <a:ext cx="1838965" cy="369332"/>
-          </a:xfrm>
-          <a:prstGeom prst="rect">
-            <a:avLst/>
-          </a:prstGeom>
-          <a:noFill/>
-        </p:spPr>
-        <p:txBody>
-          <a:bodyPr wrap="none" rtlCol="0">
-            <a:spAutoFit/>
-          </a:bodyPr>
-          <a:lstStyle/>
-          <a:p>
-            <a:r>
-              <a:rPr lang="en-US" altLang="ko-KR" dirty="0" smtClean="0">
-                <a:solidFill>
-                  <a:schemeClr val="accent5"/>
-                </a:solidFill>
-                <a:latin typeface="배달의민족 도현" pitchFamily="50" charset="-127"/>
-                <a:ea typeface="배달의민족 도현" pitchFamily="50" charset="-127"/>
-              </a:rPr>
-              <a:t>S</a:t>
-            </a:r>
-            <a:r>
-              <a:rPr lang="en-US" altLang="ko-KR" dirty="0" smtClean="0">
-                <a:latin typeface="배달의민족 도현" pitchFamily="50" charset="-127"/>
-                <a:ea typeface="배달의민족 도현" pitchFamily="50" charset="-127"/>
-              </a:rPr>
-              <a:t>TART</a:t>
-            </a:r>
-            <a:r>
-              <a:rPr lang="en-US" altLang="ko-KR" dirty="0" smtClean="0">
-                <a:solidFill>
-                  <a:schemeClr val="accent5"/>
-                </a:solidFill>
-                <a:latin typeface="배달의민족 도현" pitchFamily="50" charset="-127"/>
-                <a:ea typeface="배달의민족 도현" pitchFamily="50" charset="-127"/>
-              </a:rPr>
-              <a:t>C</a:t>
-            </a:r>
-            <a:r>
-              <a:rPr lang="en-US" altLang="ko-KR" dirty="0" smtClean="0">
-                <a:latin typeface="배달의민족 도현" pitchFamily="50" charset="-127"/>
-                <a:ea typeface="배달의민족 도현" pitchFamily="50" charset="-127"/>
-              </a:rPr>
-              <a:t>ODING</a:t>
-            </a:r>
-            <a:endParaRPr lang="ko-KR" altLang="en-US" dirty="0">
-              <a:latin typeface="배달의민족 도현" pitchFamily="50" charset="-127"/>
-              <a:ea typeface="배달의민족 도현" pitchFamily="50" charset="-127"/>
-            </a:endParaRPr>
-          </a:p>
-        </p:txBody>
-      </p:sp>
-      <p:sp>
-        <p:nvSpPr>
-          <p:cNvPr id="6" name="직사각형 5"/>
-          <p:cNvSpPr/>
-          <p:nvPr/>
-        </p:nvSpPr>
-        <p:spPr>
-          <a:xfrm>
-            <a:off x="107504" y="116632"/>
-            <a:ext cx="2592288" cy="369332"/>
-          </a:xfrm>
-          <a:prstGeom prst="rect">
-            <a:avLst/>
-          </a:prstGeom>
-        </p:spPr>
-        <p:txBody>
-          <a:bodyPr wrap="square">
-            <a:spAutoFit/>
-          </a:bodyPr>
-          <a:lstStyle/>
-          <a:p>
-            <a:r>
-              <a:rPr lang="en-US" altLang="ko-KR" dirty="0" smtClean="0">
-                <a:latin typeface="배달의민족 주아" pitchFamily="18" charset="-127"/>
-                <a:ea typeface="배달의민족 주아" pitchFamily="18" charset="-127"/>
-              </a:rPr>
-              <a:t>3. </a:t>
-            </a:r>
-            <a:r>
-              <a:rPr lang="ko-KR" altLang="en-US" dirty="0" smtClean="0">
-                <a:latin typeface="배달의민족 주아" pitchFamily="18" charset="-127"/>
-                <a:ea typeface="배달의민족 주아" pitchFamily="18" charset="-127"/>
-              </a:rPr>
-              <a:t>프로그램 설치</a:t>
-            </a:r>
-            <a:endParaRPr lang="ko-KR" altLang="en-US" dirty="0"/>
-          </a:p>
-        </p:txBody>
-      </p:sp>
-      <p:sp>
-        <p:nvSpPr>
-          <p:cNvPr id="7" name="제목 1"/>
-          <p:cNvSpPr>
-            <a:spLocks noGrp="1"/>
-          </p:cNvSpPr>
-          <p:nvPr>
-            <p:ph type="ctrTitle"/>
-          </p:nvPr>
-        </p:nvSpPr>
-        <p:spPr>
-          <a:xfrm>
-            <a:off x="685800" y="476672"/>
-            <a:ext cx="7772400" cy="1470025"/>
-          </a:xfrm>
-        </p:spPr>
-        <p:txBody>
-          <a:bodyPr/>
-          <a:lstStyle/>
-          <a:p>
-            <a:r>
-              <a:rPr lang="en-US" altLang="ko-KR" dirty="0" smtClean="0">
-                <a:latin typeface="배달의민족 주아" pitchFamily="18" charset="-127"/>
-                <a:ea typeface="배달의민족 주아" pitchFamily="18" charset="-127"/>
-              </a:rPr>
-              <a:t>Visual Studio Code </a:t>
-            </a:r>
-            <a:r>
-              <a:rPr lang="ko-KR" altLang="en-US" dirty="0" smtClean="0">
-                <a:latin typeface="배달의민족 주아" pitchFamily="18" charset="-127"/>
-                <a:ea typeface="배달의민족 주아" pitchFamily="18" charset="-127"/>
-              </a:rPr>
-              <a:t>사용법</a:t>
-            </a:r>
-            <a:endParaRPr lang="ko-KR" altLang="en-US" dirty="0">
-              <a:latin typeface="배달의민족 주아" pitchFamily="18" charset="-127"/>
-              <a:ea typeface="배달의민족 주아" pitchFamily="18" charset="-127"/>
-            </a:endParaRPr>
-          </a:p>
-        </p:txBody>
-      </p:sp>
-      <p:sp>
-        <p:nvSpPr>
-          <p:cNvPr id="2" name="직사각형 1"/>
-          <p:cNvSpPr/>
-          <p:nvPr/>
-        </p:nvSpPr>
-        <p:spPr>
-          <a:xfrm>
-            <a:off x="2771800" y="1628800"/>
-            <a:ext cx="3541290" cy="646331"/>
-          </a:xfrm>
-          <a:prstGeom prst="rect">
-            <a:avLst/>
-          </a:prstGeom>
-        </p:spPr>
-        <p:txBody>
-          <a:bodyPr wrap="none">
-            <a:spAutoFit/>
-          </a:bodyPr>
-          <a:lstStyle/>
-          <a:p>
-            <a:r>
-              <a:rPr lang="en-US" altLang="ko-KR" dirty="0">
-                <a:hlinkClick r:id="rId2"/>
-              </a:rPr>
-              <a:t>https://</a:t>
-            </a:r>
-            <a:r>
-              <a:rPr lang="en-US" altLang="ko-KR" dirty="0" smtClean="0">
-                <a:hlinkClick r:id="rId2"/>
-              </a:rPr>
-              <a:t>youtu.be/YWyfAH1RQD8</a:t>
-            </a:r>
-            <a:endParaRPr lang="en-US" altLang="ko-KR" dirty="0" smtClean="0"/>
-          </a:p>
-          <a:p>
-            <a:endParaRPr lang="en-US" altLang="ko-KR" dirty="0" smtClean="0"/>
-          </a:p>
-        </p:txBody>
-      </p:sp>
-      <p:sp>
-        <p:nvSpPr>
-          <p:cNvPr id="8" name="제목 1"/>
-          <p:cNvSpPr txBox="1">
-            <a:spLocks/>
-          </p:cNvSpPr>
-          <p:nvPr/>
-        </p:nvSpPr>
-        <p:spPr>
-          <a:xfrm>
-            <a:off x="683568" y="2823071"/>
-            <a:ext cx="7772400" cy="1470025"/>
-          </a:xfrm>
-          <a:prstGeom prst="rect">
-            <a:avLst/>
-          </a:prstGeom>
-        </p:spPr>
-        <p:txBody>
-          <a:bodyPr vert="horz" lIns="91440" tIns="45720" rIns="91440" bIns="45720" rtlCol="0" anchor="ctr">
-            <a:normAutofit/>
-          </a:bodyPr>
-          <a:lstStyle>
-            <a:lvl1pPr algn="ctr" defTabSz="914400" rtl="0" eaLnBrk="1" latinLnBrk="1" hangingPunct="1">
-              <a:spcBef>
-                <a:spcPct val="0"/>
-              </a:spcBef>
-              <a:buNone/>
-              <a:defRPr sz="4400" kern="1200">
-                <a:solidFill>
-                  <a:schemeClr val="tx1"/>
-                </a:solidFill>
-                <a:latin typeface="+mj-lt"/>
-                <a:ea typeface="+mj-ea"/>
-                <a:cs typeface="+mj-cs"/>
-              </a:defRPr>
-            </a:lvl1pPr>
-          </a:lstStyle>
-          <a:p>
-            <a:r>
-              <a:rPr lang="ko-KR" altLang="en-US" sz="4000" dirty="0" err="1" smtClean="0">
-                <a:latin typeface="배달의민족 주아" pitchFamily="18" charset="-127"/>
-                <a:ea typeface="배달의민족 주아" pitchFamily="18" charset="-127"/>
-              </a:rPr>
-              <a:t>유튜브</a:t>
-            </a:r>
-            <a:r>
-              <a:rPr lang="ko-KR" altLang="en-US" sz="4000" dirty="0" smtClean="0">
-                <a:latin typeface="배달의민족 주아" pitchFamily="18" charset="-127"/>
-                <a:ea typeface="배달의민족 주아" pitchFamily="18" charset="-127"/>
-              </a:rPr>
-              <a:t> 영상 참</a:t>
-            </a:r>
-            <a:r>
-              <a:rPr lang="ko-KR" altLang="en-US" sz="4000" dirty="0">
-                <a:latin typeface="배달의민족 주아" pitchFamily="18" charset="-127"/>
-                <a:ea typeface="배달의민족 주아" pitchFamily="18" charset="-127"/>
-              </a:rPr>
-              <a:t>고</a:t>
-            </a:r>
-          </a:p>
-        </p:txBody>
-      </p:sp>
-    </p:spTree>
-    <p:extLst>
-      <p:ext uri="{BB962C8B-B14F-4D97-AF65-F5344CB8AC3E}">
-        <p14:creationId xmlns:p14="http://schemas.microsoft.com/office/powerpoint/2010/main" val="3814937804"/>
-      </p:ext>
-    </p:extLst>
-  </p:cSld>
-  <p:clrMapOvr>
-    <a:masterClrMapping/>
-  </p:clrMapOvr>
-  <p:timing>
-    <p:tnLst>
-      <p:par>
-        <p:cTn id="1" dur="indefinite" restart="never" nodeType="tmRoot"/>
-      </p:par>
-    </p:tnLst>
-  </p:timing>
-</p:sld>
-</file>
-
-<file path=ppt/slides/slide18.xml><?xml version="1.0" encoding="utf-8"?>
+<file path=ppt/slides/slide11.xml><?xml version="1.0" encoding="utf-8"?>
 <p:sld xmlns:a="http://schemas.openxmlformats.org/drawingml/2006/main" xmlns:r="http://schemas.openxmlformats.org/officeDocument/2006/relationships" xmlns:p="http://schemas.openxmlformats.org/presentationml/2006/main">
   <p:cSld>
     <p:spTree>
@@ -7022,7 +4333,17 @@
                 <a:latin typeface="배달의민족 주아" pitchFamily="18" charset="-127"/>
                 <a:ea typeface="배달의민족 주아" pitchFamily="18" charset="-127"/>
               </a:rPr>
-              <a:t>2</a:t>
+              <a:t>2. </a:t>
+            </a:r>
+            <a:r>
+              <a:rPr lang="ko-KR" altLang="en-US" sz="3600" dirty="0" err="1" smtClean="0">
+                <a:solidFill>
+                  <a:schemeClr val="bg1"/>
+                </a:solidFill>
+                <a:latin typeface="배달의민족 주아" pitchFamily="18" charset="-127"/>
+                <a:ea typeface="배달의민족 주아" pitchFamily="18" charset="-127"/>
+              </a:rPr>
+              <a:t>자료형</a:t>
             </a:r>
             <a:r>
               <a:rPr lang="en-US" altLang="ko-KR" sz="3600" dirty="0" smtClean="0">
@@ -7032,37 +4353,7 @@
                 <a:latin typeface="배달의민족 주아" pitchFamily="18" charset="-127"/>
                 <a:ea typeface="배달의민족 주아" pitchFamily="18" charset="-127"/>
               </a:rPr>
-              <a:t>. </a:t>
-            </a:r>
-            <a:r>
-              <a:rPr lang="ko-KR" altLang="en-US" sz="3600" dirty="0" err="1" smtClean="0">
-                <a:solidFill>
-                  <a:schemeClr val="bg1"/>
-                </a:solidFill>
-                <a:latin typeface="배달의민족 주아" pitchFamily="18" charset="-127"/>
-                <a:ea typeface="배달의민족 주아" pitchFamily="18" charset="-127"/>
-              </a:rPr>
-              <a:t>자료형</a:t>
-            </a:r>
-            <a:r>
-              <a:rPr lang="en-US" altLang="ko-KR" sz="3600" dirty="0" smtClean="0">
-                <a:solidFill>
-                  <a:schemeClr val="bg1"/>
-                </a:solidFill>
-                <a:latin typeface="배달의민족 주아" pitchFamily="18" charset="-127"/>
-                <a:ea typeface="배달의민족 주아" pitchFamily="18" charset="-127"/>
-              </a:rPr>
               <a:t>(data Type)</a:t>
-            </a:r>
-            <a:r>
-              <a:rPr lang="en-US" altLang="ko-KR" sz="3600" dirty="0" smtClean="0">
-                <a:solidFill>
-                  <a:schemeClr val="bg1"/>
-                </a:solidFill>
-                <a:latin typeface="배달의민족 주아" pitchFamily="18" charset="-127"/>
-                <a:ea typeface="배달의민족 주아" pitchFamily="18" charset="-127"/>
-              </a:rPr>
-              <a:t/>
             </a:r>
             <a:br>
               <a:rPr lang="en-US" altLang="ko-KR" sz="3600" dirty="0" smtClean="0">
@@ -7189,7 +4480,17 @@
                 <a:latin typeface="배달의민족 주아" pitchFamily="18" charset="-127"/>
                 <a:ea typeface="배달의민족 주아" pitchFamily="18" charset="-127"/>
               </a:rPr>
-              <a:t>3</a:t>
+              <a:t>3. </a:t>
+            </a:r>
+            <a:r>
+              <a:rPr lang="ko-KR" altLang="en-US" sz="3600" dirty="0" smtClean="0">
+                <a:solidFill>
+                  <a:schemeClr val="bg1"/>
+                </a:solidFill>
+                <a:latin typeface="배달의민족 주아" pitchFamily="18" charset="-127"/>
+                <a:ea typeface="배달의민족 주아" pitchFamily="18" charset="-127"/>
+              </a:rPr>
+              <a:t>변수</a:t>
             </a:r>
             <a:r>
               <a:rPr lang="en-US" altLang="ko-KR" sz="3600" dirty="0" smtClean="0">
@@ -7199,37 +4500,7 @@
                 <a:latin typeface="배달의민족 주아" pitchFamily="18" charset="-127"/>
                 <a:ea typeface="배달의민족 주아" pitchFamily="18" charset="-127"/>
               </a:rPr>
-              <a:t>. </a:t>
-            </a:r>
-            <a:r>
-              <a:rPr lang="ko-KR" altLang="en-US" sz="3600" dirty="0" smtClean="0">
-                <a:solidFill>
-                  <a:schemeClr val="bg1"/>
-                </a:solidFill>
-                <a:latin typeface="배달의민족 주아" pitchFamily="18" charset="-127"/>
-                <a:ea typeface="배달의민족 주아" pitchFamily="18" charset="-127"/>
-              </a:rPr>
-              <a:t>변수</a:t>
-            </a:r>
-            <a:r>
-              <a:rPr lang="en-US" altLang="ko-KR" sz="3600" dirty="0" smtClean="0">
-                <a:solidFill>
-                  <a:schemeClr val="bg1"/>
-                </a:solidFill>
-                <a:latin typeface="배달의민족 주아" pitchFamily="18" charset="-127"/>
-                <a:ea typeface="배달의민족 주아" pitchFamily="18" charset="-127"/>
-              </a:rPr>
               <a:t>(variable)</a:t>
-            </a:r>
-            <a:r>
-              <a:rPr lang="en-US" altLang="ko-KR" sz="3600" dirty="0" smtClean="0">
-                <a:solidFill>
-                  <a:schemeClr val="bg1"/>
-                </a:solidFill>
-                <a:latin typeface="배달의민족 주아" pitchFamily="18" charset="-127"/>
-                <a:ea typeface="배달의민족 주아" pitchFamily="18" charset="-127"/>
-              </a:rPr>
-              <a:t/>
             </a:r>
             <a:br>
               <a:rPr lang="en-US" altLang="ko-KR" sz="3600" dirty="0" smtClean="0">
@@ -9096,14 +6367,21 @@
                 <a:latin typeface="배달의민족 주아" pitchFamily="18" charset="-127"/>
                 <a:ea typeface="배달의민족 주아" pitchFamily="18" charset="-127"/>
               </a:rPr>
-              <a:t>“</a:t>
-            </a:r>
-            <a:r>
-              <a:rPr lang="en-US" altLang="ko-KR" dirty="0" smtClean="0">
-                <a:latin typeface="배달의민족 주아" pitchFamily="18" charset="-127"/>
-                <a:ea typeface="배달의민족 주아" pitchFamily="18" charset="-127"/>
-              </a:rPr>
-              <a:t> he is </a:t>
+              <a:t>'</a:t>
+            </a:r>
+            <a:r>
+              <a:rPr lang="en-US" altLang="ko-KR" dirty="0" smtClean="0">
+                <a:latin typeface="배달의민족 주아" pitchFamily="18" charset="-127"/>
+                <a:ea typeface="배달의민족 주아" pitchFamily="18" charset="-127"/>
+              </a:rPr>
+              <a:t>he </a:t>
+            </a:r>
+            <a:r>
+              <a:rPr lang="en-US" altLang="ko-KR" dirty="0" smtClean="0">
+                <a:latin typeface="배달의민족 주아" pitchFamily="18" charset="-127"/>
+                <a:ea typeface="배달의민족 주아" pitchFamily="18" charset="-127"/>
+              </a:rPr>
+              <a:t>is </a:t>
             </a:r>
             <a:r>
               <a:rPr lang="en-US" altLang="ko-KR" dirty="0" err="1" smtClean="0">
@@ -9120,7 +6398,7 @@
                 <a:latin typeface="배달의민족 주아" pitchFamily="18" charset="-127"/>
                 <a:ea typeface="배달의민족 주아" pitchFamily="18" charset="-127"/>
               </a:rPr>
-              <a:t>”</a:t>
+              <a:t>'</a:t>
             </a:r>
             <a:endParaRPr lang="ko-KR" altLang="en-US" dirty="0">
               <a:solidFill>
@@ -9178,14 +6456,21 @@
                 <a:latin typeface="배달의민족 주아" pitchFamily="18" charset="-127"/>
                 <a:ea typeface="배달의민족 주아" pitchFamily="18" charset="-127"/>
               </a:rPr>
-              <a:t>““</a:t>
-            </a:r>
-            <a:r>
-              <a:rPr lang="en-US" altLang="ko-KR" dirty="0" smtClean="0">
-                <a:latin typeface="배달의민족 주아" pitchFamily="18" charset="-127"/>
-                <a:ea typeface="배달의민족 주아" pitchFamily="18" charset="-127"/>
-              </a:rPr>
-              <a:t>he is </a:t>
+              <a:t>"</a:t>
+            </a:r>
+            <a:r>
+              <a:rPr lang="en-US" altLang="ko-KR" dirty="0" smtClean="0">
+                <a:latin typeface="배달의민족 주아" pitchFamily="18" charset="-127"/>
+                <a:ea typeface="배달의민족 주아" pitchFamily="18" charset="-127"/>
+              </a:rPr>
+              <a:t>he </a:t>
+            </a:r>
+            <a:r>
+              <a:rPr lang="en-US" altLang="ko-KR" dirty="0" smtClean="0">
+                <a:latin typeface="배달의민족 주아" pitchFamily="18" charset="-127"/>
+                <a:ea typeface="배달의민족 주아" pitchFamily="18" charset="-127"/>
+              </a:rPr>
+              <a:t>is </a:t>
             </a:r>
             <a:r>
               <a:rPr lang="en-US" altLang="ko-KR" dirty="0" err="1" smtClean="0">
@@ -9202,7 +6487,7 @@
                 <a:latin typeface="배달의민족 주아" pitchFamily="18" charset="-127"/>
                 <a:ea typeface="배달의민족 주아" pitchFamily="18" charset="-127"/>
               </a:rPr>
-              <a:t>””</a:t>
+              <a:t>"</a:t>
             </a:r>
             <a:endParaRPr lang="ko-KR" altLang="en-US" dirty="0">
               <a:solidFill>
@@ -9531,10 +6816,6 @@
               </a:rPr>
               <a:t>수</a:t>
             </a:r>
-            <a:endParaRPr lang="ko-KR" altLang="en-US" dirty="0">
-              <a:latin typeface="배달의민족 주아" pitchFamily="18" charset="-127"/>
-              <a:ea typeface="배달의민족 주아" pitchFamily="18" charset="-127"/>
-            </a:endParaRPr>
           </a:p>
         </p:txBody>
       </p:sp>
@@ -9672,14 +6953,7 @@
                 <a:latin typeface="배달의민족 주아" pitchFamily="18" charset="-127"/>
                 <a:ea typeface="배달의민족 주아" pitchFamily="18" charset="-127"/>
               </a:rPr>
-              <a:t>3</a:t>
-            </a:r>
-            <a:r>
-              <a:rPr lang="en-US" altLang="ko-KR" dirty="0" smtClean="0">
-                <a:latin typeface="배달의민족 주아" pitchFamily="18" charset="-127"/>
-                <a:ea typeface="배달의민족 주아" pitchFamily="18" charset="-127"/>
-              </a:rPr>
-              <a:t>. </a:t>
+              <a:t>3. </a:t>
             </a:r>
             <a:r>
               <a:rPr lang="ko-KR" altLang="en-US" dirty="0" smtClean="0">
@@ -9757,6 +7031,47 @@
           </a:p>
         </p:txBody>
       </p:sp>
+      <p:pic>
+        <p:nvPicPr>
+          <p:cNvPr id="1026" name="Picture 2" descr="C:\Users\Administrator\Downloads\free-icon-package-2945609.png"/>
+          <p:cNvPicPr>
+            <a:picLocks noChangeAspect="1" noChangeArrowheads="1"/>
+          </p:cNvPicPr>
+          <p:nvPr/>
+        </p:nvPicPr>
+        <p:blipFill>
+          <a:blip r:embed="rId2">
+            <a:extLst>
+              <a:ext uri="{28A0092B-C50C-407E-A947-70E740481C1C}">
+                <a14:useLocalDpi xmlns:a14="http://schemas.microsoft.com/office/drawing/2010/main" val="0"/>
+              </a:ext>
+            </a:extLst>
+          </a:blip>
+          <a:srcRect/>
+          <a:stretch>
+            <a:fillRect/>
+          </a:stretch>
+        </p:blipFill>
+        <p:spPr bwMode="auto">
+          <a:xfrm>
+            <a:off x="3351684" y="3759097"/>
+            <a:ext cx="2436168" cy="2436168"/>
+          </a:xfrm>
+          <a:prstGeom prst="rect">
+            <a:avLst/>
+          </a:prstGeom>
+          <a:noFill/>
+          <a:extLst>
+            <a:ext uri="{909E8E84-426E-40DD-AFC4-6F175D3DCCD1}">
+              <a14:hiddenFill xmlns:a14="http://schemas.microsoft.com/office/drawing/2010/main">
+                <a:solidFill>
+                  <a:srgbClr val="FFFFFF"/>
+                </a:solidFill>
+              </a14:hiddenFill>
+            </a:ext>
+          </a:extLst>
+        </p:spPr>
+      </p:pic>
     </p:spTree>
     <p:extLst>
       <p:ext uri="{BB962C8B-B14F-4D97-AF65-F5344CB8AC3E}">
@@ -9934,70 +7249,13 @@
       </p:grpSpPr>
       <p:sp>
         <p:nvSpPr>
-          <p:cNvPr id="2" name="제목 1"/>
-          <p:cNvSpPr>
-            <a:spLocks noGrp="1"/>
-          </p:cNvSpPr>
-          <p:nvPr>
-            <p:ph type="ctrTitle"/>
-          </p:nvPr>
-        </p:nvSpPr>
-        <p:spPr/>
-        <p:txBody>
-          <a:bodyPr>
-            <a:normAutofit fontScale="90000"/>
-          </a:bodyPr>
-          <a:lstStyle/>
-          <a:p>
-            <a:r>
-              <a:rPr lang="en-US" altLang="ko-KR" dirty="0" smtClean="0">
-                <a:latin typeface="배달의민족 주아" pitchFamily="18" charset="-127"/>
-                <a:ea typeface="배달의민족 주아" pitchFamily="18" charset="-127"/>
-              </a:rPr>
-              <a:t>1000 1011 0100 0101 1111 1000</a:t>
-            </a:r>
-            <a:br>
-              <a:rPr lang="en-US" altLang="ko-KR" dirty="0" smtClean="0">
-                <a:latin typeface="배달의민족 주아" pitchFamily="18" charset="-127"/>
-                <a:ea typeface="배달의민족 주아" pitchFamily="18" charset="-127"/>
-              </a:rPr>
-            </a:br>
-            <a:r>
-              <a:rPr lang="en-US" altLang="ko-KR" dirty="0" smtClean="0">
-                <a:latin typeface="배달의민족 주아" pitchFamily="18" charset="-127"/>
-                <a:ea typeface="배달의민족 주아" pitchFamily="18" charset="-127"/>
-              </a:rPr>
-              <a:t>1000 0011 1100 0100 0000 1100</a:t>
-            </a:r>
-            <a:br>
-              <a:rPr lang="en-US" altLang="ko-KR" dirty="0" smtClean="0">
-                <a:latin typeface="배달의민족 주아" pitchFamily="18" charset="-127"/>
-                <a:ea typeface="배달의민족 주아" pitchFamily="18" charset="-127"/>
-              </a:rPr>
-            </a:br>
-            <a:r>
-              <a:rPr lang="en-US" altLang="ko-KR" dirty="0" smtClean="0">
-                <a:latin typeface="배달의민족 주아" pitchFamily="18" charset="-127"/>
-                <a:ea typeface="배달의민족 주아" pitchFamily="18" charset="-127"/>
-              </a:rPr>
-              <a:t>0000 0011 0100 0101 1111 1100</a:t>
-            </a:r>
-            <a:endParaRPr lang="ko-KR" altLang="en-US" dirty="0">
-              <a:latin typeface="배달의민족 주아" pitchFamily="18" charset="-127"/>
-              <a:ea typeface="배달의민족 주아" pitchFamily="18" charset="-127"/>
-            </a:endParaRPr>
-          </a:p>
-        </p:txBody>
-      </p:sp>
-      <p:sp>
-        <p:nvSpPr>
           <p:cNvPr id="3" name="TextBox 2"/>
           <p:cNvSpPr txBox="1"/>
           <p:nvPr/>
         </p:nvSpPr>
         <p:spPr>
           <a:xfrm>
-            <a:off x="6588224" y="6165304"/>
+            <a:off x="6300192" y="6165304"/>
             <a:ext cx="1838965" cy="369332"/>
           </a:xfrm>
           <a:prstGeom prst="rect">
@@ -10054,7 +7312,7 @@
       </p:sp>
       <p:sp>
         <p:nvSpPr>
-          <p:cNvPr id="5" name="제목 1"/>
+          <p:cNvPr id="4" name="제목 1"/>
           <p:cNvSpPr txBox="1">
             <a:spLocks/>
           </p:cNvSpPr>
@@ -10062,7 +7320,7 @@
         </p:nvSpPr>
         <p:spPr>
           <a:xfrm>
-            <a:off x="693397" y="4164012"/>
+            <a:off x="685800" y="2492896"/>
             <a:ext cx="7772400" cy="1470025"/>
           </a:xfrm>
           <a:prstGeom prst="rect">
@@ -10090,13 +7348,6 @@
             </a:lvl1pPr>
           </a:lstStyle>
           <a:p>
-            <a:r>
-              <a:rPr lang="en-US" altLang="ko-KR" dirty="0" smtClean="0">
-                <a:latin typeface="배달의민족 주아" pitchFamily="18" charset="-127"/>
-                <a:ea typeface="배달의민족 주아" pitchFamily="18" charset="-127"/>
-              </a:rPr>
-              <a:t>?</a:t>
-            </a:r>
             <a:endParaRPr lang="ko-KR" altLang="en-US" dirty="0">
               <a:latin typeface="배달의민족 주아" pitchFamily="18" charset="-127"/>
               <a:ea typeface="배달의민족 주아" pitchFamily="18" charset="-127"/>
@@ -10106,14 +7357,14 @@
       </p:sp>
       <p:sp>
         <p:nvSpPr>
-          <p:cNvPr id="6" name="직사각형 5"/>
+          <p:cNvPr id="5" name="직사각형 4"/>
           <p:cNvSpPr/>
           <p:nvPr/>
         </p:nvSpPr>
         <p:spPr>
           <a:xfrm>
             <a:off x="107504" y="116632"/>
-            <a:ext cx="2592288" cy="646331"/>
+            <a:ext cx="2592288" cy="369332"/>
           </a:xfrm>
           <a:prstGeom prst="rect">
             <a:avLst/>
@@ -10126,81 +7377,589 @@
           <a:lstStyle/>
           <a:p>
             <a:r>
-              <a:rPr lang="en-US" altLang="ko-KR" dirty="0">
-                <a:latin typeface="배달의민족 주아" pitchFamily="18" charset="-127"/>
-                <a:ea typeface="배달의민족 주아" pitchFamily="18" charset="-127"/>
-              </a:rPr>
-              <a:t>1. </a:t>
-            </a:r>
-            <a:r>
-              <a:rPr lang="ko-KR" altLang="en-US" dirty="0">
-                <a:latin typeface="배달의민족 주아" pitchFamily="18" charset="-127"/>
-                <a:ea typeface="배달의민족 주아" pitchFamily="18" charset="-127"/>
-              </a:rPr>
-              <a:t>프로그래밍이란 무엇인가</a:t>
-            </a:r>
-            <a:r>
-              <a:rPr lang="en-US" altLang="ko-KR" dirty="0">
-                <a:latin typeface="배달의민족 주아" pitchFamily="18" charset="-127"/>
-                <a:ea typeface="배달의민족 주아" pitchFamily="18" charset="-127"/>
-              </a:rPr>
-              <a:t>?</a:t>
-            </a:r>
-            <a:br>
-              <a:rPr lang="en-US" altLang="ko-KR" dirty="0">
-                <a:latin typeface="배달의민족 주아" pitchFamily="18" charset="-127"/>
-                <a:ea typeface="배달의민족 주아" pitchFamily="18" charset="-127"/>
-              </a:rPr>
-            </a:br>
+              <a:rPr lang="en-US" altLang="ko-KR" dirty="0" smtClean="0">
+                <a:latin typeface="배달의민족 주아" pitchFamily="18" charset="-127"/>
+                <a:ea typeface="배달의민족 주아" pitchFamily="18" charset="-127"/>
+              </a:rPr>
+              <a:t>3. </a:t>
+            </a:r>
+            <a:r>
+              <a:rPr lang="ko-KR" altLang="en-US" dirty="0" smtClean="0">
+                <a:latin typeface="배달의민족 주아" pitchFamily="18" charset="-127"/>
+                <a:ea typeface="배달의민족 주아" pitchFamily="18" charset="-127"/>
+              </a:rPr>
+              <a:t>변수</a:t>
+            </a:r>
+            <a:r>
+              <a:rPr lang="en-US" altLang="ko-KR" dirty="0" smtClean="0">
+                <a:latin typeface="배달의민족 주아" pitchFamily="18" charset="-127"/>
+                <a:ea typeface="배달의민족 주아" pitchFamily="18" charset="-127"/>
+              </a:rPr>
+              <a:t>(variable)</a:t>
+            </a:r>
             <a:endParaRPr lang="ko-KR" altLang="en-US" dirty="0"/>
           </a:p>
         </p:txBody>
       </p:sp>
-      <p:pic>
-        <p:nvPicPr>
-          <p:cNvPr id="7" name="Picture 4" descr="C:\Users\Administrator\Downloads\free-icon-confused-742826.png"/>
-          <p:cNvPicPr>
-            <a:picLocks noChangeAspect="1" noChangeArrowheads="1"/>
-          </p:cNvPicPr>
+      <p:sp>
+        <p:nvSpPr>
+          <p:cNvPr id="8" name="직사각형 7"/>
+          <p:cNvSpPr/>
           <p:nvPr/>
-        </p:nvPicPr>
-        <p:blipFill>
-          <a:blip r:embed="rId2" cstate="print">
-            <a:extLst>
-              <a:ext uri="{28A0092B-C50C-407E-A947-70E740481C1C}">
-                <a14:useLocalDpi xmlns:a14="http://schemas.microsoft.com/office/drawing/2010/main" val="0"/>
-              </a:ext>
-            </a:extLst>
-          </a:blip>
-          <a:srcRect/>
-          <a:stretch>
-            <a:fillRect/>
-          </a:stretch>
-        </p:blipFill>
-        <p:spPr bwMode="auto">
+        </p:nvSpPr>
+        <p:spPr>
           <a:xfrm>
-            <a:off x="3966072" y="4293096"/>
-            <a:ext cx="1224136" cy="1224136"/>
+            <a:off x="899592" y="1484784"/>
+            <a:ext cx="7342584" cy="923330"/>
           </a:xfrm>
           <a:prstGeom prst="rect">
             <a:avLst/>
           </a:prstGeom>
-          <a:noFill/>
-          <a:extLst>
-            <a:ext uri="{909E8E84-426E-40DD-AFC4-6F175D3DCCD1}">
-              <a14:hiddenFill xmlns:a14="http://schemas.microsoft.com/office/drawing/2010/main">
-                <a:solidFill>
-                  <a:srgbClr val="FFFFFF"/>
-                </a:solidFill>
-              </a14:hiddenFill>
-            </a:ext>
-          </a:extLst>
+          <a:solidFill>
+            <a:schemeClr val="tx1"/>
+          </a:solidFill>
+          <a:effectLst>
+            <a:softEdge rad="31750"/>
+          </a:effectLst>
         </p:spPr>
-      </p:pic>
+        <p:txBody>
+          <a:bodyPr wrap="square">
+            <a:spAutoFit/>
+          </a:bodyPr>
+          <a:lstStyle/>
+          <a:p>
+            <a:r>
+              <a:rPr lang="en-US" altLang="ko-KR" dirty="0">
+                <a:solidFill>
+                  <a:srgbClr val="DCDCAA"/>
+                </a:solidFill>
+                <a:latin typeface="Consolas"/>
+              </a:rPr>
+              <a:t>print</a:t>
+            </a:r>
+            <a:r>
+              <a:rPr lang="en-US" altLang="ko-KR" dirty="0" smtClean="0">
+                <a:solidFill>
+                  <a:srgbClr val="D4D4D4"/>
+                </a:solidFill>
+                <a:latin typeface="Consolas"/>
+              </a:rPr>
+              <a:t>(</a:t>
+            </a:r>
+            <a:r>
+              <a:rPr lang="en-US" altLang="ko-KR" dirty="0" smtClean="0">
+                <a:solidFill>
+                  <a:srgbClr val="CE9178"/>
+                </a:solidFill>
+                <a:latin typeface="Consolas"/>
+              </a:rPr>
+              <a:t>"</a:t>
+            </a:r>
+            <a:r>
+              <a:rPr lang="ko-KR" altLang="en-US" dirty="0">
+                <a:solidFill>
+                  <a:srgbClr val="CE9178"/>
+                </a:solidFill>
+                <a:latin typeface="Consolas"/>
+              </a:rPr>
+              <a:t>내가 키우는 고양이 이름은 </a:t>
+            </a:r>
+            <a:r>
+              <a:rPr lang="ko-KR" altLang="en-US" dirty="0" err="1" smtClean="0">
+                <a:solidFill>
+                  <a:srgbClr val="CE9178"/>
+                </a:solidFill>
+                <a:latin typeface="Consolas"/>
+              </a:rPr>
+              <a:t>미옹이에요</a:t>
+            </a:r>
+            <a:r>
+              <a:rPr lang="en-US" altLang="ko-KR" dirty="0" smtClean="0">
+                <a:solidFill>
+                  <a:srgbClr val="CE9178"/>
+                </a:solidFill>
+                <a:latin typeface="Consolas"/>
+              </a:rPr>
+              <a:t>."</a:t>
+            </a:r>
+            <a:r>
+              <a:rPr lang="en-US" altLang="ko-KR" dirty="0" smtClean="0">
+                <a:solidFill>
+                  <a:srgbClr val="D4D4D4"/>
+                </a:solidFill>
+                <a:latin typeface="Consolas"/>
+              </a:rPr>
+              <a:t>)</a:t>
+            </a:r>
+            <a:endParaRPr lang="en-US" altLang="ko-KR" dirty="0">
+              <a:solidFill>
+                <a:srgbClr val="D4D4D4"/>
+              </a:solidFill>
+              <a:latin typeface="Consolas"/>
+            </a:endParaRPr>
+          </a:p>
+          <a:p>
+            <a:r>
+              <a:rPr lang="en-US" altLang="ko-KR" dirty="0" smtClean="0">
+                <a:solidFill>
+                  <a:srgbClr val="DCDCAA"/>
+                </a:solidFill>
+                <a:latin typeface="Consolas"/>
+              </a:rPr>
+              <a:t>print</a:t>
+            </a:r>
+            <a:r>
+              <a:rPr lang="en-US" altLang="ko-KR" dirty="0" smtClean="0">
+                <a:solidFill>
+                  <a:srgbClr val="D4D4D4"/>
+                </a:solidFill>
+                <a:latin typeface="Consolas"/>
+              </a:rPr>
+              <a:t>(</a:t>
+            </a:r>
+            <a:r>
+              <a:rPr lang="en-US" altLang="ko-KR" dirty="0" smtClean="0">
+                <a:solidFill>
+                  <a:srgbClr val="CE9178"/>
+                </a:solidFill>
+                <a:latin typeface="Consolas"/>
+              </a:rPr>
+              <a:t>"</a:t>
+            </a:r>
+            <a:r>
+              <a:rPr lang="ko-KR" altLang="en-US" dirty="0" err="1">
+                <a:solidFill>
+                  <a:srgbClr val="CE9178"/>
+                </a:solidFill>
+                <a:latin typeface="Consolas"/>
+              </a:rPr>
+              <a:t>미옹이는</a:t>
+            </a:r>
+            <a:r>
+              <a:rPr lang="ko-KR" altLang="en-US" dirty="0">
+                <a:solidFill>
+                  <a:srgbClr val="CE9178"/>
+                </a:solidFill>
+                <a:latin typeface="Consolas"/>
+              </a:rPr>
+              <a:t> </a:t>
+            </a:r>
+            <a:r>
+              <a:rPr lang="ko-KR" altLang="en-US" dirty="0" err="1">
+                <a:solidFill>
+                  <a:srgbClr val="CE9178"/>
+                </a:solidFill>
+                <a:latin typeface="Consolas"/>
+              </a:rPr>
+              <a:t>러시안블루</a:t>
+            </a:r>
+            <a:r>
+              <a:rPr lang="ko-KR" altLang="en-US" dirty="0">
+                <a:solidFill>
+                  <a:srgbClr val="CE9178"/>
+                </a:solidFill>
+                <a:latin typeface="Consolas"/>
+              </a:rPr>
+              <a:t> </a:t>
+            </a:r>
+            <a:r>
+              <a:rPr lang="ko-KR" altLang="en-US" dirty="0" smtClean="0">
+                <a:solidFill>
+                  <a:srgbClr val="CE9178"/>
+                </a:solidFill>
+                <a:latin typeface="Consolas"/>
+              </a:rPr>
+              <a:t>입니다</a:t>
+            </a:r>
+            <a:r>
+              <a:rPr lang="en-US" altLang="ko-KR" dirty="0" smtClean="0">
+                <a:solidFill>
+                  <a:srgbClr val="CE9178"/>
+                </a:solidFill>
+                <a:latin typeface="Consolas"/>
+              </a:rPr>
+              <a:t>."</a:t>
+            </a:r>
+            <a:r>
+              <a:rPr lang="en-US" altLang="ko-KR" dirty="0" smtClean="0">
+                <a:solidFill>
+                  <a:srgbClr val="D4D4D4"/>
+                </a:solidFill>
+                <a:latin typeface="Consolas"/>
+              </a:rPr>
+              <a:t>) </a:t>
+            </a:r>
+          </a:p>
+          <a:p>
+            <a:r>
+              <a:rPr lang="en-US" altLang="ko-KR" dirty="0" smtClean="0">
+                <a:solidFill>
+                  <a:srgbClr val="DCDCAA"/>
+                </a:solidFill>
+                <a:latin typeface="Consolas"/>
+              </a:rPr>
+              <a:t>print</a:t>
+            </a:r>
+            <a:r>
+              <a:rPr lang="en-US" altLang="ko-KR" dirty="0" smtClean="0">
+                <a:solidFill>
+                  <a:srgbClr val="D4D4D4"/>
+                </a:solidFill>
+                <a:latin typeface="Consolas"/>
+              </a:rPr>
+              <a:t>(</a:t>
+            </a:r>
+            <a:r>
+              <a:rPr lang="en-US" altLang="ko-KR" dirty="0" smtClean="0">
+                <a:solidFill>
+                  <a:srgbClr val="CE9178"/>
+                </a:solidFill>
+                <a:latin typeface="Consolas"/>
+              </a:rPr>
+              <a:t>"</a:t>
+            </a:r>
+            <a:r>
+              <a:rPr lang="ko-KR" altLang="en-US" dirty="0" err="1" smtClean="0">
+                <a:solidFill>
+                  <a:srgbClr val="CE9178"/>
+                </a:solidFill>
+                <a:latin typeface="Consolas"/>
+              </a:rPr>
+              <a:t>미옹이</a:t>
+            </a:r>
+            <a:r>
+              <a:rPr lang="ko-KR" altLang="en-US" dirty="0" smtClean="0">
+                <a:solidFill>
+                  <a:srgbClr val="CE9178"/>
+                </a:solidFill>
+                <a:latin typeface="Consolas"/>
+              </a:rPr>
+              <a:t> 나이는 </a:t>
+            </a:r>
+            <a:r>
+              <a:rPr lang="en-US" altLang="ko-KR" dirty="0" smtClean="0">
+                <a:solidFill>
+                  <a:srgbClr val="CE9178"/>
+                </a:solidFill>
+                <a:latin typeface="Consolas"/>
+              </a:rPr>
+              <a:t>3</a:t>
+            </a:r>
+            <a:r>
+              <a:rPr lang="ko-KR" altLang="en-US" dirty="0" smtClean="0">
+                <a:solidFill>
+                  <a:srgbClr val="CE9178"/>
+                </a:solidFill>
+                <a:latin typeface="Consolas"/>
+              </a:rPr>
+              <a:t>살이에요</a:t>
+            </a:r>
+            <a:r>
+              <a:rPr lang="en-US" altLang="ko-KR" dirty="0">
+                <a:solidFill>
+                  <a:srgbClr val="CE9178"/>
+                </a:solidFill>
+                <a:latin typeface="Consolas"/>
+              </a:rPr>
+              <a:t>.</a:t>
+            </a:r>
+            <a:r>
+              <a:rPr lang="en-US" altLang="ko-KR" dirty="0" smtClean="0">
+                <a:solidFill>
+                  <a:srgbClr val="CE9178"/>
+                </a:solidFill>
+                <a:latin typeface="Consolas"/>
+              </a:rPr>
+              <a:t>"</a:t>
+            </a:r>
+            <a:r>
+              <a:rPr lang="en-US" altLang="ko-KR" dirty="0" smtClean="0">
+                <a:solidFill>
+                  <a:srgbClr val="D4D4D4"/>
+                </a:solidFill>
+                <a:latin typeface="Consolas"/>
+              </a:rPr>
+              <a:t>)</a:t>
+            </a:r>
+            <a:endParaRPr lang="en-US" altLang="ko-KR" b="0" dirty="0">
+              <a:solidFill>
+                <a:srgbClr val="D4D4D4"/>
+              </a:solidFill>
+              <a:effectLst/>
+              <a:latin typeface="Consolas"/>
+            </a:endParaRPr>
+          </a:p>
+        </p:txBody>
+      </p:sp>
+      <p:sp>
+        <p:nvSpPr>
+          <p:cNvPr id="12" name="제목 1"/>
+          <p:cNvSpPr txBox="1">
+            <a:spLocks/>
+          </p:cNvSpPr>
+          <p:nvPr/>
+        </p:nvSpPr>
+        <p:spPr>
+          <a:xfrm>
+            <a:off x="1691680" y="2751063"/>
+            <a:ext cx="4536504" cy="1470025"/>
+          </a:xfrm>
+          <a:prstGeom prst="rect">
+            <a:avLst/>
+          </a:prstGeom>
+        </p:spPr>
+        <p:txBody>
+          <a:bodyPr vert="horz" lIns="91440" tIns="45720" rIns="91440" bIns="45720" rtlCol="0" anchor="ctr">
+            <a:normAutofit/>
+          </a:bodyPr>
+          <a:lstStyle>
+            <a:lvl1pPr algn="ctr" defTabSz="914400" rtl="0" eaLnBrk="1" latinLnBrk="1" hangingPunct="1">
+              <a:spcBef>
+                <a:spcPct val="0"/>
+              </a:spcBef>
+              <a:buNone/>
+              <a:defRPr sz="4400" kern="1200">
+                <a:solidFill>
+                  <a:schemeClr val="tx1"/>
+                </a:solidFill>
+                <a:latin typeface="+mj-lt"/>
+                <a:ea typeface="+mj-ea"/>
+                <a:cs typeface="+mj-cs"/>
+              </a:defRPr>
+            </a:lvl1pPr>
+          </a:lstStyle>
+          <a:p>
+            <a:r>
+              <a:rPr lang="en-US" altLang="ko-KR" dirty="0" smtClean="0">
+                <a:solidFill>
+                  <a:schemeClr val="accent6"/>
+                </a:solidFill>
+                <a:latin typeface="배달의민족 주아" pitchFamily="18" charset="-127"/>
+                <a:ea typeface="배달의민족 주아" pitchFamily="18" charset="-127"/>
+              </a:rPr>
+              <a:t>name </a:t>
+            </a:r>
+            <a:r>
+              <a:rPr lang="en-US" altLang="ko-KR" dirty="0" smtClean="0">
+                <a:latin typeface="배달의민족 주아" pitchFamily="18" charset="-127"/>
+                <a:ea typeface="배달의민족 주아" pitchFamily="18" charset="-127"/>
+              </a:rPr>
+              <a:t>=</a:t>
+            </a:r>
+            <a:r>
+              <a:rPr lang="en-US" altLang="ko-KR" dirty="0" smtClean="0">
+                <a:solidFill>
+                  <a:schemeClr val="accent6"/>
+                </a:solidFill>
+                <a:latin typeface="배달의민족 주아" pitchFamily="18" charset="-127"/>
+                <a:ea typeface="배달의민족 주아" pitchFamily="18" charset="-127"/>
+              </a:rPr>
+              <a:t> </a:t>
+            </a:r>
+            <a:r>
+              <a:rPr lang="en-US" altLang="ko-KR" dirty="0" smtClean="0">
+                <a:latin typeface="배달의민족 주아" pitchFamily="18" charset="-127"/>
+                <a:ea typeface="배달의민족 주아" pitchFamily="18" charset="-127"/>
+              </a:rPr>
+              <a:t>"</a:t>
+            </a:r>
+            <a:r>
+              <a:rPr lang="ko-KR" altLang="en-US" dirty="0" err="1" smtClean="0">
+                <a:latin typeface="배달의민족 주아" pitchFamily="18" charset="-127"/>
+                <a:ea typeface="배달의민족 주아" pitchFamily="18" charset="-127"/>
+              </a:rPr>
+              <a:t>미옹</a:t>
+            </a:r>
+            <a:r>
+              <a:rPr lang="en-US" altLang="ko-KR" dirty="0" smtClean="0">
+                <a:latin typeface="배달의민족 주아" pitchFamily="18" charset="-127"/>
+                <a:ea typeface="배달의민족 주아" pitchFamily="18" charset="-127"/>
+              </a:rPr>
+              <a:t>"</a:t>
+            </a:r>
+            <a:endParaRPr lang="ko-KR" altLang="en-US" dirty="0">
+              <a:latin typeface="배달의민족 주아" pitchFamily="18" charset="-127"/>
+              <a:ea typeface="배달의민족 주아" pitchFamily="18" charset="-127"/>
+            </a:endParaRPr>
+          </a:p>
+        </p:txBody>
+      </p:sp>
+      <p:sp>
+        <p:nvSpPr>
+          <p:cNvPr id="15" name="제목 1"/>
+          <p:cNvSpPr txBox="1">
+            <a:spLocks/>
+          </p:cNvSpPr>
+          <p:nvPr/>
+        </p:nvSpPr>
+        <p:spPr>
+          <a:xfrm>
+            <a:off x="971600" y="4551263"/>
+            <a:ext cx="4536504" cy="1470025"/>
+          </a:xfrm>
+          <a:prstGeom prst="rect">
+            <a:avLst/>
+          </a:prstGeom>
+        </p:spPr>
+        <p:txBody>
+          <a:bodyPr vert="horz" lIns="91440" tIns="45720" rIns="91440" bIns="45720" rtlCol="0" anchor="ctr">
+            <a:normAutofit/>
+          </a:bodyPr>
+          <a:lstStyle>
+            <a:lvl1pPr algn="ctr" defTabSz="914400" rtl="0" eaLnBrk="1" latinLnBrk="1" hangingPunct="1">
+              <a:spcBef>
+                <a:spcPct val="0"/>
+              </a:spcBef>
+              <a:buNone/>
+              <a:defRPr sz="4400" kern="1200">
+                <a:solidFill>
+                  <a:schemeClr val="tx1"/>
+                </a:solidFill>
+                <a:latin typeface="+mj-lt"/>
+                <a:ea typeface="+mj-ea"/>
+                <a:cs typeface="+mj-cs"/>
+              </a:defRPr>
+            </a:lvl1pPr>
+          </a:lstStyle>
+          <a:p>
+            <a:r>
+              <a:rPr lang="en-US" altLang="ko-KR" dirty="0" smtClean="0">
+                <a:solidFill>
+                  <a:schemeClr val="accent6"/>
+                </a:solidFill>
+                <a:latin typeface="배달의민족 주아" pitchFamily="18" charset="-127"/>
+                <a:ea typeface="배달의민족 주아" pitchFamily="18" charset="-127"/>
+              </a:rPr>
+              <a:t>age </a:t>
+            </a:r>
+            <a:r>
+              <a:rPr lang="en-US" altLang="ko-KR" dirty="0" smtClean="0">
+                <a:latin typeface="배달의민족 주아" pitchFamily="18" charset="-127"/>
+                <a:ea typeface="배달의민족 주아" pitchFamily="18" charset="-127"/>
+              </a:rPr>
+              <a:t>=</a:t>
+            </a:r>
+            <a:r>
+              <a:rPr lang="en-US" altLang="ko-KR" dirty="0" smtClean="0">
+                <a:solidFill>
+                  <a:schemeClr val="accent6"/>
+                </a:solidFill>
+                <a:latin typeface="배달의민족 주아" pitchFamily="18" charset="-127"/>
+                <a:ea typeface="배달의민족 주아" pitchFamily="18" charset="-127"/>
+              </a:rPr>
+              <a:t> </a:t>
+            </a:r>
+            <a:r>
+              <a:rPr lang="en-US" altLang="ko-KR" dirty="0" smtClean="0">
+                <a:latin typeface="배달의민족 주아" pitchFamily="18" charset="-127"/>
+                <a:ea typeface="배달의민족 주아" pitchFamily="18" charset="-127"/>
+              </a:rPr>
+              <a:t>3</a:t>
+            </a:r>
+            <a:endParaRPr lang="ko-KR" altLang="en-US" dirty="0">
+              <a:latin typeface="배달의민족 주아" pitchFamily="18" charset="-127"/>
+              <a:ea typeface="배달의민족 주아" pitchFamily="18" charset="-127"/>
+            </a:endParaRPr>
+          </a:p>
+        </p:txBody>
+      </p:sp>
+      <p:sp>
+        <p:nvSpPr>
+          <p:cNvPr id="18" name="제목 1"/>
+          <p:cNvSpPr txBox="1">
+            <a:spLocks/>
+          </p:cNvSpPr>
+          <p:nvPr/>
+        </p:nvSpPr>
+        <p:spPr>
+          <a:xfrm>
+            <a:off x="2195736" y="3615159"/>
+            <a:ext cx="5005672" cy="1470025"/>
+          </a:xfrm>
+          <a:prstGeom prst="rect">
+            <a:avLst/>
+          </a:prstGeom>
+        </p:spPr>
+        <p:txBody>
+          <a:bodyPr vert="horz" lIns="91440" tIns="45720" rIns="91440" bIns="45720" rtlCol="0" anchor="ctr">
+            <a:normAutofit/>
+          </a:bodyPr>
+          <a:lstStyle>
+            <a:lvl1pPr algn="ctr" defTabSz="914400" rtl="0" eaLnBrk="1" latinLnBrk="1" hangingPunct="1">
+              <a:spcBef>
+                <a:spcPct val="0"/>
+              </a:spcBef>
+              <a:buNone/>
+              <a:defRPr sz="4400" kern="1200">
+                <a:solidFill>
+                  <a:schemeClr val="tx1"/>
+                </a:solidFill>
+                <a:latin typeface="+mj-lt"/>
+                <a:ea typeface="+mj-ea"/>
+                <a:cs typeface="+mj-cs"/>
+              </a:defRPr>
+            </a:lvl1pPr>
+          </a:lstStyle>
+          <a:p>
+            <a:r>
+              <a:rPr lang="en-US" altLang="ko-KR" dirty="0" smtClean="0">
+                <a:solidFill>
+                  <a:schemeClr val="accent6"/>
+                </a:solidFill>
+                <a:latin typeface="배달의민족 주아" pitchFamily="18" charset="-127"/>
+                <a:ea typeface="배달의민족 주아" pitchFamily="18" charset="-127"/>
+              </a:rPr>
+              <a:t>breed </a:t>
+            </a:r>
+            <a:r>
+              <a:rPr lang="en-US" altLang="ko-KR" dirty="0" smtClean="0">
+                <a:latin typeface="배달의민족 주아" pitchFamily="18" charset="-127"/>
+                <a:ea typeface="배달의민족 주아" pitchFamily="18" charset="-127"/>
+              </a:rPr>
+              <a:t>=</a:t>
+            </a:r>
+            <a:r>
+              <a:rPr lang="en-US" altLang="ko-KR" dirty="0" smtClean="0">
+                <a:solidFill>
+                  <a:schemeClr val="accent6"/>
+                </a:solidFill>
+                <a:latin typeface="배달의민족 주아" pitchFamily="18" charset="-127"/>
+                <a:ea typeface="배달의민족 주아" pitchFamily="18" charset="-127"/>
+              </a:rPr>
+              <a:t> </a:t>
+            </a:r>
+            <a:r>
+              <a:rPr lang="en-US" altLang="ko-KR" dirty="0" smtClean="0">
+                <a:latin typeface="배달의민족 주아" pitchFamily="18" charset="-127"/>
+                <a:ea typeface="배달의민족 주아" pitchFamily="18" charset="-127"/>
+              </a:rPr>
+              <a:t>"</a:t>
+            </a:r>
+            <a:r>
+              <a:rPr lang="ko-KR" altLang="en-US" dirty="0" err="1" smtClean="0">
+                <a:latin typeface="배달의민족 주아" pitchFamily="18" charset="-127"/>
+                <a:ea typeface="배달의민족 주아" pitchFamily="18" charset="-127"/>
+              </a:rPr>
+              <a:t>러시안블루</a:t>
+            </a:r>
+            <a:r>
+              <a:rPr lang="en-US" altLang="ko-KR" dirty="0" smtClean="0">
+                <a:latin typeface="배달의민족 주아" pitchFamily="18" charset="-127"/>
+                <a:ea typeface="배달의민족 주아" pitchFamily="18" charset="-127"/>
+              </a:rPr>
+              <a:t>"</a:t>
+            </a:r>
+            <a:endParaRPr lang="ko-KR" altLang="en-US" dirty="0">
+              <a:latin typeface="배달의민족 주아" pitchFamily="18" charset="-127"/>
+              <a:ea typeface="배달의민족 주아" pitchFamily="18" charset="-127"/>
+            </a:endParaRPr>
+          </a:p>
+        </p:txBody>
+      </p:sp>
     </p:spTree>
     <p:extLst>
       <p:ext uri="{BB962C8B-B14F-4D97-AF65-F5344CB8AC3E}">
-        <p14:creationId xmlns:p14="http://schemas.microsoft.com/office/powerpoint/2010/main" val="3945663600"/>
+        <p14:creationId xmlns:p14="http://schemas.microsoft.com/office/powerpoint/2010/main" val="2099460570"/>
       </p:ext>
     </p:extLst>
   </p:cSld>
@@ -10228,10 +7987,15 @@
                             </p:stCondLst>
                             <p:childTnLst>
                               <p:par>
-                                <p:cTn id="5" presetID="10" presetClass="entr" presetSubtype="0" fill="hold" grpId="0" nodeType="clickEffect">
+                                <p:cTn id="5" presetID="10" presetClass="entr" presetSubtype="0" fill="hold" grpId="0" nodeType="clickEffect" nodePh="1">
                                   <p:stCondLst>
                                     <p:cond delay="0"/>
                                   </p:stCondLst>
+                                  <p:endCondLst>
+                                    <p:cond evt="begin" delay="0">
+                                      <p:tn val="5"/>
+                                    </p:cond>
+                                  </p:endCondLst>
                                   <p:childTnLst>
                                     <p:set>
                                       <p:cBhvr>
@@ -10241,7 +8005,7 @@
                                           </p:stCondLst>
                                         </p:cTn>
                                         <p:tgtEl>
-                                          <p:spTgt spid="5"/>
+                                          <p:spTgt spid="4"/>
                                         </p:tgtEl>
                                         <p:attrNameLst>
                                           <p:attrName>style.visibility</p:attrName>
@@ -10255,7 +8019,7 @@
                                       <p:cBhvr>
                                         <p:cTn id="7" dur="500"/>
                                         <p:tgtEl>
-                                          <p:spTgt spid="5"/>
+                                          <p:spTgt spid="4"/>
                                         </p:tgtEl>
                                       </p:cBhvr>
                                     </p:animEffect>
@@ -10281,7 +8045,7 @@
                             </p:stCondLst>
                             <p:childTnLst>
                               <p:par>
-                                <p:cTn id="10" presetID="31" presetClass="entr" presetSubtype="0" fill="hold" nodeType="clickEffect">
+                                <p:cTn id="10" presetID="10" presetClass="entr" presetSubtype="0" fill="hold" grpId="0" nodeType="clickEffect">
                                   <p:stCondLst>
                                     <p:cond delay="0"/>
                                   </p:stCondLst>
@@ -10294,7 +8058,7 @@
                                           </p:stCondLst>
                                         </p:cTn>
                                         <p:tgtEl>
-                                          <p:spTgt spid="7"/>
+                                          <p:spTgt spid="12"/>
                                         </p:tgtEl>
                                         <p:attrNameLst>
                                           <p:attrName>style.visibility</p:attrName>
@@ -10304,80 +8068,117 @@
                                         <p:strVal val="visible"/>
                                       </p:to>
                                     </p:set>
-                                    <p:anim calcmode="lin" valueType="num">
+                                    <p:animEffect transition="in" filter="fade">
                                       <p:cBhvr>
-                                        <p:cTn id="12" dur="1000" fill="hold"/>
+                                        <p:cTn id="12" dur="500"/>
                                         <p:tgtEl>
-                                          <p:spTgt spid="7"/>
+                                          <p:spTgt spid="12"/>
+                                        </p:tgtEl>
+                                      </p:cBhvr>
+                                    </p:animEffect>
+                                  </p:childTnLst>
+                                </p:cTn>
+                              </p:par>
+                            </p:childTnLst>
+                          </p:cTn>
+                        </p:par>
+                      </p:childTnLst>
+                    </p:cTn>
+                  </p:par>
+                  <p:par>
+                    <p:cTn id="13" fill="hold">
+                      <p:stCondLst>
+                        <p:cond delay="indefinite"/>
+                      </p:stCondLst>
+                      <p:childTnLst>
+                        <p:par>
+                          <p:cTn id="14" fill="hold">
+                            <p:stCondLst>
+                              <p:cond delay="0"/>
+                            </p:stCondLst>
+                            <p:childTnLst>
+                              <p:par>
+                                <p:cTn id="15" presetID="10" presetClass="entr" presetSubtype="0" fill="hold" grpId="0" nodeType="clickEffect">
+                                  <p:stCondLst>
+                                    <p:cond delay="0"/>
+                                  </p:stCondLst>
+                                  <p:childTnLst>
+                                    <p:set>
+                                      <p:cBhvr>
+                                        <p:cTn id="16" dur="1" fill="hold">
+                                          <p:stCondLst>
+                                            <p:cond delay="0"/>
+                                          </p:stCondLst>
+                                        </p:cTn>
+                                        <p:tgtEl>
+                                          <p:spTgt spid="18"/>
                                         </p:tgtEl>
                                         <p:attrNameLst>
-                                          <p:attrName>ppt_w</p:attrName>
+                                          <p:attrName>style.visibility</p:attrName>
                                         </p:attrNameLst>
                                       </p:cBhvr>
-                                      <p:tavLst>
-                                        <p:tav tm="0">
-                                          <p:val>
-                                            <p:fltVal val="0"/>
-                                          </p:val>
-                                        </p:tav>
-                                        <p:tav tm="100000">
-                                          <p:val>
-                                            <p:strVal val="#ppt_w"/>
-                                          </p:val>
-                                        </p:tav>
-                                      </p:tavLst>
-                                    </p:anim>
-                                    <p:anim calcmode="lin" valueType="num">
+                                      <p:to>
+                                        <p:strVal val="visible"/>
+                                      </p:to>
+                                    </p:set>
+                                    <p:animEffect transition="in" filter="fade">
                                       <p:cBhvr>
-                                        <p:cTn id="13" dur="1000" fill="hold"/>
+                                        <p:cTn id="17" dur="500"/>
                                         <p:tgtEl>
-                                          <p:spTgt spid="7"/>
+                                          <p:spTgt spid="18"/>
+                                        </p:tgtEl>
+                                      </p:cBhvr>
+                                    </p:animEffect>
+                                  </p:childTnLst>
+                                </p:cTn>
+                              </p:par>
+                            </p:childTnLst>
+                          </p:cTn>
+                        </p:par>
+                      </p:childTnLst>
+                    </p:cTn>
+                  </p:par>
+                  <p:par>
+                    <p:cTn id="18" fill="hold">
+                      <p:stCondLst>
+                        <p:cond delay="indefinite"/>
+                      </p:stCondLst>
+                      <p:childTnLst>
+                        <p:par>
+                          <p:cTn id="19" fill="hold">
+                            <p:stCondLst>
+                              <p:cond delay="0"/>
+                            </p:stCondLst>
+                            <p:childTnLst>
+                              <p:par>
+                                <p:cTn id="20" presetID="10" presetClass="entr" presetSubtype="0" fill="hold" grpId="0" nodeType="clickEffect">
+                                  <p:stCondLst>
+                                    <p:cond delay="0"/>
+                                  </p:stCondLst>
+                                  <p:childTnLst>
+                                    <p:set>
+                                      <p:cBhvr>
+                                        <p:cTn id="21" dur="1" fill="hold">
+                                          <p:stCondLst>
+                                            <p:cond delay="0"/>
+                                          </p:stCondLst>
+                                        </p:cTn>
+                                        <p:tgtEl>
+                                          <p:spTgt spid="15"/>
                                         </p:tgtEl>
                                         <p:attrNameLst>
-                                          <p:attrName>ppt_h</p:attrName>
+                                          <p:attrName>style.visibility</p:attrName>
                                         </p:attrNameLst>
                                       </p:cBhvr>
-                                      <p:tavLst>
-                                        <p:tav tm="0">
-                                          <p:val>
-                                            <p:fltVal val="0"/>
-                                          </p:val>
-                                        </p:tav>
-                                        <p:tav tm="100000">
-                                          <p:val>
-                                            <p:strVal val="#ppt_h"/>
-                                          </p:val>
-                                        </p:tav>
-                                      </p:tavLst>
-                                    </p:anim>
-                                    <p:anim calcmode="lin" valueType="num">
-                                      <p:cBhvr>
-                                        <p:cTn id="14" dur="1000" fill="hold"/>
-                                        <p:tgtEl>
-                                          <p:spTgt spid="7"/>
-                                        </p:tgtEl>
-                                        <p:attrNameLst>
-                                          <p:attrName>style.rotation</p:attrName>
-                                        </p:attrNameLst>
-                                      </p:cBhvr>
-                                      <p:tavLst>
-                                        <p:tav tm="0">
-                                          <p:val>
-                                            <p:fltVal val="90"/>
-                                          </p:val>
-                                        </p:tav>
-                                        <p:tav tm="100000">
-                                          <p:val>
-                                            <p:fltVal val="0"/>
-                                          </p:val>
-                                        </p:tav>
-                                      </p:tavLst>
-                                    </p:anim>
+                                      <p:to>
+                                        <p:strVal val="visible"/>
+                                      </p:to>
+                                    </p:set>
                                     <p:animEffect transition="in" filter="fade">
                                       <p:cBhvr>
-                                        <p:cTn id="15" dur="1000"/>
+                                        <p:cTn id="22" dur="500"/>
                                         <p:tgtEl>
-                                          <p:spTgt spid="7"/>
+                                          <p:spTgt spid="15"/>
                                         </p:tgtEl>
                                       </p:cBhvr>
                                     </p:animEffect>
@@ -10412,7 +8213,10 @@
       </p:par>
     </p:tnLst>
     <p:bldLst>
-      <p:bldP spid="5" grpId="0"/>
+      <p:bldP spid="4" grpId="0"/>
+      <p:bldP spid="12" grpId="0"/>
+      <p:bldP spid="15" grpId="0"/>
+      <p:bldP spid="18" grpId="0"/>
     </p:bldLst>
   </p:timing>
 </p:sld>
@@ -10447,7 +8251,7 @@
         </p:nvSpPr>
         <p:spPr>
           <a:xfrm>
-            <a:off x="675673" y="2463031"/>
+            <a:off x="685800" y="908720"/>
             <a:ext cx="7772400" cy="1470025"/>
           </a:xfrm>
         </p:spPr>
@@ -10460,7 +8264,7 @@
                 <a:latin typeface="배달의민족 주아" pitchFamily="18" charset="-127"/>
                 <a:ea typeface="배달의민족 주아" pitchFamily="18" charset="-127"/>
               </a:rPr>
-              <a:t>어셈블리어</a:t>
+              <a:t>변수를 사용하는 이유</a:t>
             </a:r>
             <a:endParaRPr lang="ko-KR" altLang="en-US" dirty="0">
               <a:latin typeface="배달의민족 주아" pitchFamily="18" charset="-127"/>
@@ -10542,7 +8346,7 @@
         </p:nvSpPr>
         <p:spPr>
           <a:xfrm>
-            <a:off x="683568" y="3687167"/>
+            <a:off x="685800" y="2895079"/>
             <a:ext cx="7772400" cy="1470025"/>
           </a:xfrm>
           <a:prstGeom prst="rect">
@@ -10570,13 +8374,6 @@
             </a:lvl1pPr>
           </a:lstStyle>
           <a:p>
-            <a:r>
-              <a:rPr lang="ko-KR" altLang="en-US" dirty="0" smtClean="0">
-                <a:latin typeface="배달의민족 주아" pitchFamily="18" charset="-127"/>
-                <a:ea typeface="배달의민족 주아" pitchFamily="18" charset="-127"/>
-              </a:rPr>
-              <a:t>기계어</a:t>
-            </a:r>
             <a:endParaRPr lang="ko-KR" altLang="en-US" dirty="0">
               <a:latin typeface="배달의민족 주아" pitchFamily="18" charset="-127"/>
               <a:ea typeface="배달의민족 주아" pitchFamily="18" charset="-127"/>
@@ -10586,7 +8383,53 @@
       </p:sp>
       <p:sp>
         <p:nvSpPr>
-          <p:cNvPr id="5" name="제목 1"/>
+          <p:cNvPr id="5" name="직사각형 4"/>
+          <p:cNvSpPr/>
+          <p:nvPr/>
+        </p:nvSpPr>
+        <p:spPr>
+          <a:xfrm>
+            <a:off x="107504" y="116632"/>
+            <a:ext cx="2592288" cy="369332"/>
+          </a:xfrm>
+          <a:prstGeom prst="rect">
+            <a:avLst/>
+          </a:prstGeom>
+        </p:spPr>
+        <p:txBody>
+          <a:bodyPr wrap="square">
+            <a:spAutoFit/>
+          </a:bodyPr>
+          <a:lstStyle/>
+          <a:p>
+            <a:r>
+              <a:rPr lang="en-US" altLang="ko-KR" dirty="0" smtClean="0">
+                <a:latin typeface="배달의민족 주아" pitchFamily="18" charset="-127"/>
+                <a:ea typeface="배달의민족 주아" pitchFamily="18" charset="-127"/>
+              </a:rPr>
+              <a:t>3. </a:t>
+            </a:r>
+            <a:r>
+              <a:rPr lang="ko-KR" altLang="en-US" dirty="0" smtClean="0">
+                <a:latin typeface="배달의민족 주아" pitchFamily="18" charset="-127"/>
+                <a:ea typeface="배달의민족 주아" pitchFamily="18" charset="-127"/>
+              </a:rPr>
+              <a:t>변수</a:t>
+            </a:r>
+            <a:r>
+              <a:rPr lang="en-US" altLang="ko-KR" dirty="0" smtClean="0">
+                <a:latin typeface="배달의민족 주아" pitchFamily="18" charset="-127"/>
+                <a:ea typeface="배달의민족 주아" pitchFamily="18" charset="-127"/>
+              </a:rPr>
+              <a:t>(variable)</a:t>
+            </a:r>
+            <a:endParaRPr lang="ko-KR" altLang="en-US" dirty="0"/>
+          </a:p>
+        </p:txBody>
+      </p:sp>
+      <p:sp>
+        <p:nvSpPr>
+          <p:cNvPr id="13" name="제목 1"/>
           <p:cNvSpPr txBox="1">
             <a:spLocks/>
           </p:cNvSpPr>
@@ -10594,8 +8437,8 @@
         </p:nvSpPr>
         <p:spPr>
           <a:xfrm>
-            <a:off x="685800" y="1238895"/>
-            <a:ext cx="7772400" cy="1470025"/>
+            <a:off x="251520" y="2505174"/>
+            <a:ext cx="8712968" cy="1254001"/>
           </a:xfrm>
           <a:prstGeom prst="rect">
             <a:avLst/>
@@ -10623,172 +8466,119 @@
           </a:lstStyle>
           <a:p>
             <a:r>
-              <a:rPr lang="ko-KR" altLang="en-US" dirty="0" smtClean="0">
-                <a:latin typeface="배달의민족 주아" pitchFamily="18" charset="-127"/>
-                <a:ea typeface="배달의민족 주아" pitchFamily="18" charset="-127"/>
-              </a:rPr>
-              <a:t>고급언어</a:t>
-            </a:r>
-            <a:endParaRPr lang="ko-KR" altLang="en-US" dirty="0">
+              <a:rPr lang="en-US" altLang="ko-KR" sz="3600" dirty="0" smtClean="0">
+                <a:latin typeface="배달의민족 주아" pitchFamily="18" charset="-127"/>
+                <a:ea typeface="배달의민족 주아" pitchFamily="18" charset="-127"/>
+              </a:rPr>
+              <a:t>1. </a:t>
+            </a:r>
+            <a:r>
+              <a:rPr lang="ko-KR" altLang="en-US" sz="3600" dirty="0" smtClean="0">
+                <a:latin typeface="배달의민족 주아" pitchFamily="18" charset="-127"/>
+                <a:ea typeface="배달의민족 주아" pitchFamily="18" charset="-127"/>
+              </a:rPr>
+              <a:t>데이터에 </a:t>
+            </a:r>
+            <a:r>
+              <a:rPr lang="ko-KR" altLang="en-US" sz="3600" dirty="0" smtClean="0">
+                <a:solidFill>
+                  <a:schemeClr val="accent5"/>
+                </a:solidFill>
+                <a:latin typeface="배달의민족 주아" pitchFamily="18" charset="-127"/>
+                <a:ea typeface="배달의민족 주아" pitchFamily="18" charset="-127"/>
+              </a:rPr>
+              <a:t>이름</a:t>
+            </a:r>
+            <a:r>
+              <a:rPr lang="ko-KR" altLang="en-US" sz="3600" dirty="0" smtClean="0">
+                <a:latin typeface="배달의민족 주아" pitchFamily="18" charset="-127"/>
+                <a:ea typeface="배달의민족 주아" pitchFamily="18" charset="-127"/>
+              </a:rPr>
+              <a:t>을 붙여서 기억하기 쉽게</a:t>
+            </a:r>
+            <a:endParaRPr lang="ko-KR" altLang="en-US" sz="3600" dirty="0">
               <a:latin typeface="배달의민족 주아" pitchFamily="18" charset="-127"/>
               <a:ea typeface="배달의민족 주아" pitchFamily="18" charset="-127"/>
             </a:endParaRPr>
           </a:p>
         </p:txBody>
       </p:sp>
-      <p:cxnSp>
-        <p:nvCxnSpPr>
-          <p:cNvPr id="7" name="직선 화살표 연결선 6"/>
-          <p:cNvCxnSpPr/>
+      <p:sp>
+        <p:nvSpPr>
+          <p:cNvPr id="8" name="제목 1"/>
+          <p:cNvSpPr txBox="1">
+            <a:spLocks/>
+          </p:cNvSpPr>
           <p:nvPr/>
-        </p:nvCxnSpPr>
+        </p:nvSpPr>
         <p:spPr>
           <a:xfrm>
-            <a:off x="4569768" y="2276872"/>
-            <a:ext cx="0" cy="504056"/>
-          </a:xfrm>
-          <a:prstGeom prst="straightConnector1">
-            <a:avLst/>
-          </a:prstGeom>
-          <a:ln>
-            <a:tailEnd type="arrow"/>
-          </a:ln>
-        </p:spPr>
-        <p:style>
-          <a:lnRef idx="1">
-            <a:schemeClr val="accent1"/>
-          </a:lnRef>
-          <a:fillRef idx="0">
-            <a:schemeClr val="accent1"/>
-          </a:fillRef>
-          <a:effectRef idx="0">
-            <a:schemeClr val="accent1"/>
-          </a:effectRef>
-          <a:fontRef idx="minor">
-            <a:schemeClr val="tx1"/>
-          </a:fontRef>
-        </p:style>
-      </p:cxnSp>
-      <p:cxnSp>
-        <p:nvCxnSpPr>
-          <p:cNvPr id="8" name="직선 화살표 연결선 7"/>
-          <p:cNvCxnSpPr/>
-          <p:nvPr/>
-        </p:nvCxnSpPr>
-        <p:spPr>
-          <a:xfrm>
-            <a:off x="4569768" y="3471692"/>
-            <a:ext cx="0" cy="504056"/>
-          </a:xfrm>
-          <a:prstGeom prst="straightConnector1">
-            <a:avLst/>
-          </a:prstGeom>
-          <a:ln>
-            <a:tailEnd type="arrow"/>
-          </a:ln>
-        </p:spPr>
-        <p:style>
-          <a:lnRef idx="1">
-            <a:schemeClr val="accent1"/>
-          </a:lnRef>
-          <a:fillRef idx="0">
-            <a:schemeClr val="accent1"/>
-          </a:fillRef>
-          <a:effectRef idx="0">
-            <a:schemeClr val="accent1"/>
-          </a:effectRef>
-          <a:fontRef idx="minor">
-            <a:schemeClr val="tx1"/>
-          </a:fontRef>
-        </p:style>
-      </p:cxnSp>
-      <p:sp>
-        <p:nvSpPr>
-          <p:cNvPr id="6" name="직사각형 5"/>
-          <p:cNvSpPr/>
-          <p:nvPr/>
-        </p:nvSpPr>
-        <p:spPr>
-          <a:xfrm>
-            <a:off x="2286000" y="5157192"/>
-            <a:ext cx="4572000" cy="646331"/>
+            <a:off x="251520" y="3471143"/>
+            <a:ext cx="8712968" cy="1254001"/>
           </a:xfrm>
           <a:prstGeom prst="rect">
             <a:avLst/>
           </a:prstGeom>
         </p:spPr>
         <p:txBody>
-          <a:bodyPr>
-            <a:spAutoFit/>
+          <a:bodyPr vert="horz" lIns="91440" tIns="45720" rIns="91440" bIns="45720" rtlCol="0" anchor="ctr">
+            <a:normAutofit/>
           </a:bodyPr>
-          <a:lstStyle/>
-          <a:p>
-            <a:r>
-              <a:rPr lang="en-US" altLang="ko-KR" dirty="0">
-                <a:hlinkClick r:id="rId2"/>
-              </a:rPr>
-              <a:t>http://blog.naver.com/PostView.nhn?blogId=tipsware&amp;logNo=221041215416</a:t>
-            </a:r>
-            <a:endParaRPr lang="ko-KR" altLang="en-US" dirty="0"/>
-          </a:p>
-        </p:txBody>
-      </p:sp>
-      <p:sp>
-        <p:nvSpPr>
-          <p:cNvPr id="9" name="직사각형 8"/>
-          <p:cNvSpPr/>
-          <p:nvPr/>
-        </p:nvSpPr>
-        <p:spPr>
-          <a:xfrm>
-            <a:off x="107504" y="116632"/>
-            <a:ext cx="2592288" cy="646331"/>
-          </a:xfrm>
-          <a:prstGeom prst="rect">
-            <a:avLst/>
-          </a:prstGeom>
-        </p:spPr>
-        <p:txBody>
-          <a:bodyPr wrap="square">
-            <a:spAutoFit/>
-          </a:bodyPr>
-          <a:lstStyle/>
-          <a:p>
-            <a:r>
-              <a:rPr lang="en-US" altLang="ko-KR" dirty="0">
-                <a:latin typeface="배달의민족 주아" pitchFamily="18" charset="-127"/>
-                <a:ea typeface="배달의민족 주아" pitchFamily="18" charset="-127"/>
-              </a:rPr>
-              <a:t>1. </a:t>
-            </a:r>
-            <a:r>
-              <a:rPr lang="ko-KR" altLang="en-US" dirty="0">
-                <a:latin typeface="배달의민족 주아" pitchFamily="18" charset="-127"/>
-                <a:ea typeface="배달의민족 주아" pitchFamily="18" charset="-127"/>
-              </a:rPr>
-              <a:t>프로그래밍이란 무엇인가</a:t>
-            </a:r>
-            <a:r>
-              <a:rPr lang="en-US" altLang="ko-KR" dirty="0">
-                <a:latin typeface="배달의민족 주아" pitchFamily="18" charset="-127"/>
-                <a:ea typeface="배달의민족 주아" pitchFamily="18" charset="-127"/>
-              </a:rPr>
-              <a:t>?</a:t>
-            </a:r>
-            <a:br>
-              <a:rPr lang="en-US" altLang="ko-KR" dirty="0">
-                <a:latin typeface="배달의민족 주아" pitchFamily="18" charset="-127"/>
-                <a:ea typeface="배달의민족 주아" pitchFamily="18" charset="-127"/>
-              </a:rPr>
-            </a:br>
-            <a:endParaRPr lang="ko-KR" altLang="en-US" dirty="0"/>
+          <a:lstStyle>
+            <a:lvl1pPr algn="ctr" defTabSz="914400" rtl="0" eaLnBrk="1" latinLnBrk="1" hangingPunct="1">
+              <a:spcBef>
+                <a:spcPct val="0"/>
+              </a:spcBef>
+              <a:buNone/>
+              <a:defRPr sz="4400" kern="1200">
+                <a:solidFill>
+                  <a:schemeClr val="tx1"/>
+                </a:solidFill>
+                <a:latin typeface="+mj-lt"/>
+                <a:ea typeface="+mj-ea"/>
+                <a:cs typeface="+mj-cs"/>
+              </a:defRPr>
+            </a:lvl1pPr>
+          </a:lstStyle>
+          <a:p>
+            <a:r>
+              <a:rPr lang="en-US" altLang="ko-KR" sz="3600" dirty="0" smtClean="0">
+                <a:latin typeface="배달의민족 주아" pitchFamily="18" charset="-127"/>
+                <a:ea typeface="배달의민족 주아" pitchFamily="18" charset="-127"/>
+              </a:rPr>
+              <a:t>2. </a:t>
+            </a:r>
+            <a:r>
+              <a:rPr lang="ko-KR" altLang="en-US" sz="3600" dirty="0" smtClean="0">
+                <a:latin typeface="배달의민족 주아" pitchFamily="18" charset="-127"/>
+                <a:ea typeface="배달의민족 주아" pitchFamily="18" charset="-127"/>
+              </a:rPr>
+              <a:t>데이터가 고정되어 있지 않고 </a:t>
+            </a:r>
+            <a:r>
+              <a:rPr lang="ko-KR" altLang="en-US" sz="3600" dirty="0" err="1" smtClean="0">
+                <a:solidFill>
+                  <a:schemeClr val="accent5"/>
+                </a:solidFill>
+                <a:latin typeface="배달의민족 주아" pitchFamily="18" charset="-127"/>
+                <a:ea typeface="배달의민족 주아" pitchFamily="18" charset="-127"/>
+              </a:rPr>
+              <a:t>변할때</a:t>
+            </a:r>
+            <a:endParaRPr lang="ko-KR" altLang="en-US" sz="3600" dirty="0">
+              <a:solidFill>
+                <a:schemeClr val="accent5"/>
+              </a:solidFill>
+              <a:latin typeface="배달의민족 주아" pitchFamily="18" charset="-127"/>
+              <a:ea typeface="배달의민족 주아" pitchFamily="18" charset="-127"/>
+            </a:endParaRPr>
           </a:p>
         </p:txBody>
       </p:sp>
     </p:spTree>
     <p:extLst>
       <p:ext uri="{BB962C8B-B14F-4D97-AF65-F5344CB8AC3E}">
-        <p14:creationId xmlns:p14="http://schemas.microsoft.com/office/powerpoint/2010/main" val="1761015727"/>
+        <p14:creationId xmlns:p14="http://schemas.microsoft.com/office/powerpoint/2010/main" val="2147562885"/>
       </p:ext>
     </p:extLst>
   </p:cSld>
@@ -10816,14 +8606,125 @@
                             </p:stCondLst>
                             <p:childTnLst>
                               <p:par>
-                                <p:cTn id="5" presetID="10" presetClass="entr" presetSubtype="0" fill="hold" nodeType="clickEffect">
+                                <p:cTn id="5" presetID="10" presetClass="entr" presetSubtype="0" fill="hold" grpId="0" nodeType="clickEffect" nodePh="1">
+                                  <p:stCondLst>
+                                    <p:cond delay="0"/>
+                                  </p:stCondLst>
+                                  <p:endCondLst>
+                                    <p:cond evt="begin" delay="0">
+                                      <p:tn val="5"/>
+                                    </p:cond>
+                                  </p:endCondLst>
+                                  <p:childTnLst>
+                                    <p:set>
+                                      <p:cBhvr>
+                                        <p:cTn id="6" dur="1" fill="hold">
+                                          <p:stCondLst>
+                                            <p:cond delay="0"/>
+                                          </p:stCondLst>
+                                        </p:cTn>
+                                        <p:tgtEl>
+                                          <p:spTgt spid="4"/>
+                                        </p:tgtEl>
+                                        <p:attrNameLst>
+                                          <p:attrName>style.visibility</p:attrName>
+                                        </p:attrNameLst>
+                                      </p:cBhvr>
+                                      <p:to>
+                                        <p:strVal val="visible"/>
+                                      </p:to>
+                                    </p:set>
+                                    <p:animEffect transition="in" filter="fade">
+                                      <p:cBhvr>
+                                        <p:cTn id="7" dur="500"/>
+                                        <p:tgtEl>
+                                          <p:spTgt spid="4"/>
+                                        </p:tgtEl>
+                                      </p:cBhvr>
+                                    </p:animEffect>
+                                  </p:childTnLst>
+                                </p:cTn>
+                              </p:par>
+                            </p:childTnLst>
+                          </p:cTn>
+                        </p:par>
+                      </p:childTnLst>
+                    </p:cTn>
+                  </p:par>
+                  <p:par>
+                    <p:cTn id="8" fill="hold">
+                      <p:stCondLst>
+                        <p:cond delay="indefinite"/>
+                      </p:stCondLst>
+                      <p:childTnLst>
+                        <p:par>
+                          <p:cTn id="9" fill="hold">
+                            <p:stCondLst>
+                              <p:cond delay="0"/>
+                            </p:stCondLst>
+                            <p:childTnLst>
+                              <p:par>
+                                <p:cTn id="10" presetID="10" presetClass="entr" presetSubtype="0" fill="hold" grpId="0" nodeType="clickEffect">
                                   <p:stCondLst>
                                     <p:cond delay="0"/>
                                   </p:stCondLst>
                                   <p:childTnLst>
                                     <p:set>
                                       <p:cBhvr>
-                                        <p:cTn id="6" dur="1" fill="hold">
+                                        <p:cTn id="11" dur="1" fill="hold">
+                                          <p:stCondLst>
+                                            <p:cond delay="0"/>
+                                          </p:stCondLst>
+                                        </p:cTn>
+                                        <p:tgtEl>
+                                          <p:spTgt spid="13"/>
+                                        </p:tgtEl>
+                                        <p:attrNameLst>
+                                          <p:attrName>style.visibility</p:attrName>
+                                        </p:attrNameLst>
+                                      </p:cBhvr>
+                                      <p:to>
+                                        <p:strVal val="visible"/>
+                                      </p:to>
+                                    </p:set>
+                                    <p:animEffect transition="in" filter="fade">
+                                      <p:cBhvr>
+                                        <p:cTn id="12" dur="500"/>
+                                        <p:tgtEl>
+                                          <p:spTgt spid="13"/>
+                                        </p:tgtEl>
+                                      </p:cBhvr>
+                                    </p:animEffect>
+                                  </p:childTnLst>
+                                </p:cTn>
+                              </p:par>
+                            </p:childTnLst>
+                          </p:cTn>
+                        </p:par>
+                      </p:childTnLst>
+                    </p:cTn>
+                  </p:par>
+                  <p:par>
+                    <p:cTn id="13" fill="hold">
+                      <p:stCondLst>
+                        <p:cond delay="indefinite"/>
+                      </p:stCondLst>
+                      <p:childTnLst>
+                        <p:par>
+                          <p:cTn id="14" fill="hold">
+                            <p:stCondLst>
+                              <p:cond delay="0"/>
+                            </p:stCondLst>
+                            <p:childTnLst>
+                              <p:par>
+                                <p:cTn id="15" presetID="10" presetClass="entr" presetSubtype="0" fill="hold" grpId="0" nodeType="clickEffect">
+                                  <p:stCondLst>
+                                    <p:cond delay="0"/>
+                                  </p:stCondLst>
+                                  <p:childTnLst>
+                                    <p:set>
+                                      <p:cBhvr>
+                                        <p:cTn id="16" dur="1" fill="hold">
                                           <p:stCondLst>
                                             <p:cond delay="0"/>
                                           </p:stCondLst>
@@ -10841,185 +8742,9 @@
                                     </p:set>
                                     <p:animEffect transition="in" filter="fade">
                                       <p:cBhvr>
-                                        <p:cTn id="7" dur="500"/>
+                                        <p:cTn id="17" dur="500"/>
                                         <p:tgtEl>
                                           <p:spTgt spid="8"/>
-                                        </p:tgtEl>
-                                      </p:cBhvr>
-                                    </p:animEffect>
-                                  </p:childTnLst>
-                                </p:cTn>
-                              </p:par>
-                              <p:par>
-                                <p:cTn id="8" presetID="10" presetClass="entr" presetSubtype="0" fill="hold" grpId="0" nodeType="withEffect">
-                                  <p:stCondLst>
-                                    <p:cond delay="0"/>
-                                  </p:stCondLst>
-                                  <p:childTnLst>
-                                    <p:set>
-                                      <p:cBhvr>
-                                        <p:cTn id="9" dur="1" fill="hold">
-                                          <p:stCondLst>
-                                            <p:cond delay="0"/>
-                                          </p:stCondLst>
-                                        </p:cTn>
-                                        <p:tgtEl>
-                                          <p:spTgt spid="2"/>
-                                        </p:tgtEl>
-                                        <p:attrNameLst>
-                                          <p:attrName>style.visibility</p:attrName>
-                                        </p:attrNameLst>
-                                      </p:cBhvr>
-                                      <p:to>
-                                        <p:strVal val="visible"/>
-                                      </p:to>
-                                    </p:set>
-                                    <p:animEffect transition="in" filter="fade">
-                                      <p:cBhvr>
-                                        <p:cTn id="10" dur="500"/>
-                                        <p:tgtEl>
-                                          <p:spTgt spid="2"/>
-                                        </p:tgtEl>
-                                      </p:cBhvr>
-                                    </p:animEffect>
-                                  </p:childTnLst>
-                                </p:cTn>
-                              </p:par>
-                            </p:childTnLst>
-                          </p:cTn>
-                        </p:par>
-                      </p:childTnLst>
-                    </p:cTn>
-                  </p:par>
-                  <p:par>
-                    <p:cTn id="11" fill="hold">
-                      <p:stCondLst>
-                        <p:cond delay="indefinite"/>
-                      </p:stCondLst>
-                      <p:childTnLst>
-                        <p:par>
-                          <p:cTn id="12" fill="hold">
-                            <p:stCondLst>
-                              <p:cond delay="0"/>
-                            </p:stCondLst>
-                            <p:childTnLst>
-                              <p:par>
-                                <p:cTn id="13" presetID="10" presetClass="entr" presetSubtype="0" fill="hold" nodeType="clickEffect">
-                                  <p:stCondLst>
-                                    <p:cond delay="0"/>
-                                  </p:stCondLst>
-                                  <p:childTnLst>
-                                    <p:set>
-                                      <p:cBhvr>
-                                        <p:cTn id="14" dur="1" fill="hold">
-                                          <p:stCondLst>
-                                            <p:cond delay="0"/>
-                                          </p:stCondLst>
-                                        </p:cTn>
-                                        <p:tgtEl>
-                                          <p:spTgt spid="7"/>
-                                        </p:tgtEl>
-                                        <p:attrNameLst>
-                                          <p:attrName>style.visibility</p:attrName>
-                                        </p:attrNameLst>
-                                      </p:cBhvr>
-                                      <p:to>
-                                        <p:strVal val="visible"/>
-                                      </p:to>
-                                    </p:set>
-                                    <p:animEffect transition="in" filter="fade">
-                                      <p:cBhvr>
-                                        <p:cTn id="15" dur="500"/>
-                                        <p:tgtEl>
-                                          <p:spTgt spid="7"/>
-                                        </p:tgtEl>
-                                      </p:cBhvr>
-                                    </p:animEffect>
-                                  </p:childTnLst>
-                                </p:cTn>
-                              </p:par>
-                              <p:par>
-                                <p:cTn id="16" presetID="10" presetClass="entr" presetSubtype="0" fill="hold" grpId="0" nodeType="withEffect">
-                                  <p:stCondLst>
-                                    <p:cond delay="0"/>
-                                  </p:stCondLst>
-                                  <p:childTnLst>
-                                    <p:set>
-                                      <p:cBhvr>
-                                        <p:cTn id="17" dur="1" fill="hold">
-                                          <p:stCondLst>
-                                            <p:cond delay="0"/>
-                                          </p:stCondLst>
-                                        </p:cTn>
-                                        <p:tgtEl>
-                                          <p:spTgt spid="5"/>
-                                        </p:tgtEl>
-                                        <p:attrNameLst>
-                                          <p:attrName>style.visibility</p:attrName>
-                                        </p:attrNameLst>
-                                      </p:cBhvr>
-                                      <p:to>
-                                        <p:strVal val="visible"/>
-                                      </p:to>
-                                    </p:set>
-                                    <p:animEffect transition="in" filter="fade">
-                                      <p:cBhvr>
-                                        <p:cTn id="18" dur="500"/>
-                                        <p:tgtEl>
-                                          <p:spTgt spid="5"/>
-                                        </p:tgtEl>
-                                      </p:cBhvr>
-                                    </p:animEffect>
-                                  </p:childTnLst>
-                                </p:cTn>
-                              </p:par>
-                            </p:childTnLst>
-                          </p:cTn>
-                        </p:par>
-                      </p:childTnLst>
-                    </p:cTn>
-                  </p:par>
-                  <p:par>
-                    <p:cTn id="19" fill="hold">
-                      <p:stCondLst>
-                        <p:cond delay="indefinite"/>
-                      </p:stCondLst>
-                      <p:childTnLst>
-                        <p:par>
-                          <p:cTn id="20" fill="hold">
-                            <p:stCondLst>
-                              <p:cond delay="0"/>
-                            </p:stCondLst>
-                            <p:childTnLst>
-                              <p:par>
-                                <p:cTn id="21" presetID="10" presetClass="entr" presetSubtype="0" fill="hold" grpId="0" nodeType="clickEffect">
-                                  <p:stCondLst>
-                                    <p:cond delay="0"/>
-                                  </p:stCondLst>
-                                  <p:childTnLst>
-                                    <p:set>
-                                      <p:cBhvr>
-                                        <p:cTn id="22" dur="1" fill="hold">
-                                          <p:stCondLst>
-                                            <p:cond delay="0"/>
-                                          </p:stCondLst>
-                                        </p:cTn>
-                                        <p:tgtEl>
-                                          <p:spTgt spid="6"/>
-                                        </p:tgtEl>
-                                        <p:attrNameLst>
-                                          <p:attrName>style.visibility</p:attrName>
-                                        </p:attrNameLst>
-                                      </p:cBhvr>
-                                      <p:to>
-                                        <p:strVal val="visible"/>
-                                      </p:to>
-                                    </p:set>
-                                    <p:animEffect transition="in" filter="fade">
-                                      <p:cBhvr>
-                                        <p:cTn id="23" dur="500"/>
-                                        <p:tgtEl>
-                                          <p:spTgt spid="6"/>
                                         </p:tgtEl>
                                       </p:cBhvr>
                                     </p:animEffect>
@@ -11054,9 +8779,9 @@
       </p:par>
     </p:tnLst>
     <p:bldLst>
-      <p:bldP spid="2" grpId="0"/>
-      <p:bldP spid="5" grpId="0"/>
-      <p:bldP spid="6" grpId="0"/>
+      <p:bldP spid="4" grpId="0"/>
+      <p:bldP spid="13" grpId="0"/>
+      <p:bldP spid="8" grpId="0"/>
     </p:bldLst>
   </p:timing>
 </p:sld>
@@ -11091,7 +8816,7 @@
         </p:nvSpPr>
         <p:spPr>
           <a:xfrm>
-            <a:off x="655498" y="2281161"/>
+            <a:off x="685800" y="908720"/>
             <a:ext cx="7772400" cy="1470025"/>
           </a:xfrm>
         </p:spPr>
@@ -11104,7 +8829,7 @@
                 <a:latin typeface="배달의민족 주아" pitchFamily="18" charset="-127"/>
                 <a:ea typeface="배달의민족 주아" pitchFamily="18" charset="-127"/>
               </a:rPr>
-              <a:t>고급언어</a:t>
+              <a:t>변수이름 짓는 규칙</a:t>
             </a:r>
             <a:endParaRPr lang="ko-KR" altLang="en-US" dirty="0">
               <a:latin typeface="배달의민족 주아" pitchFamily="18" charset="-127"/>
@@ -11115,7 +8840,7 @@
       </p:sp>
       <p:sp>
         <p:nvSpPr>
-          <p:cNvPr id="4" name="TextBox 3"/>
+          <p:cNvPr id="3" name="TextBox 2"/>
           <p:cNvSpPr txBox="1"/>
           <p:nvPr/>
         </p:nvSpPr>
@@ -11176,226 +8901,512 @@
           </a:p>
         </p:txBody>
       </p:sp>
-      <p:pic>
-        <p:nvPicPr>
-          <p:cNvPr id="1026" name="Picture 2" descr="C:\Users\Administrator\Downloads\python.png"/>
-          <p:cNvPicPr>
-            <a:picLocks noChangeAspect="1" noChangeArrowheads="1"/>
-          </p:cNvPicPr>
-          <p:nvPr/>
-        </p:nvPicPr>
-        <p:blipFill>
-          <a:blip r:embed="rId2">
-            <a:extLst>
-              <a:ext uri="{28A0092B-C50C-407E-A947-70E740481C1C}">
-                <a14:useLocalDpi xmlns:a14="http://schemas.microsoft.com/office/drawing/2010/main" val="0"/>
-              </a:ext>
-            </a:extLst>
-          </a:blip>
-          <a:srcRect/>
-          <a:stretch>
-            <a:fillRect/>
-          </a:stretch>
-        </p:blipFill>
-        <p:spPr bwMode="auto">
-          <a:xfrm>
-            <a:off x="5503655" y="3212976"/>
-            <a:ext cx="2169138" cy="2169138"/>
-          </a:xfrm>
-          <a:prstGeom prst="rect">
-            <a:avLst/>
-          </a:prstGeom>
-          <a:noFill/>
-          <a:extLst>
-            <a:ext uri="{909E8E84-426E-40DD-AFC4-6F175D3DCCD1}">
-              <a14:hiddenFill xmlns:a14="http://schemas.microsoft.com/office/drawing/2010/main">
-                <a:solidFill>
-                  <a:srgbClr val="FFFFFF"/>
-                </a:solidFill>
-              </a14:hiddenFill>
-            </a:ext>
-          </a:extLst>
-        </p:spPr>
-      </p:pic>
-      <p:pic>
-        <p:nvPicPr>
-          <p:cNvPr id="1027" name="Picture 3" descr="C:\Users\Administrator\Downloads\java.png"/>
-          <p:cNvPicPr>
-            <a:picLocks noChangeAspect="1" noChangeArrowheads="1"/>
-          </p:cNvPicPr>
-          <p:nvPr/>
-        </p:nvPicPr>
-        <p:blipFill>
-          <a:blip r:embed="rId3">
-            <a:extLst>
-              <a:ext uri="{28A0092B-C50C-407E-A947-70E740481C1C}">
-                <a14:useLocalDpi xmlns:a14="http://schemas.microsoft.com/office/drawing/2010/main" val="0"/>
-              </a:ext>
-            </a:extLst>
-          </a:blip>
-          <a:srcRect/>
-          <a:stretch>
-            <a:fillRect/>
-          </a:stretch>
-        </p:blipFill>
-        <p:spPr bwMode="auto">
-          <a:xfrm>
-            <a:off x="5503655" y="620786"/>
-            <a:ext cx="2236697" cy="2236697"/>
-          </a:xfrm>
-          <a:prstGeom prst="rect">
-            <a:avLst/>
-          </a:prstGeom>
-          <a:noFill/>
-          <a:extLst>
-            <a:ext uri="{909E8E84-426E-40DD-AFC4-6F175D3DCCD1}">
-              <a14:hiddenFill xmlns:a14="http://schemas.microsoft.com/office/drawing/2010/main">
-                <a:solidFill>
-                  <a:srgbClr val="FFFFFF"/>
-                </a:solidFill>
-              </a14:hiddenFill>
-            </a:ext>
-          </a:extLst>
-        </p:spPr>
-      </p:pic>
-      <p:pic>
-        <p:nvPicPr>
-          <p:cNvPr id="10" name="Picture 4" descr="C:\Users\Administrator\Desktop\기준\프로그래밍\교육자료정리\홍보자료\javascript_icon_130900.png"/>
-          <p:cNvPicPr>
-            <a:picLocks noChangeAspect="1" noChangeArrowheads="1"/>
-          </p:cNvPicPr>
-          <p:nvPr/>
-        </p:nvPicPr>
-        <p:blipFill>
-          <a:blip r:embed="rId4" cstate="print">
-            <a:extLst>
-              <a:ext uri="{28A0092B-C50C-407E-A947-70E740481C1C}">
-                <a14:useLocalDpi xmlns:a14="http://schemas.microsoft.com/office/drawing/2010/main" val="0"/>
-              </a:ext>
-            </a:extLst>
-          </a:blip>
-          <a:srcRect/>
-          <a:stretch>
-            <a:fillRect/>
-          </a:stretch>
-        </p:blipFill>
-        <p:spPr bwMode="auto">
-          <a:xfrm>
-            <a:off x="1951715" y="642806"/>
-            <a:ext cx="1638355" cy="1638355"/>
-          </a:xfrm>
-          <a:prstGeom prst="rect">
-            <a:avLst/>
-          </a:prstGeom>
-          <a:noFill/>
-          <a:extLst>
-            <a:ext uri="{909E8E84-426E-40DD-AFC4-6F175D3DCCD1}">
-              <a14:hiddenFill xmlns:a14="http://schemas.microsoft.com/office/drawing/2010/main">
-                <a:solidFill>
-                  <a:srgbClr val="FFFFFF"/>
-                </a:solidFill>
-              </a14:hiddenFill>
-            </a:ext>
-          </a:extLst>
-        </p:spPr>
-      </p:pic>
-      <p:pic>
-        <p:nvPicPr>
-          <p:cNvPr id="1028" name="Picture 4" descr="C:\Users\Administrator\Downloads\code.png"/>
-          <p:cNvPicPr>
-            <a:picLocks noChangeAspect="1" noChangeArrowheads="1"/>
-          </p:cNvPicPr>
-          <p:nvPr/>
-        </p:nvPicPr>
-        <p:blipFill>
-          <a:blip r:embed="rId5" cstate="print">
-            <a:extLst>
-              <a:ext uri="{28A0092B-C50C-407E-A947-70E740481C1C}">
-                <a14:useLocalDpi xmlns:a14="http://schemas.microsoft.com/office/drawing/2010/main" val="0"/>
-              </a:ext>
-            </a:extLst>
-          </a:blip>
-          <a:srcRect/>
-          <a:stretch>
-            <a:fillRect/>
-          </a:stretch>
-        </p:blipFill>
-        <p:spPr bwMode="auto">
-          <a:xfrm>
-            <a:off x="1934113" y="3437898"/>
-            <a:ext cx="1944216" cy="1944216"/>
-          </a:xfrm>
-          <a:prstGeom prst="rect">
-            <a:avLst/>
-          </a:prstGeom>
-          <a:noFill/>
-          <a:extLst>
-            <a:ext uri="{909E8E84-426E-40DD-AFC4-6F175D3DCCD1}">
-              <a14:hiddenFill xmlns:a14="http://schemas.microsoft.com/office/drawing/2010/main">
-                <a:solidFill>
-                  <a:srgbClr val="FFFFFF"/>
-                </a:solidFill>
-              </a14:hiddenFill>
-            </a:ext>
-          </a:extLst>
-        </p:spPr>
-      </p:pic>
-      <p:sp>
-        <p:nvSpPr>
-          <p:cNvPr id="8" name="직사각형 7"/>
-          <p:cNvSpPr/>
+      <p:sp>
+        <p:nvSpPr>
+          <p:cNvPr id="4" name="제목 1"/>
+          <p:cNvSpPr txBox="1">
+            <a:spLocks/>
+          </p:cNvSpPr>
           <p:nvPr/>
         </p:nvSpPr>
         <p:spPr>
           <a:xfrm>
-            <a:off x="107504" y="116632"/>
-            <a:ext cx="2592288" cy="646331"/>
+            <a:off x="685800" y="2378745"/>
+            <a:ext cx="7772400" cy="1470025"/>
           </a:xfrm>
           <a:prstGeom prst="rect">
             <a:avLst/>
           </a:prstGeom>
         </p:spPr>
         <p:txBody>
+          <a:bodyPr vert="horz" lIns="91440" tIns="45720" rIns="91440" bIns="45720" rtlCol="0" anchor="ctr">
+            <a:normAutofit/>
+          </a:bodyPr>
+          <a:lstStyle>
+            <a:lvl1pPr algn="ctr" defTabSz="914400" rtl="0" eaLnBrk="1" latinLnBrk="1" hangingPunct="1">
+              <a:spcBef>
+                <a:spcPct val="0"/>
+              </a:spcBef>
+              <a:buNone/>
+              <a:defRPr sz="4400" kern="1200">
+                <a:solidFill>
+                  <a:schemeClr val="tx1"/>
+                </a:solidFill>
+                <a:latin typeface="+mj-lt"/>
+                <a:ea typeface="+mj-ea"/>
+                <a:cs typeface="+mj-cs"/>
+              </a:defRPr>
+            </a:lvl1pPr>
+          </a:lstStyle>
+          <a:p>
+            <a:endParaRPr lang="ko-KR" altLang="en-US" dirty="0">
+              <a:latin typeface="배달의민족 주아" pitchFamily="18" charset="-127"/>
+              <a:ea typeface="배달의민족 주아" pitchFamily="18" charset="-127"/>
+            </a:endParaRPr>
+          </a:p>
+        </p:txBody>
+      </p:sp>
+      <p:sp>
+        <p:nvSpPr>
+          <p:cNvPr id="5" name="직사각형 4"/>
+          <p:cNvSpPr/>
+          <p:nvPr/>
+        </p:nvSpPr>
+        <p:spPr>
+          <a:xfrm>
+            <a:off x="107504" y="116632"/>
+            <a:ext cx="2592288" cy="369332"/>
+          </a:xfrm>
+          <a:prstGeom prst="rect">
+            <a:avLst/>
+          </a:prstGeom>
+        </p:spPr>
+        <p:txBody>
           <a:bodyPr wrap="square">
             <a:spAutoFit/>
           </a:bodyPr>
           <a:lstStyle/>
           <a:p>
             <a:r>
-              <a:rPr lang="en-US" altLang="ko-KR" dirty="0">
+              <a:rPr lang="en-US" altLang="ko-KR" dirty="0" smtClean="0">
+                <a:latin typeface="배달의민족 주아" pitchFamily="18" charset="-127"/>
+                <a:ea typeface="배달의민족 주아" pitchFamily="18" charset="-127"/>
+              </a:rPr>
+              <a:t>3. </a:t>
+            </a:r>
+            <a:r>
+              <a:rPr lang="ko-KR" altLang="en-US" dirty="0" smtClean="0">
+                <a:latin typeface="배달의민족 주아" pitchFamily="18" charset="-127"/>
+                <a:ea typeface="배달의민족 주아" pitchFamily="18" charset="-127"/>
+              </a:rPr>
+              <a:t>변수</a:t>
+            </a:r>
+            <a:r>
+              <a:rPr lang="en-US" altLang="ko-KR" dirty="0" smtClean="0">
+                <a:latin typeface="배달의민족 주아" pitchFamily="18" charset="-127"/>
+                <a:ea typeface="배달의민족 주아" pitchFamily="18" charset="-127"/>
+              </a:rPr>
+              <a:t>(variable)</a:t>
+            </a:r>
+            <a:endParaRPr lang="ko-KR" altLang="en-US" dirty="0"/>
+          </a:p>
+        </p:txBody>
+      </p:sp>
+      <p:sp>
+        <p:nvSpPr>
+          <p:cNvPr id="13" name="제목 1"/>
+          <p:cNvSpPr txBox="1">
+            <a:spLocks/>
+          </p:cNvSpPr>
+          <p:nvPr/>
+        </p:nvSpPr>
+        <p:spPr>
+          <a:xfrm>
+            <a:off x="251520" y="1988840"/>
+            <a:ext cx="8712968" cy="1254001"/>
+          </a:xfrm>
+          <a:prstGeom prst="rect">
+            <a:avLst/>
+          </a:prstGeom>
+        </p:spPr>
+        <p:txBody>
+          <a:bodyPr vert="horz" lIns="91440" tIns="45720" rIns="91440" bIns="45720" rtlCol="0" anchor="ctr">
+            <a:normAutofit/>
+          </a:bodyPr>
+          <a:lstStyle>
+            <a:lvl1pPr algn="ctr" defTabSz="914400" rtl="0" eaLnBrk="1" latinLnBrk="1" hangingPunct="1">
+              <a:spcBef>
+                <a:spcPct val="0"/>
+              </a:spcBef>
+              <a:buNone/>
+              <a:defRPr sz="4400" kern="1200">
+                <a:solidFill>
+                  <a:schemeClr val="tx1"/>
+                </a:solidFill>
+                <a:latin typeface="+mj-lt"/>
+                <a:ea typeface="+mj-ea"/>
+                <a:cs typeface="+mj-cs"/>
+              </a:defRPr>
+            </a:lvl1pPr>
+          </a:lstStyle>
+          <a:p>
+            <a:r>
+              <a:rPr lang="en-US" altLang="ko-KR" sz="2800" dirty="0" smtClean="0">
                 <a:latin typeface="배달의민족 주아" pitchFamily="18" charset="-127"/>
                 <a:ea typeface="배달의민족 주아" pitchFamily="18" charset="-127"/>
               </a:rPr>
               <a:t>1. </a:t>
             </a:r>
             <a:r>
-              <a:rPr lang="ko-KR" altLang="en-US" dirty="0">
-                <a:latin typeface="배달의민족 주아" pitchFamily="18" charset="-127"/>
-                <a:ea typeface="배달의민족 주아" pitchFamily="18" charset="-127"/>
-              </a:rPr>
-              <a:t>프로그래밍이란 무엇인가</a:t>
-            </a:r>
-            <a:r>
-              <a:rPr lang="en-US" altLang="ko-KR" dirty="0">
-                <a:latin typeface="배달의민족 주아" pitchFamily="18" charset="-127"/>
-                <a:ea typeface="배달의민족 주아" pitchFamily="18" charset="-127"/>
-              </a:rPr>
-              <a:t>?</a:t>
-            </a:r>
-            <a:br>
-              <a:rPr lang="en-US" altLang="ko-KR" dirty="0">
-                <a:latin typeface="배달의민족 주아" pitchFamily="18" charset="-127"/>
-                <a:ea typeface="배달의민족 주아" pitchFamily="18" charset="-127"/>
-              </a:rPr>
-            </a:br>
-            <a:endParaRPr lang="ko-KR" altLang="en-US" dirty="0"/>
+              <a:rPr lang="ko-KR" altLang="en-US" sz="2800" dirty="0" smtClean="0">
+                <a:latin typeface="배달의민족 주아" pitchFamily="18" charset="-127"/>
+                <a:ea typeface="배달의민족 주아" pitchFamily="18" charset="-127"/>
+              </a:rPr>
+              <a:t>저장한 값을 잘 설명할 수 있는 것으로 짓자</a:t>
+            </a:r>
+            <a:endParaRPr lang="ko-KR" altLang="en-US" sz="2800" dirty="0">
+              <a:latin typeface="배달의민족 주아" pitchFamily="18" charset="-127"/>
+              <a:ea typeface="배달의민족 주아" pitchFamily="18" charset="-127"/>
+            </a:endParaRPr>
+          </a:p>
+        </p:txBody>
+      </p:sp>
+      <p:sp>
+        <p:nvSpPr>
+          <p:cNvPr id="8" name="제목 1"/>
+          <p:cNvSpPr txBox="1">
+            <a:spLocks/>
+          </p:cNvSpPr>
+          <p:nvPr/>
+        </p:nvSpPr>
+        <p:spPr>
+          <a:xfrm>
+            <a:off x="251520" y="2552626"/>
+            <a:ext cx="8712968" cy="1254001"/>
+          </a:xfrm>
+          <a:prstGeom prst="rect">
+            <a:avLst/>
+          </a:prstGeom>
+        </p:spPr>
+        <p:txBody>
+          <a:bodyPr vert="horz" lIns="91440" tIns="45720" rIns="91440" bIns="45720" rtlCol="0" anchor="ctr">
+            <a:normAutofit/>
+          </a:bodyPr>
+          <a:lstStyle>
+            <a:lvl1pPr algn="ctr" defTabSz="914400" rtl="0" eaLnBrk="1" latinLnBrk="1" hangingPunct="1">
+              <a:spcBef>
+                <a:spcPct val="0"/>
+              </a:spcBef>
+              <a:buNone/>
+              <a:defRPr sz="4400" kern="1200">
+                <a:solidFill>
+                  <a:schemeClr val="tx1"/>
+                </a:solidFill>
+                <a:latin typeface="+mj-lt"/>
+                <a:ea typeface="+mj-ea"/>
+                <a:cs typeface="+mj-cs"/>
+              </a:defRPr>
+            </a:lvl1pPr>
+          </a:lstStyle>
+          <a:p>
+            <a:r>
+              <a:rPr lang="en-US" altLang="ko-KR" sz="2800" dirty="0" smtClean="0">
+                <a:latin typeface="배달의민족 주아" pitchFamily="18" charset="-127"/>
+                <a:ea typeface="배달의민족 주아" pitchFamily="18" charset="-127"/>
+              </a:rPr>
+              <a:t>2. </a:t>
+            </a:r>
+            <a:r>
+              <a:rPr lang="ko-KR" altLang="en-US" sz="2800" dirty="0" smtClean="0">
+                <a:latin typeface="배달의민족 주아" pitchFamily="18" charset="-127"/>
+                <a:ea typeface="배달의민족 주아" pitchFamily="18" charset="-127"/>
+              </a:rPr>
+              <a:t>문자와 숫자 </a:t>
+            </a:r>
+            <a:r>
+              <a:rPr lang="en-US" altLang="ko-KR" sz="2800" dirty="0" smtClean="0">
+                <a:latin typeface="배달의민족 주아" pitchFamily="18" charset="-127"/>
+                <a:ea typeface="배달의민족 주아" pitchFamily="18" charset="-127"/>
+              </a:rPr>
+              <a:t>_(</a:t>
+            </a:r>
+            <a:r>
+              <a:rPr lang="ko-KR" altLang="en-US" sz="2800" dirty="0" err="1" smtClean="0">
+                <a:latin typeface="배달의민족 주아" pitchFamily="18" charset="-127"/>
+                <a:ea typeface="배달의민족 주아" pitchFamily="18" charset="-127"/>
+              </a:rPr>
+              <a:t>언더스코어</a:t>
+            </a:r>
+            <a:r>
+              <a:rPr lang="en-US" altLang="ko-KR" sz="2800" dirty="0" smtClean="0">
+                <a:latin typeface="배달의민족 주아" pitchFamily="18" charset="-127"/>
+                <a:ea typeface="배달의민족 주아" pitchFamily="18" charset="-127"/>
+              </a:rPr>
+              <a:t>)</a:t>
+            </a:r>
+            <a:r>
+              <a:rPr lang="ko-KR" altLang="en-US" sz="2800" dirty="0" smtClean="0">
+                <a:latin typeface="배달의민족 주아" pitchFamily="18" charset="-127"/>
+                <a:ea typeface="배달의민족 주아" pitchFamily="18" charset="-127"/>
+              </a:rPr>
+              <a:t>를 사용할 수 있다</a:t>
+            </a:r>
+            <a:endParaRPr lang="ko-KR" altLang="en-US" sz="2800" dirty="0">
+              <a:solidFill>
+                <a:schemeClr val="accent5"/>
+              </a:solidFill>
+              <a:latin typeface="배달의민족 주아" pitchFamily="18" charset="-127"/>
+              <a:ea typeface="배달의민족 주아" pitchFamily="18" charset="-127"/>
+            </a:endParaRPr>
+          </a:p>
+        </p:txBody>
+      </p:sp>
+      <p:sp>
+        <p:nvSpPr>
+          <p:cNvPr id="9" name="제목 1"/>
+          <p:cNvSpPr txBox="1">
+            <a:spLocks/>
+          </p:cNvSpPr>
+          <p:nvPr/>
+        </p:nvSpPr>
+        <p:spPr>
+          <a:xfrm>
+            <a:off x="251520" y="3113757"/>
+            <a:ext cx="8712968" cy="1254001"/>
+          </a:xfrm>
+          <a:prstGeom prst="rect">
+            <a:avLst/>
+          </a:prstGeom>
+        </p:spPr>
+        <p:txBody>
+          <a:bodyPr vert="horz" lIns="91440" tIns="45720" rIns="91440" bIns="45720" rtlCol="0" anchor="ctr">
+            <a:normAutofit/>
+          </a:bodyPr>
+          <a:lstStyle>
+            <a:lvl1pPr algn="ctr" defTabSz="914400" rtl="0" eaLnBrk="1" latinLnBrk="1" hangingPunct="1">
+              <a:spcBef>
+                <a:spcPct val="0"/>
+              </a:spcBef>
+              <a:buNone/>
+              <a:defRPr sz="4400" kern="1200">
+                <a:solidFill>
+                  <a:schemeClr val="tx1"/>
+                </a:solidFill>
+                <a:latin typeface="+mj-lt"/>
+                <a:ea typeface="+mj-ea"/>
+                <a:cs typeface="+mj-cs"/>
+              </a:defRPr>
+            </a:lvl1pPr>
+          </a:lstStyle>
+          <a:p>
+            <a:r>
+              <a:rPr lang="en-US" altLang="ko-KR" sz="2800" dirty="0">
+                <a:latin typeface="배달의민족 주아" pitchFamily="18" charset="-127"/>
+                <a:ea typeface="배달의민족 주아" pitchFamily="18" charset="-127"/>
+              </a:rPr>
+              <a:t>3</a:t>
+            </a:r>
+            <a:r>
+              <a:rPr lang="en-US" altLang="ko-KR" sz="2800" dirty="0" smtClean="0">
+                <a:latin typeface="배달의민족 주아" pitchFamily="18" charset="-127"/>
+                <a:ea typeface="배달의민족 주아" pitchFamily="18" charset="-127"/>
+              </a:rPr>
+              <a:t>. </a:t>
+            </a:r>
+            <a:r>
+              <a:rPr lang="ko-KR" altLang="en-US" sz="2800" dirty="0" smtClean="0">
+                <a:latin typeface="배달의민족 주아" pitchFamily="18" charset="-127"/>
+                <a:ea typeface="배달의민족 주아" pitchFamily="18" charset="-127"/>
+              </a:rPr>
+              <a:t>대문자와 소문자를 구분한다</a:t>
+            </a:r>
+            <a:endParaRPr lang="ko-KR" altLang="en-US" sz="2800" dirty="0">
+              <a:solidFill>
+                <a:schemeClr val="accent5"/>
+              </a:solidFill>
+              <a:latin typeface="배달의민족 주아" pitchFamily="18" charset="-127"/>
+              <a:ea typeface="배달의민족 주아" pitchFamily="18" charset="-127"/>
+            </a:endParaRPr>
+          </a:p>
+        </p:txBody>
+      </p:sp>
+      <p:sp>
+        <p:nvSpPr>
+          <p:cNvPr id="10" name="제목 1"/>
+          <p:cNvSpPr txBox="1">
+            <a:spLocks/>
+          </p:cNvSpPr>
+          <p:nvPr/>
+        </p:nvSpPr>
+        <p:spPr>
+          <a:xfrm>
+            <a:off x="251520" y="3716867"/>
+            <a:ext cx="8712968" cy="1254001"/>
+          </a:xfrm>
+          <a:prstGeom prst="rect">
+            <a:avLst/>
+          </a:prstGeom>
+        </p:spPr>
+        <p:txBody>
+          <a:bodyPr vert="horz" lIns="91440" tIns="45720" rIns="91440" bIns="45720" rtlCol="0" anchor="ctr">
+            <a:normAutofit/>
+          </a:bodyPr>
+          <a:lstStyle>
+            <a:lvl1pPr algn="ctr" defTabSz="914400" rtl="0" eaLnBrk="1" latinLnBrk="1" hangingPunct="1">
+              <a:spcBef>
+                <a:spcPct val="0"/>
+              </a:spcBef>
+              <a:buNone/>
+              <a:defRPr sz="4400" kern="1200">
+                <a:solidFill>
+                  <a:schemeClr val="tx1"/>
+                </a:solidFill>
+                <a:latin typeface="+mj-lt"/>
+                <a:ea typeface="+mj-ea"/>
+                <a:cs typeface="+mj-cs"/>
+              </a:defRPr>
+            </a:lvl1pPr>
+          </a:lstStyle>
+          <a:p>
+            <a:r>
+              <a:rPr lang="en-US" altLang="ko-KR" sz="2800" dirty="0" smtClean="0">
+                <a:latin typeface="배달의민족 주아" pitchFamily="18" charset="-127"/>
+                <a:ea typeface="배달의민족 주아" pitchFamily="18" charset="-127"/>
+              </a:rPr>
+              <a:t>4. </a:t>
+            </a:r>
+            <a:r>
+              <a:rPr lang="ko-KR" altLang="en-US" sz="2800" dirty="0" smtClean="0">
+                <a:latin typeface="배달의민족 주아" pitchFamily="18" charset="-127"/>
+                <a:ea typeface="배달의민족 주아" pitchFamily="18" charset="-127"/>
+              </a:rPr>
+              <a:t>공백은 사용할 수 없다</a:t>
+            </a:r>
+            <a:endParaRPr lang="ko-KR" altLang="en-US" sz="2800" dirty="0">
+              <a:solidFill>
+                <a:schemeClr val="accent5"/>
+              </a:solidFill>
+              <a:latin typeface="배달의민족 주아" pitchFamily="18" charset="-127"/>
+              <a:ea typeface="배달의민족 주아" pitchFamily="18" charset="-127"/>
+            </a:endParaRPr>
+          </a:p>
+        </p:txBody>
+      </p:sp>
+      <p:sp>
+        <p:nvSpPr>
+          <p:cNvPr id="11" name="제목 1"/>
+          <p:cNvSpPr txBox="1">
+            <a:spLocks/>
+          </p:cNvSpPr>
+          <p:nvPr/>
+        </p:nvSpPr>
+        <p:spPr>
+          <a:xfrm>
+            <a:off x="251520" y="4343867"/>
+            <a:ext cx="8712968" cy="1254001"/>
+          </a:xfrm>
+          <a:prstGeom prst="rect">
+            <a:avLst/>
+          </a:prstGeom>
+        </p:spPr>
+        <p:txBody>
+          <a:bodyPr vert="horz" lIns="91440" tIns="45720" rIns="91440" bIns="45720" rtlCol="0" anchor="ctr">
+            <a:normAutofit/>
+          </a:bodyPr>
+          <a:lstStyle>
+            <a:lvl1pPr algn="ctr" defTabSz="914400" rtl="0" eaLnBrk="1" latinLnBrk="1" hangingPunct="1">
+              <a:spcBef>
+                <a:spcPct val="0"/>
+              </a:spcBef>
+              <a:buNone/>
+              <a:defRPr sz="4400" kern="1200">
+                <a:solidFill>
+                  <a:schemeClr val="tx1"/>
+                </a:solidFill>
+                <a:latin typeface="+mj-lt"/>
+                <a:ea typeface="+mj-ea"/>
+                <a:cs typeface="+mj-cs"/>
+              </a:defRPr>
+            </a:lvl1pPr>
+          </a:lstStyle>
+          <a:p>
+            <a:r>
+              <a:rPr lang="en-US" altLang="ko-KR" sz="2800" dirty="0">
+                <a:latin typeface="배달의민족 주아" pitchFamily="18" charset="-127"/>
+                <a:ea typeface="배달의민족 주아" pitchFamily="18" charset="-127"/>
+              </a:rPr>
+              <a:t>5</a:t>
+            </a:r>
+            <a:r>
+              <a:rPr lang="en-US" altLang="ko-KR" sz="2800" dirty="0" smtClean="0">
+                <a:latin typeface="배달의민족 주아" pitchFamily="18" charset="-127"/>
+                <a:ea typeface="배달의민족 주아" pitchFamily="18" charset="-127"/>
+              </a:rPr>
+              <a:t>. </a:t>
+            </a:r>
+            <a:r>
+              <a:rPr lang="ko-KR" altLang="en-US" sz="2800" dirty="0" smtClean="0">
+                <a:latin typeface="배달의민족 주아" pitchFamily="18" charset="-127"/>
+                <a:ea typeface="배달의민족 주아" pitchFamily="18" charset="-127"/>
+              </a:rPr>
+              <a:t>숫자로 시작할 수 없다</a:t>
+            </a:r>
+            <a:endParaRPr lang="ko-KR" altLang="en-US" sz="2800" dirty="0">
+              <a:solidFill>
+                <a:schemeClr val="accent5"/>
+              </a:solidFill>
+              <a:latin typeface="배달의민족 주아" pitchFamily="18" charset="-127"/>
+              <a:ea typeface="배달의민족 주아" pitchFamily="18" charset="-127"/>
+            </a:endParaRPr>
+          </a:p>
+        </p:txBody>
+      </p:sp>
+      <p:sp>
+        <p:nvSpPr>
+          <p:cNvPr id="15" name="제목 1"/>
+          <p:cNvSpPr txBox="1">
+            <a:spLocks/>
+          </p:cNvSpPr>
+          <p:nvPr/>
+        </p:nvSpPr>
+        <p:spPr>
+          <a:xfrm>
+            <a:off x="251520" y="4911303"/>
+            <a:ext cx="8712968" cy="1254001"/>
+          </a:xfrm>
+          <a:prstGeom prst="rect">
+            <a:avLst/>
+          </a:prstGeom>
+        </p:spPr>
+        <p:txBody>
+          <a:bodyPr vert="horz" lIns="91440" tIns="45720" rIns="91440" bIns="45720" rtlCol="0" anchor="ctr">
+            <a:normAutofit/>
+          </a:bodyPr>
+          <a:lstStyle>
+            <a:lvl1pPr algn="ctr" defTabSz="914400" rtl="0" eaLnBrk="1" latinLnBrk="1" hangingPunct="1">
+              <a:spcBef>
+                <a:spcPct val="0"/>
+              </a:spcBef>
+              <a:buNone/>
+              <a:defRPr sz="4400" kern="1200">
+                <a:solidFill>
+                  <a:schemeClr val="tx1"/>
+                </a:solidFill>
+                <a:latin typeface="+mj-lt"/>
+                <a:ea typeface="+mj-ea"/>
+                <a:cs typeface="+mj-cs"/>
+              </a:defRPr>
+            </a:lvl1pPr>
+          </a:lstStyle>
+          <a:p>
+            <a:r>
+              <a:rPr lang="en-US" altLang="ko-KR" sz="2800" dirty="0" smtClean="0">
+                <a:latin typeface="배달의민족 주아" pitchFamily="18" charset="-127"/>
+                <a:ea typeface="배달의민족 주아" pitchFamily="18" charset="-127"/>
+              </a:rPr>
+              <a:t>6. </a:t>
+            </a:r>
+            <a:r>
+              <a:rPr lang="ko-KR" altLang="en-US" sz="2800" dirty="0" smtClean="0">
+                <a:latin typeface="배달의민족 주아" pitchFamily="18" charset="-127"/>
+                <a:ea typeface="배달의민족 주아" pitchFamily="18" charset="-127"/>
+              </a:rPr>
+              <a:t>미리 예약된 이름은 사용할 수 없다</a:t>
+            </a:r>
+            <a:endParaRPr lang="ko-KR" altLang="en-US" sz="2800" dirty="0">
+              <a:solidFill>
+                <a:schemeClr val="accent5"/>
+              </a:solidFill>
+              <a:latin typeface="배달의민족 주아" pitchFamily="18" charset="-127"/>
+              <a:ea typeface="배달의민족 주아" pitchFamily="18" charset="-127"/>
+            </a:endParaRPr>
           </a:p>
         </p:txBody>
       </p:sp>
     </p:spTree>
     <p:extLst>
       <p:ext uri="{BB962C8B-B14F-4D97-AF65-F5344CB8AC3E}">
-        <p14:creationId xmlns:p14="http://schemas.microsoft.com/office/powerpoint/2010/main" val="1257734880"/>
+        <p14:creationId xmlns:p14="http://schemas.microsoft.com/office/powerpoint/2010/main" val="1005736376"/>
       </p:ext>
     </p:extLst>
   </p:cSld>
@@ -11423,10 +9434,15 @@
                             </p:stCondLst>
                             <p:childTnLst>
                               <p:par>
-                                <p:cTn id="5" presetID="10" presetClass="entr" presetSubtype="0" fill="hold" nodeType="clickEffect">
+                                <p:cTn id="5" presetID="10" presetClass="entr" presetSubtype="0" fill="hold" grpId="0" nodeType="clickEffect" nodePh="1">
                                   <p:stCondLst>
                                     <p:cond delay="0"/>
                                   </p:stCondLst>
+                                  <p:endCondLst>
+                                    <p:cond evt="begin" delay="0">
+                                      <p:tn val="5"/>
+                                    </p:cond>
+                                  </p:endCondLst>
                                   <p:childTnLst>
                                     <p:set>
                                       <p:cBhvr>
@@ -11436,7 +9452,7 @@
                                           </p:stCondLst>
                                         </p:cTn>
                                         <p:tgtEl>
-                                          <p:spTgt spid="1026"/>
+                                          <p:spTgt spid="4"/>
                                         </p:tgtEl>
                                         <p:attrNameLst>
                                           <p:attrName>style.visibility</p:attrName>
@@ -11450,28 +9466,46 @@
                                       <p:cBhvr>
                                         <p:cTn id="7" dur="500"/>
                                         <p:tgtEl>
-                                          <p:spTgt spid="1026"/>
+                                          <p:spTgt spid="4"/>
                                         </p:tgtEl>
                                       </p:cBhvr>
                                     </p:animEffect>
                                   </p:childTnLst>
                                 </p:cTn>
                               </p:par>
+                            </p:childTnLst>
+                          </p:cTn>
+                        </p:par>
+                      </p:childTnLst>
+                    </p:cTn>
+                  </p:par>
+                  <p:par>
+                    <p:cTn id="8" fill="hold">
+                      <p:stCondLst>
+                        <p:cond delay="indefinite"/>
+                      </p:stCondLst>
+                      <p:childTnLst>
+                        <p:par>
+                          <p:cTn id="9" fill="hold">
+                            <p:stCondLst>
+                              <p:cond delay="0"/>
+                            </p:stCondLst>
+                            <p:childTnLst>
                               <p:par>
-                                <p:cTn id="8" presetID="10" presetClass="entr" presetSubtype="0" fill="hold" nodeType="withEffect">
+                                <p:cTn id="10" presetID="10" presetClass="entr" presetSubtype="0" fill="hold" grpId="0" nodeType="clickEffect">
                                   <p:stCondLst>
                                     <p:cond delay="0"/>
                                   </p:stCondLst>
                                   <p:childTnLst>
                                     <p:set>
                                       <p:cBhvr>
-                                        <p:cTn id="9" dur="1" fill="hold">
+                                        <p:cTn id="11" dur="1" fill="hold">
                                           <p:stCondLst>
                                             <p:cond delay="0"/>
                                           </p:stCondLst>
                                         </p:cTn>
                                         <p:tgtEl>
-                                          <p:spTgt spid="1028"/>
+                                          <p:spTgt spid="13"/>
                                         </p:tgtEl>
                                         <p:attrNameLst>
                                           <p:attrName>style.visibility</p:attrName>
@@ -11483,24 +9517,148 @@
                                     </p:set>
                                     <p:animEffect transition="in" filter="fade">
                                       <p:cBhvr>
-                                        <p:cTn id="10" dur="500"/>
+                                        <p:cTn id="12" dur="500"/>
                                         <p:tgtEl>
-                                          <p:spTgt spid="1028"/>
+                                          <p:spTgt spid="13"/>
                                         </p:tgtEl>
                                       </p:cBhvr>
                                     </p:animEffect>
                                   </p:childTnLst>
                                 </p:cTn>
                               </p:par>
+                            </p:childTnLst>
+                          </p:cTn>
+                        </p:par>
+                      </p:childTnLst>
+                    </p:cTn>
+                  </p:par>
+                  <p:par>
+                    <p:cTn id="13" fill="hold">
+                      <p:stCondLst>
+                        <p:cond delay="indefinite"/>
+                      </p:stCondLst>
+                      <p:childTnLst>
+                        <p:par>
+                          <p:cTn id="14" fill="hold">
+                            <p:stCondLst>
+                              <p:cond delay="0"/>
+                            </p:stCondLst>
+                            <p:childTnLst>
                               <p:par>
-                                <p:cTn id="11" presetID="10" presetClass="entr" presetSubtype="0" fill="hold" nodeType="withEffect">
+                                <p:cTn id="15" presetID="10" presetClass="entr" presetSubtype="0" fill="hold" grpId="0" nodeType="clickEffect">
                                   <p:stCondLst>
                                     <p:cond delay="0"/>
                                   </p:stCondLst>
                                   <p:childTnLst>
                                     <p:set>
                                       <p:cBhvr>
-                                        <p:cTn id="12" dur="1" fill="hold">
+                                        <p:cTn id="16" dur="1" fill="hold">
+                                          <p:stCondLst>
+                                            <p:cond delay="0"/>
+                                          </p:stCondLst>
+                                        </p:cTn>
+                                        <p:tgtEl>
+                                          <p:spTgt spid="8"/>
+                                        </p:tgtEl>
+                                        <p:attrNameLst>
+                                          <p:attrName>style.visibility</p:attrName>
+                                        </p:attrNameLst>
+                                      </p:cBhvr>
+                                      <p:to>
+                                        <p:strVal val="visible"/>
+                                      </p:to>
+                                    </p:set>
+                                    <p:animEffect transition="in" filter="fade">
+                                      <p:cBhvr>
+                                        <p:cTn id="17" dur="500"/>
+                                        <p:tgtEl>
+                                          <p:spTgt spid="8"/>
+                                        </p:tgtEl>
+                                      </p:cBhvr>
+                                    </p:animEffect>
+                                  </p:childTnLst>
+                                </p:cTn>
+                              </p:par>
+                            </p:childTnLst>
+                          </p:cTn>
+                        </p:par>
+                      </p:childTnLst>
+                    </p:cTn>
+                  </p:par>
+                  <p:par>
+                    <p:cTn id="18" fill="hold">
+                      <p:stCondLst>
+                        <p:cond delay="indefinite"/>
+                      </p:stCondLst>
+                      <p:childTnLst>
+                        <p:par>
+                          <p:cTn id="19" fill="hold">
+                            <p:stCondLst>
+                              <p:cond delay="0"/>
+                            </p:stCondLst>
+                            <p:childTnLst>
+                              <p:par>
+                                <p:cTn id="20" presetID="10" presetClass="entr" presetSubtype="0" fill="hold" grpId="0" nodeType="clickEffect">
+                                  <p:stCondLst>
+                                    <p:cond delay="0"/>
+                                  </p:stCondLst>
+                                  <p:childTnLst>
+                                    <p:set>
+                                      <p:cBhvr>
+                                        <p:cTn id="21" dur="1" fill="hold">
+                                          <p:stCondLst>
+                                            <p:cond delay="0"/>
+                                          </p:stCondLst>
+                                        </p:cTn>
+                                        <p:tgtEl>
+                                          <p:spTgt spid="9"/>
+                                        </p:tgtEl>
+                                        <p:attrNameLst>
+                                          <p:attrName>style.visibility</p:attrName>
+                                        </p:attrNameLst>
+                                      </p:cBhvr>
+                                      <p:to>
+                                        <p:strVal val="visible"/>
+                                      </p:to>
+                                    </p:set>
+                                    <p:animEffect transition="in" filter="fade">
+                                      <p:cBhvr>
+                                        <p:cTn id="22" dur="500"/>
+                                        <p:tgtEl>
+                                          <p:spTgt spid="9"/>
+                                        </p:tgtEl>
+                                      </p:cBhvr>
+                                    </p:animEffect>
+                                  </p:childTnLst>
+                                </p:cTn>
+                              </p:par>
+                            </p:childTnLst>
+                          </p:cTn>
+                        </p:par>
+                      </p:childTnLst>
+                    </p:cTn>
+                  </p:par>
+                  <p:par>
+                    <p:cTn id="23" fill="hold">
+                      <p:stCondLst>
+                        <p:cond delay="indefinite"/>
+                      </p:stCondLst>
+                      <p:childTnLst>
+                        <p:par>
+                          <p:cTn id="24" fill="hold">
+                            <p:stCondLst>
+                              <p:cond delay="0"/>
+                            </p:stCondLst>
+                            <p:childTnLst>
+                              <p:par>
+                                <p:cTn id="25" presetID="10" presetClass="entr" presetSubtype="0" fill="hold" grpId="0" nodeType="clickEffect">
+                                  <p:stCondLst>
+                                    <p:cond delay="0"/>
+                                  </p:stCondLst>
+                                  <p:childTnLst>
+                                    <p:set>
+                                      <p:cBhvr>
+                                        <p:cTn id="26" dur="1" fill="hold">
                                           <p:stCondLst>
                                             <p:cond delay="0"/>
                                           </p:stCondLst>
@@ -11518,7 +9676,7 @@
                                     </p:set>
                                     <p:animEffect transition="in" filter="fade">
                                       <p:cBhvr>
-                                        <p:cTn id="13" dur="500"/>
+                                        <p:cTn id="27" dur="500"/>
                                         <p:tgtEl>
                                           <p:spTgt spid="10"/>
                                         </p:tgtEl>
@@ -11527,21 +9685,39 @@
                                   </p:childTnLst>
                                 </p:cTn>
                               </p:par>
+                            </p:childTnLst>
+                          </p:cTn>
+                        </p:par>
+                      </p:childTnLst>
+                    </p:cTn>
+                  </p:par>
+                  <p:par>
+                    <p:cTn id="28" fill="hold">
+                      <p:stCondLst>
+                        <p:cond delay="indefinite"/>
+                      </p:stCondLst>
+                      <p:childTnLst>
+                        <p:par>
+                          <p:cTn id="29" fill="hold">
+                            <p:stCondLst>
+                              <p:cond delay="0"/>
+                            </p:stCondLst>
+                            <p:childTnLst>
                               <p:par>
-                                <p:cTn id="14" presetID="10" presetClass="entr" presetSubtype="0" fill="hold" nodeType="withEffect">
+                                <p:cTn id="30" presetID="10" presetClass="entr" presetSubtype="0" fill="hold" grpId="0" nodeType="clickEffect">
                                   <p:stCondLst>
                                     <p:cond delay="0"/>
                                   </p:stCondLst>
                                   <p:childTnLst>
                                     <p:set>
                                       <p:cBhvr>
-                                        <p:cTn id="15" dur="1" fill="hold">
+                                        <p:cTn id="31" dur="1" fill="hold">
                                           <p:stCondLst>
                                             <p:cond delay="0"/>
                                           </p:stCondLst>
                                         </p:cTn>
                                         <p:tgtEl>
-                                          <p:spTgt spid="1027"/>
+                                          <p:spTgt spid="11"/>
                                         </p:tgtEl>
                                         <p:attrNameLst>
                                           <p:attrName>style.visibility</p:attrName>
@@ -11553,9 +9729,62 @@
                                     </p:set>
                                     <p:animEffect transition="in" filter="fade">
                                       <p:cBhvr>
-                                        <p:cTn id="16" dur="500"/>
+                                        <p:cTn id="32" dur="500"/>
                                         <p:tgtEl>
-                                          <p:spTgt spid="1027"/>
+                                          <p:spTgt spid="11"/>
+                                        </p:tgtEl>
+                                      </p:cBhvr>
+                                    </p:animEffect>
+                                  </p:childTnLst>
+                                </p:cTn>
+                              </p:par>
+                            </p:childTnLst>
+                          </p:cTn>
+                        </p:par>
+                      </p:childTnLst>
+                    </p:cTn>
+                  </p:par>
+                  <p:par>
+                    <p:cTn id="33" fill="hold">
+                      <p:stCondLst>
+                        <p:cond delay="indefinite"/>
+                      </p:stCondLst>
+                      <p:childTnLst>
+                        <p:par>
+                          <p:cTn id="34" fill="hold">
+                            <p:stCondLst>
+                              <p:cond delay="0"/>
+                            </p:stCondLst>
+                            <p:childTnLst>
+                              <p:par>
+                                <p:cTn id="35" presetID="10" presetClass="entr" presetSubtype="0" fill="hold" grpId="0" nodeType="clickEffect">
+                                  <p:stCondLst>
+                                    <p:cond delay="0"/>
+                                  </p:stCondLst>
+                                  <p:childTnLst>
+                                    <p:set>
+                                      <p:cBhvr>
+                                        <p:cTn id="36" dur="1" fill="hold">
+                                          <p:stCondLst>
+                                            <p:cond delay="0"/>
+                                          </p:stCondLst>
+                                        </p:cTn>
+                                        <p:tgtEl>
+                                          <p:spTgt spid="15"/>
+                                        </p:tgtEl>
+                                        <p:attrNameLst>
+                                          <p:attrName>style.visibility</p:attrName>
+                                        </p:attrNameLst>
+                                      </p:cBhvr>
+                                      <p:to>
+                                        <p:strVal val="visible"/>
+                                      </p:to>
+                                    </p:set>
+                                    <p:animEffect transition="in" filter="fade">
+                                      <p:cBhvr>
+                                        <p:cTn id="37" dur="500"/>
+                                        <p:tgtEl>
+                                          <p:spTgt spid="15"/>
                                         </p:tgtEl>
                                       </p:cBhvr>
                                     </p:animEffect>
@@ -11589,6 +9818,15 @@
         </p:cTn>
       </p:par>
     </p:tnLst>
+    <p:bldLst>
+      <p:bldP spid="4" grpId="0"/>
+      <p:bldP spid="13" grpId="0"/>
+      <p:bldP spid="8" grpId="0"/>
+      <p:bldP spid="9" grpId="0"/>
+      <p:bldP spid="10" grpId="0"/>
+      <p:bldP spid="11" grpId="0"/>
+      <p:bldP spid="15" grpId="0"/>
+    </p:bldLst>
   </p:timing>
 </p:sld>
 </file>

--- a/파이썬기초(PPT)/파이썬 기초 2강_자료형과 변수.pptx
+++ b/파이썬기초(PPT)/파이썬 기초 2강_자료형과 변수.pptx
@@ -124,6 +124,22 @@
       </a:defRPr>
     </a:lvl9pPr>
   </p:defaultTextStyle>
+  <p:extLst>
+    <p:ext uri="{EFAFB233-063F-42B5-8137-9DF3F51BA10A}">
+      <p15:sldGuideLst xmlns:p15="http://schemas.microsoft.com/office/powerpoint/2012/main">
+        <p15:guide id="1" orient="horz" pos="2160">
+          <p15:clr>
+            <a:srgbClr val="A4A3A4"/>
+          </p15:clr>
+        </p15:guide>
+        <p15:guide id="2" pos="2880">
+          <p15:clr>
+            <a:srgbClr val="A4A3A4"/>
+          </p15:clr>
+        </p15:guide>
+      </p15:sldGuideLst>
+    </p:ext>
+  </p:extLst>
 </p:presentation>
 </file>
 
@@ -165,10 +181,9 @@
           <a:lstStyle/>
           <a:p>
             <a:r>
-              <a:rPr lang="ko-KR" altLang="en-US" smtClean="0"/>
+              <a:rPr lang="ko-KR" altLang="en-US"/>
               <a:t>마스터 제목 스타일 편집</a:t>
             </a:r>
-            <a:endParaRPr lang="ko-KR" altLang="en-US"/>
           </a:p>
         </p:txBody>
       </p:sp>
@@ -284,10 +299,9 @@
           </a:lstStyle>
           <a:p>
             <a:r>
-              <a:rPr lang="ko-KR" altLang="en-US" smtClean="0"/>
+              <a:rPr lang="ko-KR" altLang="en-US"/>
               <a:t>마스터 부제목 스타일 편집</a:t>
             </a:r>
-            <a:endParaRPr lang="ko-KR" altLang="en-US"/>
           </a:p>
         </p:txBody>
       </p:sp>
@@ -308,7 +322,7 @@
           <a:p>
             <a:fld id="{FB30EDBD-1C2D-4C1E-B459-B60219FAB484}" type="datetimeFigureOut">
               <a:rPr lang="ko-KR" altLang="en-US" smtClean="0"/>
-              <a:t>2020-10-23</a:t>
+              <a:t>2020-10-31</a:t>
             </a:fld>
             <a:endParaRPr lang="ko-KR" altLang="en-US"/>
           </a:p>
@@ -397,10 +411,9 @@
           <a:lstStyle/>
           <a:p>
             <a:r>
-              <a:rPr lang="ko-KR" altLang="en-US" smtClean="0"/>
+              <a:rPr lang="ko-KR" altLang="en-US"/>
               <a:t>마스터 제목 스타일 편집</a:t>
             </a:r>
-            <a:endParaRPr lang="ko-KR" altLang="en-US"/>
           </a:p>
         </p:txBody>
       </p:sp>
@@ -421,38 +434,37 @@
           <a:p>
             <a:pPr lvl="0"/>
             <a:r>
-              <a:rPr lang="ko-KR" altLang="en-US" smtClean="0"/>
+              <a:rPr lang="ko-KR" altLang="en-US"/>
               <a:t>마스터 텍스트 스타일을 편집합니다</a:t>
             </a:r>
           </a:p>
           <a:p>
             <a:pPr lvl="1"/>
             <a:r>
-              <a:rPr lang="ko-KR" altLang="en-US" smtClean="0"/>
+              <a:rPr lang="ko-KR" altLang="en-US"/>
               <a:t>둘째 수준</a:t>
             </a:r>
           </a:p>
           <a:p>
             <a:pPr lvl="2"/>
             <a:r>
-              <a:rPr lang="ko-KR" altLang="en-US" smtClean="0"/>
+              <a:rPr lang="ko-KR" altLang="en-US"/>
               <a:t>셋째 수준</a:t>
             </a:r>
           </a:p>
           <a:p>
             <a:pPr lvl="3"/>
             <a:r>
-              <a:rPr lang="ko-KR" altLang="en-US" smtClean="0"/>
+              <a:rPr lang="ko-KR" altLang="en-US"/>
               <a:t>넷째 수준</a:t>
             </a:r>
           </a:p>
           <a:p>
             <a:pPr lvl="4"/>
             <a:r>
-              <a:rPr lang="ko-KR" altLang="en-US" smtClean="0"/>
+              <a:rPr lang="ko-KR" altLang="en-US"/>
               <a:t>다섯째 수준</a:t>
             </a:r>
-            <a:endParaRPr lang="ko-KR" altLang="en-US"/>
           </a:p>
         </p:txBody>
       </p:sp>
@@ -473,7 +485,7 @@
           <a:p>
             <a:fld id="{FB30EDBD-1C2D-4C1E-B459-B60219FAB484}" type="datetimeFigureOut">
               <a:rPr lang="ko-KR" altLang="en-US" smtClean="0"/>
-              <a:t>2020-10-23</a:t>
+              <a:t>2020-10-31</a:t>
             </a:fld>
             <a:endParaRPr lang="ko-KR" altLang="en-US"/>
           </a:p>
@@ -567,10 +579,9 @@
           <a:lstStyle/>
           <a:p>
             <a:r>
-              <a:rPr lang="ko-KR" altLang="en-US" smtClean="0"/>
+              <a:rPr lang="ko-KR" altLang="en-US"/>
               <a:t>마스터 제목 스타일 편집</a:t>
             </a:r>
-            <a:endParaRPr lang="ko-KR" altLang="en-US"/>
           </a:p>
         </p:txBody>
       </p:sp>
@@ -596,38 +607,37 @@
           <a:p>
             <a:pPr lvl="0"/>
             <a:r>
-              <a:rPr lang="ko-KR" altLang="en-US" smtClean="0"/>
+              <a:rPr lang="ko-KR" altLang="en-US"/>
               <a:t>마스터 텍스트 스타일을 편집합니다</a:t>
             </a:r>
           </a:p>
           <a:p>
             <a:pPr lvl="1"/>
             <a:r>
-              <a:rPr lang="ko-KR" altLang="en-US" smtClean="0"/>
+              <a:rPr lang="ko-KR" altLang="en-US"/>
               <a:t>둘째 수준</a:t>
             </a:r>
           </a:p>
           <a:p>
             <a:pPr lvl="2"/>
             <a:r>
-              <a:rPr lang="ko-KR" altLang="en-US" smtClean="0"/>
+              <a:rPr lang="ko-KR" altLang="en-US"/>
               <a:t>셋째 수준</a:t>
             </a:r>
           </a:p>
           <a:p>
             <a:pPr lvl="3"/>
             <a:r>
-              <a:rPr lang="ko-KR" altLang="en-US" smtClean="0"/>
+              <a:rPr lang="ko-KR" altLang="en-US"/>
               <a:t>넷째 수준</a:t>
             </a:r>
           </a:p>
           <a:p>
             <a:pPr lvl="4"/>
             <a:r>
-              <a:rPr lang="ko-KR" altLang="en-US" smtClean="0"/>
+              <a:rPr lang="ko-KR" altLang="en-US"/>
               <a:t>다섯째 수준</a:t>
             </a:r>
-            <a:endParaRPr lang="ko-KR" altLang="en-US"/>
           </a:p>
         </p:txBody>
       </p:sp>
@@ -648,7 +658,7 @@
           <a:p>
             <a:fld id="{FB30EDBD-1C2D-4C1E-B459-B60219FAB484}" type="datetimeFigureOut">
               <a:rPr lang="ko-KR" altLang="en-US" smtClean="0"/>
-              <a:t>2020-10-23</a:t>
+              <a:t>2020-10-31</a:t>
             </a:fld>
             <a:endParaRPr lang="ko-KR" altLang="en-US"/>
           </a:p>
@@ -737,10 +747,9 @@
           <a:lstStyle/>
           <a:p>
             <a:r>
-              <a:rPr lang="ko-KR" altLang="en-US" smtClean="0"/>
+              <a:rPr lang="ko-KR" altLang="en-US"/>
               <a:t>마스터 제목 스타일 편집</a:t>
             </a:r>
-            <a:endParaRPr lang="ko-KR" altLang="en-US"/>
           </a:p>
         </p:txBody>
       </p:sp>
@@ -761,38 +770,37 @@
           <a:p>
             <a:pPr lvl="0"/>
             <a:r>
-              <a:rPr lang="ko-KR" altLang="en-US" smtClean="0"/>
+              <a:rPr lang="ko-KR" altLang="en-US"/>
               <a:t>마스터 텍스트 스타일을 편집합니다</a:t>
             </a:r>
           </a:p>
           <a:p>
             <a:pPr lvl="1"/>
             <a:r>
-              <a:rPr lang="ko-KR" altLang="en-US" smtClean="0"/>
+              <a:rPr lang="ko-KR" altLang="en-US"/>
               <a:t>둘째 수준</a:t>
             </a:r>
           </a:p>
           <a:p>
             <a:pPr lvl="2"/>
             <a:r>
-              <a:rPr lang="ko-KR" altLang="en-US" smtClean="0"/>
+              <a:rPr lang="ko-KR" altLang="en-US"/>
               <a:t>셋째 수준</a:t>
             </a:r>
           </a:p>
           <a:p>
             <a:pPr lvl="3"/>
             <a:r>
-              <a:rPr lang="ko-KR" altLang="en-US" smtClean="0"/>
+              <a:rPr lang="ko-KR" altLang="en-US"/>
               <a:t>넷째 수준</a:t>
             </a:r>
           </a:p>
           <a:p>
             <a:pPr lvl="4"/>
             <a:r>
-              <a:rPr lang="ko-KR" altLang="en-US" smtClean="0"/>
+              <a:rPr lang="ko-KR" altLang="en-US"/>
               <a:t>다섯째 수준</a:t>
             </a:r>
-            <a:endParaRPr lang="ko-KR" altLang="en-US"/>
           </a:p>
         </p:txBody>
       </p:sp>
@@ -813,7 +821,7 @@
           <a:p>
             <a:fld id="{FB30EDBD-1C2D-4C1E-B459-B60219FAB484}" type="datetimeFigureOut">
               <a:rPr lang="ko-KR" altLang="en-US" smtClean="0"/>
-              <a:t>2020-10-23</a:t>
+              <a:t>2020-10-31</a:t>
             </a:fld>
             <a:endParaRPr lang="ko-KR" altLang="en-US"/>
           </a:p>
@@ -911,10 +919,9 @@
           </a:lstStyle>
           <a:p>
             <a:r>
-              <a:rPr lang="ko-KR" altLang="en-US" smtClean="0"/>
+              <a:rPr lang="ko-KR" altLang="en-US"/>
               <a:t>마스터 제목 스타일 편집</a:t>
             </a:r>
-            <a:endParaRPr lang="ko-KR" altLang="en-US"/>
           </a:p>
         </p:txBody>
       </p:sp>
@@ -1031,7 +1038,7 @@
           <a:p>
             <a:pPr lvl="0"/>
             <a:r>
-              <a:rPr lang="ko-KR" altLang="en-US" smtClean="0"/>
+              <a:rPr lang="ko-KR" altLang="en-US"/>
               <a:t>마스터 텍스트 스타일을 편집합니다</a:t>
             </a:r>
           </a:p>
@@ -1054,7 +1061,7 @@
           <a:p>
             <a:fld id="{FB30EDBD-1C2D-4C1E-B459-B60219FAB484}" type="datetimeFigureOut">
               <a:rPr lang="ko-KR" altLang="en-US" smtClean="0"/>
-              <a:t>2020-10-23</a:t>
+              <a:t>2020-10-31</a:t>
             </a:fld>
             <a:endParaRPr lang="ko-KR" altLang="en-US"/>
           </a:p>
@@ -1143,10 +1150,9 @@
           <a:lstStyle/>
           <a:p>
             <a:r>
-              <a:rPr lang="ko-KR" altLang="en-US" smtClean="0"/>
+              <a:rPr lang="ko-KR" altLang="en-US"/>
               <a:t>마스터 제목 스타일 편집</a:t>
             </a:r>
-            <a:endParaRPr lang="ko-KR" altLang="en-US"/>
           </a:p>
         </p:txBody>
       </p:sp>
@@ -1200,38 +1206,37 @@
           <a:p>
             <a:pPr lvl="0"/>
             <a:r>
-              <a:rPr lang="ko-KR" altLang="en-US" smtClean="0"/>
+              <a:rPr lang="ko-KR" altLang="en-US"/>
               <a:t>마스터 텍스트 스타일을 편집합니다</a:t>
             </a:r>
           </a:p>
           <a:p>
             <a:pPr lvl="1"/>
             <a:r>
-              <a:rPr lang="ko-KR" altLang="en-US" smtClean="0"/>
+              <a:rPr lang="ko-KR" altLang="en-US"/>
               <a:t>둘째 수준</a:t>
             </a:r>
           </a:p>
           <a:p>
             <a:pPr lvl="2"/>
             <a:r>
-              <a:rPr lang="ko-KR" altLang="en-US" smtClean="0"/>
+              <a:rPr lang="ko-KR" altLang="en-US"/>
               <a:t>셋째 수준</a:t>
             </a:r>
           </a:p>
           <a:p>
             <a:pPr lvl="3"/>
             <a:r>
-              <a:rPr lang="ko-KR" altLang="en-US" smtClean="0"/>
+              <a:rPr lang="ko-KR" altLang="en-US"/>
               <a:t>넷째 수준</a:t>
             </a:r>
           </a:p>
           <a:p>
             <a:pPr lvl="4"/>
             <a:r>
-              <a:rPr lang="ko-KR" altLang="en-US" smtClean="0"/>
+              <a:rPr lang="ko-KR" altLang="en-US"/>
               <a:t>다섯째 수준</a:t>
             </a:r>
-            <a:endParaRPr lang="ko-KR" altLang="en-US"/>
           </a:p>
         </p:txBody>
       </p:sp>
@@ -1285,38 +1290,37 @@
           <a:p>
             <a:pPr lvl="0"/>
             <a:r>
-              <a:rPr lang="ko-KR" altLang="en-US" smtClean="0"/>
+              <a:rPr lang="ko-KR" altLang="en-US"/>
               <a:t>마스터 텍스트 스타일을 편집합니다</a:t>
             </a:r>
           </a:p>
           <a:p>
             <a:pPr lvl="1"/>
             <a:r>
-              <a:rPr lang="ko-KR" altLang="en-US" smtClean="0"/>
+              <a:rPr lang="ko-KR" altLang="en-US"/>
               <a:t>둘째 수준</a:t>
             </a:r>
           </a:p>
           <a:p>
             <a:pPr lvl="2"/>
             <a:r>
-              <a:rPr lang="ko-KR" altLang="en-US" smtClean="0"/>
+              <a:rPr lang="ko-KR" altLang="en-US"/>
               <a:t>셋째 수준</a:t>
             </a:r>
           </a:p>
           <a:p>
             <a:pPr lvl="3"/>
             <a:r>
-              <a:rPr lang="ko-KR" altLang="en-US" smtClean="0"/>
+              <a:rPr lang="ko-KR" altLang="en-US"/>
               <a:t>넷째 수준</a:t>
             </a:r>
           </a:p>
           <a:p>
             <a:pPr lvl="4"/>
             <a:r>
-              <a:rPr lang="ko-KR" altLang="en-US" smtClean="0"/>
+              <a:rPr lang="ko-KR" altLang="en-US"/>
               <a:t>다섯째 수준</a:t>
             </a:r>
-            <a:endParaRPr lang="ko-KR" altLang="en-US"/>
           </a:p>
         </p:txBody>
       </p:sp>
@@ -1337,7 +1341,7 @@
           <a:p>
             <a:fld id="{FB30EDBD-1C2D-4C1E-B459-B60219FAB484}" type="datetimeFigureOut">
               <a:rPr lang="ko-KR" altLang="en-US" smtClean="0"/>
-              <a:t>2020-10-23</a:t>
+              <a:t>2020-10-31</a:t>
             </a:fld>
             <a:endParaRPr lang="ko-KR" altLang="en-US"/>
           </a:p>
@@ -1430,10 +1434,9 @@
           </a:lstStyle>
           <a:p>
             <a:r>
-              <a:rPr lang="ko-KR" altLang="en-US" smtClean="0"/>
+              <a:rPr lang="ko-KR" altLang="en-US"/>
               <a:t>마스터 제목 스타일 편집</a:t>
             </a:r>
-            <a:endParaRPr lang="ko-KR" altLang="en-US"/>
           </a:p>
         </p:txBody>
       </p:sp>
@@ -1496,7 +1499,7 @@
           <a:p>
             <a:pPr lvl="0"/>
             <a:r>
-              <a:rPr lang="ko-KR" altLang="en-US" smtClean="0"/>
+              <a:rPr lang="ko-KR" altLang="en-US"/>
               <a:t>마스터 텍스트 스타일을 편집합니다</a:t>
             </a:r>
           </a:p>
@@ -1552,38 +1555,37 @@
           <a:p>
             <a:pPr lvl="0"/>
             <a:r>
-              <a:rPr lang="ko-KR" altLang="en-US" smtClean="0"/>
+              <a:rPr lang="ko-KR" altLang="en-US"/>
               <a:t>마스터 텍스트 스타일을 편집합니다</a:t>
             </a:r>
           </a:p>
           <a:p>
             <a:pPr lvl="1"/>
             <a:r>
-              <a:rPr lang="ko-KR" altLang="en-US" smtClean="0"/>
+              <a:rPr lang="ko-KR" altLang="en-US"/>
               <a:t>둘째 수준</a:t>
             </a:r>
           </a:p>
           <a:p>
             <a:pPr lvl="2"/>
             <a:r>
-              <a:rPr lang="ko-KR" altLang="en-US" smtClean="0"/>
+              <a:rPr lang="ko-KR" altLang="en-US"/>
               <a:t>셋째 수준</a:t>
             </a:r>
           </a:p>
           <a:p>
             <a:pPr lvl="3"/>
             <a:r>
-              <a:rPr lang="ko-KR" altLang="en-US" smtClean="0"/>
+              <a:rPr lang="ko-KR" altLang="en-US"/>
               <a:t>넷째 수준</a:t>
             </a:r>
           </a:p>
           <a:p>
             <a:pPr lvl="4"/>
             <a:r>
-              <a:rPr lang="ko-KR" altLang="en-US" smtClean="0"/>
+              <a:rPr lang="ko-KR" altLang="en-US"/>
               <a:t>다섯째 수준</a:t>
             </a:r>
-            <a:endParaRPr lang="ko-KR" altLang="en-US"/>
           </a:p>
         </p:txBody>
       </p:sp>
@@ -1646,7 +1648,7 @@
           <a:p>
             <a:pPr lvl="0"/>
             <a:r>
-              <a:rPr lang="ko-KR" altLang="en-US" smtClean="0"/>
+              <a:rPr lang="ko-KR" altLang="en-US"/>
               <a:t>마스터 텍스트 스타일을 편집합니다</a:t>
             </a:r>
           </a:p>
@@ -1702,38 +1704,37 @@
           <a:p>
             <a:pPr lvl="0"/>
             <a:r>
-              <a:rPr lang="ko-KR" altLang="en-US" smtClean="0"/>
+              <a:rPr lang="ko-KR" altLang="en-US"/>
               <a:t>마스터 텍스트 스타일을 편집합니다</a:t>
             </a:r>
           </a:p>
           <a:p>
             <a:pPr lvl="1"/>
             <a:r>
-              <a:rPr lang="ko-KR" altLang="en-US" smtClean="0"/>
+              <a:rPr lang="ko-KR" altLang="en-US"/>
               <a:t>둘째 수준</a:t>
             </a:r>
           </a:p>
           <a:p>
             <a:pPr lvl="2"/>
             <a:r>
-              <a:rPr lang="ko-KR" altLang="en-US" smtClean="0"/>
+              <a:rPr lang="ko-KR" altLang="en-US"/>
               <a:t>셋째 수준</a:t>
             </a:r>
           </a:p>
           <a:p>
             <a:pPr lvl="3"/>
             <a:r>
-              <a:rPr lang="ko-KR" altLang="en-US" smtClean="0"/>
+              <a:rPr lang="ko-KR" altLang="en-US"/>
               <a:t>넷째 수준</a:t>
             </a:r>
           </a:p>
           <a:p>
             <a:pPr lvl="4"/>
             <a:r>
-              <a:rPr lang="ko-KR" altLang="en-US" smtClean="0"/>
+              <a:rPr lang="ko-KR" altLang="en-US"/>
               <a:t>다섯째 수준</a:t>
             </a:r>
-            <a:endParaRPr lang="ko-KR" altLang="en-US"/>
           </a:p>
         </p:txBody>
       </p:sp>
@@ -1754,7 +1755,7 @@
           <a:p>
             <a:fld id="{FB30EDBD-1C2D-4C1E-B459-B60219FAB484}" type="datetimeFigureOut">
               <a:rPr lang="ko-KR" altLang="en-US" smtClean="0"/>
-              <a:t>2020-10-23</a:t>
+              <a:t>2020-10-31</a:t>
             </a:fld>
             <a:endParaRPr lang="ko-KR" altLang="en-US"/>
           </a:p>
@@ -1843,10 +1844,9 @@
           <a:lstStyle/>
           <a:p>
             <a:r>
-              <a:rPr lang="ko-KR" altLang="en-US" smtClean="0"/>
+              <a:rPr lang="ko-KR" altLang="en-US"/>
               <a:t>마스터 제목 스타일 편집</a:t>
             </a:r>
-            <a:endParaRPr lang="ko-KR" altLang="en-US"/>
           </a:p>
         </p:txBody>
       </p:sp>
@@ -1867,7 +1867,7 @@
           <a:p>
             <a:fld id="{FB30EDBD-1C2D-4C1E-B459-B60219FAB484}" type="datetimeFigureOut">
               <a:rPr lang="ko-KR" altLang="en-US" smtClean="0"/>
-              <a:t>2020-10-23</a:t>
+              <a:t>2020-10-31</a:t>
             </a:fld>
             <a:endParaRPr lang="ko-KR" altLang="en-US"/>
           </a:p>
@@ -1957,7 +1957,7 @@
           <a:p>
             <a:fld id="{FB30EDBD-1C2D-4C1E-B459-B60219FAB484}" type="datetimeFigureOut">
               <a:rPr lang="ko-KR" altLang="en-US" smtClean="0"/>
-              <a:t>2020-10-23</a:t>
+              <a:t>2020-10-31</a:t>
             </a:fld>
             <a:endParaRPr lang="ko-KR" altLang="en-US"/>
           </a:p>
@@ -2055,10 +2055,9 @@
           </a:lstStyle>
           <a:p>
             <a:r>
-              <a:rPr lang="ko-KR" altLang="en-US" smtClean="0"/>
+              <a:rPr lang="ko-KR" altLang="en-US"/>
               <a:t>마스터 제목 스타일 편집</a:t>
             </a:r>
-            <a:endParaRPr lang="ko-KR" altLang="en-US"/>
           </a:p>
         </p:txBody>
       </p:sp>
@@ -2112,38 +2111,37 @@
           <a:p>
             <a:pPr lvl="0"/>
             <a:r>
-              <a:rPr lang="ko-KR" altLang="en-US" smtClean="0"/>
+              <a:rPr lang="ko-KR" altLang="en-US"/>
               <a:t>마스터 텍스트 스타일을 편집합니다</a:t>
             </a:r>
           </a:p>
           <a:p>
             <a:pPr lvl="1"/>
             <a:r>
-              <a:rPr lang="ko-KR" altLang="en-US" smtClean="0"/>
+              <a:rPr lang="ko-KR" altLang="en-US"/>
               <a:t>둘째 수준</a:t>
             </a:r>
           </a:p>
           <a:p>
             <a:pPr lvl="2"/>
             <a:r>
-              <a:rPr lang="ko-KR" altLang="en-US" smtClean="0"/>
+              <a:rPr lang="ko-KR" altLang="en-US"/>
               <a:t>셋째 수준</a:t>
             </a:r>
           </a:p>
           <a:p>
             <a:pPr lvl="3"/>
             <a:r>
-              <a:rPr lang="ko-KR" altLang="en-US" smtClean="0"/>
+              <a:rPr lang="ko-KR" altLang="en-US"/>
               <a:t>넷째 수준</a:t>
             </a:r>
           </a:p>
           <a:p>
             <a:pPr lvl="4"/>
             <a:r>
-              <a:rPr lang="ko-KR" altLang="en-US" smtClean="0"/>
+              <a:rPr lang="ko-KR" altLang="en-US"/>
               <a:t>다섯째 수준</a:t>
             </a:r>
-            <a:endParaRPr lang="ko-KR" altLang="en-US"/>
           </a:p>
         </p:txBody>
       </p:sp>
@@ -2206,7 +2204,7 @@
           <a:p>
             <a:pPr lvl="0"/>
             <a:r>
-              <a:rPr lang="ko-KR" altLang="en-US" smtClean="0"/>
+              <a:rPr lang="ko-KR" altLang="en-US"/>
               <a:t>마스터 텍스트 스타일을 편집합니다</a:t>
             </a:r>
           </a:p>
@@ -2229,7 +2227,7 @@
           <a:p>
             <a:fld id="{FB30EDBD-1C2D-4C1E-B459-B60219FAB484}" type="datetimeFigureOut">
               <a:rPr lang="ko-KR" altLang="en-US" smtClean="0"/>
-              <a:t>2020-10-23</a:t>
+              <a:t>2020-10-31</a:t>
             </a:fld>
             <a:endParaRPr lang="ko-KR" altLang="en-US"/>
           </a:p>
@@ -2327,10 +2325,9 @@
           </a:lstStyle>
           <a:p>
             <a:r>
-              <a:rPr lang="ko-KR" altLang="en-US" smtClean="0"/>
+              <a:rPr lang="ko-KR" altLang="en-US"/>
               <a:t>마스터 제목 스타일 편집</a:t>
             </a:r>
-            <a:endParaRPr lang="ko-KR" altLang="en-US"/>
           </a:p>
         </p:txBody>
       </p:sp>
@@ -2454,7 +2451,7 @@
           <a:p>
             <a:pPr lvl="0"/>
             <a:r>
-              <a:rPr lang="ko-KR" altLang="en-US" smtClean="0"/>
+              <a:rPr lang="ko-KR" altLang="en-US"/>
               <a:t>마스터 텍스트 스타일을 편집합니다</a:t>
             </a:r>
           </a:p>
@@ -2477,7 +2474,7 @@
           <a:p>
             <a:fld id="{FB30EDBD-1C2D-4C1E-B459-B60219FAB484}" type="datetimeFigureOut">
               <a:rPr lang="ko-KR" altLang="en-US" smtClean="0"/>
-              <a:t>2020-10-23</a:t>
+              <a:t>2020-10-31</a:t>
             </a:fld>
             <a:endParaRPr lang="ko-KR" altLang="en-US"/>
           </a:p>
@@ -2581,10 +2578,9 @@
           <a:lstStyle/>
           <a:p>
             <a:r>
-              <a:rPr lang="ko-KR" altLang="en-US" smtClean="0"/>
+              <a:rPr lang="ko-KR" altLang="en-US"/>
               <a:t>마스터 제목 스타일 편집</a:t>
             </a:r>
-            <a:endParaRPr lang="ko-KR" altLang="en-US"/>
           </a:p>
         </p:txBody>
       </p:sp>
@@ -2615,38 +2611,37 @@
           <a:p>
             <a:pPr lvl="0"/>
             <a:r>
-              <a:rPr lang="ko-KR" altLang="en-US" smtClean="0"/>
+              <a:rPr lang="ko-KR" altLang="en-US"/>
               <a:t>마스터 텍스트 스타일을 편집합니다</a:t>
             </a:r>
           </a:p>
           <a:p>
             <a:pPr lvl="1"/>
             <a:r>
-              <a:rPr lang="ko-KR" altLang="en-US" smtClean="0"/>
+              <a:rPr lang="ko-KR" altLang="en-US"/>
               <a:t>둘째 수준</a:t>
             </a:r>
           </a:p>
           <a:p>
             <a:pPr lvl="2"/>
             <a:r>
-              <a:rPr lang="ko-KR" altLang="en-US" smtClean="0"/>
+              <a:rPr lang="ko-KR" altLang="en-US"/>
               <a:t>셋째 수준</a:t>
             </a:r>
           </a:p>
           <a:p>
             <a:pPr lvl="3"/>
             <a:r>
-              <a:rPr lang="ko-KR" altLang="en-US" smtClean="0"/>
+              <a:rPr lang="ko-KR" altLang="en-US"/>
               <a:t>넷째 수준</a:t>
             </a:r>
           </a:p>
           <a:p>
             <a:pPr lvl="4"/>
             <a:r>
-              <a:rPr lang="ko-KR" altLang="en-US" smtClean="0"/>
+              <a:rPr lang="ko-KR" altLang="en-US"/>
               <a:t>다섯째 수준</a:t>
             </a:r>
-            <a:endParaRPr lang="ko-KR" altLang="en-US"/>
           </a:p>
         </p:txBody>
       </p:sp>
@@ -2685,7 +2680,7 @@
           <a:p>
             <a:fld id="{FB30EDBD-1C2D-4C1E-B459-B60219FAB484}" type="datetimeFigureOut">
               <a:rPr lang="ko-KR" altLang="en-US" smtClean="0"/>
-              <a:t>2020-10-23</a:t>
+              <a:t>2020-10-31</a:t>
             </a:fld>
             <a:endParaRPr lang="ko-KR" altLang="en-US"/>
           </a:p>
@@ -3081,7 +3076,7 @@
           <a:lstStyle/>
           <a:p>
             <a:r>
-              <a:rPr lang="en-US" altLang="ko-KR" sz="2800" dirty="0" smtClean="0">
+              <a:rPr lang="en-US" altLang="ko-KR" sz="2800" dirty="0">
                 <a:solidFill>
                   <a:schemeClr val="bg1"/>
                 </a:solidFill>
@@ -3090,37 +3085,96 @@
               </a:rPr>
               <a:t>Python Language basic course</a:t>
             </a:r>
-            <a:r>
-              <a:rPr lang="en-US" altLang="ko-KR" sz="2800" dirty="0" smtClean="0">
+            <a:br>
+              <a:rPr lang="en-US" altLang="ko-KR" sz="2800" dirty="0">
                 <a:solidFill>
                   <a:schemeClr val="accent5"/>
                 </a:solidFill>
                 <a:latin typeface="배달의민족 주아" pitchFamily="18" charset="-127"/>
                 <a:ea typeface="배달의민족 주아" pitchFamily="18" charset="-127"/>
               </a:rPr>
-              <a:t/>
-            </a:r>
+            </a:br>
             <a:br>
-              <a:rPr lang="en-US" altLang="ko-KR" sz="2800" dirty="0" smtClean="0">
-                <a:solidFill>
-                  <a:schemeClr val="accent5"/>
+              <a:rPr lang="en-US" altLang="ko-KR" dirty="0">
+                <a:solidFill>
+                  <a:schemeClr val="bg1"/>
                 </a:solidFill>
                 <a:latin typeface="배달의민족 주아" pitchFamily="18" charset="-127"/>
                 <a:ea typeface="배달의민족 주아" pitchFamily="18" charset="-127"/>
               </a:rPr>
             </a:br>
             <a:r>
-              <a:rPr lang="en-US" altLang="ko-KR" dirty="0" smtClean="0">
+              <a:rPr lang="en-US" altLang="ko-KR" dirty="0">
                 <a:solidFill>
                   <a:schemeClr val="bg1"/>
                 </a:solidFill>
                 <a:latin typeface="배달의민족 주아" pitchFamily="18" charset="-127"/>
                 <a:ea typeface="배달의민족 주아" pitchFamily="18" charset="-127"/>
               </a:rPr>
-              <a:t/>
+              <a:t>     </a:t>
+            </a:r>
+            <a:r>
+              <a:rPr lang="ko-KR" altLang="en-US" dirty="0" err="1">
+                <a:solidFill>
+                  <a:schemeClr val="bg1"/>
+                </a:solidFill>
+                <a:latin typeface="배달의민족 주아" pitchFamily="18" charset="-127"/>
+                <a:ea typeface="배달의민족 주아" pitchFamily="18" charset="-127"/>
+              </a:rPr>
+              <a:t>스타트코딩</a:t>
+            </a:r>
+            <a:r>
+              <a:rPr lang="ko-KR" altLang="en-US" dirty="0">
+                <a:solidFill>
+                  <a:schemeClr val="bg1"/>
+                </a:solidFill>
+                <a:latin typeface="배달의민족 주아" pitchFamily="18" charset="-127"/>
+                <a:ea typeface="배달의민족 주아" pitchFamily="18" charset="-127"/>
+              </a:rPr>
+              <a:t> </a:t>
+            </a:r>
+            <a:r>
+              <a:rPr lang="ko-KR" altLang="en-US" dirty="0" err="1">
+                <a:solidFill>
+                  <a:schemeClr val="bg1"/>
+                </a:solidFill>
+                <a:latin typeface="배달의민족 주아" pitchFamily="18" charset="-127"/>
+                <a:ea typeface="배달의민족 주아" pitchFamily="18" charset="-127"/>
+              </a:rPr>
+              <a:t>파이썬</a:t>
+            </a:r>
+            <a:r>
+              <a:rPr lang="ko-KR" altLang="en-US" dirty="0">
+                <a:solidFill>
+                  <a:schemeClr val="bg1"/>
+                </a:solidFill>
+                <a:latin typeface="배달의민족 주아" pitchFamily="18" charset="-127"/>
+                <a:ea typeface="배달의민족 주아" pitchFamily="18" charset="-127"/>
+              </a:rPr>
+              <a:t> 입문 </a:t>
+            </a:r>
+            <a:r>
+              <a:rPr lang="en-US" altLang="ko-KR" dirty="0">
+                <a:solidFill>
+                  <a:schemeClr val="bg1"/>
+                </a:solidFill>
+                <a:latin typeface="배달의민족 주아" pitchFamily="18" charset="-127"/>
+                <a:ea typeface="배달의민족 주아" pitchFamily="18" charset="-127"/>
+              </a:rPr>
+              <a:t>2</a:t>
+            </a:r>
+            <a:r>
+              <a:rPr lang="ko-KR" altLang="en-US" dirty="0">
+                <a:solidFill>
+                  <a:schemeClr val="bg1"/>
+                </a:solidFill>
+                <a:latin typeface="배달의민족 주아" pitchFamily="18" charset="-127"/>
+                <a:ea typeface="배달의민족 주아" pitchFamily="18" charset="-127"/>
+              </a:rPr>
+              <a:t>강</a:t>
             </a:r>
             <a:br>
-              <a:rPr lang="en-US" altLang="ko-KR" dirty="0" smtClean="0">
+              <a:rPr lang="en-US" altLang="ko-KR" dirty="0">
                 <a:solidFill>
                   <a:schemeClr val="bg1"/>
                 </a:solidFill>
@@ -3129,96 +3183,7 @@
               </a:rPr>
             </a:br>
             <a:r>
-              <a:rPr lang="en-US" altLang="ko-KR" dirty="0" smtClean="0">
-                <a:solidFill>
-                  <a:schemeClr val="bg1"/>
-                </a:solidFill>
-                <a:latin typeface="배달의민족 주아" pitchFamily="18" charset="-127"/>
-                <a:ea typeface="배달의민족 주아" pitchFamily="18" charset="-127"/>
-              </a:rPr>
-              <a:t>     </a:t>
-            </a:r>
-            <a:r>
-              <a:rPr lang="ko-KR" altLang="en-US" dirty="0" err="1" smtClean="0">
-                <a:solidFill>
-                  <a:schemeClr val="bg1"/>
-                </a:solidFill>
-                <a:latin typeface="배달의민족 주아" pitchFamily="18" charset="-127"/>
-                <a:ea typeface="배달의민족 주아" pitchFamily="18" charset="-127"/>
-              </a:rPr>
-              <a:t>스타트코딩</a:t>
-            </a:r>
-            <a:r>
-              <a:rPr lang="ko-KR" altLang="en-US" dirty="0" smtClean="0">
-                <a:solidFill>
-                  <a:schemeClr val="bg1"/>
-                </a:solidFill>
-                <a:latin typeface="배달의민족 주아" pitchFamily="18" charset="-127"/>
-                <a:ea typeface="배달의민족 주아" pitchFamily="18" charset="-127"/>
-              </a:rPr>
-              <a:t> </a:t>
-            </a:r>
-            <a:r>
-              <a:rPr lang="ko-KR" altLang="en-US" dirty="0" err="1" smtClean="0">
-                <a:solidFill>
-                  <a:schemeClr val="bg1"/>
-                </a:solidFill>
-                <a:latin typeface="배달의민족 주아" pitchFamily="18" charset="-127"/>
-                <a:ea typeface="배달의민족 주아" pitchFamily="18" charset="-127"/>
-              </a:rPr>
-              <a:t>파이썬</a:t>
-            </a:r>
-            <a:r>
-              <a:rPr lang="ko-KR" altLang="en-US" dirty="0" smtClean="0">
-                <a:solidFill>
-                  <a:schemeClr val="bg1"/>
-                </a:solidFill>
-                <a:latin typeface="배달의민족 주아" pitchFamily="18" charset="-127"/>
-                <a:ea typeface="배달의민족 주아" pitchFamily="18" charset="-127"/>
-              </a:rPr>
-              <a:t> 입문 </a:t>
-            </a:r>
-            <a:r>
-              <a:rPr lang="en-US" altLang="ko-KR" dirty="0" smtClean="0">
-                <a:solidFill>
-                  <a:schemeClr val="bg1"/>
-                </a:solidFill>
-                <a:latin typeface="배달의민족 주아" pitchFamily="18" charset="-127"/>
-                <a:ea typeface="배달의민족 주아" pitchFamily="18" charset="-127"/>
-              </a:rPr>
-              <a:t>2</a:t>
-            </a:r>
-            <a:r>
-              <a:rPr lang="ko-KR" altLang="en-US" dirty="0" smtClean="0">
-                <a:solidFill>
-                  <a:schemeClr val="bg1"/>
-                </a:solidFill>
-                <a:latin typeface="배달의민족 주아" pitchFamily="18" charset="-127"/>
-                <a:ea typeface="배달의민족 주아" pitchFamily="18" charset="-127"/>
-              </a:rPr>
-              <a:t>강</a:t>
-            </a:r>
-            <a:r>
-              <a:rPr lang="en-US" altLang="ko-KR" dirty="0">
-                <a:solidFill>
-                  <a:schemeClr val="bg1"/>
-                </a:solidFill>
-                <a:latin typeface="배달의민족 주아" pitchFamily="18" charset="-127"/>
-                <a:ea typeface="배달의민족 주아" pitchFamily="18" charset="-127"/>
-              </a:rPr>
-              <a:t/>
-            </a:r>
-            <a:br>
-              <a:rPr lang="en-US" altLang="ko-KR" dirty="0">
-                <a:solidFill>
-                  <a:schemeClr val="bg1"/>
-                </a:solidFill>
-                <a:latin typeface="배달의민족 주아" pitchFamily="18" charset="-127"/>
-                <a:ea typeface="배달의민족 주아" pitchFamily="18" charset="-127"/>
-              </a:rPr>
-            </a:br>
-            <a:r>
-              <a:rPr lang="ko-KR" altLang="en-US" dirty="0" err="1" smtClean="0">
+              <a:rPr lang="ko-KR" altLang="en-US" dirty="0" err="1">
                 <a:solidFill>
                   <a:srgbClr val="FDE035"/>
                 </a:solidFill>
@@ -3228,7 +3193,7 @@
               <a:t>자료형과</a:t>
             </a:r>
             <a:r>
-              <a:rPr lang="ko-KR" altLang="en-US" dirty="0" smtClean="0">
+              <a:rPr lang="ko-KR" altLang="en-US" dirty="0">
                 <a:solidFill>
                   <a:srgbClr val="FDE035"/>
                 </a:solidFill>
@@ -3237,85 +3202,6 @@
               </a:rPr>
               <a:t> 변수</a:t>
             </a:r>
-            <a:endParaRPr lang="ko-KR" altLang="en-US" dirty="0">
-              <a:solidFill>
-                <a:srgbClr val="FDE035"/>
-              </a:solidFill>
-              <a:latin typeface="배달의민족 주아" pitchFamily="18" charset="-127"/>
-              <a:ea typeface="배달의민족 주아" pitchFamily="18" charset="-127"/>
-            </a:endParaRPr>
-          </a:p>
-        </p:txBody>
-      </p:sp>
-      <p:sp>
-        <p:nvSpPr>
-          <p:cNvPr id="3" name="TextBox 2"/>
-          <p:cNvSpPr txBox="1"/>
-          <p:nvPr/>
-        </p:nvSpPr>
-        <p:spPr>
-          <a:xfrm>
-            <a:off x="6588224" y="6165304"/>
-            <a:ext cx="1838965" cy="369332"/>
-          </a:xfrm>
-          <a:prstGeom prst="rect">
-            <a:avLst/>
-          </a:prstGeom>
-          <a:noFill/>
-        </p:spPr>
-        <p:txBody>
-          <a:bodyPr wrap="none" rtlCol="0">
-            <a:spAutoFit/>
-          </a:bodyPr>
-          <a:lstStyle/>
-          <a:p>
-            <a:r>
-              <a:rPr lang="en-US" altLang="ko-KR" dirty="0" smtClean="0">
-                <a:solidFill>
-                  <a:srgbClr val="FDE035"/>
-                </a:solidFill>
-                <a:latin typeface="배달의민족 도현" pitchFamily="50" charset="-127"/>
-                <a:ea typeface="배달의민족 도현" pitchFamily="50" charset="-127"/>
-              </a:rPr>
-              <a:t>S</a:t>
-            </a:r>
-            <a:r>
-              <a:rPr lang="en-US" altLang="ko-KR" dirty="0" smtClean="0">
-                <a:solidFill>
-                  <a:schemeClr val="bg1"/>
-                </a:solidFill>
-                <a:latin typeface="배달의민족 도현" pitchFamily="50" charset="-127"/>
-                <a:ea typeface="배달의민족 도현" pitchFamily="50" charset="-127"/>
-              </a:rPr>
-              <a:t>TART</a:t>
-            </a:r>
-            <a:r>
-              <a:rPr lang="en-US" altLang="ko-KR" dirty="0" smtClean="0">
-                <a:solidFill>
-                  <a:srgbClr val="FDE035"/>
-                </a:solidFill>
-                <a:latin typeface="배달의민족 도현" pitchFamily="50" charset="-127"/>
-                <a:ea typeface="배달의민족 도현" pitchFamily="50" charset="-127"/>
-              </a:rPr>
-              <a:t>C</a:t>
-            </a:r>
-            <a:r>
-              <a:rPr lang="en-US" altLang="ko-KR" dirty="0" smtClean="0">
-                <a:solidFill>
-                  <a:schemeClr val="bg1"/>
-                </a:solidFill>
-                <a:latin typeface="배달의민족 도현" pitchFamily="50" charset="-127"/>
-                <a:ea typeface="배달의민족 도현" pitchFamily="50" charset="-127"/>
-              </a:rPr>
-              <a:t>ODING</a:t>
-            </a:r>
-            <a:endParaRPr lang="ko-KR" altLang="en-US" dirty="0">
-              <a:solidFill>
-                <a:schemeClr val="bg1"/>
-              </a:solidFill>
-              <a:latin typeface="배달의민족 도현" pitchFamily="50" charset="-127"/>
-              <a:ea typeface="배달의민족 도현" pitchFamily="50" charset="-127"/>
-            </a:endParaRPr>
           </a:p>
         </p:txBody>
       </p:sp>
@@ -3360,6 +3246,94 @@
           </a:extLst>
         </p:spPr>
       </p:pic>
+      <p:sp>
+        <p:nvSpPr>
+          <p:cNvPr id="5" name="TextBox 4">
+            <a:extLst>
+              <a:ext uri="{FF2B5EF4-FFF2-40B4-BE49-F238E27FC236}">
+                <a16:creationId xmlns:a16="http://schemas.microsoft.com/office/drawing/2014/main" id="{771D8D06-17E1-4276-9111-340C9F7062EB}"/>
+              </a:ext>
+            </a:extLst>
+          </p:cNvPr>
+          <p:cNvSpPr txBox="1"/>
+          <p:nvPr/>
+        </p:nvSpPr>
+        <p:spPr>
+          <a:xfrm>
+            <a:off x="1867391" y="6186790"/>
+            <a:ext cx="5440913" cy="338554"/>
+          </a:xfrm>
+          <a:prstGeom prst="rect">
+            <a:avLst/>
+          </a:prstGeom>
+          <a:noFill/>
+        </p:spPr>
+        <p:txBody>
+          <a:bodyPr wrap="none" rtlCol="0">
+            <a:spAutoFit/>
+          </a:bodyPr>
+          <a:lstStyle/>
+          <a:p>
+            <a:r>
+              <a:rPr lang="en-US" altLang="ko-KR" sz="1600" dirty="0">
+                <a:solidFill>
+                  <a:schemeClr val="bg1"/>
+                </a:solidFill>
+                <a:latin typeface="배달의민족 도현" pitchFamily="50" charset="-127"/>
+                <a:ea typeface="배달의민족 도현" pitchFamily="50" charset="-127"/>
+              </a:rPr>
+              <a:t>Copyright 2020. </a:t>
+            </a:r>
+            <a:r>
+              <a:rPr lang="en-US" altLang="ko-KR" sz="1600" dirty="0">
+                <a:solidFill>
+                  <a:srgbClr val="FDE035"/>
+                </a:solidFill>
+                <a:latin typeface="배달의민족 도현" pitchFamily="50" charset="-127"/>
+                <a:ea typeface="배달의민족 도현" pitchFamily="50" charset="-127"/>
+              </a:rPr>
+              <a:t>S</a:t>
+            </a:r>
+            <a:r>
+              <a:rPr lang="en-US" altLang="ko-KR" sz="1600" dirty="0">
+                <a:solidFill>
+                  <a:schemeClr val="bg1"/>
+                </a:solidFill>
+                <a:latin typeface="배달의민족 도현" pitchFamily="50" charset="-127"/>
+                <a:ea typeface="배달의민족 도현" pitchFamily="50" charset="-127"/>
+              </a:rPr>
+              <a:t>TART</a:t>
+            </a:r>
+            <a:r>
+              <a:rPr lang="en-US" altLang="ko-KR" sz="1600" dirty="0">
+                <a:solidFill>
+                  <a:srgbClr val="FDE035"/>
+                </a:solidFill>
+                <a:latin typeface="배달의민족 도현" pitchFamily="50" charset="-127"/>
+                <a:ea typeface="배달의민족 도현" pitchFamily="50" charset="-127"/>
+              </a:rPr>
+              <a:t>C</a:t>
+            </a:r>
+            <a:r>
+              <a:rPr lang="en-US" altLang="ko-KR" sz="1600" dirty="0">
+                <a:solidFill>
+                  <a:schemeClr val="bg1"/>
+                </a:solidFill>
+                <a:latin typeface="배달의민족 도현" pitchFamily="50" charset="-127"/>
+                <a:ea typeface="배달의민족 도현" pitchFamily="50" charset="-127"/>
+              </a:rPr>
+              <a:t>ODING All rights Reserved</a:t>
+            </a:r>
+            <a:endParaRPr lang="ko-KR" altLang="en-US" sz="1600" dirty="0">
+              <a:solidFill>
+                <a:schemeClr val="bg1"/>
+              </a:solidFill>
+              <a:latin typeface="배달의민족 도현" pitchFamily="50" charset="-127"/>
+              <a:ea typeface="배달의민족 도현" pitchFamily="50" charset="-127"/>
+            </a:endParaRPr>
+          </a:p>
+        </p:txBody>
+      </p:sp>
     </p:spTree>
     <p:extLst>
       <p:ext uri="{BB962C8B-B14F-4D97-AF65-F5344CB8AC3E}">
@@ -3370,13 +3344,6 @@
   <p:clrMapOvr>
     <a:masterClrMapping/>
   </p:clrMapOvr>
-  <p:timing>
-    <p:tnLst>
-      <p:par>
-        <p:cTn id="1" dur="indefinite" restart="never" nodeType="tmRoot"/>
-      </p:par>
-    </p:tnLst>
-  </p:timing>
 </p:sld>
 </file>
 
@@ -3418,16 +3385,12 @@
           <a:lstStyle/>
           <a:p>
             <a:r>
-              <a:rPr lang="ko-KR" altLang="en-US" dirty="0" smtClean="0">
+              <a:rPr lang="ko-KR" altLang="en-US" dirty="0">
                 <a:latin typeface="배달의민족 주아" pitchFamily="18" charset="-127"/>
                 <a:ea typeface="배달의민족 주아" pitchFamily="18" charset="-127"/>
               </a:rPr>
               <a:t>변수이름 짓는 규칙</a:t>
             </a:r>
-            <a:endParaRPr lang="ko-KR" altLang="en-US" dirty="0">
-              <a:latin typeface="배달의민족 주아" pitchFamily="18" charset="-127"/>
-              <a:ea typeface="배달의민족 주아" pitchFamily="18" charset="-127"/>
-            </a:endParaRPr>
           </a:p>
         </p:txBody>
       </p:sp>
@@ -3454,7 +3417,7 @@
           <a:lstStyle/>
           <a:p>
             <a:r>
-              <a:rPr lang="en-US" altLang="ko-KR" dirty="0" smtClean="0">
+              <a:rPr lang="en-US" altLang="ko-KR" dirty="0">
                 <a:solidFill>
                   <a:schemeClr val="accent5"/>
                 </a:solidFill>
@@ -3464,14 +3427,14 @@
               <a:t>S</a:t>
             </a:r>
             <a:r>
-              <a:rPr lang="en-US" altLang="ko-KR" dirty="0" smtClean="0">
+              <a:rPr lang="en-US" altLang="ko-KR" dirty="0">
                 <a:latin typeface="배달의민족 도현" pitchFamily="50" charset="-127"/>
                 <a:ea typeface="배달의민족 도현" pitchFamily="50" charset="-127"/>
               </a:rPr>
               <a:t>TART</a:t>
             </a:r>
             <a:r>
-              <a:rPr lang="en-US" altLang="ko-KR" dirty="0" smtClean="0">
+              <a:rPr lang="en-US" altLang="ko-KR" dirty="0">
                 <a:solidFill>
                   <a:schemeClr val="accent5"/>
                 </a:solidFill>
@@ -3481,7 +3444,7 @@
               <a:t>C</a:t>
             </a:r>
             <a:r>
-              <a:rPr lang="en-US" altLang="ko-KR" dirty="0" smtClean="0">
+              <a:rPr lang="en-US" altLang="ko-KR" dirty="0">
                 <a:latin typeface="배달의민족 도현" pitchFamily="50" charset="-127"/>
                 <a:ea typeface="배달의민족 도현" pitchFamily="50" charset="-127"/>
               </a:rPr>
@@ -3561,21 +3524,21 @@
           <a:lstStyle/>
           <a:p>
             <a:r>
-              <a:rPr lang="en-US" altLang="ko-KR" dirty="0" smtClean="0">
+              <a:rPr lang="en-US" altLang="ko-KR" dirty="0">
                 <a:latin typeface="배달의민족 주아" pitchFamily="18" charset="-127"/>
                 <a:ea typeface="배달의민족 주아" pitchFamily="18" charset="-127"/>
               </a:rPr>
               <a:t>3. </a:t>
             </a:r>
             <a:r>
-              <a:rPr lang="ko-KR" altLang="en-US" dirty="0" smtClean="0">
+              <a:rPr lang="ko-KR" altLang="en-US" dirty="0">
                 <a:latin typeface="배달의민족 주아" pitchFamily="18" charset="-127"/>
                 <a:ea typeface="배달의민족 주아" pitchFamily="18" charset="-127"/>
               </a:rPr>
               <a:t>변수</a:t>
             </a:r>
             <a:r>
-              <a:rPr lang="en-US" altLang="ko-KR" dirty="0" smtClean="0">
+              <a:rPr lang="en-US" altLang="ko-KR" dirty="0">
                 <a:latin typeface="배달의민족 주아" pitchFamily="18" charset="-127"/>
                 <a:ea typeface="배달의민족 주아" pitchFamily="18" charset="-127"/>
               </a:rPr>
@@ -3624,23 +3587,19 @@
           </a:lstStyle>
           <a:p>
             <a:r>
-              <a:rPr lang="en-US" altLang="ko-KR" sz="2800" dirty="0" smtClean="0">
+              <a:rPr lang="en-US" altLang="ko-KR" sz="2800" dirty="0">
                 <a:latin typeface="배달의민족 주아" pitchFamily="18" charset="-127"/>
                 <a:ea typeface="배달의민족 주아" pitchFamily="18" charset="-127"/>
               </a:rPr>
               <a:t>1. </a:t>
             </a:r>
             <a:r>
-              <a:rPr lang="ko-KR" altLang="en-US" sz="2800" dirty="0" smtClean="0">
+              <a:rPr lang="ko-KR" altLang="en-US" sz="2800" dirty="0">
                 <a:latin typeface="배달의민족 주아" pitchFamily="18" charset="-127"/>
                 <a:ea typeface="배달의민족 주아" pitchFamily="18" charset="-127"/>
               </a:rPr>
               <a:t>저장한 값을 잘 설명할 수 있는 것으로 짓자</a:t>
             </a:r>
-            <a:endParaRPr lang="ko-KR" altLang="en-US" sz="2800" dirty="0">
-              <a:latin typeface="배달의민족 주아" pitchFamily="18" charset="-127"/>
-              <a:ea typeface="배달의민족 주아" pitchFamily="18" charset="-127"/>
-            </a:endParaRPr>
           </a:p>
         </p:txBody>
       </p:sp>
@@ -3683,42 +3642,42 @@
           </a:lstStyle>
           <a:p>
             <a:r>
-              <a:rPr lang="en-US" altLang="ko-KR" sz="2800" dirty="0" smtClean="0">
+              <a:rPr lang="en-US" altLang="ko-KR" sz="2800" dirty="0">
                 <a:latin typeface="배달의민족 주아" pitchFamily="18" charset="-127"/>
                 <a:ea typeface="배달의민족 주아" pitchFamily="18" charset="-127"/>
               </a:rPr>
               <a:t>2. </a:t>
             </a:r>
             <a:r>
-              <a:rPr lang="ko-KR" altLang="en-US" sz="2800" dirty="0" smtClean="0">
+              <a:rPr lang="ko-KR" altLang="en-US" sz="2800" dirty="0">
                 <a:latin typeface="배달의민족 주아" pitchFamily="18" charset="-127"/>
                 <a:ea typeface="배달의민족 주아" pitchFamily="18" charset="-127"/>
               </a:rPr>
               <a:t>문자와 숫자 </a:t>
             </a:r>
             <a:r>
-              <a:rPr lang="en-US" altLang="ko-KR" sz="2800" dirty="0" smtClean="0">
+              <a:rPr lang="en-US" altLang="ko-KR" sz="2800" dirty="0">
                 <a:latin typeface="배달의민족 주아" pitchFamily="18" charset="-127"/>
                 <a:ea typeface="배달의민족 주아" pitchFamily="18" charset="-127"/>
               </a:rPr>
               <a:t>_(</a:t>
             </a:r>
             <a:r>
-              <a:rPr lang="ko-KR" altLang="en-US" sz="2800" dirty="0" err="1" smtClean="0">
+              <a:rPr lang="ko-KR" altLang="en-US" sz="2800" dirty="0" err="1">
                 <a:latin typeface="배달의민족 주아" pitchFamily="18" charset="-127"/>
                 <a:ea typeface="배달의민족 주아" pitchFamily="18" charset="-127"/>
               </a:rPr>
               <a:t>언더스코어</a:t>
             </a:r>
             <a:r>
-              <a:rPr lang="en-US" altLang="ko-KR" sz="2800" dirty="0" smtClean="0">
+              <a:rPr lang="en-US" altLang="ko-KR" sz="2800" dirty="0">
                 <a:latin typeface="배달의민족 주아" pitchFamily="18" charset="-127"/>
                 <a:ea typeface="배달의민족 주아" pitchFamily="18" charset="-127"/>
               </a:rPr>
               <a:t>)</a:t>
             </a:r>
             <a:r>
-              <a:rPr lang="ko-KR" altLang="en-US" sz="2800" dirty="0" smtClean="0">
+              <a:rPr lang="ko-KR" altLang="en-US" sz="2800" dirty="0">
                 <a:latin typeface="배달의민족 주아" pitchFamily="18" charset="-127"/>
                 <a:ea typeface="배달의민족 주아" pitchFamily="18" charset="-127"/>
               </a:rPr>
@@ -3777,17 +3736,10 @@
                 <a:latin typeface="배달의민족 주아" pitchFamily="18" charset="-127"/>
                 <a:ea typeface="배달의민족 주아" pitchFamily="18" charset="-127"/>
               </a:rPr>
-              <a:t>3</a:t>
-            </a:r>
-            <a:r>
-              <a:rPr lang="en-US" altLang="ko-KR" sz="2800" dirty="0" smtClean="0">
-                <a:latin typeface="배달의민족 주아" pitchFamily="18" charset="-127"/>
-                <a:ea typeface="배달의민족 주아" pitchFamily="18" charset="-127"/>
-              </a:rPr>
-              <a:t>. </a:t>
-            </a:r>
-            <a:r>
-              <a:rPr lang="ko-KR" altLang="en-US" sz="2800" dirty="0" smtClean="0">
+              <a:t>3. </a:t>
+            </a:r>
+            <a:r>
+              <a:rPr lang="ko-KR" altLang="en-US" sz="2800" dirty="0">
                 <a:latin typeface="배달의민족 주아" pitchFamily="18" charset="-127"/>
                 <a:ea typeface="배달의민족 주아" pitchFamily="18" charset="-127"/>
               </a:rPr>
@@ -3842,14 +3794,14 @@
           </a:lstStyle>
           <a:p>
             <a:r>
-              <a:rPr lang="en-US" altLang="ko-KR" sz="2800" dirty="0" smtClean="0">
+              <a:rPr lang="en-US" altLang="ko-KR" sz="2800" dirty="0">
                 <a:latin typeface="배달의민족 주아" pitchFamily="18" charset="-127"/>
                 <a:ea typeface="배달의민족 주아" pitchFamily="18" charset="-127"/>
               </a:rPr>
               <a:t>4. </a:t>
             </a:r>
             <a:r>
-              <a:rPr lang="ko-KR" altLang="en-US" sz="2800" dirty="0" smtClean="0">
+              <a:rPr lang="ko-KR" altLang="en-US" sz="2800" dirty="0">
                 <a:latin typeface="배달의민족 주아" pitchFamily="18" charset="-127"/>
                 <a:ea typeface="배달의민족 주아" pitchFamily="18" charset="-127"/>
               </a:rPr>
@@ -3908,17 +3860,10 @@
                 <a:latin typeface="배달의민족 주아" pitchFamily="18" charset="-127"/>
                 <a:ea typeface="배달의민족 주아" pitchFamily="18" charset="-127"/>
               </a:rPr>
-              <a:t>5</a:t>
-            </a:r>
-            <a:r>
-              <a:rPr lang="en-US" altLang="ko-KR" sz="2800" dirty="0" smtClean="0">
-                <a:latin typeface="배달의민족 주아" pitchFamily="18" charset="-127"/>
-                <a:ea typeface="배달의민족 주아" pitchFamily="18" charset="-127"/>
-              </a:rPr>
-              <a:t>. </a:t>
-            </a:r>
-            <a:r>
-              <a:rPr lang="ko-KR" altLang="en-US" sz="2800" dirty="0" smtClean="0">
+              <a:t>5. </a:t>
+            </a:r>
+            <a:r>
+              <a:rPr lang="ko-KR" altLang="en-US" sz="2800" dirty="0">
                 <a:latin typeface="배달의민족 주아" pitchFamily="18" charset="-127"/>
                 <a:ea typeface="배달의민족 주아" pitchFamily="18" charset="-127"/>
               </a:rPr>
@@ -3973,14 +3918,14 @@
           </a:lstStyle>
           <a:p>
             <a:r>
-              <a:rPr lang="en-US" altLang="ko-KR" sz="2800" dirty="0" smtClean="0">
+              <a:rPr lang="en-US" altLang="ko-KR" sz="2800" dirty="0">
                 <a:latin typeface="배달의민족 주아" pitchFamily="18" charset="-127"/>
                 <a:ea typeface="배달의민족 주아" pitchFamily="18" charset="-127"/>
               </a:rPr>
               <a:t>6. </a:t>
             </a:r>
             <a:r>
-              <a:rPr lang="ko-KR" altLang="en-US" sz="2800" dirty="0" smtClean="0">
+              <a:rPr lang="ko-KR" altLang="en-US" sz="2800" dirty="0">
                 <a:latin typeface="배달의민족 주아" pitchFamily="18" charset="-127"/>
                 <a:ea typeface="배달의민족 주아" pitchFamily="18" charset="-127"/>
               </a:rPr>
@@ -4462,28 +4407,28 @@
           <a:lstStyle/>
           <a:p>
             <a:r>
-              <a:rPr lang="ko-KR" altLang="en-US" dirty="0" smtClean="0">
+              <a:rPr lang="ko-KR" altLang="en-US" dirty="0">
                 <a:latin typeface="배달의민족 주아" pitchFamily="18" charset="-127"/>
                 <a:ea typeface="배달의민족 주아" pitchFamily="18" charset="-127"/>
               </a:rPr>
               <a:t>미리 예약된 이름</a:t>
             </a:r>
             <a:r>
-              <a:rPr lang="en-US" altLang="ko-KR" dirty="0" smtClean="0">
+              <a:rPr lang="en-US" altLang="ko-KR" dirty="0">
                 <a:latin typeface="배달의민족 주아" pitchFamily="18" charset="-127"/>
                 <a:ea typeface="배달의민족 주아" pitchFamily="18" charset="-127"/>
               </a:rPr>
               <a:t>(</a:t>
             </a:r>
             <a:r>
-              <a:rPr lang="ko-KR" altLang="en-US" dirty="0" smtClean="0">
+              <a:rPr lang="ko-KR" altLang="en-US" dirty="0">
                 <a:latin typeface="배달의민족 주아" pitchFamily="18" charset="-127"/>
                 <a:ea typeface="배달의민족 주아" pitchFamily="18" charset="-127"/>
               </a:rPr>
               <a:t>키워드</a:t>
             </a:r>
             <a:r>
-              <a:rPr lang="en-US" altLang="ko-KR" dirty="0" smtClean="0">
+              <a:rPr lang="en-US" altLang="ko-KR" dirty="0">
                 <a:latin typeface="배달의민족 주아" pitchFamily="18" charset="-127"/>
                 <a:ea typeface="배달의민족 주아" pitchFamily="18" charset="-127"/>
               </a:rPr>
@@ -4519,7 +4464,7 @@
           <a:lstStyle/>
           <a:p>
             <a:r>
-              <a:rPr lang="en-US" altLang="ko-KR" dirty="0" smtClean="0">
+              <a:rPr lang="en-US" altLang="ko-KR" dirty="0">
                 <a:solidFill>
                   <a:schemeClr val="accent5"/>
                 </a:solidFill>
@@ -4529,14 +4474,14 @@
               <a:t>S</a:t>
             </a:r>
             <a:r>
-              <a:rPr lang="en-US" altLang="ko-KR" dirty="0" smtClean="0">
+              <a:rPr lang="en-US" altLang="ko-KR" dirty="0">
                 <a:latin typeface="배달의민족 도현" pitchFamily="50" charset="-127"/>
                 <a:ea typeface="배달의민족 도현" pitchFamily="50" charset="-127"/>
               </a:rPr>
               <a:t>TART</a:t>
             </a:r>
             <a:r>
-              <a:rPr lang="en-US" altLang="ko-KR" dirty="0" smtClean="0">
+              <a:rPr lang="en-US" altLang="ko-KR" dirty="0">
                 <a:solidFill>
                   <a:schemeClr val="accent5"/>
                 </a:solidFill>
@@ -4546,7 +4491,7 @@
               <a:t>C</a:t>
             </a:r>
             <a:r>
-              <a:rPr lang="en-US" altLang="ko-KR" dirty="0" smtClean="0">
+              <a:rPr lang="en-US" altLang="ko-KR" dirty="0">
                 <a:latin typeface="배달의민족 도현" pitchFamily="50" charset="-127"/>
                 <a:ea typeface="배달의민족 도현" pitchFamily="50" charset="-127"/>
               </a:rPr>
@@ -4626,21 +4571,21 @@
           <a:lstStyle/>
           <a:p>
             <a:r>
-              <a:rPr lang="en-US" altLang="ko-KR" dirty="0" smtClean="0">
+              <a:rPr lang="en-US" altLang="ko-KR" dirty="0">
                 <a:latin typeface="배달의민족 주아" pitchFamily="18" charset="-127"/>
                 <a:ea typeface="배달의민족 주아" pitchFamily="18" charset="-127"/>
               </a:rPr>
               <a:t>3. </a:t>
             </a:r>
             <a:r>
-              <a:rPr lang="ko-KR" altLang="en-US" dirty="0" smtClean="0">
+              <a:rPr lang="ko-KR" altLang="en-US" dirty="0">
                 <a:latin typeface="배달의민족 주아" pitchFamily="18" charset="-127"/>
                 <a:ea typeface="배달의민족 주아" pitchFamily="18" charset="-127"/>
               </a:rPr>
               <a:t>변수</a:t>
             </a:r>
             <a:r>
-              <a:rPr lang="en-US" altLang="ko-KR" dirty="0" smtClean="0">
+              <a:rPr lang="en-US" altLang="ko-KR" dirty="0">
                 <a:latin typeface="배달의민족 주아" pitchFamily="18" charset="-127"/>
                 <a:ea typeface="배달의민족 주아" pitchFamily="18" charset="-127"/>
               </a:rPr>
@@ -4742,15 +4687,6 @@
             </a:r>
           </a:p>
           <a:p>
-            <a:r>
-              <a:rPr lang="en-US" altLang="ko-KR" dirty="0">
-                <a:solidFill>
-                  <a:srgbClr val="D4D4D4"/>
-                </a:solidFill>
-                <a:latin typeface="Consolas"/>
-              </a:rPr>
-              <a:t/>
-            </a:r>
             <a:br>
               <a:rPr lang="en-US" altLang="ko-KR" dirty="0">
                 <a:solidFill>
@@ -5066,7 +5002,7 @@
           <a:lstStyle/>
           <a:p>
             <a:r>
-              <a:rPr lang="ko-KR" altLang="en-US" smtClean="0">
+              <a:rPr lang="ko-KR" altLang="en-US">
                 <a:latin typeface="배달의민족 주아" pitchFamily="18" charset="-127"/>
                 <a:ea typeface="배달의민족 주아" pitchFamily="18" charset="-127"/>
               </a:rPr>
@@ -5102,7 +5038,7 @@
           <a:lstStyle/>
           <a:p>
             <a:r>
-              <a:rPr lang="en-US" altLang="ko-KR" dirty="0" smtClean="0">
+              <a:rPr lang="en-US" altLang="ko-KR" dirty="0">
                 <a:solidFill>
                   <a:schemeClr val="accent5"/>
                 </a:solidFill>
@@ -5112,14 +5048,14 @@
               <a:t>S</a:t>
             </a:r>
             <a:r>
-              <a:rPr lang="en-US" altLang="ko-KR" dirty="0" smtClean="0">
+              <a:rPr lang="en-US" altLang="ko-KR" dirty="0">
                 <a:latin typeface="배달의민족 도현" pitchFamily="50" charset="-127"/>
                 <a:ea typeface="배달의민족 도현" pitchFamily="50" charset="-127"/>
               </a:rPr>
               <a:t>TART</a:t>
             </a:r>
             <a:r>
-              <a:rPr lang="en-US" altLang="ko-KR" dirty="0" smtClean="0">
+              <a:rPr lang="en-US" altLang="ko-KR" dirty="0">
                 <a:solidFill>
                   <a:schemeClr val="accent5"/>
                 </a:solidFill>
@@ -5129,7 +5065,7 @@
               <a:t>C</a:t>
             </a:r>
             <a:r>
-              <a:rPr lang="en-US" altLang="ko-KR" dirty="0" smtClean="0">
+              <a:rPr lang="en-US" altLang="ko-KR" dirty="0">
                 <a:latin typeface="배달의민족 도현" pitchFamily="50" charset="-127"/>
                 <a:ea typeface="배달의민족 도현" pitchFamily="50" charset="-127"/>
               </a:rPr>
@@ -5209,21 +5145,21 @@
           <a:lstStyle/>
           <a:p>
             <a:r>
-              <a:rPr lang="en-US" altLang="ko-KR" dirty="0" smtClean="0">
+              <a:rPr lang="en-US" altLang="ko-KR" dirty="0">
                 <a:latin typeface="배달의민족 주아" pitchFamily="18" charset="-127"/>
                 <a:ea typeface="배달의민족 주아" pitchFamily="18" charset="-127"/>
               </a:rPr>
               <a:t>3. </a:t>
             </a:r>
             <a:r>
-              <a:rPr lang="ko-KR" altLang="en-US" dirty="0" smtClean="0">
+              <a:rPr lang="ko-KR" altLang="en-US" dirty="0">
                 <a:latin typeface="배달의민족 주아" pitchFamily="18" charset="-127"/>
                 <a:ea typeface="배달의민족 주아" pitchFamily="18" charset="-127"/>
               </a:rPr>
               <a:t>변수</a:t>
             </a:r>
             <a:r>
-              <a:rPr lang="en-US" altLang="ko-KR" dirty="0" smtClean="0">
+              <a:rPr lang="en-US" altLang="ko-KR" dirty="0">
                 <a:latin typeface="배달의민족 주아" pitchFamily="18" charset="-127"/>
                 <a:ea typeface="배달의민족 주아" pitchFamily="18" charset="-127"/>
               </a:rPr>
@@ -5454,16 +5390,7 @@
                 </a:solidFill>
                 <a:latin typeface="Consolas"/>
               </a:rPr>
-              <a:t>(x</a:t>
-            </a:r>
-            <a:r>
-              <a:rPr lang="en-US" altLang="ko-KR" dirty="0" smtClean="0">
-                <a:solidFill>
-                  <a:srgbClr val="D4D4D4"/>
-                </a:solidFill>
-                <a:latin typeface="Consolas"/>
-              </a:rPr>
-              <a:t>)</a:t>
+              <a:t>(x)</a:t>
             </a:r>
           </a:p>
           <a:p>
@@ -5517,16 +5444,7 @@
                 </a:solidFill>
                 <a:latin typeface="Consolas"/>
               </a:rPr>
-              <a:t>(x</a:t>
-            </a:r>
-            <a:r>
-              <a:rPr lang="en-US" altLang="ko-KR" dirty="0" smtClean="0">
-                <a:solidFill>
-                  <a:srgbClr val="D4D4D4"/>
-                </a:solidFill>
-                <a:latin typeface="Consolas"/>
-              </a:rPr>
-              <a:t>)</a:t>
+              <a:t>(x)</a:t>
             </a:r>
           </a:p>
           <a:p>
@@ -5580,16 +5498,7 @@
                 </a:solidFill>
                 <a:latin typeface="Consolas"/>
               </a:rPr>
-              <a:t>(x</a:t>
-            </a:r>
-            <a:r>
-              <a:rPr lang="en-US" altLang="ko-KR" dirty="0" smtClean="0">
-                <a:solidFill>
-                  <a:srgbClr val="D4D4D4"/>
-                </a:solidFill>
-                <a:latin typeface="Consolas"/>
-              </a:rPr>
-              <a:t>)</a:t>
+              <a:t>(x)</a:t>
             </a:r>
           </a:p>
           <a:p>
@@ -5860,19 +5769,8 @@
                 <a:latin typeface="배달의민족 주아" pitchFamily="18" charset="-127"/>
                 <a:ea typeface="배달의민족 주아" pitchFamily="18" charset="-127"/>
               </a:rPr>
-              <a:t>상</a:t>
-            </a:r>
-            <a:r>
-              <a:rPr lang="ko-KR" altLang="en-US" dirty="0" smtClean="0">
-                <a:latin typeface="배달의민족 주아" pitchFamily="18" charset="-127"/>
-                <a:ea typeface="배달의민족 주아" pitchFamily="18" charset="-127"/>
-              </a:rPr>
-              <a:t>수 이해하기</a:t>
-            </a:r>
-            <a:endParaRPr lang="ko-KR" altLang="en-US" dirty="0">
-              <a:latin typeface="배달의민족 주아" pitchFamily="18" charset="-127"/>
-              <a:ea typeface="배달의민족 주아" pitchFamily="18" charset="-127"/>
-            </a:endParaRPr>
+              <a:t>상수 이해하기</a:t>
+            </a:r>
           </a:p>
         </p:txBody>
       </p:sp>
@@ -5899,7 +5797,7 @@
           <a:lstStyle/>
           <a:p>
             <a:r>
-              <a:rPr lang="en-US" altLang="ko-KR" dirty="0" smtClean="0">
+              <a:rPr lang="en-US" altLang="ko-KR" dirty="0">
                 <a:solidFill>
                   <a:schemeClr val="accent5"/>
                 </a:solidFill>
@@ -5909,14 +5807,14 @@
               <a:t>S</a:t>
             </a:r>
             <a:r>
-              <a:rPr lang="en-US" altLang="ko-KR" dirty="0" smtClean="0">
+              <a:rPr lang="en-US" altLang="ko-KR" dirty="0">
                 <a:latin typeface="배달의민족 도현" pitchFamily="50" charset="-127"/>
                 <a:ea typeface="배달의민족 도현" pitchFamily="50" charset="-127"/>
               </a:rPr>
               <a:t>TART</a:t>
             </a:r>
             <a:r>
-              <a:rPr lang="en-US" altLang="ko-KR" dirty="0" smtClean="0">
+              <a:rPr lang="en-US" altLang="ko-KR" dirty="0">
                 <a:solidFill>
                   <a:schemeClr val="accent5"/>
                 </a:solidFill>
@@ -5926,7 +5824,7 @@
               <a:t>C</a:t>
             </a:r>
             <a:r>
-              <a:rPr lang="en-US" altLang="ko-KR" dirty="0" smtClean="0">
+              <a:rPr lang="en-US" altLang="ko-KR" dirty="0">
                 <a:latin typeface="배달의민족 도현" pitchFamily="50" charset="-127"/>
                 <a:ea typeface="배달의민족 도현" pitchFamily="50" charset="-127"/>
               </a:rPr>
@@ -6006,21 +5904,21 @@
           <a:lstStyle/>
           <a:p>
             <a:r>
-              <a:rPr lang="en-US" altLang="ko-KR" dirty="0" smtClean="0">
+              <a:rPr lang="en-US" altLang="ko-KR" dirty="0">
                 <a:latin typeface="배달의민족 주아" pitchFamily="18" charset="-127"/>
                 <a:ea typeface="배달의민족 주아" pitchFamily="18" charset="-127"/>
               </a:rPr>
               <a:t>3. </a:t>
             </a:r>
             <a:r>
-              <a:rPr lang="ko-KR" altLang="en-US" dirty="0" smtClean="0">
+              <a:rPr lang="ko-KR" altLang="en-US" dirty="0">
                 <a:latin typeface="배달의민족 주아" pitchFamily="18" charset="-127"/>
                 <a:ea typeface="배달의민족 주아" pitchFamily="18" charset="-127"/>
               </a:rPr>
               <a:t>변수</a:t>
             </a:r>
             <a:r>
-              <a:rPr lang="en-US" altLang="ko-KR" dirty="0" smtClean="0">
+              <a:rPr lang="en-US" altLang="ko-KR" dirty="0">
                 <a:latin typeface="배달의민족 주아" pitchFamily="18" charset="-127"/>
                 <a:ea typeface="배달의민족 주아" pitchFamily="18" charset="-127"/>
               </a:rPr>
@@ -6128,15 +6026,6 @@
             </a:endParaRPr>
           </a:p>
           <a:p>
-            <a:r>
-              <a:rPr lang="en-US" altLang="ko-KR" dirty="0">
-                <a:solidFill>
-                  <a:srgbClr val="D4D4D4"/>
-                </a:solidFill>
-                <a:latin typeface="Consolas"/>
-              </a:rPr>
-              <a:t/>
-            </a:r>
             <a:br>
               <a:rPr lang="en-US" altLang="ko-KR" dirty="0">
                 <a:solidFill>
@@ -6294,15 +6183,6 @@
             </a:r>
           </a:p>
           <a:p>
-            <a:r>
-              <a:rPr lang="en-US" altLang="ko-KR" dirty="0">
-                <a:solidFill>
-                  <a:srgbClr val="D4D4D4"/>
-                </a:solidFill>
-                <a:latin typeface="Consolas"/>
-              </a:rPr>
-              <a:t/>
-            </a:r>
             <a:br>
               <a:rPr lang="en-US" altLang="ko-KR" dirty="0">
                 <a:solidFill>
@@ -6507,7 +6387,7 @@
           </a:lstStyle>
           <a:p>
             <a:r>
-              <a:rPr lang="ko-KR" altLang="en-US" sz="3600" dirty="0" smtClean="0">
+              <a:rPr lang="ko-KR" altLang="en-US" sz="3600" dirty="0">
                 <a:solidFill>
                   <a:schemeClr val="accent5"/>
                 </a:solidFill>
@@ -6517,7 +6397,7 @@
               <a:t>변하지 않는 값</a:t>
             </a:r>
             <a:r>
-              <a:rPr lang="en-US" altLang="ko-KR" sz="3600" dirty="0" smtClean="0">
+              <a:rPr lang="en-US" altLang="ko-KR" sz="3600" dirty="0">
                 <a:solidFill>
                   <a:schemeClr val="accent5"/>
                 </a:solidFill>
@@ -6527,7 +6407,7 @@
               <a:t>(</a:t>
             </a:r>
             <a:r>
-              <a:rPr lang="ko-KR" altLang="en-US" sz="3600" dirty="0" smtClean="0">
+              <a:rPr lang="ko-KR" altLang="en-US" sz="3600" dirty="0">
                 <a:solidFill>
                   <a:schemeClr val="accent5"/>
                 </a:solidFill>
@@ -6537,7 +6417,7 @@
               <a:t>고정</a:t>
             </a:r>
             <a:r>
-              <a:rPr lang="en-US" altLang="ko-KR" sz="3600" dirty="0" smtClean="0">
+              <a:rPr lang="en-US" altLang="ko-KR" sz="3600" dirty="0">
                 <a:solidFill>
                   <a:schemeClr val="accent5"/>
                 </a:solidFill>
@@ -6811,7 +6691,7 @@
           <a:lstStyle/>
           <a:p>
             <a:r>
-              <a:rPr lang="ko-KR" altLang="en-US" dirty="0" err="1" smtClean="0">
+              <a:rPr lang="ko-KR" altLang="en-US" dirty="0" err="1">
                 <a:latin typeface="배달의민족 주아" pitchFamily="18" charset="-127"/>
                 <a:ea typeface="배달의민족 주아" pitchFamily="18" charset="-127"/>
               </a:rPr>
@@ -6847,7 +6727,7 @@
           <a:lstStyle/>
           <a:p>
             <a:r>
-              <a:rPr lang="en-US" altLang="ko-KR" dirty="0" smtClean="0">
+              <a:rPr lang="en-US" altLang="ko-KR" dirty="0">
                 <a:solidFill>
                   <a:schemeClr val="accent5"/>
                 </a:solidFill>
@@ -6857,14 +6737,14 @@
               <a:t>S</a:t>
             </a:r>
             <a:r>
-              <a:rPr lang="en-US" altLang="ko-KR" dirty="0" smtClean="0">
+              <a:rPr lang="en-US" altLang="ko-KR" dirty="0">
                 <a:latin typeface="배달의민족 도현" pitchFamily="50" charset="-127"/>
                 <a:ea typeface="배달의민족 도현" pitchFamily="50" charset="-127"/>
               </a:rPr>
               <a:t>TART</a:t>
             </a:r>
             <a:r>
-              <a:rPr lang="en-US" altLang="ko-KR" dirty="0" smtClean="0">
+              <a:rPr lang="en-US" altLang="ko-KR" dirty="0">
                 <a:solidFill>
                   <a:schemeClr val="accent5"/>
                 </a:solidFill>
@@ -6874,7 +6754,7 @@
               <a:t>C</a:t>
             </a:r>
             <a:r>
-              <a:rPr lang="en-US" altLang="ko-KR" dirty="0" smtClean="0">
+              <a:rPr lang="en-US" altLang="ko-KR" dirty="0">
                 <a:latin typeface="배달의민족 도현" pitchFamily="50" charset="-127"/>
                 <a:ea typeface="배달의민족 도현" pitchFamily="50" charset="-127"/>
               </a:rPr>
@@ -6909,21 +6789,21 @@
           <a:lstStyle/>
           <a:p>
             <a:r>
-              <a:rPr lang="en-US" altLang="ko-KR" dirty="0" smtClean="0">
+              <a:rPr lang="en-US" altLang="ko-KR" dirty="0">
                 <a:latin typeface="배달의민족 주아" pitchFamily="18" charset="-127"/>
                 <a:ea typeface="배달의민족 주아" pitchFamily="18" charset="-127"/>
               </a:rPr>
               <a:t>3. </a:t>
             </a:r>
             <a:r>
-              <a:rPr lang="ko-KR" altLang="en-US" dirty="0" smtClean="0">
+              <a:rPr lang="ko-KR" altLang="en-US" dirty="0">
                 <a:latin typeface="배달의민족 주아" pitchFamily="18" charset="-127"/>
                 <a:ea typeface="배달의민족 주아" pitchFamily="18" charset="-127"/>
               </a:rPr>
               <a:t>변수</a:t>
             </a:r>
             <a:r>
-              <a:rPr lang="en-US" altLang="ko-KR" dirty="0" smtClean="0">
+              <a:rPr lang="en-US" altLang="ko-KR" dirty="0">
                 <a:latin typeface="배달의민족 주아" pitchFamily="18" charset="-127"/>
                 <a:ea typeface="배달의민족 주아" pitchFamily="18" charset="-127"/>
               </a:rPr>
@@ -7142,7 +7022,7 @@
           </a:lstStyle>
           <a:p>
             <a:r>
-              <a:rPr lang="ko-KR" altLang="en-US" sz="3600" dirty="0" err="1" smtClean="0">
+              <a:rPr lang="ko-KR" altLang="en-US" sz="3600" dirty="0" err="1">
                 <a:solidFill>
                   <a:schemeClr val="accent5"/>
                 </a:solidFill>
@@ -7162,7 +7042,7 @@
               <a:t> </a:t>
             </a:r>
             <a:r>
-              <a:rPr lang="en-US" altLang="ko-KR" sz="3600" dirty="0" smtClean="0">
+              <a:rPr lang="en-US" altLang="ko-KR" sz="3600" dirty="0">
                 <a:solidFill>
                   <a:schemeClr val="accent5"/>
                 </a:solidFill>
@@ -7172,7 +7052,7 @@
               <a:t>= </a:t>
             </a:r>
             <a:r>
-              <a:rPr lang="ko-KR" altLang="en-US" sz="3600" dirty="0" smtClean="0">
+              <a:rPr lang="ko-KR" altLang="en-US" sz="3600" dirty="0">
                 <a:solidFill>
                   <a:schemeClr val="accent5"/>
                 </a:solidFill>
@@ -7181,13 +7061,6 @@
               </a:rPr>
               <a:t>안내자</a:t>
             </a:r>
-            <a:endParaRPr lang="ko-KR" altLang="en-US" sz="3600" dirty="0">
-              <a:solidFill>
-                <a:schemeClr val="accent5"/>
-              </a:solidFill>
-              <a:latin typeface="배달의민족 주아" pitchFamily="18" charset="-127"/>
-              <a:ea typeface="배달의민족 주아" pitchFamily="18" charset="-127"/>
-            </a:endParaRPr>
           </a:p>
         </p:txBody>
       </p:sp>
@@ -7441,7 +7314,7 @@
           <a:lstStyle/>
           <a:p>
             <a:r>
-              <a:rPr lang="ko-KR" altLang="en-US" dirty="0" err="1" smtClean="0">
+              <a:rPr lang="ko-KR" altLang="en-US" dirty="0" err="1">
                 <a:latin typeface="배달의민족 주아" pitchFamily="18" charset="-127"/>
                 <a:ea typeface="배달의민족 주아" pitchFamily="18" charset="-127"/>
               </a:rPr>
@@ -7477,7 +7350,7 @@
           <a:lstStyle/>
           <a:p>
             <a:r>
-              <a:rPr lang="en-US" altLang="ko-KR" dirty="0" smtClean="0">
+              <a:rPr lang="en-US" altLang="ko-KR" dirty="0">
                 <a:solidFill>
                   <a:schemeClr val="accent5"/>
                 </a:solidFill>
@@ -7487,14 +7360,14 @@
               <a:t>S</a:t>
             </a:r>
             <a:r>
-              <a:rPr lang="en-US" altLang="ko-KR" dirty="0" smtClean="0">
+              <a:rPr lang="en-US" altLang="ko-KR" dirty="0">
                 <a:latin typeface="배달의민족 도현" pitchFamily="50" charset="-127"/>
                 <a:ea typeface="배달의민족 도현" pitchFamily="50" charset="-127"/>
               </a:rPr>
               <a:t>TART</a:t>
             </a:r>
             <a:r>
-              <a:rPr lang="en-US" altLang="ko-KR" dirty="0" smtClean="0">
+              <a:rPr lang="en-US" altLang="ko-KR" dirty="0">
                 <a:solidFill>
                   <a:schemeClr val="accent5"/>
                 </a:solidFill>
@@ -7504,7 +7377,7 @@
               <a:t>C</a:t>
             </a:r>
             <a:r>
-              <a:rPr lang="en-US" altLang="ko-KR" dirty="0" smtClean="0">
+              <a:rPr lang="en-US" altLang="ko-KR" dirty="0">
                 <a:latin typeface="배달의민족 도현" pitchFamily="50" charset="-127"/>
                 <a:ea typeface="배달의민족 도현" pitchFamily="50" charset="-127"/>
               </a:rPr>
@@ -7539,21 +7412,21 @@
           <a:lstStyle/>
           <a:p>
             <a:r>
-              <a:rPr lang="en-US" altLang="ko-KR" dirty="0" smtClean="0">
+              <a:rPr lang="en-US" altLang="ko-KR" dirty="0">
                 <a:latin typeface="배달의민족 주아" pitchFamily="18" charset="-127"/>
                 <a:ea typeface="배달의민족 주아" pitchFamily="18" charset="-127"/>
               </a:rPr>
               <a:t>3. </a:t>
             </a:r>
             <a:r>
-              <a:rPr lang="ko-KR" altLang="en-US" dirty="0" smtClean="0">
+              <a:rPr lang="ko-KR" altLang="en-US" dirty="0">
                 <a:latin typeface="배달의민족 주아" pitchFamily="18" charset="-127"/>
                 <a:ea typeface="배달의민족 주아" pitchFamily="18" charset="-127"/>
               </a:rPr>
               <a:t>변수</a:t>
             </a:r>
             <a:r>
-              <a:rPr lang="en-US" altLang="ko-KR" dirty="0" smtClean="0">
+              <a:rPr lang="en-US" altLang="ko-KR" dirty="0">
                 <a:latin typeface="배달의민족 주아" pitchFamily="18" charset="-127"/>
                 <a:ea typeface="배달의민족 주아" pitchFamily="18" charset="-127"/>
               </a:rPr>
@@ -7790,7 +7663,7 @@
           </a:lstStyle>
           <a:p>
             <a:r>
-              <a:rPr lang="en-US" altLang="ko-KR" sz="3600" dirty="0" err="1" smtClean="0">
+              <a:rPr lang="en-US" altLang="ko-KR" sz="3600" dirty="0" err="1">
                 <a:solidFill>
                   <a:schemeClr val="accent6"/>
                 </a:solidFill>
@@ -7800,7 +7673,7 @@
               <a:t>str</a:t>
             </a:r>
             <a:r>
-              <a:rPr lang="en-US" altLang="ko-KR" sz="3600" dirty="0" smtClean="0">
+              <a:rPr lang="en-US" altLang="ko-KR" sz="3600" dirty="0">
                 <a:solidFill>
                   <a:schemeClr val="accent6"/>
                 </a:solidFill>
@@ -7810,7 +7683,7 @@
               <a:t>(</a:t>
             </a:r>
             <a:r>
-              <a:rPr lang="ko-KR" altLang="en-US" sz="3600" dirty="0" err="1" smtClean="0">
+              <a:rPr lang="ko-KR" altLang="en-US" sz="3600" dirty="0" err="1">
                 <a:solidFill>
                   <a:schemeClr val="accent6"/>
                 </a:solidFill>
@@ -7820,7 +7693,7 @@
               <a:t>어떤값</a:t>
             </a:r>
             <a:r>
-              <a:rPr lang="en-US" altLang="ko-KR" sz="3600" dirty="0" smtClean="0">
+              <a:rPr lang="en-US" altLang="ko-KR" sz="3600" dirty="0">
                 <a:solidFill>
                   <a:schemeClr val="accent6"/>
                 </a:solidFill>
@@ -7832,7 +7705,7 @@
           </a:p>
           <a:p>
             <a:r>
-              <a:rPr lang="ko-KR" altLang="en-US" sz="3600" dirty="0" err="1" smtClean="0">
+              <a:rPr lang="ko-KR" altLang="en-US" sz="3600" dirty="0" err="1">
                 <a:solidFill>
                   <a:schemeClr val="accent5"/>
                 </a:solidFill>
@@ -7842,7 +7715,7 @@
               <a:t>어떤값을</a:t>
             </a:r>
             <a:r>
-              <a:rPr lang="ko-KR" altLang="en-US" sz="3600" dirty="0" smtClean="0">
+              <a:rPr lang="ko-KR" altLang="en-US" sz="3600" dirty="0">
                 <a:solidFill>
                   <a:schemeClr val="accent5"/>
                 </a:solidFill>
@@ -7851,13 +7724,6 @@
               </a:rPr>
               <a:t> 문자열로 바꿔준다</a:t>
             </a:r>
-            <a:endParaRPr lang="ko-KR" altLang="en-US" sz="3600" dirty="0">
-              <a:solidFill>
-                <a:schemeClr val="accent5"/>
-              </a:solidFill>
-              <a:latin typeface="배달의민족 주아" pitchFamily="18" charset="-127"/>
-              <a:ea typeface="배달의민족 주아" pitchFamily="18" charset="-127"/>
-            </a:endParaRPr>
           </a:p>
         </p:txBody>
       </p:sp>
@@ -7998,7 +7864,7 @@
           <a:lstStyle/>
           <a:p>
             <a:r>
-              <a:rPr lang="ko-KR" altLang="en-US" dirty="0" err="1" smtClean="0">
+              <a:rPr lang="ko-KR" altLang="en-US" dirty="0" err="1">
                 <a:latin typeface="배달의민족 주아" pitchFamily="18" charset="-127"/>
                 <a:ea typeface="배달의민족 주아" pitchFamily="18" charset="-127"/>
               </a:rPr>
@@ -8034,7 +7900,7 @@
           <a:lstStyle/>
           <a:p>
             <a:r>
-              <a:rPr lang="en-US" altLang="ko-KR" dirty="0" smtClean="0">
+              <a:rPr lang="en-US" altLang="ko-KR" dirty="0">
                 <a:solidFill>
                   <a:schemeClr val="accent5"/>
                 </a:solidFill>
@@ -8044,14 +7910,14 @@
               <a:t>S</a:t>
             </a:r>
             <a:r>
-              <a:rPr lang="en-US" altLang="ko-KR" dirty="0" smtClean="0">
+              <a:rPr lang="en-US" altLang="ko-KR" dirty="0">
                 <a:latin typeface="배달의민족 도현" pitchFamily="50" charset="-127"/>
                 <a:ea typeface="배달의민족 도현" pitchFamily="50" charset="-127"/>
               </a:rPr>
               <a:t>TART</a:t>
             </a:r>
             <a:r>
-              <a:rPr lang="en-US" altLang="ko-KR" dirty="0" smtClean="0">
+              <a:rPr lang="en-US" altLang="ko-KR" dirty="0">
                 <a:solidFill>
                   <a:schemeClr val="accent5"/>
                 </a:solidFill>
@@ -8061,7 +7927,7 @@
               <a:t>C</a:t>
             </a:r>
             <a:r>
-              <a:rPr lang="en-US" altLang="ko-KR" dirty="0" smtClean="0">
+              <a:rPr lang="en-US" altLang="ko-KR" dirty="0">
                 <a:latin typeface="배달의민족 도현" pitchFamily="50" charset="-127"/>
                 <a:ea typeface="배달의민족 도현" pitchFamily="50" charset="-127"/>
               </a:rPr>
@@ -8096,21 +7962,21 @@
           <a:lstStyle/>
           <a:p>
             <a:r>
-              <a:rPr lang="en-US" altLang="ko-KR" dirty="0" smtClean="0">
+              <a:rPr lang="en-US" altLang="ko-KR" dirty="0">
                 <a:latin typeface="배달의민족 주아" pitchFamily="18" charset="-127"/>
                 <a:ea typeface="배달의민족 주아" pitchFamily="18" charset="-127"/>
               </a:rPr>
               <a:t>3. </a:t>
             </a:r>
             <a:r>
-              <a:rPr lang="ko-KR" altLang="en-US" dirty="0" smtClean="0">
+              <a:rPr lang="ko-KR" altLang="en-US" dirty="0">
                 <a:latin typeface="배달의민족 주아" pitchFamily="18" charset="-127"/>
                 <a:ea typeface="배달의민족 주아" pitchFamily="18" charset="-127"/>
               </a:rPr>
               <a:t>변수</a:t>
             </a:r>
             <a:r>
-              <a:rPr lang="en-US" altLang="ko-KR" dirty="0" smtClean="0">
+              <a:rPr lang="en-US" altLang="ko-KR" dirty="0">
                 <a:latin typeface="배달의민족 주아" pitchFamily="18" charset="-127"/>
                 <a:ea typeface="배달의민족 주아" pitchFamily="18" charset="-127"/>
               </a:rPr>
@@ -8217,15 +8083,6 @@
             </a:endParaRPr>
           </a:p>
           <a:p>
-            <a:r>
-              <a:rPr lang="en-US" altLang="ko-KR" dirty="0">
-                <a:solidFill>
-                  <a:srgbClr val="D4D4D4"/>
-                </a:solidFill>
-                <a:latin typeface="Consolas"/>
-              </a:rPr>
-              <a:t/>
-            </a:r>
             <a:br>
               <a:rPr lang="en-US" altLang="ko-KR" dirty="0">
                 <a:solidFill>
@@ -8599,7 +8456,7 @@
           <a:lstStyle/>
           <a:p>
             <a:r>
-              <a:rPr lang="ko-KR" altLang="en-US" dirty="0" err="1" smtClean="0">
+              <a:rPr lang="ko-KR" altLang="en-US" dirty="0" err="1">
                 <a:latin typeface="배달의민족 주아" pitchFamily="18" charset="-127"/>
                 <a:ea typeface="배달의민족 주아" pitchFamily="18" charset="-127"/>
               </a:rPr>
@@ -8635,7 +8492,7 @@
           <a:lstStyle/>
           <a:p>
             <a:r>
-              <a:rPr lang="en-US" altLang="ko-KR" dirty="0" smtClean="0">
+              <a:rPr lang="en-US" altLang="ko-KR" dirty="0">
                 <a:solidFill>
                   <a:schemeClr val="accent5"/>
                 </a:solidFill>
@@ -8645,14 +8502,14 @@
               <a:t>S</a:t>
             </a:r>
             <a:r>
-              <a:rPr lang="en-US" altLang="ko-KR" dirty="0" smtClean="0">
+              <a:rPr lang="en-US" altLang="ko-KR" dirty="0">
                 <a:latin typeface="배달의민족 도현" pitchFamily="50" charset="-127"/>
                 <a:ea typeface="배달의민족 도현" pitchFamily="50" charset="-127"/>
               </a:rPr>
               <a:t>TART</a:t>
             </a:r>
             <a:r>
-              <a:rPr lang="en-US" altLang="ko-KR" dirty="0" smtClean="0">
+              <a:rPr lang="en-US" altLang="ko-KR" dirty="0">
                 <a:solidFill>
                   <a:schemeClr val="accent5"/>
                 </a:solidFill>
@@ -8662,7 +8519,7 @@
               <a:t>C</a:t>
             </a:r>
             <a:r>
-              <a:rPr lang="en-US" altLang="ko-KR" dirty="0" smtClean="0">
+              <a:rPr lang="en-US" altLang="ko-KR" dirty="0">
                 <a:latin typeface="배달의민족 도현" pitchFamily="50" charset="-127"/>
                 <a:ea typeface="배달의민족 도현" pitchFamily="50" charset="-127"/>
               </a:rPr>
@@ -8697,21 +8554,21 @@
           <a:lstStyle/>
           <a:p>
             <a:r>
-              <a:rPr lang="en-US" altLang="ko-KR" dirty="0" smtClean="0">
+              <a:rPr lang="en-US" altLang="ko-KR" dirty="0">
                 <a:latin typeface="배달의민족 주아" pitchFamily="18" charset="-127"/>
                 <a:ea typeface="배달의민족 주아" pitchFamily="18" charset="-127"/>
               </a:rPr>
               <a:t>3. </a:t>
             </a:r>
             <a:r>
-              <a:rPr lang="ko-KR" altLang="en-US" dirty="0" smtClean="0">
+              <a:rPr lang="ko-KR" altLang="en-US" dirty="0">
                 <a:latin typeface="배달의민족 주아" pitchFamily="18" charset="-127"/>
                 <a:ea typeface="배달의민족 주아" pitchFamily="18" charset="-127"/>
               </a:rPr>
               <a:t>변수</a:t>
             </a:r>
             <a:r>
-              <a:rPr lang="en-US" altLang="ko-KR" dirty="0" smtClean="0">
+              <a:rPr lang="en-US" altLang="ko-KR" dirty="0">
                 <a:latin typeface="배달의민족 주아" pitchFamily="18" charset="-127"/>
                 <a:ea typeface="배달의민족 주아" pitchFamily="18" charset="-127"/>
               </a:rPr>
@@ -8818,15 +8675,6 @@
             </a:endParaRPr>
           </a:p>
           <a:p>
-            <a:r>
-              <a:rPr lang="en-US" altLang="ko-KR" dirty="0">
-                <a:solidFill>
-                  <a:srgbClr val="D4D4D4"/>
-                </a:solidFill>
-                <a:latin typeface="Consolas"/>
-              </a:rPr>
-              <a:t/>
-            </a:r>
             <a:br>
               <a:rPr lang="en-US" altLang="ko-KR" dirty="0">
                 <a:solidFill>
@@ -9099,7 +8947,7 @@
           </a:lstStyle>
           <a:p>
             <a:r>
-              <a:rPr lang="en-US" altLang="ko-KR" sz="3600" dirty="0" err="1" smtClean="0">
+              <a:rPr lang="en-US" altLang="ko-KR" sz="3600" dirty="0" err="1">
                 <a:solidFill>
                   <a:schemeClr val="accent6"/>
                 </a:solidFill>
@@ -9109,7 +8957,7 @@
               <a:t>int</a:t>
             </a:r>
             <a:r>
-              <a:rPr lang="en-US" altLang="ko-KR" sz="3600" dirty="0" smtClean="0">
+              <a:rPr lang="en-US" altLang="ko-KR" sz="3600" dirty="0">
                 <a:solidFill>
                   <a:schemeClr val="accent6"/>
                 </a:solidFill>
@@ -9119,7 +8967,7 @@
               <a:t>(</a:t>
             </a:r>
             <a:r>
-              <a:rPr lang="ko-KR" altLang="en-US" sz="3600" dirty="0" err="1" smtClean="0">
+              <a:rPr lang="ko-KR" altLang="en-US" sz="3600" dirty="0" err="1">
                 <a:solidFill>
                   <a:schemeClr val="accent6"/>
                 </a:solidFill>
@@ -9129,7 +8977,7 @@
               <a:t>어떤값</a:t>
             </a:r>
             <a:r>
-              <a:rPr lang="en-US" altLang="ko-KR" sz="3600" dirty="0" smtClean="0">
+              <a:rPr lang="en-US" altLang="ko-KR" sz="3600" dirty="0">
                 <a:solidFill>
                   <a:schemeClr val="accent6"/>
                 </a:solidFill>
@@ -9141,7 +8989,7 @@
           </a:p>
           <a:p>
             <a:r>
-              <a:rPr lang="ko-KR" altLang="en-US" sz="3600" dirty="0" err="1" smtClean="0">
+              <a:rPr lang="ko-KR" altLang="en-US" sz="3600" dirty="0" err="1">
                 <a:solidFill>
                   <a:schemeClr val="accent5"/>
                 </a:solidFill>
@@ -9151,7 +8999,7 @@
               <a:t>어떤값을</a:t>
             </a:r>
             <a:r>
-              <a:rPr lang="ko-KR" altLang="en-US" sz="3600" dirty="0" smtClean="0">
+              <a:rPr lang="ko-KR" altLang="en-US" sz="3600" dirty="0">
                 <a:solidFill>
                   <a:schemeClr val="accent5"/>
                 </a:solidFill>
@@ -9161,52 +9009,25 @@
               <a:t> </a:t>
             </a:r>
             <a:r>
-              <a:rPr lang="ko-KR" altLang="en-US" sz="3600" dirty="0" err="1" smtClean="0">
+              <a:rPr lang="ko-KR" altLang="en-US" sz="3600" dirty="0" err="1">
                 <a:solidFill>
                   <a:schemeClr val="accent5"/>
                 </a:solidFill>
                 <a:latin typeface="배달의민족 주아" pitchFamily="18" charset="-127"/>
                 <a:ea typeface="배달의민족 주아" pitchFamily="18" charset="-127"/>
               </a:rPr>
-              <a:t>정수형</a:t>
-            </a:r>
-            <a:r>
-              <a:rPr lang="ko-KR" altLang="en-US" sz="3600" dirty="0" err="1">
+              <a:t>정수형으로</a:t>
+            </a:r>
+            <a:r>
+              <a:rPr lang="ko-KR" altLang="en-US" sz="3600" dirty="0">
                 <a:solidFill>
                   <a:schemeClr val="accent5"/>
                 </a:solidFill>
                 <a:latin typeface="배달의민족 주아" pitchFamily="18" charset="-127"/>
                 <a:ea typeface="배달의민족 주아" pitchFamily="18" charset="-127"/>
               </a:rPr>
-              <a:t>으</a:t>
-            </a:r>
-            <a:r>
-              <a:rPr lang="ko-KR" altLang="en-US" sz="3600" dirty="0" err="1" smtClean="0">
-                <a:solidFill>
-                  <a:schemeClr val="accent5"/>
-                </a:solidFill>
-                <a:latin typeface="배달의민족 주아" pitchFamily="18" charset="-127"/>
-                <a:ea typeface="배달의민족 주아" pitchFamily="18" charset="-127"/>
-              </a:rPr>
-              <a:t>로</a:t>
-            </a:r>
-            <a:r>
-              <a:rPr lang="ko-KR" altLang="en-US" sz="3600" dirty="0" smtClean="0">
-                <a:solidFill>
-                  <a:schemeClr val="accent5"/>
-                </a:solidFill>
-                <a:latin typeface="배달의민족 주아" pitchFamily="18" charset="-127"/>
-                <a:ea typeface="배달의민족 주아" pitchFamily="18" charset="-127"/>
-              </a:rPr>
               <a:t> 바꿔준다</a:t>
             </a:r>
-            <a:endParaRPr lang="ko-KR" altLang="en-US" sz="3600" dirty="0">
-              <a:solidFill>
-                <a:schemeClr val="accent5"/>
-              </a:solidFill>
-              <a:latin typeface="배달의민족 주아" pitchFamily="18" charset="-127"/>
-              <a:ea typeface="배달의민족 주아" pitchFamily="18" charset="-127"/>
-            </a:endParaRPr>
           </a:p>
         </p:txBody>
       </p:sp>
@@ -9347,14 +9168,14 @@
           <a:lstStyle/>
           <a:p>
             <a:r>
-              <a:rPr lang="ko-KR" altLang="en-US" dirty="0" smtClean="0">
+              <a:rPr lang="ko-KR" altLang="en-US" dirty="0">
                 <a:latin typeface="배달의민족 주아" pitchFamily="18" charset="-127"/>
                 <a:ea typeface="배달의민족 주아" pitchFamily="18" charset="-127"/>
               </a:rPr>
               <a:t>문자열 </a:t>
             </a:r>
             <a:r>
-              <a:rPr lang="ko-KR" altLang="en-US" dirty="0" err="1" smtClean="0">
+              <a:rPr lang="ko-KR" altLang="en-US" dirty="0" err="1">
                 <a:latin typeface="배달의민족 주아" pitchFamily="18" charset="-127"/>
                 <a:ea typeface="배달의민족 주아" pitchFamily="18" charset="-127"/>
               </a:rPr>
@@ -9390,7 +9211,7 @@
           <a:lstStyle/>
           <a:p>
             <a:r>
-              <a:rPr lang="en-US" altLang="ko-KR" dirty="0" smtClean="0">
+              <a:rPr lang="en-US" altLang="ko-KR" dirty="0">
                 <a:solidFill>
                   <a:schemeClr val="accent5"/>
                 </a:solidFill>
@@ -9400,14 +9221,14 @@
               <a:t>S</a:t>
             </a:r>
             <a:r>
-              <a:rPr lang="en-US" altLang="ko-KR" dirty="0" smtClean="0">
+              <a:rPr lang="en-US" altLang="ko-KR" dirty="0">
                 <a:latin typeface="배달의민족 도현" pitchFamily="50" charset="-127"/>
                 <a:ea typeface="배달의민족 도현" pitchFamily="50" charset="-127"/>
               </a:rPr>
               <a:t>TART</a:t>
             </a:r>
             <a:r>
-              <a:rPr lang="en-US" altLang="ko-KR" dirty="0" smtClean="0">
+              <a:rPr lang="en-US" altLang="ko-KR" dirty="0">
                 <a:solidFill>
                   <a:schemeClr val="accent5"/>
                 </a:solidFill>
@@ -9417,7 +9238,7 @@
               <a:t>C</a:t>
             </a:r>
             <a:r>
-              <a:rPr lang="en-US" altLang="ko-KR" dirty="0" smtClean="0">
+              <a:rPr lang="en-US" altLang="ko-KR" dirty="0">
                 <a:latin typeface="배달의민족 도현" pitchFamily="50" charset="-127"/>
                 <a:ea typeface="배달의민족 도현" pitchFamily="50" charset="-127"/>
               </a:rPr>
@@ -9452,21 +9273,21 @@
           <a:lstStyle/>
           <a:p>
             <a:r>
-              <a:rPr lang="en-US" altLang="ko-KR" dirty="0" smtClean="0">
+              <a:rPr lang="en-US" altLang="ko-KR" dirty="0">
                 <a:latin typeface="배달의민족 주아" pitchFamily="18" charset="-127"/>
                 <a:ea typeface="배달의민족 주아" pitchFamily="18" charset="-127"/>
               </a:rPr>
               <a:t>3. </a:t>
             </a:r>
             <a:r>
-              <a:rPr lang="ko-KR" altLang="en-US" dirty="0" smtClean="0">
+              <a:rPr lang="ko-KR" altLang="en-US" dirty="0">
                 <a:latin typeface="배달의민족 주아" pitchFamily="18" charset="-127"/>
                 <a:ea typeface="배달의민족 주아" pitchFamily="18" charset="-127"/>
               </a:rPr>
               <a:t>변수</a:t>
             </a:r>
             <a:r>
-              <a:rPr lang="en-US" altLang="ko-KR" dirty="0" smtClean="0">
+              <a:rPr lang="en-US" altLang="ko-KR" dirty="0">
                 <a:latin typeface="배달의민족 주아" pitchFamily="18" charset="-127"/>
                 <a:ea typeface="배달의민족 주아" pitchFamily="18" charset="-127"/>
               </a:rPr>
@@ -9591,15 +9412,6 @@
             </a:endParaRPr>
           </a:p>
           <a:p>
-            <a:r>
-              <a:rPr lang="en-US" altLang="ko-KR" sz="1600" dirty="0">
-                <a:solidFill>
-                  <a:srgbClr val="D4D4D4"/>
-                </a:solidFill>
-                <a:latin typeface="Consolas"/>
-              </a:rPr>
-              <a:t/>
-            </a:r>
             <a:br>
               <a:rPr lang="en-US" altLang="ko-KR" sz="1600" dirty="0">
                 <a:solidFill>
@@ -9705,25 +9517,7 @@
                 </a:solidFill>
                 <a:latin typeface="Consolas"/>
               </a:rPr>
-              <a:t>이고 </a:t>
-            </a:r>
-            <a:r>
-              <a:rPr lang="ko-KR" altLang="en-US" sz="1600" dirty="0" smtClean="0">
-                <a:solidFill>
-                  <a:srgbClr val="CE9178"/>
-                </a:solidFill>
-                <a:latin typeface="Consolas"/>
-              </a:rPr>
-              <a:t>나이는</a:t>
-            </a:r>
-            <a:r>
-              <a:rPr lang="ko-KR" altLang="en-US" sz="1600" dirty="0">
-                <a:solidFill>
-                  <a:srgbClr val="CE9178"/>
-                </a:solidFill>
-                <a:latin typeface="Consolas"/>
-              </a:rPr>
-              <a:t> </a:t>
+              <a:t>이고 나이는 </a:t>
             </a:r>
             <a:r>
               <a:rPr lang="en-US" altLang="ko-KR" sz="1600" dirty="0">
@@ -9890,7 +9684,7 @@
           </a:lstStyle>
           <a:p>
             <a:r>
-              <a:rPr lang="ko-KR" altLang="en-US" sz="3600" smtClean="0">
+              <a:rPr lang="ko-KR" altLang="en-US" sz="3600">
                 <a:solidFill>
                   <a:schemeClr val="accent6"/>
                 </a:solidFill>
@@ -10046,14 +9840,14 @@
           <a:lstStyle/>
           <a:p>
             <a:r>
-              <a:rPr lang="ko-KR" altLang="en-US" dirty="0" smtClean="0">
+              <a:rPr lang="ko-KR" altLang="en-US" dirty="0">
                 <a:latin typeface="배달의민족 주아" pitchFamily="18" charset="-127"/>
                 <a:ea typeface="배달의민족 주아" pitchFamily="18" charset="-127"/>
               </a:rPr>
               <a:t>문자열 </a:t>
             </a:r>
             <a:r>
-              <a:rPr lang="ko-KR" altLang="en-US" dirty="0" err="1" smtClean="0">
+              <a:rPr lang="ko-KR" altLang="en-US" dirty="0" err="1">
                 <a:latin typeface="배달의민족 주아" pitchFamily="18" charset="-127"/>
                 <a:ea typeface="배달의민족 주아" pitchFamily="18" charset="-127"/>
               </a:rPr>
@@ -10089,7 +9883,7 @@
           <a:lstStyle/>
           <a:p>
             <a:r>
-              <a:rPr lang="en-US" altLang="ko-KR" dirty="0" smtClean="0">
+              <a:rPr lang="en-US" altLang="ko-KR" dirty="0">
                 <a:solidFill>
                   <a:schemeClr val="accent5"/>
                 </a:solidFill>
@@ -10099,14 +9893,14 @@
               <a:t>S</a:t>
             </a:r>
             <a:r>
-              <a:rPr lang="en-US" altLang="ko-KR" dirty="0" smtClean="0">
+              <a:rPr lang="en-US" altLang="ko-KR" dirty="0">
                 <a:latin typeface="배달의민족 도현" pitchFamily="50" charset="-127"/>
                 <a:ea typeface="배달의민족 도현" pitchFamily="50" charset="-127"/>
               </a:rPr>
               <a:t>TART</a:t>
             </a:r>
             <a:r>
-              <a:rPr lang="en-US" altLang="ko-KR" dirty="0" smtClean="0">
+              <a:rPr lang="en-US" altLang="ko-KR" dirty="0">
                 <a:solidFill>
                   <a:schemeClr val="accent5"/>
                 </a:solidFill>
@@ -10116,7 +9910,7 @@
               <a:t>C</a:t>
             </a:r>
             <a:r>
-              <a:rPr lang="en-US" altLang="ko-KR" dirty="0" smtClean="0">
+              <a:rPr lang="en-US" altLang="ko-KR" dirty="0">
                 <a:latin typeface="배달의민족 도현" pitchFamily="50" charset="-127"/>
                 <a:ea typeface="배달의민족 도현" pitchFamily="50" charset="-127"/>
               </a:rPr>
@@ -10151,21 +9945,21 @@
           <a:lstStyle/>
           <a:p>
             <a:r>
-              <a:rPr lang="en-US" altLang="ko-KR" dirty="0" smtClean="0">
+              <a:rPr lang="en-US" altLang="ko-KR" dirty="0">
                 <a:latin typeface="배달의민족 주아" pitchFamily="18" charset="-127"/>
                 <a:ea typeface="배달의민족 주아" pitchFamily="18" charset="-127"/>
               </a:rPr>
               <a:t>3. </a:t>
             </a:r>
             <a:r>
-              <a:rPr lang="ko-KR" altLang="en-US" dirty="0" smtClean="0">
+              <a:rPr lang="ko-KR" altLang="en-US" dirty="0">
                 <a:latin typeface="배달의민족 주아" pitchFamily="18" charset="-127"/>
                 <a:ea typeface="배달의민족 주아" pitchFamily="18" charset="-127"/>
               </a:rPr>
               <a:t>변수</a:t>
             </a:r>
             <a:r>
-              <a:rPr lang="en-US" altLang="ko-KR" dirty="0" smtClean="0">
+              <a:rPr lang="en-US" altLang="ko-KR" dirty="0">
                 <a:latin typeface="배달의민족 주아" pitchFamily="18" charset="-127"/>
                 <a:ea typeface="배달의민족 주아" pitchFamily="18" charset="-127"/>
               </a:rPr>
@@ -10290,15 +10084,6 @@
             </a:endParaRPr>
           </a:p>
           <a:p>
-            <a:r>
-              <a:rPr lang="en-US" altLang="ko-KR" sz="1600" dirty="0">
-                <a:solidFill>
-                  <a:srgbClr val="D4D4D4"/>
-                </a:solidFill>
-                <a:latin typeface="Consolas"/>
-              </a:rPr>
-              <a:t/>
-            </a:r>
             <a:br>
               <a:rPr lang="en-US" altLang="ko-KR" sz="1600" dirty="0">
                 <a:solidFill>
@@ -10502,7 +10287,7 @@
           </a:lstStyle>
           <a:p>
             <a:r>
-              <a:rPr lang="en-US" altLang="ko-KR" sz="3600" dirty="0" smtClean="0">
+              <a:rPr lang="en-US" altLang="ko-KR" sz="3600" dirty="0">
                 <a:solidFill>
                   <a:schemeClr val="accent6"/>
                 </a:solidFill>
@@ -10723,7 +10508,7 @@
           <a:p>
             <a:pPr algn="l"/>
             <a:r>
-              <a:rPr lang="ko-KR" altLang="en-US" sz="2400" dirty="0" smtClean="0">
+              <a:rPr lang="ko-KR" altLang="en-US" sz="2400" dirty="0">
                 <a:solidFill>
                   <a:srgbClr val="FDE035"/>
                 </a:solidFill>
@@ -10732,63 +10517,63 @@
               </a:rPr>
               <a:t>목차</a:t>
             </a:r>
-            <a:r>
-              <a:rPr lang="en-US" altLang="ko-KR" sz="2400" dirty="0" smtClean="0">
+            <a:br>
+              <a:rPr lang="en-US" altLang="ko-KR" sz="2400" dirty="0">
                 <a:solidFill>
                   <a:schemeClr val="accent5"/>
                 </a:solidFill>
                 <a:latin typeface="배달의민족 주아" pitchFamily="18" charset="-127"/>
                 <a:ea typeface="배달의민족 주아" pitchFamily="18" charset="-127"/>
               </a:rPr>
-              <a:t/>
-            </a:r>
+            </a:br>
             <a:br>
-              <a:rPr lang="en-US" altLang="ko-KR" sz="2400" dirty="0" smtClean="0">
-                <a:solidFill>
-                  <a:schemeClr val="accent5"/>
+              <a:rPr lang="en-US" altLang="ko-KR" sz="3600" dirty="0">
+                <a:solidFill>
+                  <a:schemeClr val="bg1"/>
                 </a:solidFill>
                 <a:latin typeface="배달의민족 주아" pitchFamily="18" charset="-127"/>
                 <a:ea typeface="배달의민족 주아" pitchFamily="18" charset="-127"/>
               </a:rPr>
             </a:br>
             <a:r>
-              <a:rPr lang="en-US" altLang="ko-KR" sz="3600" dirty="0" smtClean="0">
+              <a:rPr lang="en-US" altLang="ko-KR" sz="2800" dirty="0">
                 <a:solidFill>
                   <a:schemeClr val="bg1"/>
                 </a:solidFill>
                 <a:latin typeface="배달의민족 주아" pitchFamily="18" charset="-127"/>
                 <a:ea typeface="배달의민족 주아" pitchFamily="18" charset="-127"/>
               </a:rPr>
-              <a:t/>
-            </a:r>
-            <a:br>
-              <a:rPr lang="en-US" altLang="ko-KR" sz="3600" dirty="0" smtClean="0">
+              <a:t>1. </a:t>
+            </a:r>
+            <a:r>
+              <a:rPr lang="ko-KR" altLang="en-US" sz="2800" dirty="0">
                 <a:solidFill>
                   <a:schemeClr val="bg1"/>
                 </a:solidFill>
                 <a:latin typeface="배달의민족 주아" pitchFamily="18" charset="-127"/>
                 <a:ea typeface="배달의민족 주아" pitchFamily="18" charset="-127"/>
               </a:rPr>
-            </a:br>
-            <a:r>
-              <a:rPr lang="en-US" altLang="ko-KR" sz="2800" dirty="0" smtClean="0">
+              <a:t>자료</a:t>
+            </a:r>
+            <a:r>
+              <a:rPr lang="en-US" altLang="ko-KR" sz="2800" dirty="0">
                 <a:solidFill>
                   <a:schemeClr val="bg1"/>
                 </a:solidFill>
                 <a:latin typeface="배달의민족 주아" pitchFamily="18" charset="-127"/>
                 <a:ea typeface="배달의민족 주아" pitchFamily="18" charset="-127"/>
               </a:rPr>
-              <a:t>1. </a:t>
-            </a:r>
-            <a:r>
-              <a:rPr lang="ko-KR" altLang="en-US" sz="2800" dirty="0" smtClean="0">
+              <a:t>(data)</a:t>
+            </a:r>
+            <a:r>
+              <a:rPr lang="ko-KR" altLang="en-US" sz="2800" dirty="0">
                 <a:solidFill>
                   <a:schemeClr val="bg1"/>
                 </a:solidFill>
                 <a:latin typeface="배달의민족 주아" pitchFamily="18" charset="-127"/>
                 <a:ea typeface="배달의민족 주아" pitchFamily="18" charset="-127"/>
               </a:rPr>
-              <a:t>자료</a:t>
+              <a:t>란</a:t>
             </a:r>
             <a:r>
               <a:rPr lang="en-US" altLang="ko-KR" sz="2800" dirty="0">
@@ -10798,37 +10583,7 @@
                 <a:latin typeface="배달의민족 주아" pitchFamily="18" charset="-127"/>
                 <a:ea typeface="배달의민족 주아" pitchFamily="18" charset="-127"/>
               </a:rPr>
-              <a:t>(data)</a:t>
-            </a:r>
-            <a:r>
-              <a:rPr lang="ko-KR" altLang="en-US" sz="2800" dirty="0" smtClean="0">
-                <a:solidFill>
-                  <a:schemeClr val="bg1"/>
-                </a:solidFill>
-                <a:latin typeface="배달의민족 주아" pitchFamily="18" charset="-127"/>
-                <a:ea typeface="배달의민족 주아" pitchFamily="18" charset="-127"/>
-              </a:rPr>
-              <a:t>란</a:t>
-            </a:r>
-            <a:r>
-              <a:rPr lang="en-US" altLang="ko-KR" sz="2800" dirty="0" smtClean="0">
-                <a:solidFill>
-                  <a:schemeClr val="bg1"/>
-                </a:solidFill>
-                <a:latin typeface="배달의민족 주아" pitchFamily="18" charset="-127"/>
-                <a:ea typeface="배달의민족 주아" pitchFamily="18" charset="-127"/>
-              </a:rPr>
               <a:t>?</a:t>
-            </a:r>
-            <a:r>
-              <a:rPr lang="en-US" altLang="ko-KR" sz="2800" dirty="0">
-                <a:solidFill>
-                  <a:schemeClr val="bg1"/>
-                </a:solidFill>
-                <a:latin typeface="배달의민족 주아" pitchFamily="18" charset="-127"/>
-                <a:ea typeface="배달의민족 주아" pitchFamily="18" charset="-127"/>
-              </a:rPr>
-              <a:t/>
             </a:r>
             <a:br>
               <a:rPr lang="en-US" altLang="ko-KR" sz="2800" dirty="0">
@@ -10840,7 +10595,7 @@
               </a:rPr>
             </a:br>
             <a:r>
-              <a:rPr lang="en-US" altLang="ko-KR" sz="2800" dirty="0" smtClean="0">
+              <a:rPr lang="en-US" altLang="ko-KR" sz="2800" dirty="0">
                 <a:solidFill>
                   <a:schemeClr val="bg1"/>
                 </a:solidFill>
@@ -10850,7 +10605,7 @@
               <a:t>2. </a:t>
             </a:r>
             <a:r>
-              <a:rPr lang="ko-KR" altLang="en-US" sz="2800" dirty="0" err="1" smtClean="0">
+              <a:rPr lang="ko-KR" altLang="en-US" sz="2800" dirty="0" err="1">
                 <a:solidFill>
                   <a:schemeClr val="bg1"/>
                 </a:solidFill>
@@ -10860,7 +10615,7 @@
               <a:t>자료형</a:t>
             </a:r>
             <a:r>
-              <a:rPr lang="en-US" altLang="ko-KR" sz="2800" dirty="0" smtClean="0">
+              <a:rPr lang="en-US" altLang="ko-KR" sz="2800" dirty="0">
                 <a:solidFill>
                   <a:schemeClr val="bg1"/>
                 </a:solidFill>
@@ -10870,7 +10625,7 @@
               <a:t>(data Type)</a:t>
             </a:r>
             <a:br>
-              <a:rPr lang="en-US" altLang="ko-KR" sz="2800" dirty="0" smtClean="0">
+              <a:rPr lang="en-US" altLang="ko-KR" sz="2800" dirty="0">
                 <a:solidFill>
                   <a:schemeClr val="bg1"/>
                 </a:solidFill>
@@ -10886,27 +10641,220 @@
                 <a:latin typeface="배달의민족 주아" pitchFamily="18" charset="-127"/>
                 <a:ea typeface="배달의민족 주아" pitchFamily="18" charset="-127"/>
               </a:rPr>
-              <a:t>	</a:t>
-            </a:r>
-            <a:r>
-              <a:rPr lang="en-US" altLang="ko-KR" sz="2800" dirty="0" smtClean="0">
+              <a:t>	2.1 </a:t>
+            </a:r>
+            <a:r>
+              <a:rPr lang="ko-KR" altLang="en-US" sz="2800" dirty="0" err="1">
                 <a:solidFill>
                   <a:schemeClr val="bg1"/>
                 </a:solidFill>
                 <a:latin typeface="배달의민족 주아" pitchFamily="18" charset="-127"/>
                 <a:ea typeface="배달의민족 주아" pitchFamily="18" charset="-127"/>
               </a:rPr>
-              <a:t>2.1 </a:t>
-            </a:r>
-            <a:r>
-              <a:rPr lang="ko-KR" altLang="en-US" sz="2800" dirty="0" err="1" smtClean="0">
+              <a:t>숫자형</a:t>
+            </a:r>
+            <a:br>
+              <a:rPr lang="en-US" altLang="ko-KR" sz="2800" dirty="0">
                 <a:solidFill>
                   <a:schemeClr val="bg1"/>
                 </a:solidFill>
                 <a:latin typeface="배달의민족 주아" pitchFamily="18" charset="-127"/>
                 <a:ea typeface="배달의민족 주아" pitchFamily="18" charset="-127"/>
               </a:rPr>
-              <a:t>숫자</a:t>
+            </a:br>
+            <a:r>
+              <a:rPr lang="en-US" altLang="ko-KR" sz="2800" dirty="0">
+                <a:solidFill>
+                  <a:schemeClr val="bg1"/>
+                </a:solidFill>
+                <a:latin typeface="배달의민족 주아" pitchFamily="18" charset="-127"/>
+                <a:ea typeface="배달의민족 주아" pitchFamily="18" charset="-127"/>
+              </a:rPr>
+              <a:t>	2.2 </a:t>
+            </a:r>
+            <a:r>
+              <a:rPr lang="ko-KR" altLang="en-US" sz="2800" dirty="0">
+                <a:solidFill>
+                  <a:schemeClr val="bg1"/>
+                </a:solidFill>
+                <a:latin typeface="배달의민족 주아" pitchFamily="18" charset="-127"/>
+                <a:ea typeface="배달의민족 주아" pitchFamily="18" charset="-127"/>
+              </a:rPr>
+              <a:t>문자형</a:t>
+            </a:r>
+            <a:br>
+              <a:rPr lang="en-US" altLang="ko-KR" sz="2800" dirty="0">
+                <a:solidFill>
+                  <a:schemeClr val="bg1"/>
+                </a:solidFill>
+                <a:latin typeface="배달의민족 주아" pitchFamily="18" charset="-127"/>
+                <a:ea typeface="배달의민족 주아" pitchFamily="18" charset="-127"/>
+              </a:rPr>
+            </a:br>
+            <a:r>
+              <a:rPr lang="en-US" altLang="ko-KR" sz="2800" dirty="0">
+                <a:solidFill>
+                  <a:schemeClr val="bg1"/>
+                </a:solidFill>
+                <a:latin typeface="배달의민족 주아" pitchFamily="18" charset="-127"/>
+                <a:ea typeface="배달의민족 주아" pitchFamily="18" charset="-127"/>
+              </a:rPr>
+              <a:t>3. </a:t>
+            </a:r>
+            <a:r>
+              <a:rPr lang="ko-KR" altLang="en-US" sz="2800" dirty="0">
+                <a:solidFill>
+                  <a:schemeClr val="bg1"/>
+                </a:solidFill>
+                <a:latin typeface="배달의민족 주아" pitchFamily="18" charset="-127"/>
+                <a:ea typeface="배달의민족 주아" pitchFamily="18" charset="-127"/>
+              </a:rPr>
+              <a:t>변수</a:t>
+            </a:r>
+            <a:r>
+              <a:rPr lang="en-US" altLang="ko-KR" sz="2800" dirty="0">
+                <a:solidFill>
+                  <a:schemeClr val="bg1"/>
+                </a:solidFill>
+                <a:latin typeface="배달의민족 주아" pitchFamily="18" charset="-127"/>
+                <a:ea typeface="배달의민족 주아" pitchFamily="18" charset="-127"/>
+              </a:rPr>
+              <a:t>(variable)</a:t>
+            </a:r>
+            <a:br>
+              <a:rPr lang="en-US" altLang="ko-KR" sz="2800" dirty="0">
+                <a:solidFill>
+                  <a:schemeClr val="bg1"/>
+                </a:solidFill>
+                <a:latin typeface="배달의민족 주아" pitchFamily="18" charset="-127"/>
+                <a:ea typeface="배달의민족 주아" pitchFamily="18" charset="-127"/>
+              </a:rPr>
+            </a:br>
+            <a:r>
+              <a:rPr lang="en-US" altLang="ko-KR" sz="2800" dirty="0">
+                <a:solidFill>
+                  <a:schemeClr val="bg1"/>
+                </a:solidFill>
+                <a:latin typeface="배달의민족 주아" pitchFamily="18" charset="-127"/>
+                <a:ea typeface="배달의민족 주아" pitchFamily="18" charset="-127"/>
+              </a:rPr>
+              <a:t>	3.1 </a:t>
+            </a:r>
+            <a:r>
+              <a:rPr lang="ko-KR" altLang="en-US" sz="2800" dirty="0">
+                <a:solidFill>
+                  <a:schemeClr val="bg1"/>
+                </a:solidFill>
+                <a:latin typeface="배달의민족 주아" pitchFamily="18" charset="-127"/>
+                <a:ea typeface="배달의민족 주아" pitchFamily="18" charset="-127"/>
+              </a:rPr>
+              <a:t>변수를 사용하는 이유</a:t>
+            </a:r>
+            <a:br>
+              <a:rPr lang="en-US" altLang="ko-KR" sz="2800" dirty="0">
+                <a:solidFill>
+                  <a:schemeClr val="bg1"/>
+                </a:solidFill>
+                <a:latin typeface="배달의민족 주아" pitchFamily="18" charset="-127"/>
+                <a:ea typeface="배달의민족 주아" pitchFamily="18" charset="-127"/>
+              </a:rPr>
+            </a:br>
+            <a:r>
+              <a:rPr lang="en-US" altLang="ko-KR" sz="2800" dirty="0">
+                <a:solidFill>
+                  <a:schemeClr val="bg1"/>
+                </a:solidFill>
+                <a:latin typeface="배달의민족 주아" pitchFamily="18" charset="-127"/>
+                <a:ea typeface="배달의민족 주아" pitchFamily="18" charset="-127"/>
+              </a:rPr>
+              <a:t>	3.2 </a:t>
+            </a:r>
+            <a:r>
+              <a:rPr lang="ko-KR" altLang="en-US" sz="2800" dirty="0">
+                <a:solidFill>
+                  <a:schemeClr val="bg1"/>
+                </a:solidFill>
+                <a:latin typeface="배달의민족 주아" pitchFamily="18" charset="-127"/>
+                <a:ea typeface="배달의민족 주아" pitchFamily="18" charset="-127"/>
+              </a:rPr>
+              <a:t>변수이름 짓는 규칙</a:t>
+            </a:r>
+            <a:br>
+              <a:rPr lang="en-US" altLang="ko-KR" sz="2800" dirty="0">
+                <a:solidFill>
+                  <a:schemeClr val="bg1"/>
+                </a:solidFill>
+                <a:latin typeface="배달의민족 주아" pitchFamily="18" charset="-127"/>
+                <a:ea typeface="배달의민족 주아" pitchFamily="18" charset="-127"/>
+              </a:rPr>
+            </a:br>
+            <a:r>
+              <a:rPr lang="en-US" altLang="ko-KR" sz="2800" dirty="0">
+                <a:solidFill>
+                  <a:schemeClr val="bg1"/>
+                </a:solidFill>
+                <a:latin typeface="배달의민족 주아" pitchFamily="18" charset="-127"/>
+                <a:ea typeface="배달의민족 주아" pitchFamily="18" charset="-127"/>
+              </a:rPr>
+              <a:t>	3.3 </a:t>
+            </a:r>
+            <a:r>
+              <a:rPr lang="ko-KR" altLang="en-US" sz="2800" dirty="0">
+                <a:solidFill>
+                  <a:schemeClr val="bg1"/>
+                </a:solidFill>
+                <a:latin typeface="배달의민족 주아" pitchFamily="18" charset="-127"/>
+                <a:ea typeface="배달의민족 주아" pitchFamily="18" charset="-127"/>
+              </a:rPr>
+              <a:t>변수 이해하기 </a:t>
+            </a:r>
+            <a:br>
+              <a:rPr lang="en-US" altLang="ko-KR" sz="2800" dirty="0">
+                <a:solidFill>
+                  <a:schemeClr val="bg1"/>
+                </a:solidFill>
+                <a:latin typeface="배달의민족 주아" pitchFamily="18" charset="-127"/>
+                <a:ea typeface="배달의민족 주아" pitchFamily="18" charset="-127"/>
+              </a:rPr>
+            </a:br>
+            <a:r>
+              <a:rPr lang="en-US" altLang="ko-KR" sz="2800" dirty="0">
+                <a:solidFill>
+                  <a:schemeClr val="bg1"/>
+                </a:solidFill>
+                <a:latin typeface="배달의민족 주아" pitchFamily="18" charset="-127"/>
+                <a:ea typeface="배달의민족 주아" pitchFamily="18" charset="-127"/>
+              </a:rPr>
+              <a:t>	3.4 </a:t>
+            </a:r>
+            <a:r>
+              <a:rPr lang="ko-KR" altLang="en-US" sz="2800" dirty="0">
+                <a:solidFill>
+                  <a:schemeClr val="bg1"/>
+                </a:solidFill>
+                <a:latin typeface="배달의민족 주아" pitchFamily="18" charset="-127"/>
+                <a:ea typeface="배달의민족 주아" pitchFamily="18" charset="-127"/>
+              </a:rPr>
+              <a:t>상수 이해하기</a:t>
+            </a:r>
+            <a:br>
+              <a:rPr lang="en-US" altLang="ko-KR" sz="2800" dirty="0">
+                <a:solidFill>
+                  <a:schemeClr val="bg1"/>
+                </a:solidFill>
+                <a:latin typeface="배달의민족 주아" pitchFamily="18" charset="-127"/>
+                <a:ea typeface="배달의민족 주아" pitchFamily="18" charset="-127"/>
+              </a:rPr>
+            </a:br>
+            <a:r>
+              <a:rPr lang="en-US" altLang="ko-KR" sz="2800" dirty="0">
+                <a:solidFill>
+                  <a:schemeClr val="bg1"/>
+                </a:solidFill>
+                <a:latin typeface="배달의민족 주아" pitchFamily="18" charset="-127"/>
+                <a:ea typeface="배달의민족 주아" pitchFamily="18" charset="-127"/>
+              </a:rPr>
+              <a:t>	3.5 </a:t>
             </a:r>
             <a:r>
               <a:rPr lang="ko-KR" altLang="en-US" sz="2800" dirty="0" err="1">
@@ -10916,402 +10864,39 @@
                 <a:latin typeface="배달의민족 주아" pitchFamily="18" charset="-127"/>
                 <a:ea typeface="배달의민족 주아" pitchFamily="18" charset="-127"/>
               </a:rPr>
-              <a:t>형</a:t>
-            </a:r>
-            <a:r>
-              <a:rPr lang="en-US" altLang="ko-KR" sz="2800" dirty="0" smtClean="0">
+              <a:t>형변환</a:t>
+            </a:r>
+            <a:br>
+              <a:rPr lang="en-US" altLang="ko-KR" sz="2800" dirty="0">
                 <a:solidFill>
                   <a:schemeClr val="bg1"/>
                 </a:solidFill>
                 <a:latin typeface="배달의민족 주아" pitchFamily="18" charset="-127"/>
                 <a:ea typeface="배달의민족 주아" pitchFamily="18" charset="-127"/>
               </a:rPr>
-              <a:t/>
-            </a:r>
-            <a:br>
-              <a:rPr lang="en-US" altLang="ko-KR" sz="2800" dirty="0" smtClean="0">
+            </a:br>
+            <a:r>
+              <a:rPr lang="en-US" altLang="ko-KR" sz="2800" dirty="0">
                 <a:solidFill>
                   <a:schemeClr val="bg1"/>
                 </a:solidFill>
                 <a:latin typeface="배달의민족 주아" pitchFamily="18" charset="-127"/>
                 <a:ea typeface="배달의민족 주아" pitchFamily="18" charset="-127"/>
               </a:rPr>
-            </a:br>
-            <a:r>
-              <a:rPr lang="en-US" altLang="ko-KR" sz="2800" dirty="0">
+              <a:t>	3.6 </a:t>
+            </a:r>
+            <a:r>
+              <a:rPr lang="ko-KR" altLang="en-US" sz="2800" dirty="0">
                 <a:solidFill>
                   <a:schemeClr val="bg1"/>
                 </a:solidFill>
                 <a:latin typeface="배달의민족 주아" pitchFamily="18" charset="-127"/>
                 <a:ea typeface="배달의민족 주아" pitchFamily="18" charset="-127"/>
               </a:rPr>
-              <a:t>	</a:t>
-            </a:r>
-            <a:r>
-              <a:rPr lang="en-US" altLang="ko-KR" sz="2800" dirty="0" smtClean="0">
-                <a:solidFill>
-                  <a:schemeClr val="bg1"/>
-                </a:solidFill>
-                <a:latin typeface="배달의민족 주아" pitchFamily="18" charset="-127"/>
-                <a:ea typeface="배달의민족 주아" pitchFamily="18" charset="-127"/>
-              </a:rPr>
-              <a:t>2.2 </a:t>
-            </a:r>
-            <a:r>
-              <a:rPr lang="ko-KR" altLang="en-US" sz="2800" dirty="0" smtClean="0">
-                <a:solidFill>
-                  <a:schemeClr val="bg1"/>
-                </a:solidFill>
-                <a:latin typeface="배달의민족 주아" pitchFamily="18" charset="-127"/>
-                <a:ea typeface="배달의민족 주아" pitchFamily="18" charset="-127"/>
-              </a:rPr>
-              <a:t>문자형</a:t>
-            </a:r>
-            <a:r>
-              <a:rPr lang="en-US" altLang="ko-KR" sz="2800" dirty="0" smtClean="0">
-                <a:solidFill>
-                  <a:schemeClr val="bg1"/>
-                </a:solidFill>
-                <a:latin typeface="배달의민족 주아" pitchFamily="18" charset="-127"/>
-                <a:ea typeface="배달의민족 주아" pitchFamily="18" charset="-127"/>
-              </a:rPr>
-              <a:t/>
-            </a:r>
-            <a:br>
-              <a:rPr lang="en-US" altLang="ko-KR" sz="2800" dirty="0" smtClean="0">
-                <a:solidFill>
-                  <a:schemeClr val="bg1"/>
-                </a:solidFill>
-                <a:latin typeface="배달의민족 주아" pitchFamily="18" charset="-127"/>
-                <a:ea typeface="배달의민족 주아" pitchFamily="18" charset="-127"/>
-              </a:rPr>
-            </a:br>
-            <a:r>
-              <a:rPr lang="en-US" altLang="ko-KR" sz="2800" dirty="0" smtClean="0">
-                <a:solidFill>
-                  <a:schemeClr val="bg1"/>
-                </a:solidFill>
-                <a:latin typeface="배달의민족 주아" pitchFamily="18" charset="-127"/>
-                <a:ea typeface="배달의민족 주아" pitchFamily="18" charset="-127"/>
-              </a:rPr>
-              <a:t>3. </a:t>
-            </a:r>
-            <a:r>
-              <a:rPr lang="ko-KR" altLang="en-US" sz="2800" dirty="0" smtClean="0">
-                <a:solidFill>
-                  <a:schemeClr val="bg1"/>
-                </a:solidFill>
-                <a:latin typeface="배달의민족 주아" pitchFamily="18" charset="-127"/>
-                <a:ea typeface="배달의민족 주아" pitchFamily="18" charset="-127"/>
-              </a:rPr>
-              <a:t>변수</a:t>
-            </a:r>
-            <a:r>
-              <a:rPr lang="en-US" altLang="ko-KR" sz="2800" dirty="0" smtClean="0">
-                <a:solidFill>
-                  <a:schemeClr val="bg1"/>
-                </a:solidFill>
-                <a:latin typeface="배달의민족 주아" pitchFamily="18" charset="-127"/>
-                <a:ea typeface="배달의민족 주아" pitchFamily="18" charset="-127"/>
-              </a:rPr>
-              <a:t>(variable)</a:t>
-            </a:r>
-            <a:br>
-              <a:rPr lang="en-US" altLang="ko-KR" sz="2800" dirty="0" smtClean="0">
-                <a:solidFill>
-                  <a:schemeClr val="bg1"/>
-                </a:solidFill>
-                <a:latin typeface="배달의민족 주아" pitchFamily="18" charset="-127"/>
-                <a:ea typeface="배달의민족 주아" pitchFamily="18" charset="-127"/>
-              </a:rPr>
-            </a:br>
-            <a:r>
-              <a:rPr lang="en-US" altLang="ko-KR" sz="2800" dirty="0">
-                <a:solidFill>
-                  <a:schemeClr val="bg1"/>
-                </a:solidFill>
-                <a:latin typeface="배달의민족 주아" pitchFamily="18" charset="-127"/>
-                <a:ea typeface="배달의민족 주아" pitchFamily="18" charset="-127"/>
-              </a:rPr>
-              <a:t>	</a:t>
-            </a:r>
-            <a:r>
-              <a:rPr lang="en-US" altLang="ko-KR" sz="2800" dirty="0" smtClean="0">
-                <a:solidFill>
-                  <a:schemeClr val="bg1"/>
-                </a:solidFill>
-                <a:latin typeface="배달의민족 주아" pitchFamily="18" charset="-127"/>
-                <a:ea typeface="배달의민족 주아" pitchFamily="18" charset="-127"/>
-              </a:rPr>
-              <a:t>3.1 </a:t>
-            </a:r>
-            <a:r>
-              <a:rPr lang="ko-KR" altLang="en-US" sz="2800" dirty="0" smtClean="0">
-                <a:solidFill>
-                  <a:schemeClr val="bg1"/>
-                </a:solidFill>
-                <a:latin typeface="배달의민족 주아" pitchFamily="18" charset="-127"/>
-                <a:ea typeface="배달의민족 주아" pitchFamily="18" charset="-127"/>
-              </a:rPr>
-              <a:t>변수를 사용하는 이유</a:t>
-            </a:r>
-            <a:r>
-              <a:rPr lang="en-US" altLang="ko-KR" sz="2800" dirty="0" smtClean="0">
-                <a:solidFill>
-                  <a:schemeClr val="bg1"/>
-                </a:solidFill>
-                <a:latin typeface="배달의민족 주아" pitchFamily="18" charset="-127"/>
-                <a:ea typeface="배달의민족 주아" pitchFamily="18" charset="-127"/>
-              </a:rPr>
-              <a:t/>
-            </a:r>
-            <a:br>
-              <a:rPr lang="en-US" altLang="ko-KR" sz="2800" dirty="0" smtClean="0">
-                <a:solidFill>
-                  <a:schemeClr val="bg1"/>
-                </a:solidFill>
-                <a:latin typeface="배달의민족 주아" pitchFamily="18" charset="-127"/>
-                <a:ea typeface="배달의민족 주아" pitchFamily="18" charset="-127"/>
-              </a:rPr>
-            </a:br>
-            <a:r>
-              <a:rPr lang="en-US" altLang="ko-KR" sz="2800" dirty="0">
-                <a:solidFill>
-                  <a:schemeClr val="bg1"/>
-                </a:solidFill>
-                <a:latin typeface="배달의민족 주아" pitchFamily="18" charset="-127"/>
-                <a:ea typeface="배달의민족 주아" pitchFamily="18" charset="-127"/>
-              </a:rPr>
-              <a:t>	</a:t>
-            </a:r>
-            <a:r>
-              <a:rPr lang="en-US" altLang="ko-KR" sz="2800" dirty="0" smtClean="0">
-                <a:solidFill>
-                  <a:schemeClr val="bg1"/>
-                </a:solidFill>
-                <a:latin typeface="배달의민족 주아" pitchFamily="18" charset="-127"/>
-                <a:ea typeface="배달의민족 주아" pitchFamily="18" charset="-127"/>
-              </a:rPr>
-              <a:t>3.2 </a:t>
-            </a:r>
-            <a:r>
-              <a:rPr lang="ko-KR" altLang="en-US" sz="2800" dirty="0" smtClean="0">
-                <a:solidFill>
-                  <a:schemeClr val="bg1"/>
-                </a:solidFill>
-                <a:latin typeface="배달의민족 주아" pitchFamily="18" charset="-127"/>
-                <a:ea typeface="배달의민족 주아" pitchFamily="18" charset="-127"/>
-              </a:rPr>
-              <a:t>변수이름 짓는 </a:t>
-            </a:r>
-            <a:r>
-              <a:rPr lang="ko-KR" altLang="en-US" sz="2800" dirty="0" smtClean="0">
-                <a:solidFill>
-                  <a:schemeClr val="bg1"/>
-                </a:solidFill>
-                <a:latin typeface="배달의민족 주아" pitchFamily="18" charset="-127"/>
-                <a:ea typeface="배달의민족 주아" pitchFamily="18" charset="-127"/>
-              </a:rPr>
-              <a:t>규칙</a:t>
-            </a:r>
-            <a:r>
-              <a:rPr lang="en-US" altLang="ko-KR" sz="2800" dirty="0" smtClean="0">
-                <a:solidFill>
-                  <a:schemeClr val="bg1"/>
-                </a:solidFill>
-                <a:latin typeface="배달의민족 주아" pitchFamily="18" charset="-127"/>
-                <a:ea typeface="배달의민족 주아" pitchFamily="18" charset="-127"/>
-              </a:rPr>
-              <a:t/>
-            </a:r>
-            <a:br>
-              <a:rPr lang="en-US" altLang="ko-KR" sz="2800" dirty="0" smtClean="0">
-                <a:solidFill>
-                  <a:schemeClr val="bg1"/>
-                </a:solidFill>
-                <a:latin typeface="배달의민족 주아" pitchFamily="18" charset="-127"/>
-                <a:ea typeface="배달의민족 주아" pitchFamily="18" charset="-127"/>
-              </a:rPr>
-            </a:br>
-            <a:r>
-              <a:rPr lang="en-US" altLang="ko-KR" sz="2800" dirty="0">
-                <a:solidFill>
-                  <a:schemeClr val="bg1"/>
-                </a:solidFill>
-                <a:latin typeface="배달의민족 주아" pitchFamily="18" charset="-127"/>
-                <a:ea typeface="배달의민족 주아" pitchFamily="18" charset="-127"/>
-              </a:rPr>
-              <a:t>	</a:t>
-            </a:r>
-            <a:r>
-              <a:rPr lang="en-US" altLang="ko-KR" sz="2800" dirty="0" smtClean="0">
-                <a:solidFill>
-                  <a:schemeClr val="bg1"/>
-                </a:solidFill>
-                <a:latin typeface="배달의민족 주아" pitchFamily="18" charset="-127"/>
-                <a:ea typeface="배달의민족 주아" pitchFamily="18" charset="-127"/>
-              </a:rPr>
-              <a:t>3.3 </a:t>
-            </a:r>
-            <a:r>
-              <a:rPr lang="ko-KR" altLang="en-US" sz="2800" dirty="0" smtClean="0">
-                <a:solidFill>
-                  <a:schemeClr val="bg1"/>
-                </a:solidFill>
-                <a:latin typeface="배달의민족 주아" pitchFamily="18" charset="-127"/>
-                <a:ea typeface="배달의민족 주아" pitchFamily="18" charset="-127"/>
-              </a:rPr>
-              <a:t>변수 이해하기 </a:t>
-            </a:r>
-            <a:r>
-              <a:rPr lang="en-US" altLang="ko-KR" sz="2800" dirty="0" smtClean="0">
-                <a:solidFill>
-                  <a:schemeClr val="bg1"/>
-                </a:solidFill>
-                <a:latin typeface="배달의민족 주아" pitchFamily="18" charset="-127"/>
-                <a:ea typeface="배달의민족 주아" pitchFamily="18" charset="-127"/>
-              </a:rPr>
-              <a:t/>
-            </a:r>
-            <a:br>
-              <a:rPr lang="en-US" altLang="ko-KR" sz="2800" dirty="0" smtClean="0">
-                <a:solidFill>
-                  <a:schemeClr val="bg1"/>
-                </a:solidFill>
-                <a:latin typeface="배달의민족 주아" pitchFamily="18" charset="-127"/>
-                <a:ea typeface="배달의민족 주아" pitchFamily="18" charset="-127"/>
-              </a:rPr>
-            </a:br>
-            <a:r>
-              <a:rPr lang="en-US" altLang="ko-KR" sz="2800" dirty="0">
-                <a:solidFill>
-                  <a:schemeClr val="bg1"/>
-                </a:solidFill>
-                <a:latin typeface="배달의민족 주아" pitchFamily="18" charset="-127"/>
-                <a:ea typeface="배달의민족 주아" pitchFamily="18" charset="-127"/>
-              </a:rPr>
-              <a:t>	</a:t>
-            </a:r>
-            <a:r>
-              <a:rPr lang="en-US" altLang="ko-KR" sz="2800" dirty="0" smtClean="0">
-                <a:solidFill>
-                  <a:schemeClr val="bg1"/>
-                </a:solidFill>
-                <a:latin typeface="배달의민족 주아" pitchFamily="18" charset="-127"/>
-                <a:ea typeface="배달의민족 주아" pitchFamily="18" charset="-127"/>
-              </a:rPr>
-              <a:t>3.4 </a:t>
-            </a:r>
-            <a:r>
-              <a:rPr lang="ko-KR" altLang="en-US" sz="2800" dirty="0" smtClean="0">
-                <a:solidFill>
-                  <a:schemeClr val="bg1"/>
-                </a:solidFill>
-                <a:latin typeface="배달의민족 주아" pitchFamily="18" charset="-127"/>
-                <a:ea typeface="배달의민족 주아" pitchFamily="18" charset="-127"/>
-              </a:rPr>
-              <a:t>상수 이해하기</a:t>
-            </a:r>
-            <a:r>
-              <a:rPr lang="en-US" altLang="ko-KR" sz="2800" dirty="0" smtClean="0">
-                <a:solidFill>
-                  <a:schemeClr val="bg1"/>
-                </a:solidFill>
-                <a:latin typeface="배달의민족 주아" pitchFamily="18" charset="-127"/>
-                <a:ea typeface="배달의민족 주아" pitchFamily="18" charset="-127"/>
-              </a:rPr>
-              <a:t/>
-            </a:r>
-            <a:br>
-              <a:rPr lang="en-US" altLang="ko-KR" sz="2800" dirty="0" smtClean="0">
-                <a:solidFill>
-                  <a:schemeClr val="bg1"/>
-                </a:solidFill>
-                <a:latin typeface="배달의민족 주아" pitchFamily="18" charset="-127"/>
-                <a:ea typeface="배달의민족 주아" pitchFamily="18" charset="-127"/>
-              </a:rPr>
-            </a:br>
-            <a:r>
-              <a:rPr lang="en-US" altLang="ko-KR" sz="2800" dirty="0">
-                <a:solidFill>
-                  <a:schemeClr val="bg1"/>
-                </a:solidFill>
-                <a:latin typeface="배달의민족 주아" pitchFamily="18" charset="-127"/>
-                <a:ea typeface="배달의민족 주아" pitchFamily="18" charset="-127"/>
-              </a:rPr>
-              <a:t>	</a:t>
-            </a:r>
-            <a:r>
-              <a:rPr lang="en-US" altLang="ko-KR" sz="2800" dirty="0" smtClean="0">
-                <a:solidFill>
-                  <a:schemeClr val="bg1"/>
-                </a:solidFill>
-                <a:latin typeface="배달의민족 주아" pitchFamily="18" charset="-127"/>
-                <a:ea typeface="배달의민족 주아" pitchFamily="18" charset="-127"/>
-              </a:rPr>
-              <a:t>3.5 </a:t>
-            </a:r>
-            <a:r>
-              <a:rPr lang="ko-KR" altLang="en-US" sz="2800" dirty="0" err="1" smtClean="0">
-                <a:solidFill>
-                  <a:schemeClr val="bg1"/>
-                </a:solidFill>
-                <a:latin typeface="배달의민족 주아" pitchFamily="18" charset="-127"/>
-                <a:ea typeface="배달의민족 주아" pitchFamily="18" charset="-127"/>
-              </a:rPr>
-              <a:t>형변환</a:t>
-            </a:r>
-            <a:r>
-              <a:rPr lang="en-US" altLang="ko-KR" sz="2800" dirty="0" smtClean="0">
-                <a:solidFill>
-                  <a:schemeClr val="bg1"/>
-                </a:solidFill>
-                <a:latin typeface="배달의민족 주아" pitchFamily="18" charset="-127"/>
-                <a:ea typeface="배달의민족 주아" pitchFamily="18" charset="-127"/>
-              </a:rPr>
-              <a:t/>
-            </a:r>
-            <a:br>
-              <a:rPr lang="en-US" altLang="ko-KR" sz="2800" dirty="0" smtClean="0">
-                <a:solidFill>
-                  <a:schemeClr val="bg1"/>
-                </a:solidFill>
-                <a:latin typeface="배달의민족 주아" pitchFamily="18" charset="-127"/>
-                <a:ea typeface="배달의민족 주아" pitchFamily="18" charset="-127"/>
-              </a:rPr>
-            </a:br>
-            <a:r>
-              <a:rPr lang="en-US" altLang="ko-KR" sz="2800" dirty="0">
-                <a:solidFill>
-                  <a:schemeClr val="bg1"/>
-                </a:solidFill>
-                <a:latin typeface="배달의민족 주아" pitchFamily="18" charset="-127"/>
-                <a:ea typeface="배달의민족 주아" pitchFamily="18" charset="-127"/>
-              </a:rPr>
-              <a:t>	</a:t>
-            </a:r>
-            <a:r>
-              <a:rPr lang="en-US" altLang="ko-KR" sz="2800" dirty="0" smtClean="0">
-                <a:solidFill>
-                  <a:schemeClr val="bg1"/>
-                </a:solidFill>
-                <a:latin typeface="배달의민족 주아" pitchFamily="18" charset="-127"/>
-                <a:ea typeface="배달의민족 주아" pitchFamily="18" charset="-127"/>
-              </a:rPr>
-              <a:t>3.6 </a:t>
-            </a:r>
-            <a:r>
-              <a:rPr lang="ko-KR" altLang="en-US" sz="2800" dirty="0" smtClean="0">
-                <a:solidFill>
-                  <a:schemeClr val="bg1"/>
-                </a:solidFill>
-                <a:latin typeface="배달의민족 주아" pitchFamily="18" charset="-127"/>
-                <a:ea typeface="배달의민족 주아" pitchFamily="18" charset="-127"/>
-              </a:rPr>
               <a:t>문자열 </a:t>
             </a:r>
             <a:r>
-              <a:rPr lang="ko-KR" altLang="en-US" sz="2800" dirty="0" err="1" smtClean="0">
+              <a:rPr lang="ko-KR" altLang="en-US" sz="2800" dirty="0" err="1">
                 <a:solidFill>
                   <a:schemeClr val="bg1"/>
                 </a:solidFill>
@@ -11353,7 +10938,7 @@
           <a:lstStyle/>
           <a:p>
             <a:r>
-              <a:rPr lang="en-US" altLang="ko-KR" dirty="0" smtClean="0">
+              <a:rPr lang="en-US" altLang="ko-KR" dirty="0">
                 <a:solidFill>
                   <a:srgbClr val="FDE035"/>
                 </a:solidFill>
@@ -11363,7 +10948,7 @@
               <a:t>S</a:t>
             </a:r>
             <a:r>
-              <a:rPr lang="en-US" altLang="ko-KR" dirty="0" smtClean="0">
+              <a:rPr lang="en-US" altLang="ko-KR" dirty="0">
                 <a:solidFill>
                   <a:schemeClr val="bg1"/>
                 </a:solidFill>
@@ -11373,7 +10958,7 @@
               <a:t>TART</a:t>
             </a:r>
             <a:r>
-              <a:rPr lang="en-US" altLang="ko-KR" dirty="0" smtClean="0">
+              <a:rPr lang="en-US" altLang="ko-KR" dirty="0">
                 <a:solidFill>
                   <a:srgbClr val="FDE035"/>
                 </a:solidFill>
@@ -11383,7 +10968,7 @@
               <a:t>C</a:t>
             </a:r>
             <a:r>
-              <a:rPr lang="en-US" altLang="ko-KR" dirty="0" smtClean="0">
+              <a:rPr lang="en-US" altLang="ko-KR" dirty="0">
                 <a:solidFill>
                   <a:schemeClr val="bg1"/>
                 </a:solidFill>
@@ -11412,13 +10997,6 @@
   <p:clrMapOvr>
     <a:masterClrMapping/>
   </p:clrMapOvr>
-  <p:timing>
-    <p:tnLst>
-      <p:par>
-        <p:cTn id="1" dur="indefinite" restart="never" nodeType="tmRoot"/>
-      </p:par>
-    </p:tnLst>
-  </p:timing>
 </p:sld>
 </file>
 
@@ -11460,14 +11038,14 @@
           <a:lstStyle/>
           <a:p>
             <a:r>
-              <a:rPr lang="ko-KR" altLang="en-US" dirty="0" smtClean="0">
+              <a:rPr lang="ko-KR" altLang="en-US" dirty="0">
                 <a:latin typeface="배달의민족 주아" pitchFamily="18" charset="-127"/>
                 <a:ea typeface="배달의민족 주아" pitchFamily="18" charset="-127"/>
               </a:rPr>
               <a:t>문자열 </a:t>
             </a:r>
             <a:r>
-              <a:rPr lang="ko-KR" altLang="en-US" dirty="0" err="1" smtClean="0">
+              <a:rPr lang="ko-KR" altLang="en-US" dirty="0" err="1">
                 <a:latin typeface="배달의민족 주아" pitchFamily="18" charset="-127"/>
                 <a:ea typeface="배달의민족 주아" pitchFamily="18" charset="-127"/>
               </a:rPr>
@@ -11503,7 +11081,7 @@
           <a:lstStyle/>
           <a:p>
             <a:r>
-              <a:rPr lang="en-US" altLang="ko-KR" dirty="0" smtClean="0">
+              <a:rPr lang="en-US" altLang="ko-KR" dirty="0">
                 <a:solidFill>
                   <a:schemeClr val="accent5"/>
                 </a:solidFill>
@@ -11513,14 +11091,14 @@
               <a:t>S</a:t>
             </a:r>
             <a:r>
-              <a:rPr lang="en-US" altLang="ko-KR" dirty="0" smtClean="0">
+              <a:rPr lang="en-US" altLang="ko-KR" dirty="0">
                 <a:latin typeface="배달의민족 도현" pitchFamily="50" charset="-127"/>
                 <a:ea typeface="배달의민족 도현" pitchFamily="50" charset="-127"/>
               </a:rPr>
               <a:t>TART</a:t>
             </a:r>
             <a:r>
-              <a:rPr lang="en-US" altLang="ko-KR" dirty="0" smtClean="0">
+              <a:rPr lang="en-US" altLang="ko-KR" dirty="0">
                 <a:solidFill>
                   <a:schemeClr val="accent5"/>
                 </a:solidFill>
@@ -11530,7 +11108,7 @@
               <a:t>C</a:t>
             </a:r>
             <a:r>
-              <a:rPr lang="en-US" altLang="ko-KR" dirty="0" smtClean="0">
+              <a:rPr lang="en-US" altLang="ko-KR" dirty="0">
                 <a:latin typeface="배달의민족 도현" pitchFamily="50" charset="-127"/>
                 <a:ea typeface="배달의민족 도현" pitchFamily="50" charset="-127"/>
               </a:rPr>
@@ -11565,21 +11143,21 @@
           <a:lstStyle/>
           <a:p>
             <a:r>
-              <a:rPr lang="en-US" altLang="ko-KR" dirty="0" smtClean="0">
+              <a:rPr lang="en-US" altLang="ko-KR" dirty="0">
                 <a:latin typeface="배달의민족 주아" pitchFamily="18" charset="-127"/>
                 <a:ea typeface="배달의민족 주아" pitchFamily="18" charset="-127"/>
               </a:rPr>
               <a:t>3. </a:t>
             </a:r>
             <a:r>
-              <a:rPr lang="ko-KR" altLang="en-US" dirty="0" smtClean="0">
+              <a:rPr lang="ko-KR" altLang="en-US" dirty="0">
                 <a:latin typeface="배달의민족 주아" pitchFamily="18" charset="-127"/>
                 <a:ea typeface="배달의민족 주아" pitchFamily="18" charset="-127"/>
               </a:rPr>
               <a:t>변수</a:t>
             </a:r>
             <a:r>
-              <a:rPr lang="en-US" altLang="ko-KR" dirty="0" smtClean="0">
+              <a:rPr lang="en-US" altLang="ko-KR" dirty="0">
                 <a:latin typeface="배달의민족 주아" pitchFamily="18" charset="-127"/>
                 <a:ea typeface="배달의민족 주아" pitchFamily="18" charset="-127"/>
               </a:rPr>
@@ -11704,15 +11282,6 @@
             </a:endParaRPr>
           </a:p>
           <a:p>
-            <a:r>
-              <a:rPr lang="en-US" altLang="ko-KR" sz="1600" dirty="0">
-                <a:solidFill>
-                  <a:srgbClr val="D4D4D4"/>
-                </a:solidFill>
-                <a:latin typeface="Consolas"/>
-              </a:rPr>
-              <a:t/>
-            </a:r>
             <a:br>
               <a:rPr lang="en-US" altLang="ko-KR" sz="1600" dirty="0">
                 <a:solidFill>
@@ -11922,7 +11491,7 @@
           </a:lstStyle>
           <a:p>
             <a:r>
-              <a:rPr lang="en-US" altLang="ko-KR" sz="3600" dirty="0" smtClean="0">
+              <a:rPr lang="en-US" altLang="ko-KR" sz="3600" dirty="0">
                 <a:solidFill>
                   <a:schemeClr val="accent6"/>
                 </a:solidFill>
@@ -12150,16 +11719,12 @@
           </a:lstStyle>
           <a:p>
             <a:r>
-              <a:rPr lang="ko-KR" altLang="en-US" dirty="0" smtClean="0">
+              <a:rPr lang="ko-KR" altLang="en-US" dirty="0">
                 <a:latin typeface="배달의민족 주아" pitchFamily="18" charset="-127"/>
                 <a:ea typeface="배달의민족 주아" pitchFamily="18" charset="-127"/>
               </a:rPr>
               <a:t>감사합니다</a:t>
             </a:r>
-            <a:endParaRPr lang="ko-KR" altLang="en-US" dirty="0">
-              <a:latin typeface="배달의민족 주아" pitchFamily="18" charset="-127"/>
-              <a:ea typeface="배달의민족 주아" pitchFamily="18" charset="-127"/>
-            </a:endParaRPr>
           </a:p>
         </p:txBody>
       </p:sp>
@@ -12186,7 +11751,7 @@
           <a:lstStyle/>
           <a:p>
             <a:r>
-              <a:rPr lang="en-US" altLang="ko-KR" dirty="0" smtClean="0">
+              <a:rPr lang="en-US" altLang="ko-KR" dirty="0">
                 <a:solidFill>
                   <a:schemeClr val="accent5"/>
                 </a:solidFill>
@@ -12196,14 +11761,14 @@
               <a:t>S</a:t>
             </a:r>
             <a:r>
-              <a:rPr lang="en-US" altLang="ko-KR" dirty="0" smtClean="0">
+              <a:rPr lang="en-US" altLang="ko-KR" dirty="0">
                 <a:latin typeface="배달의민족 도현" pitchFamily="50" charset="-127"/>
                 <a:ea typeface="배달의민족 도현" pitchFamily="50" charset="-127"/>
               </a:rPr>
               <a:t>TART</a:t>
             </a:r>
             <a:r>
-              <a:rPr lang="en-US" altLang="ko-KR" dirty="0" smtClean="0">
+              <a:rPr lang="en-US" altLang="ko-KR" dirty="0">
                 <a:solidFill>
                   <a:schemeClr val="accent5"/>
                 </a:solidFill>
@@ -12213,7 +11778,7 @@
               <a:t>C</a:t>
             </a:r>
             <a:r>
-              <a:rPr lang="en-US" altLang="ko-KR" dirty="0" smtClean="0">
+              <a:rPr lang="en-US" altLang="ko-KR" dirty="0">
                 <a:latin typeface="배달의민족 도현" pitchFamily="50" charset="-127"/>
                 <a:ea typeface="배달의민족 도현" pitchFamily="50" charset="-127"/>
               </a:rPr>
@@ -12248,7 +11813,7 @@
           <a:lstStyle/>
           <a:p>
             <a:r>
-              <a:rPr lang="en-US" altLang="ko-KR" i="1" dirty="0" smtClean="0">
+              <a:rPr lang="en-US" altLang="ko-KR" i="1" dirty="0">
                 <a:latin typeface="Adobe Ming Std L" pitchFamily="18" charset="-128"/>
                 <a:ea typeface="Adobe Ming Std L" pitchFamily="18" charset="-128"/>
               </a:rPr>
@@ -12270,13 +11835,6 @@
   <p:clrMapOvr>
     <a:masterClrMapping/>
   </p:clrMapOvr>
-  <p:timing>
-    <p:tnLst>
-      <p:par>
-        <p:cTn id="1" dur="indefinite" restart="never" nodeType="tmRoot"/>
-      </p:par>
-    </p:tnLst>
-  </p:timing>
 </p:sld>
 </file>
 
@@ -12318,14 +11876,14 @@
           <a:lstStyle/>
           <a:p>
             <a:r>
-              <a:rPr lang="ko-KR" altLang="en-US" dirty="0" smtClean="0">
+              <a:rPr lang="ko-KR" altLang="en-US" dirty="0">
                 <a:latin typeface="배달의민족 주아" pitchFamily="18" charset="-127"/>
                 <a:ea typeface="배달의민족 주아" pitchFamily="18" charset="-127"/>
               </a:rPr>
               <a:t>자료</a:t>
             </a:r>
             <a:r>
-              <a:rPr lang="en-US" altLang="ko-KR" dirty="0" smtClean="0">
+              <a:rPr lang="en-US" altLang="ko-KR" dirty="0">
                 <a:latin typeface="배달의민족 주아" pitchFamily="18" charset="-127"/>
                 <a:ea typeface="배달의민족 주아" pitchFamily="18" charset="-127"/>
               </a:rPr>
@@ -12361,7 +11919,7 @@
           <a:lstStyle/>
           <a:p>
             <a:r>
-              <a:rPr lang="en-US" altLang="ko-KR" dirty="0" smtClean="0">
+              <a:rPr lang="en-US" altLang="ko-KR" dirty="0">
                 <a:solidFill>
                   <a:schemeClr val="accent5"/>
                 </a:solidFill>
@@ -12371,14 +11929,14 @@
               <a:t>S</a:t>
             </a:r>
             <a:r>
-              <a:rPr lang="en-US" altLang="ko-KR" dirty="0" smtClean="0">
+              <a:rPr lang="en-US" altLang="ko-KR" dirty="0">
                 <a:latin typeface="배달의민족 도현" pitchFamily="50" charset="-127"/>
                 <a:ea typeface="배달의민족 도현" pitchFamily="50" charset="-127"/>
               </a:rPr>
               <a:t>TART</a:t>
             </a:r>
             <a:r>
-              <a:rPr lang="en-US" altLang="ko-KR" dirty="0" smtClean="0">
+              <a:rPr lang="en-US" altLang="ko-KR" dirty="0">
                 <a:solidFill>
                   <a:schemeClr val="accent5"/>
                 </a:solidFill>
@@ -12388,7 +11946,7 @@
               <a:t>C</a:t>
             </a:r>
             <a:r>
-              <a:rPr lang="en-US" altLang="ko-KR" dirty="0" smtClean="0">
+              <a:rPr lang="en-US" altLang="ko-KR" dirty="0">
                 <a:latin typeface="배달의민족 도현" pitchFamily="50" charset="-127"/>
                 <a:ea typeface="배달의민족 도현" pitchFamily="50" charset="-127"/>
               </a:rPr>
@@ -12475,39 +12033,32 @@
               <a:t>1. </a:t>
             </a:r>
             <a:r>
-              <a:rPr lang="ko-KR" altLang="en-US" dirty="0" smtClean="0">
+              <a:rPr lang="ko-KR" altLang="en-US" dirty="0">
                 <a:latin typeface="배달의민족 주아" pitchFamily="18" charset="-127"/>
                 <a:ea typeface="배달의민족 주아" pitchFamily="18" charset="-127"/>
               </a:rPr>
               <a:t>자료</a:t>
             </a:r>
             <a:r>
-              <a:rPr lang="en-US" altLang="ko-KR" dirty="0" smtClean="0">
+              <a:rPr lang="en-US" altLang="ko-KR" dirty="0">
                 <a:latin typeface="배달의민족 주아" pitchFamily="18" charset="-127"/>
                 <a:ea typeface="배달의민족 주아" pitchFamily="18" charset="-127"/>
               </a:rPr>
               <a:t>(data)</a:t>
             </a:r>
             <a:r>
-              <a:rPr lang="ko-KR" altLang="en-US" dirty="0" smtClean="0">
+              <a:rPr lang="ko-KR" altLang="en-US" dirty="0">
                 <a:latin typeface="배달의민족 주아" pitchFamily="18" charset="-127"/>
                 <a:ea typeface="배달의민족 주아" pitchFamily="18" charset="-127"/>
               </a:rPr>
               <a:t>란</a:t>
             </a:r>
             <a:r>
-              <a:rPr lang="en-US" altLang="ko-KR" dirty="0" smtClean="0">
+              <a:rPr lang="en-US" altLang="ko-KR" dirty="0">
                 <a:latin typeface="배달의민족 주아" pitchFamily="18" charset="-127"/>
                 <a:ea typeface="배달의민족 주아" pitchFamily="18" charset="-127"/>
               </a:rPr>
               <a:t>?</a:t>
-            </a:r>
-            <a:r>
-              <a:rPr lang="en-US" altLang="ko-KR" dirty="0">
-                <a:latin typeface="배달의민족 주아" pitchFamily="18" charset="-127"/>
-                <a:ea typeface="배달의민족 주아" pitchFamily="18" charset="-127"/>
-              </a:rPr>
-              <a:t/>
             </a:r>
             <a:br>
               <a:rPr lang="en-US" altLang="ko-KR" dirty="0">
@@ -12849,7 +12400,7 @@
           <a:lstStyle/>
           <a:p>
             <a:r>
-              <a:rPr lang="ko-KR" altLang="en-US" dirty="0" err="1" smtClean="0">
+              <a:rPr lang="ko-KR" altLang="en-US" dirty="0" err="1">
                 <a:latin typeface="배달의민족 주아" pitchFamily="18" charset="-127"/>
                 <a:ea typeface="배달의민족 주아" pitchFamily="18" charset="-127"/>
               </a:rPr>
@@ -12885,7 +12436,7 @@
           <a:lstStyle/>
           <a:p>
             <a:r>
-              <a:rPr lang="en-US" altLang="ko-KR" dirty="0" smtClean="0">
+              <a:rPr lang="en-US" altLang="ko-KR" dirty="0">
                 <a:solidFill>
                   <a:schemeClr val="accent5"/>
                 </a:solidFill>
@@ -12895,14 +12446,14 @@
               <a:t>S</a:t>
             </a:r>
             <a:r>
-              <a:rPr lang="en-US" altLang="ko-KR" dirty="0" smtClean="0">
+              <a:rPr lang="en-US" altLang="ko-KR" dirty="0">
                 <a:latin typeface="배달의민족 도현" pitchFamily="50" charset="-127"/>
                 <a:ea typeface="배달의민족 도현" pitchFamily="50" charset="-127"/>
               </a:rPr>
               <a:t>TART</a:t>
             </a:r>
             <a:r>
-              <a:rPr lang="en-US" altLang="ko-KR" dirty="0" smtClean="0">
+              <a:rPr lang="en-US" altLang="ko-KR" dirty="0">
                 <a:solidFill>
                   <a:schemeClr val="accent5"/>
                 </a:solidFill>
@@ -12912,7 +12463,7 @@
               <a:t>C</a:t>
             </a:r>
             <a:r>
-              <a:rPr lang="en-US" altLang="ko-KR" dirty="0" smtClean="0">
+              <a:rPr lang="en-US" altLang="ko-KR" dirty="0">
                 <a:latin typeface="배달의민족 도현" pitchFamily="50" charset="-127"/>
                 <a:ea typeface="배달의민족 도현" pitchFamily="50" charset="-127"/>
               </a:rPr>
@@ -12996,35 +12547,21 @@
                 <a:latin typeface="배달의민족 주아" pitchFamily="18" charset="-127"/>
                 <a:ea typeface="배달의민족 주아" pitchFamily="18" charset="-127"/>
               </a:rPr>
-              <a:t>2</a:t>
-            </a:r>
-            <a:r>
-              <a:rPr lang="en-US" altLang="ko-KR" dirty="0" smtClean="0">
-                <a:latin typeface="배달의민족 주아" pitchFamily="18" charset="-127"/>
-                <a:ea typeface="배달의민족 주아" pitchFamily="18" charset="-127"/>
-              </a:rPr>
-              <a:t>. </a:t>
-            </a:r>
-            <a:r>
-              <a:rPr lang="ko-KR" altLang="en-US" dirty="0" err="1" smtClean="0">
+              <a:t>2. </a:t>
+            </a:r>
+            <a:r>
+              <a:rPr lang="ko-KR" altLang="en-US" dirty="0" err="1">
                 <a:latin typeface="배달의민족 주아" pitchFamily="18" charset="-127"/>
                 <a:ea typeface="배달의민족 주아" pitchFamily="18" charset="-127"/>
               </a:rPr>
               <a:t>자료형</a:t>
             </a:r>
             <a:r>
-              <a:rPr lang="en-US" altLang="ko-KR" dirty="0" smtClean="0">
+              <a:rPr lang="en-US" altLang="ko-KR" dirty="0">
                 <a:latin typeface="배달의민족 주아" pitchFamily="18" charset="-127"/>
                 <a:ea typeface="배달의민족 주아" pitchFamily="18" charset="-127"/>
               </a:rPr>
               <a:t>(data Type)</a:t>
-            </a:r>
-            <a:r>
-              <a:rPr lang="en-US" altLang="ko-KR" dirty="0">
-                <a:latin typeface="배달의민족 주아" pitchFamily="18" charset="-127"/>
-                <a:ea typeface="배달의민족 주아" pitchFamily="18" charset="-127"/>
-              </a:rPr>
-              <a:t/>
             </a:r>
             <a:br>
               <a:rPr lang="en-US" altLang="ko-KR" dirty="0">
@@ -13075,7 +12612,7 @@
           </a:lstStyle>
           <a:p>
             <a:r>
-              <a:rPr lang="ko-KR" altLang="en-US" sz="3600" dirty="0" smtClean="0">
+              <a:rPr lang="ko-KR" altLang="en-US" sz="3600" dirty="0">
                 <a:solidFill>
                   <a:schemeClr val="accent5"/>
                 </a:solidFill>
@@ -13085,7 +12622,7 @@
               <a:t>정수</a:t>
             </a:r>
             <a:r>
-              <a:rPr lang="en-US" altLang="ko-KR" sz="3600" dirty="0" smtClean="0">
+              <a:rPr lang="en-US" altLang="ko-KR" sz="3600" dirty="0">
                 <a:solidFill>
                   <a:schemeClr val="accent5"/>
                 </a:solidFill>
@@ -13095,7 +12632,7 @@
               <a:t>(</a:t>
             </a:r>
             <a:r>
-              <a:rPr lang="en-US" altLang="ko-KR" sz="3600" dirty="0" err="1" smtClean="0">
+              <a:rPr lang="en-US" altLang="ko-KR" sz="3600" dirty="0" err="1">
                 <a:solidFill>
                   <a:schemeClr val="accent5"/>
                 </a:solidFill>
@@ -13105,7 +12642,7 @@
               <a:t>int</a:t>
             </a:r>
             <a:r>
-              <a:rPr lang="en-US" altLang="ko-KR" sz="3600" dirty="0" smtClean="0">
+              <a:rPr lang="en-US" altLang="ko-KR" sz="3600" dirty="0">
                 <a:solidFill>
                   <a:schemeClr val="accent5"/>
                 </a:solidFill>
@@ -13163,7 +12700,7 @@
           </a:lstStyle>
           <a:p>
             <a:r>
-              <a:rPr lang="en-US" altLang="ko-KR" dirty="0" smtClean="0">
+              <a:rPr lang="en-US" altLang="ko-KR" dirty="0">
                 <a:latin typeface="배달의민족 주아" pitchFamily="18" charset="-127"/>
                 <a:ea typeface="배달의민족 주아" pitchFamily="18" charset="-127"/>
               </a:rPr>
@@ -13215,7 +12752,7 @@
           </a:lstStyle>
           <a:p>
             <a:r>
-              <a:rPr lang="ko-KR" altLang="en-US" sz="3600" dirty="0" smtClean="0">
+              <a:rPr lang="ko-KR" altLang="en-US" sz="3600" dirty="0">
                 <a:solidFill>
                   <a:schemeClr val="accent5"/>
                 </a:solidFill>
@@ -13225,7 +12762,7 @@
               <a:t>실수</a:t>
             </a:r>
             <a:r>
-              <a:rPr lang="en-US" altLang="ko-KR" sz="3600" dirty="0" smtClean="0">
+              <a:rPr lang="en-US" altLang="ko-KR" sz="3600" dirty="0">
                 <a:solidFill>
                   <a:schemeClr val="accent5"/>
                 </a:solidFill>
@@ -13283,7 +12820,7 @@
           </a:lstStyle>
           <a:p>
             <a:r>
-              <a:rPr lang="en-US" altLang="ko-KR" dirty="0" smtClean="0">
+              <a:rPr lang="en-US" altLang="ko-KR" dirty="0">
                 <a:latin typeface="배달의민족 주아" pitchFamily="18" charset="-127"/>
                 <a:ea typeface="배달의민족 주아" pitchFamily="18" charset="-127"/>
               </a:rPr>
@@ -13654,16 +13191,12 @@
           <a:lstStyle/>
           <a:p>
             <a:r>
-              <a:rPr lang="ko-KR" altLang="en-US" dirty="0" smtClean="0">
+              <a:rPr lang="ko-KR" altLang="en-US" dirty="0">
                 <a:latin typeface="배달의민족 주아" pitchFamily="18" charset="-127"/>
                 <a:ea typeface="배달의민족 주아" pitchFamily="18" charset="-127"/>
               </a:rPr>
               <a:t>문자형</a:t>
             </a:r>
-            <a:endParaRPr lang="ko-KR" altLang="en-US" dirty="0">
-              <a:latin typeface="배달의민족 주아" pitchFamily="18" charset="-127"/>
-              <a:ea typeface="배달의민족 주아" pitchFamily="18" charset="-127"/>
-            </a:endParaRPr>
           </a:p>
         </p:txBody>
       </p:sp>
@@ -13690,7 +13223,7 @@
           <a:lstStyle/>
           <a:p>
             <a:r>
-              <a:rPr lang="en-US" altLang="ko-KR" dirty="0" smtClean="0">
+              <a:rPr lang="en-US" altLang="ko-KR" dirty="0">
                 <a:solidFill>
                   <a:schemeClr val="accent5"/>
                 </a:solidFill>
@@ -13700,14 +13233,14 @@
               <a:t>S</a:t>
             </a:r>
             <a:r>
-              <a:rPr lang="en-US" altLang="ko-KR" dirty="0" smtClean="0">
+              <a:rPr lang="en-US" altLang="ko-KR" dirty="0">
                 <a:latin typeface="배달의민족 도현" pitchFamily="50" charset="-127"/>
                 <a:ea typeface="배달의민족 도현" pitchFamily="50" charset="-127"/>
               </a:rPr>
               <a:t>TART</a:t>
             </a:r>
             <a:r>
-              <a:rPr lang="en-US" altLang="ko-KR" dirty="0" smtClean="0">
+              <a:rPr lang="en-US" altLang="ko-KR" dirty="0">
                 <a:solidFill>
                   <a:schemeClr val="accent5"/>
                 </a:solidFill>
@@ -13717,7 +13250,7 @@
               <a:t>C</a:t>
             </a:r>
             <a:r>
-              <a:rPr lang="en-US" altLang="ko-KR" dirty="0" smtClean="0">
+              <a:rPr lang="en-US" altLang="ko-KR" dirty="0">
                 <a:latin typeface="배달의민족 도현" pitchFamily="50" charset="-127"/>
                 <a:ea typeface="배달의민족 도현" pitchFamily="50" charset="-127"/>
               </a:rPr>
@@ -13801,35 +13334,21 @@
                 <a:latin typeface="배달의민족 주아" pitchFamily="18" charset="-127"/>
                 <a:ea typeface="배달의민족 주아" pitchFamily="18" charset="-127"/>
               </a:rPr>
-              <a:t>2</a:t>
-            </a:r>
-            <a:r>
-              <a:rPr lang="en-US" altLang="ko-KR" dirty="0" smtClean="0">
-                <a:latin typeface="배달의민족 주아" pitchFamily="18" charset="-127"/>
-                <a:ea typeface="배달의민족 주아" pitchFamily="18" charset="-127"/>
-              </a:rPr>
-              <a:t>. </a:t>
-            </a:r>
-            <a:r>
-              <a:rPr lang="ko-KR" altLang="en-US" dirty="0" err="1" smtClean="0">
+              <a:t>2. </a:t>
+            </a:r>
+            <a:r>
+              <a:rPr lang="ko-KR" altLang="en-US" dirty="0" err="1">
                 <a:latin typeface="배달의민족 주아" pitchFamily="18" charset="-127"/>
                 <a:ea typeface="배달의민족 주아" pitchFamily="18" charset="-127"/>
               </a:rPr>
               <a:t>자료형</a:t>
             </a:r>
             <a:r>
-              <a:rPr lang="en-US" altLang="ko-KR" dirty="0" smtClean="0">
+              <a:rPr lang="en-US" altLang="ko-KR" dirty="0">
                 <a:latin typeface="배달의민족 주아" pitchFamily="18" charset="-127"/>
                 <a:ea typeface="배달의민족 주아" pitchFamily="18" charset="-127"/>
               </a:rPr>
               <a:t>(data Type)</a:t>
-            </a:r>
-            <a:r>
-              <a:rPr lang="en-US" altLang="ko-KR" dirty="0">
-                <a:latin typeface="배달의민족 주아" pitchFamily="18" charset="-127"/>
-                <a:ea typeface="배달의민족 주아" pitchFamily="18" charset="-127"/>
-              </a:rPr>
-              <a:t/>
             </a:r>
             <a:br>
               <a:rPr lang="en-US" altLang="ko-KR" dirty="0">
@@ -13880,7 +13399,7 @@
           </a:lstStyle>
           <a:p>
             <a:r>
-              <a:rPr lang="ko-KR" altLang="en-US" sz="3600" dirty="0" smtClean="0">
+              <a:rPr lang="ko-KR" altLang="en-US" sz="3600" dirty="0">
                 <a:solidFill>
                   <a:schemeClr val="accent5"/>
                 </a:solidFill>
@@ -13890,7 +13409,7 @@
               <a:t>문자열</a:t>
             </a:r>
             <a:r>
-              <a:rPr lang="en-US" altLang="ko-KR" sz="3600" dirty="0" smtClean="0">
+              <a:rPr lang="en-US" altLang="ko-KR" sz="3600" dirty="0">
                 <a:solidFill>
                   <a:schemeClr val="accent5"/>
                 </a:solidFill>
@@ -13948,7 +13467,7 @@
           </a:lstStyle>
           <a:p>
             <a:r>
-              <a:rPr lang="en-US" altLang="ko-KR" dirty="0" smtClean="0">
+              <a:rPr lang="en-US" altLang="ko-KR" dirty="0">
                 <a:solidFill>
                   <a:schemeClr val="accent6"/>
                 </a:solidFill>
@@ -13958,21 +13477,21 @@
               <a:t>'</a:t>
             </a:r>
             <a:r>
-              <a:rPr lang="en-US" altLang="ko-KR" dirty="0" smtClean="0">
+              <a:rPr lang="en-US" altLang="ko-KR" dirty="0">
                 <a:latin typeface="배달의민족 주아" pitchFamily="18" charset="-127"/>
                 <a:ea typeface="배달의민족 주아" pitchFamily="18" charset="-127"/>
               </a:rPr>
               <a:t>he is </a:t>
             </a:r>
             <a:r>
-              <a:rPr lang="en-US" altLang="ko-KR" dirty="0" err="1" smtClean="0">
+              <a:rPr lang="en-US" altLang="ko-KR" dirty="0" err="1">
                 <a:latin typeface="배달의민족 주아" pitchFamily="18" charset="-127"/>
                 <a:ea typeface="배달의민족 주아" pitchFamily="18" charset="-127"/>
               </a:rPr>
               <a:t>korean</a:t>
             </a:r>
             <a:r>
-              <a:rPr lang="en-US" altLang="ko-KR" dirty="0" smtClean="0">
+              <a:rPr lang="en-US" altLang="ko-KR" dirty="0">
                 <a:solidFill>
                   <a:schemeClr val="accent6"/>
                 </a:solidFill>
@@ -14030,7 +13549,7 @@
           </a:lstStyle>
           <a:p>
             <a:r>
-              <a:rPr lang="en-US" altLang="ko-KR" dirty="0" smtClean="0">
+              <a:rPr lang="en-US" altLang="ko-KR" dirty="0">
                 <a:solidFill>
                   <a:schemeClr val="accent6"/>
                 </a:solidFill>
@@ -14040,21 +13559,21 @@
               <a:t>"</a:t>
             </a:r>
             <a:r>
-              <a:rPr lang="en-US" altLang="ko-KR" dirty="0" smtClean="0">
+              <a:rPr lang="en-US" altLang="ko-KR" dirty="0">
                 <a:latin typeface="배달의민족 주아" pitchFamily="18" charset="-127"/>
                 <a:ea typeface="배달의민족 주아" pitchFamily="18" charset="-127"/>
               </a:rPr>
               <a:t>he is </a:t>
             </a:r>
             <a:r>
-              <a:rPr lang="en-US" altLang="ko-KR" dirty="0" err="1" smtClean="0">
+              <a:rPr lang="en-US" altLang="ko-KR" dirty="0" err="1">
                 <a:latin typeface="배달의민족 주아" pitchFamily="18" charset="-127"/>
                 <a:ea typeface="배달의민족 주아" pitchFamily="18" charset="-127"/>
               </a:rPr>
               <a:t>korean</a:t>
             </a:r>
             <a:r>
-              <a:rPr lang="en-US" altLang="ko-KR" dirty="0" smtClean="0">
+              <a:rPr lang="en-US" altLang="ko-KR" dirty="0">
                 <a:solidFill>
                   <a:schemeClr val="accent6"/>
                 </a:solidFill>
@@ -14377,35 +13896,35 @@
           <a:lstStyle/>
           <a:p>
             <a:r>
-              <a:rPr lang="en-US" altLang="ko-KR" dirty="0" smtClean="0">
+              <a:rPr lang="en-US" altLang="ko-KR" dirty="0">
                 <a:latin typeface="배달의민족 주아" pitchFamily="18" charset="-127"/>
                 <a:ea typeface="배달의민족 주아" pitchFamily="18" charset="-127"/>
               </a:rPr>
               <a:t>'</a:t>
             </a:r>
             <a:r>
-              <a:rPr lang="ko-KR" altLang="en-US" dirty="0" smtClean="0">
+              <a:rPr lang="ko-KR" altLang="en-US" dirty="0">
                 <a:latin typeface="배달의민족 주아" pitchFamily="18" charset="-127"/>
                 <a:ea typeface="배달의민족 주아" pitchFamily="18" charset="-127"/>
               </a:rPr>
               <a:t>과 </a:t>
             </a:r>
             <a:r>
-              <a:rPr lang="en-US" altLang="ko-KR" dirty="0" smtClean="0">
+              <a:rPr lang="en-US" altLang="ko-KR" dirty="0">
                 <a:latin typeface="배달의민족 주아" pitchFamily="18" charset="-127"/>
                 <a:ea typeface="배달의민족 주아" pitchFamily="18" charset="-127"/>
               </a:rPr>
               <a:t>"</a:t>
             </a:r>
             <a:r>
-              <a:rPr lang="ko-KR" altLang="en-US" dirty="0" smtClean="0">
+              <a:rPr lang="ko-KR" altLang="en-US" dirty="0">
                 <a:latin typeface="배달의민족 주아" pitchFamily="18" charset="-127"/>
                 <a:ea typeface="배달의민족 주아" pitchFamily="18" charset="-127"/>
               </a:rPr>
               <a:t>를 구분해서 사용하는 이유</a:t>
             </a:r>
             <a:r>
-              <a:rPr lang="en-US" altLang="ko-KR" dirty="0" smtClean="0">
+              <a:rPr lang="en-US" altLang="ko-KR" dirty="0">
                 <a:latin typeface="배달의민족 주아" pitchFamily="18" charset="-127"/>
                 <a:ea typeface="배달의민족 주아" pitchFamily="18" charset="-127"/>
               </a:rPr>
@@ -14441,7 +13960,7 @@
           <a:lstStyle/>
           <a:p>
             <a:r>
-              <a:rPr lang="en-US" altLang="ko-KR" dirty="0" smtClean="0">
+              <a:rPr lang="en-US" altLang="ko-KR" dirty="0">
                 <a:solidFill>
                   <a:schemeClr val="accent5"/>
                 </a:solidFill>
@@ -14451,14 +13970,14 @@
               <a:t>S</a:t>
             </a:r>
             <a:r>
-              <a:rPr lang="en-US" altLang="ko-KR" dirty="0" smtClean="0">
+              <a:rPr lang="en-US" altLang="ko-KR" dirty="0">
                 <a:latin typeface="배달의민족 도현" pitchFamily="50" charset="-127"/>
                 <a:ea typeface="배달의민족 도현" pitchFamily="50" charset="-127"/>
               </a:rPr>
               <a:t>TART</a:t>
             </a:r>
             <a:r>
-              <a:rPr lang="en-US" altLang="ko-KR" dirty="0" smtClean="0">
+              <a:rPr lang="en-US" altLang="ko-KR" dirty="0">
                 <a:solidFill>
                   <a:schemeClr val="accent5"/>
                 </a:solidFill>
@@ -14468,7 +13987,7 @@
               <a:t>C</a:t>
             </a:r>
             <a:r>
-              <a:rPr lang="en-US" altLang="ko-KR" dirty="0" smtClean="0">
+              <a:rPr lang="en-US" altLang="ko-KR" dirty="0">
                 <a:latin typeface="배달의민족 도현" pitchFamily="50" charset="-127"/>
                 <a:ea typeface="배달의민족 도현" pitchFamily="50" charset="-127"/>
               </a:rPr>
@@ -14552,35 +14071,21 @@
                 <a:latin typeface="배달의민족 주아" pitchFamily="18" charset="-127"/>
                 <a:ea typeface="배달의민족 주아" pitchFamily="18" charset="-127"/>
               </a:rPr>
-              <a:t>2</a:t>
-            </a:r>
-            <a:r>
-              <a:rPr lang="en-US" altLang="ko-KR" dirty="0" smtClean="0">
-                <a:latin typeface="배달의민족 주아" pitchFamily="18" charset="-127"/>
-                <a:ea typeface="배달의민족 주아" pitchFamily="18" charset="-127"/>
-              </a:rPr>
-              <a:t>. </a:t>
-            </a:r>
-            <a:r>
-              <a:rPr lang="ko-KR" altLang="en-US" dirty="0" err="1" smtClean="0">
+              <a:t>2. </a:t>
+            </a:r>
+            <a:r>
+              <a:rPr lang="ko-KR" altLang="en-US" dirty="0" err="1">
                 <a:latin typeface="배달의민족 주아" pitchFamily="18" charset="-127"/>
                 <a:ea typeface="배달의민족 주아" pitchFamily="18" charset="-127"/>
               </a:rPr>
               <a:t>자료형</a:t>
             </a:r>
             <a:r>
-              <a:rPr lang="en-US" altLang="ko-KR" dirty="0" smtClean="0">
+              <a:rPr lang="en-US" altLang="ko-KR" dirty="0">
                 <a:latin typeface="배달의민족 주아" pitchFamily="18" charset="-127"/>
                 <a:ea typeface="배달의민족 주아" pitchFamily="18" charset="-127"/>
               </a:rPr>
               <a:t>(data Type)</a:t>
-            </a:r>
-            <a:r>
-              <a:rPr lang="en-US" altLang="ko-KR" dirty="0">
-                <a:latin typeface="배달의민족 주아" pitchFamily="18" charset="-127"/>
-                <a:ea typeface="배달의민족 주아" pitchFamily="18" charset="-127"/>
-              </a:rPr>
-              <a:t/>
             </a:r>
             <a:br>
               <a:rPr lang="en-US" altLang="ko-KR" dirty="0">
@@ -14631,7 +14136,7 @@
           </a:lstStyle>
           <a:p>
             <a:r>
-              <a:rPr lang="ko-KR" altLang="en-US" sz="3600" dirty="0" smtClean="0">
+              <a:rPr lang="ko-KR" altLang="en-US" sz="3600" dirty="0">
                 <a:solidFill>
                   <a:schemeClr val="accent5"/>
                 </a:solidFill>
@@ -14640,13 +14145,6 @@
               </a:rPr>
               <a:t>이스케이프문자</a:t>
             </a:r>
-            <a:endParaRPr lang="ko-KR" altLang="en-US" sz="3600" dirty="0">
-              <a:solidFill>
-                <a:schemeClr val="accent5"/>
-              </a:solidFill>
-              <a:latin typeface="배달의민족 주아" pitchFamily="18" charset="-127"/>
-              <a:ea typeface="배달의민족 주아" pitchFamily="18" charset="-127"/>
-            </a:endParaRPr>
           </a:p>
         </p:txBody>
       </p:sp>
@@ -14689,7 +14187,7 @@
           </a:lstStyle>
           <a:p>
             <a:r>
-              <a:rPr lang="ko-KR" altLang="en-US" smtClean="0">
+              <a:rPr lang="ko-KR" altLang="en-US">
                 <a:latin typeface="배달의민족 주아" pitchFamily="18" charset="-127"/>
                 <a:ea typeface="배달의민족 주아" pitchFamily="18" charset="-127"/>
               </a:rPr>
@@ -14727,8 +14225,20 @@
                 <a:tableStyleId>{5C22544A-7EE6-4342-B048-85BDC9FD1C3A}</a:tableStyleId>
               </a:tblPr>
               <a:tblGrid>
-                <a:gridCol w="3048000"/>
-                <a:gridCol w="3048000"/>
+                <a:gridCol w="3048000">
+                  <a:extLst>
+                    <a:ext uri="{9D8B030D-6E8A-4147-A177-3AD203B41FA5}">
+                      <a16:colId xmlns:a16="http://schemas.microsoft.com/office/drawing/2014/main" val="20000"/>
+                    </a:ext>
+                  </a:extLst>
+                </a:gridCol>
+                <a:gridCol w="3048000">
+                  <a:extLst>
+                    <a:ext uri="{9D8B030D-6E8A-4147-A177-3AD203B41FA5}">
+                      <a16:colId xmlns:a16="http://schemas.microsoft.com/office/drawing/2014/main" val="20001"/>
+                    </a:ext>
+                  </a:extLst>
+                </a:gridCol>
               </a:tblGrid>
               <a:tr h="370840">
                 <a:tc>
@@ -14738,10 +14248,9 @@
                     <a:p>
                       <a:pPr latinLnBrk="1"/>
                       <a:r>
-                        <a:rPr lang="ko-KR" altLang="en-US" dirty="0" smtClean="0"/>
+                        <a:rPr lang="ko-KR" altLang="en-US" dirty="0"/>
                         <a:t>종류</a:t>
                       </a:r>
-                      <a:endParaRPr lang="ko-KR" altLang="en-US" dirty="0"/>
                     </a:p>
                   </a:txBody>
                   <a:tcPr/>
@@ -14753,14 +14262,18 @@
                     <a:p>
                       <a:pPr latinLnBrk="1"/>
                       <a:r>
-                        <a:rPr lang="ko-KR" altLang="en-US" dirty="0" smtClean="0"/>
+                        <a:rPr lang="ko-KR" altLang="en-US" dirty="0"/>
                         <a:t>설명</a:t>
                       </a:r>
-                      <a:endParaRPr lang="ko-KR" altLang="en-US" dirty="0"/>
                     </a:p>
                   </a:txBody>
                   <a:tcPr/>
                 </a:tc>
+                <a:extLst>
+                  <a:ext uri="{0D108BD9-81ED-4DB2-BD59-A6C34878D82A}">
+                    <a16:rowId xmlns:a16="http://schemas.microsoft.com/office/drawing/2014/main" val="10000"/>
+                  </a:ext>
+                </a:extLst>
               </a:tr>
               <a:tr h="370840">
                 <a:tc>
@@ -14770,7 +14283,7 @@
                     <a:p>
                       <a:pPr latinLnBrk="1"/>
                       <a:r>
-                        <a:rPr lang="en-US" altLang="ko-KR" dirty="0" smtClean="0"/>
+                        <a:rPr lang="en-US" altLang="ko-KR" dirty="0"/>
                         <a:t>\n</a:t>
                       </a:r>
                       <a:endParaRPr lang="ko-KR" altLang="en-US" dirty="0"/>
@@ -14785,15 +14298,15 @@
                     <a:p>
                       <a:pPr latinLnBrk="1"/>
                       <a:r>
-                        <a:rPr lang="ko-KR" altLang="en-US" dirty="0" err="1" smtClean="0"/>
+                        <a:rPr lang="ko-KR" altLang="en-US" dirty="0" err="1"/>
                         <a:t>한줄</a:t>
                       </a:r>
                       <a:r>
-                        <a:rPr lang="ko-KR" altLang="en-US" dirty="0" smtClean="0"/>
+                        <a:rPr lang="ko-KR" altLang="en-US" dirty="0"/>
                         <a:t> 띄우기</a:t>
                       </a:r>
                       <a:r>
-                        <a:rPr lang="en-US" altLang="ko-KR" dirty="0" smtClean="0"/>
+                        <a:rPr lang="en-US" altLang="ko-KR" dirty="0"/>
                         <a:t>(Line Feed)</a:t>
                       </a:r>
                       <a:endParaRPr lang="ko-KR" altLang="en-US" dirty="0"/>
@@ -14801,6 +14314,11 @@
                   </a:txBody>
                   <a:tcPr/>
                 </a:tc>
+                <a:extLst>
+                  <a:ext uri="{0D108BD9-81ED-4DB2-BD59-A6C34878D82A}">
+                    <a16:rowId xmlns:a16="http://schemas.microsoft.com/office/drawing/2014/main" val="10001"/>
+                  </a:ext>
+                </a:extLst>
               </a:tr>
               <a:tr h="370840">
                 <a:tc>
@@ -14810,7 +14328,7 @@
                     <a:p>
                       <a:pPr latinLnBrk="1"/>
                       <a:r>
-                        <a:rPr lang="en-US" altLang="ko-KR" dirty="0" smtClean="0"/>
+                        <a:rPr lang="en-US" altLang="ko-KR" dirty="0"/>
                         <a:t>\t</a:t>
                       </a:r>
                       <a:endParaRPr lang="ko-KR" altLang="en-US" dirty="0"/>
@@ -14825,11 +14343,11 @@
                     <a:p>
                       <a:pPr latinLnBrk="1"/>
                       <a:r>
-                        <a:rPr lang="ko-KR" altLang="en-US" dirty="0" smtClean="0"/>
+                        <a:rPr lang="ko-KR" altLang="en-US" dirty="0"/>
                         <a:t>탭</a:t>
                       </a:r>
                       <a:r>
-                        <a:rPr lang="en-US" altLang="ko-KR" dirty="0" smtClean="0"/>
+                        <a:rPr lang="en-US" altLang="ko-KR" dirty="0"/>
                         <a:t>(tab)</a:t>
                       </a:r>
                       <a:endParaRPr lang="ko-KR" altLang="en-US" dirty="0"/>
@@ -14837,6 +14355,11 @@
                   </a:txBody>
                   <a:tcPr/>
                 </a:tc>
+                <a:extLst>
+                  <a:ext uri="{0D108BD9-81ED-4DB2-BD59-A6C34878D82A}">
+                    <a16:rowId xmlns:a16="http://schemas.microsoft.com/office/drawing/2014/main" val="10002"/>
+                  </a:ext>
+                </a:extLst>
               </a:tr>
               <a:tr h="370840">
                 <a:tc>
@@ -14846,7 +14369,7 @@
                     <a:p>
                       <a:pPr latinLnBrk="1"/>
                       <a:r>
-                        <a:rPr lang="en-US" altLang="ko-KR" dirty="0" smtClean="0"/>
+                        <a:rPr lang="en-US" altLang="ko-KR" dirty="0"/>
                         <a:t>\\</a:t>
                       </a:r>
                       <a:endParaRPr lang="ko-KR" altLang="en-US" dirty="0"/>
@@ -14861,11 +14384,11 @@
                     <a:p>
                       <a:pPr latinLnBrk="1"/>
                       <a:r>
-                        <a:rPr lang="ko-KR" altLang="en-US" dirty="0" err="1" smtClean="0"/>
+                        <a:rPr lang="ko-KR" altLang="en-US" dirty="0" err="1"/>
                         <a:t>역슬래시</a:t>
                       </a:r>
                       <a:r>
-                        <a:rPr lang="en-US" altLang="ko-KR" dirty="0" smtClean="0"/>
+                        <a:rPr lang="en-US" altLang="ko-KR" dirty="0"/>
                         <a:t>(backslash)</a:t>
                       </a:r>
                       <a:endParaRPr lang="ko-KR" altLang="en-US" dirty="0"/>
@@ -14873,6 +14396,11 @@
                   </a:txBody>
                   <a:tcPr/>
                 </a:tc>
+                <a:extLst>
+                  <a:ext uri="{0D108BD9-81ED-4DB2-BD59-A6C34878D82A}">
+                    <a16:rowId xmlns:a16="http://schemas.microsoft.com/office/drawing/2014/main" val="10003"/>
+                  </a:ext>
+                </a:extLst>
               </a:tr>
               <a:tr h="370840">
                 <a:tc>
@@ -14882,7 +14410,7 @@
                     <a:p>
                       <a:pPr latinLnBrk="1"/>
                       <a:r>
-                        <a:rPr lang="en-US" altLang="ko-KR" dirty="0" smtClean="0"/>
+                        <a:rPr lang="en-US" altLang="ko-KR" dirty="0"/>
                         <a:t>\’</a:t>
                       </a:r>
                       <a:endParaRPr lang="ko-KR" altLang="en-US" dirty="0"/>
@@ -14897,11 +14425,11 @@
                     <a:p>
                       <a:pPr latinLnBrk="1"/>
                       <a:r>
-                        <a:rPr lang="ko-KR" altLang="en-US" dirty="0" smtClean="0"/>
+                        <a:rPr lang="ko-KR" altLang="en-US" dirty="0"/>
                         <a:t>작은 따옴표</a:t>
                       </a:r>
                       <a:r>
-                        <a:rPr lang="en-US" altLang="ko-KR" dirty="0" smtClean="0"/>
+                        <a:rPr lang="en-US" altLang="ko-KR" dirty="0"/>
                         <a:t>(Single Quote)</a:t>
                       </a:r>
                       <a:endParaRPr lang="ko-KR" altLang="en-US" dirty="0"/>
@@ -14909,6 +14437,11 @@
                   </a:txBody>
                   <a:tcPr/>
                 </a:tc>
+                <a:extLst>
+                  <a:ext uri="{0D108BD9-81ED-4DB2-BD59-A6C34878D82A}">
+                    <a16:rowId xmlns:a16="http://schemas.microsoft.com/office/drawing/2014/main" val="10004"/>
+                  </a:ext>
+                </a:extLst>
               </a:tr>
               <a:tr h="370840">
                 <a:tc>
@@ -14918,7 +14451,7 @@
                     <a:p>
                       <a:pPr latinLnBrk="1"/>
                       <a:r>
-                        <a:rPr lang="en-US" altLang="ko-KR" dirty="0" smtClean="0"/>
+                        <a:rPr lang="en-US" altLang="ko-KR" dirty="0"/>
                         <a:t>\”</a:t>
                       </a:r>
                       <a:endParaRPr lang="ko-KR" altLang="en-US" dirty="0"/>
@@ -14933,15 +14466,15 @@
                     <a:p>
                       <a:pPr latinLnBrk="1"/>
                       <a:r>
-                        <a:rPr lang="ko-KR" altLang="en-US" dirty="0" smtClean="0"/>
+                        <a:rPr lang="ko-KR" altLang="en-US" dirty="0"/>
                         <a:t>큰 따옴표</a:t>
                       </a:r>
                       <a:r>
-                        <a:rPr lang="en-US" altLang="ko-KR" dirty="0" smtClean="0"/>
+                        <a:rPr lang="en-US" altLang="ko-KR" dirty="0"/>
                         <a:t>(Double</a:t>
                       </a:r>
                       <a:r>
-                        <a:rPr lang="en-US" altLang="ko-KR" baseline="0" dirty="0" smtClean="0"/>
+                        <a:rPr lang="en-US" altLang="ko-KR" baseline="0" dirty="0"/>
                         <a:t> Quote)</a:t>
                       </a:r>
                       <a:endParaRPr lang="ko-KR" altLang="en-US" dirty="0"/>
@@ -14949,6 +14482,11 @@
                   </a:txBody>
                   <a:tcPr/>
                 </a:tc>
+                <a:extLst>
+                  <a:ext uri="{0D108BD9-81ED-4DB2-BD59-A6C34878D82A}">
+                    <a16:rowId xmlns:a16="http://schemas.microsoft.com/office/drawing/2014/main" val="10005"/>
+                  </a:ext>
+                </a:extLst>
               </a:tr>
             </a:tbl>
           </a:graphicData>
@@ -15203,18 +14741,11 @@
           <a:lstStyle/>
           <a:p>
             <a:r>
-              <a:rPr lang="ko-KR" altLang="en-US" dirty="0" smtClean="0">
-                <a:latin typeface="배달의민족 주아" pitchFamily="18" charset="-127"/>
-                <a:ea typeface="배달의민족 주아" pitchFamily="18" charset="-127"/>
-              </a:rPr>
-              <a:t>변</a:t>
-            </a:r>
-            <a:r>
               <a:rPr lang="ko-KR" altLang="en-US" dirty="0">
                 <a:latin typeface="배달의민족 주아" pitchFamily="18" charset="-127"/>
                 <a:ea typeface="배달의민족 주아" pitchFamily="18" charset="-127"/>
               </a:rPr>
-              <a:t>수</a:t>
+              <a:t>변수</a:t>
             </a:r>
           </a:p>
         </p:txBody>
@@ -15242,7 +14773,7 @@
           <a:lstStyle/>
           <a:p>
             <a:r>
-              <a:rPr lang="en-US" altLang="ko-KR" dirty="0" smtClean="0">
+              <a:rPr lang="en-US" altLang="ko-KR" dirty="0">
                 <a:solidFill>
                   <a:schemeClr val="accent5"/>
                 </a:solidFill>
@@ -15252,14 +14783,14 @@
               <a:t>S</a:t>
             </a:r>
             <a:r>
-              <a:rPr lang="en-US" altLang="ko-KR" dirty="0" smtClean="0">
+              <a:rPr lang="en-US" altLang="ko-KR" dirty="0">
                 <a:latin typeface="배달의민족 도현" pitchFamily="50" charset="-127"/>
                 <a:ea typeface="배달의민족 도현" pitchFamily="50" charset="-127"/>
               </a:rPr>
               <a:t>TART</a:t>
             </a:r>
             <a:r>
-              <a:rPr lang="en-US" altLang="ko-KR" dirty="0" smtClean="0">
+              <a:rPr lang="en-US" altLang="ko-KR" dirty="0">
                 <a:solidFill>
                   <a:schemeClr val="accent5"/>
                 </a:solidFill>
@@ -15269,7 +14800,7 @@
               <a:t>C</a:t>
             </a:r>
             <a:r>
-              <a:rPr lang="en-US" altLang="ko-KR" dirty="0" smtClean="0">
+              <a:rPr lang="en-US" altLang="ko-KR" dirty="0">
                 <a:latin typeface="배달의민족 도현" pitchFamily="50" charset="-127"/>
                 <a:ea typeface="배달의민족 도현" pitchFamily="50" charset="-127"/>
               </a:rPr>
@@ -15349,21 +14880,21 @@
           <a:lstStyle/>
           <a:p>
             <a:r>
-              <a:rPr lang="en-US" altLang="ko-KR" dirty="0" smtClean="0">
+              <a:rPr lang="en-US" altLang="ko-KR" dirty="0">
                 <a:latin typeface="배달의민족 주아" pitchFamily="18" charset="-127"/>
                 <a:ea typeface="배달의민족 주아" pitchFamily="18" charset="-127"/>
               </a:rPr>
               <a:t>3. </a:t>
             </a:r>
             <a:r>
-              <a:rPr lang="ko-KR" altLang="en-US" dirty="0" smtClean="0">
+              <a:rPr lang="ko-KR" altLang="en-US" dirty="0">
                 <a:latin typeface="배달의민족 주아" pitchFamily="18" charset="-127"/>
                 <a:ea typeface="배달의민족 주아" pitchFamily="18" charset="-127"/>
               </a:rPr>
               <a:t>변수</a:t>
             </a:r>
             <a:r>
-              <a:rPr lang="en-US" altLang="ko-KR" dirty="0" smtClean="0">
+              <a:rPr lang="en-US" altLang="ko-KR" dirty="0">
                 <a:latin typeface="배달의민족 주아" pitchFamily="18" charset="-127"/>
                 <a:ea typeface="배달의민족 주아" pitchFamily="18" charset="-127"/>
               </a:rPr>
@@ -15412,7 +14943,7 @@
           </a:lstStyle>
           <a:p>
             <a:r>
-              <a:rPr lang="ko-KR" altLang="en-US" sz="3600" smtClean="0">
+              <a:rPr lang="ko-KR" altLang="en-US" sz="3600">
                 <a:solidFill>
                   <a:schemeClr val="accent5"/>
                 </a:solidFill>
@@ -15670,7 +15201,7 @@
           <a:lstStyle/>
           <a:p>
             <a:r>
-              <a:rPr lang="en-US" altLang="ko-KR" dirty="0" smtClean="0">
+              <a:rPr lang="en-US" altLang="ko-KR" dirty="0">
                 <a:solidFill>
                   <a:schemeClr val="accent5"/>
                 </a:solidFill>
@@ -15680,14 +15211,14 @@
               <a:t>S</a:t>
             </a:r>
             <a:r>
-              <a:rPr lang="en-US" altLang="ko-KR" dirty="0" smtClean="0">
+              <a:rPr lang="en-US" altLang="ko-KR" dirty="0">
                 <a:latin typeface="배달의민족 도현" pitchFamily="50" charset="-127"/>
                 <a:ea typeface="배달의민족 도현" pitchFamily="50" charset="-127"/>
               </a:rPr>
               <a:t>TART</a:t>
             </a:r>
             <a:r>
-              <a:rPr lang="en-US" altLang="ko-KR" dirty="0" smtClean="0">
+              <a:rPr lang="en-US" altLang="ko-KR" dirty="0">
                 <a:solidFill>
                   <a:schemeClr val="accent5"/>
                 </a:solidFill>
@@ -15697,7 +15228,7 @@
               <a:t>C</a:t>
             </a:r>
             <a:r>
-              <a:rPr lang="en-US" altLang="ko-KR" dirty="0" smtClean="0">
+              <a:rPr lang="en-US" altLang="ko-KR" dirty="0">
                 <a:latin typeface="배달의민족 도현" pitchFamily="50" charset="-127"/>
                 <a:ea typeface="배달의민족 도현" pitchFamily="50" charset="-127"/>
               </a:rPr>
@@ -15777,21 +15308,21 @@
           <a:lstStyle/>
           <a:p>
             <a:r>
-              <a:rPr lang="en-US" altLang="ko-KR" dirty="0" smtClean="0">
+              <a:rPr lang="en-US" altLang="ko-KR" dirty="0">
                 <a:latin typeface="배달의민족 주아" pitchFamily="18" charset="-127"/>
                 <a:ea typeface="배달의민족 주아" pitchFamily="18" charset="-127"/>
               </a:rPr>
               <a:t>3. </a:t>
             </a:r>
             <a:r>
-              <a:rPr lang="ko-KR" altLang="en-US" dirty="0" smtClean="0">
+              <a:rPr lang="ko-KR" altLang="en-US" dirty="0">
                 <a:latin typeface="배달의민족 주아" pitchFamily="18" charset="-127"/>
                 <a:ea typeface="배달의민족 주아" pitchFamily="18" charset="-127"/>
               </a:rPr>
               <a:t>변수</a:t>
             </a:r>
             <a:r>
-              <a:rPr lang="en-US" altLang="ko-KR" dirty="0" smtClean="0">
+              <a:rPr lang="en-US" altLang="ko-KR" dirty="0">
                 <a:latin typeface="배달의민족 주아" pitchFamily="18" charset="-127"/>
                 <a:ea typeface="배달의민족 주아" pitchFamily="18" charset="-127"/>
               </a:rPr>
@@ -15838,7 +15369,7 @@
               <a:t>print</a:t>
             </a:r>
             <a:r>
-              <a:rPr lang="en-US" altLang="ko-KR" dirty="0" smtClean="0">
+              <a:rPr lang="en-US" altLang="ko-KR" dirty="0">
                 <a:solidFill>
                   <a:srgbClr val="D4D4D4"/>
                 </a:solidFill>
@@ -15847,7 +15378,7 @@
               <a:t>(</a:t>
             </a:r>
             <a:r>
-              <a:rPr lang="en-US" altLang="ko-KR" dirty="0" smtClean="0">
+              <a:rPr lang="en-US" altLang="ko-KR" dirty="0">
                 <a:solidFill>
                   <a:srgbClr val="CE9178"/>
                 </a:solidFill>
@@ -15865,7 +15396,7 @@
               <a:t>내가 키우는 고양이 이름은 </a:t>
             </a:r>
             <a:r>
-              <a:rPr lang="ko-KR" altLang="en-US" dirty="0" err="1" smtClean="0">
+              <a:rPr lang="ko-KR" altLang="en-US" dirty="0" err="1">
                 <a:solidFill>
                   <a:srgbClr val="CE9178"/>
                 </a:solidFill>
@@ -15874,7 +15405,7 @@
               <a:t>미옹이에요</a:t>
             </a:r>
             <a:r>
-              <a:rPr lang="en-US" altLang="ko-KR" dirty="0" smtClean="0">
+              <a:rPr lang="en-US" altLang="ko-KR" dirty="0">
                 <a:solidFill>
                   <a:srgbClr val="CE9178"/>
                 </a:solidFill>
@@ -15883,7 +15414,7 @@
               <a:t>."</a:t>
             </a:r>
             <a:r>
-              <a:rPr lang="en-US" altLang="ko-KR" dirty="0" smtClean="0">
+              <a:rPr lang="en-US" altLang="ko-KR" dirty="0">
                 <a:solidFill>
                   <a:srgbClr val="D4D4D4"/>
                 </a:solidFill>
@@ -15891,16 +15422,10 @@
               </a:rPr>
               <a:t>)</a:t>
             </a:r>
-            <a:endParaRPr lang="en-US" altLang="ko-KR" dirty="0">
-              <a:solidFill>
-                <a:srgbClr val="D4D4D4"/>
-              </a:solidFill>
-              <a:latin typeface="Consolas"/>
-            </a:endParaRPr>
-          </a:p>
-          <a:p>
-            <a:r>
-              <a:rPr lang="en-US" altLang="ko-KR" dirty="0" smtClean="0">
+          </a:p>
+          <a:p>
+            <a:r>
+              <a:rPr lang="en-US" altLang="ko-KR" dirty="0">
                 <a:solidFill>
                   <a:srgbClr val="DCDCAA"/>
                 </a:solidFill>
@@ -15909,7 +15434,7 @@
               <a:t>print</a:t>
             </a:r>
             <a:r>
-              <a:rPr lang="en-US" altLang="ko-KR" dirty="0" smtClean="0">
+              <a:rPr lang="en-US" altLang="ko-KR" dirty="0">
                 <a:solidFill>
                   <a:srgbClr val="D4D4D4"/>
                 </a:solidFill>
@@ -15918,7 +15443,7 @@
               <a:t>(</a:t>
             </a:r>
             <a:r>
-              <a:rPr lang="en-US" altLang="ko-KR" dirty="0" smtClean="0">
+              <a:rPr lang="en-US" altLang="ko-KR" dirty="0">
                 <a:solidFill>
                   <a:srgbClr val="CE9178"/>
                 </a:solidFill>
@@ -15960,120 +15485,102 @@
                 </a:solidFill>
                 <a:latin typeface="Consolas"/>
               </a:rPr>
-              <a:t> </a:t>
-            </a:r>
-            <a:r>
-              <a:rPr lang="ko-KR" altLang="en-US" dirty="0" smtClean="0">
+              <a:t> 입니다</a:t>
+            </a:r>
+            <a:r>
+              <a:rPr lang="en-US" altLang="ko-KR" dirty="0">
                 <a:solidFill>
                   <a:srgbClr val="CE9178"/>
                 </a:solidFill>
                 <a:latin typeface="Consolas"/>
               </a:rPr>
-              <a:t>입니다</a:t>
-            </a:r>
-            <a:r>
-              <a:rPr lang="en-US" altLang="ko-KR" dirty="0" smtClean="0">
+              <a:t>."</a:t>
+            </a:r>
+            <a:r>
+              <a:rPr lang="en-US" altLang="ko-KR" dirty="0">
+                <a:solidFill>
+                  <a:srgbClr val="D4D4D4"/>
+                </a:solidFill>
+                <a:latin typeface="Consolas"/>
+              </a:rPr>
+              <a:t>) </a:t>
+            </a:r>
+          </a:p>
+          <a:p>
+            <a:r>
+              <a:rPr lang="en-US" altLang="ko-KR" dirty="0">
+                <a:solidFill>
+                  <a:srgbClr val="DCDCAA"/>
+                </a:solidFill>
+                <a:latin typeface="Consolas"/>
+              </a:rPr>
+              <a:t>print</a:t>
+            </a:r>
+            <a:r>
+              <a:rPr lang="en-US" altLang="ko-KR" dirty="0">
+                <a:solidFill>
+                  <a:srgbClr val="D4D4D4"/>
+                </a:solidFill>
+                <a:latin typeface="Consolas"/>
+              </a:rPr>
+              <a:t>(</a:t>
+            </a:r>
+            <a:r>
+              <a:rPr lang="en-US" altLang="ko-KR" dirty="0">
                 <a:solidFill>
                   <a:srgbClr val="CE9178"/>
                 </a:solidFill>
                 <a:latin typeface="Consolas"/>
               </a:rPr>
+              <a:t>"</a:t>
+            </a:r>
+            <a:r>
+              <a:rPr lang="ko-KR" altLang="en-US" dirty="0" err="1">
+                <a:solidFill>
+                  <a:srgbClr val="CE9178"/>
+                </a:solidFill>
+                <a:latin typeface="Consolas"/>
+              </a:rPr>
+              <a:t>미옹이</a:t>
+            </a:r>
+            <a:r>
+              <a:rPr lang="ko-KR" altLang="en-US" dirty="0">
+                <a:solidFill>
+                  <a:srgbClr val="CE9178"/>
+                </a:solidFill>
+                <a:latin typeface="Consolas"/>
+              </a:rPr>
+              <a:t> 나이는 </a:t>
+            </a:r>
+            <a:r>
+              <a:rPr lang="en-US" altLang="ko-KR" dirty="0">
+                <a:solidFill>
+                  <a:srgbClr val="CE9178"/>
+                </a:solidFill>
+                <a:latin typeface="Consolas"/>
+              </a:rPr>
+              <a:t>3</a:t>
+            </a:r>
+            <a:r>
+              <a:rPr lang="ko-KR" altLang="en-US" dirty="0">
+                <a:solidFill>
+                  <a:srgbClr val="CE9178"/>
+                </a:solidFill>
+                <a:latin typeface="Consolas"/>
+              </a:rPr>
+              <a:t>살이에요</a:t>
+            </a:r>
+            <a:r>
+              <a:rPr lang="en-US" altLang="ko-KR" dirty="0">
+                <a:solidFill>
+                  <a:srgbClr val="CE9178"/>
+                </a:solidFill>
+                <a:latin typeface="Consolas"/>
+              </a:rPr>
               <a:t>."</a:t>
             </a:r>
             <a:r>
-              <a:rPr lang="en-US" altLang="ko-KR" dirty="0" smtClean="0">
-                <a:solidFill>
-                  <a:srgbClr val="D4D4D4"/>
-                </a:solidFill>
-                <a:latin typeface="Consolas"/>
-              </a:rPr>
-              <a:t>) </a:t>
-            </a:r>
-          </a:p>
-          <a:p>
-            <a:r>
-              <a:rPr lang="en-US" altLang="ko-KR" dirty="0" smtClean="0">
-                <a:solidFill>
-                  <a:srgbClr val="DCDCAA"/>
-                </a:solidFill>
-                <a:latin typeface="Consolas"/>
-              </a:rPr>
-              <a:t>print</a:t>
-            </a:r>
-            <a:r>
-              <a:rPr lang="en-US" altLang="ko-KR" dirty="0" smtClean="0">
-                <a:solidFill>
-                  <a:srgbClr val="D4D4D4"/>
-                </a:solidFill>
-                <a:latin typeface="Consolas"/>
-              </a:rPr>
-              <a:t>(</a:t>
-            </a:r>
-            <a:r>
-              <a:rPr lang="en-US" altLang="ko-KR" dirty="0" smtClean="0">
-                <a:solidFill>
-                  <a:srgbClr val="CE9178"/>
-                </a:solidFill>
-                <a:latin typeface="Consolas"/>
-              </a:rPr>
-              <a:t>"</a:t>
-            </a:r>
-            <a:r>
-              <a:rPr lang="ko-KR" altLang="en-US" dirty="0" err="1" smtClean="0">
-                <a:solidFill>
-                  <a:srgbClr val="CE9178"/>
-                </a:solidFill>
-                <a:latin typeface="Consolas"/>
-              </a:rPr>
-              <a:t>미옹이</a:t>
-            </a:r>
-            <a:r>
-              <a:rPr lang="ko-KR" altLang="en-US" dirty="0" smtClean="0">
-                <a:solidFill>
-                  <a:srgbClr val="CE9178"/>
-                </a:solidFill>
-                <a:latin typeface="Consolas"/>
-              </a:rPr>
-              <a:t> 나이는 </a:t>
-            </a:r>
-            <a:r>
-              <a:rPr lang="en-US" altLang="ko-KR" dirty="0" smtClean="0">
-                <a:solidFill>
-                  <a:srgbClr val="CE9178"/>
-                </a:solidFill>
-                <a:latin typeface="Consolas"/>
-              </a:rPr>
-              <a:t>3</a:t>
-            </a:r>
-            <a:r>
-              <a:rPr lang="ko-KR" altLang="en-US" dirty="0" smtClean="0">
-                <a:solidFill>
-                  <a:srgbClr val="CE9178"/>
-                </a:solidFill>
-                <a:latin typeface="Consolas"/>
-              </a:rPr>
-              <a:t>살이에요</a:t>
-            </a:r>
-            <a:r>
-              <a:rPr lang="en-US" altLang="ko-KR" dirty="0">
-                <a:solidFill>
-                  <a:srgbClr val="CE9178"/>
-                </a:solidFill>
-                <a:latin typeface="Consolas"/>
-              </a:rPr>
-              <a:t>.</a:t>
-            </a:r>
-            <a:r>
-              <a:rPr lang="en-US" altLang="ko-KR" dirty="0" smtClean="0">
-                <a:solidFill>
-                  <a:srgbClr val="CE9178"/>
-                </a:solidFill>
-                <a:latin typeface="Consolas"/>
-              </a:rPr>
-              <a:t>"</a:t>
-            </a:r>
-            <a:r>
-              <a:rPr lang="en-US" altLang="ko-KR" dirty="0" smtClean="0">
+              <a:rPr lang="en-US" altLang="ko-KR" dirty="0">
                 <a:solidFill>
                   <a:srgbClr val="D4D4D4"/>
                 </a:solidFill>
@@ -16130,7 +15637,7 @@
           </a:lstStyle>
           <a:p>
             <a:r>
-              <a:rPr lang="en-US" altLang="ko-KR" dirty="0" smtClean="0">
+              <a:rPr lang="en-US" altLang="ko-KR" dirty="0">
                 <a:solidFill>
                   <a:schemeClr val="accent6"/>
                 </a:solidFill>
@@ -16140,14 +15647,14 @@
               <a:t>name </a:t>
             </a:r>
             <a:r>
-              <a:rPr lang="en-US" altLang="ko-KR" dirty="0" smtClean="0">
+              <a:rPr lang="en-US" altLang="ko-KR" dirty="0">
                 <a:latin typeface="배달의민족 주아" pitchFamily="18" charset="-127"/>
                 <a:ea typeface="배달의민족 주아" pitchFamily="18" charset="-127"/>
               </a:rPr>
               <a:t>=</a:t>
             </a:r>
             <a:r>
-              <a:rPr lang="en-US" altLang="ko-KR" dirty="0" smtClean="0">
+              <a:rPr lang="en-US" altLang="ko-KR" dirty="0">
                 <a:solidFill>
                   <a:schemeClr val="accent6"/>
                 </a:solidFill>
@@ -16157,21 +15664,21 @@
               <a:t> </a:t>
             </a:r>
             <a:r>
-              <a:rPr lang="en-US" altLang="ko-KR" dirty="0" smtClean="0">
+              <a:rPr lang="en-US" altLang="ko-KR" dirty="0">
                 <a:latin typeface="배달의민족 주아" pitchFamily="18" charset="-127"/>
                 <a:ea typeface="배달의민족 주아" pitchFamily="18" charset="-127"/>
               </a:rPr>
               <a:t>"</a:t>
             </a:r>
             <a:r>
-              <a:rPr lang="ko-KR" altLang="en-US" dirty="0" err="1" smtClean="0">
+              <a:rPr lang="ko-KR" altLang="en-US" dirty="0" err="1">
                 <a:latin typeface="배달의민족 주아" pitchFamily="18" charset="-127"/>
                 <a:ea typeface="배달의민족 주아" pitchFamily="18" charset="-127"/>
               </a:rPr>
               <a:t>미옹</a:t>
             </a:r>
             <a:r>
-              <a:rPr lang="en-US" altLang="ko-KR" dirty="0" smtClean="0">
+              <a:rPr lang="en-US" altLang="ko-KR" dirty="0">
                 <a:latin typeface="배달의민족 주아" pitchFamily="18" charset="-127"/>
                 <a:ea typeface="배달의민족 주아" pitchFamily="18" charset="-127"/>
               </a:rPr>
@@ -16223,7 +15730,7 @@
           </a:lstStyle>
           <a:p>
             <a:r>
-              <a:rPr lang="en-US" altLang="ko-KR" dirty="0" smtClean="0">
+              <a:rPr lang="en-US" altLang="ko-KR" dirty="0">
                 <a:solidFill>
                   <a:schemeClr val="accent6"/>
                 </a:solidFill>
@@ -16233,14 +15740,14 @@
               <a:t>age </a:t>
             </a:r>
             <a:r>
-              <a:rPr lang="en-US" altLang="ko-KR" dirty="0" smtClean="0">
+              <a:rPr lang="en-US" altLang="ko-KR" dirty="0">
                 <a:latin typeface="배달의민족 주아" pitchFamily="18" charset="-127"/>
                 <a:ea typeface="배달의민족 주아" pitchFamily="18" charset="-127"/>
               </a:rPr>
               <a:t>=</a:t>
             </a:r>
             <a:r>
-              <a:rPr lang="en-US" altLang="ko-KR" dirty="0" smtClean="0">
+              <a:rPr lang="en-US" altLang="ko-KR" dirty="0">
                 <a:solidFill>
                   <a:schemeClr val="accent6"/>
                 </a:solidFill>
@@ -16250,7 +15757,7 @@
               <a:t> </a:t>
             </a:r>
             <a:r>
-              <a:rPr lang="en-US" altLang="ko-KR" dirty="0" smtClean="0">
+              <a:rPr lang="en-US" altLang="ko-KR" dirty="0">
                 <a:latin typeface="배달의민족 주아" pitchFamily="18" charset="-127"/>
                 <a:ea typeface="배달의민족 주아" pitchFamily="18" charset="-127"/>
               </a:rPr>
@@ -16302,7 +15809,7 @@
           </a:lstStyle>
           <a:p>
             <a:r>
-              <a:rPr lang="en-US" altLang="ko-KR" dirty="0" smtClean="0">
+              <a:rPr lang="en-US" altLang="ko-KR" dirty="0">
                 <a:solidFill>
                   <a:schemeClr val="accent6"/>
                 </a:solidFill>
@@ -16312,14 +15819,14 @@
               <a:t>breed </a:t>
             </a:r>
             <a:r>
-              <a:rPr lang="en-US" altLang="ko-KR" dirty="0" smtClean="0">
+              <a:rPr lang="en-US" altLang="ko-KR" dirty="0">
                 <a:latin typeface="배달의민족 주아" pitchFamily="18" charset="-127"/>
                 <a:ea typeface="배달의민족 주아" pitchFamily="18" charset="-127"/>
               </a:rPr>
               <a:t>=</a:t>
             </a:r>
             <a:r>
-              <a:rPr lang="en-US" altLang="ko-KR" dirty="0" smtClean="0">
+              <a:rPr lang="en-US" altLang="ko-KR" dirty="0">
                 <a:solidFill>
                   <a:schemeClr val="accent6"/>
                 </a:solidFill>
@@ -16329,21 +15836,21 @@
               <a:t> </a:t>
             </a:r>
             <a:r>
-              <a:rPr lang="en-US" altLang="ko-KR" dirty="0" smtClean="0">
+              <a:rPr lang="en-US" altLang="ko-KR" dirty="0">
                 <a:latin typeface="배달의민족 주아" pitchFamily="18" charset="-127"/>
                 <a:ea typeface="배달의민족 주아" pitchFamily="18" charset="-127"/>
               </a:rPr>
               <a:t>"</a:t>
             </a:r>
             <a:r>
-              <a:rPr lang="ko-KR" altLang="en-US" dirty="0" err="1" smtClean="0">
+              <a:rPr lang="ko-KR" altLang="en-US" dirty="0" err="1">
                 <a:latin typeface="배달의민족 주아" pitchFamily="18" charset="-127"/>
                 <a:ea typeface="배달의민족 주아" pitchFamily="18" charset="-127"/>
               </a:rPr>
               <a:t>러시안블루</a:t>
             </a:r>
             <a:r>
-              <a:rPr lang="en-US" altLang="ko-KR" dirty="0" smtClean="0">
+              <a:rPr lang="en-US" altLang="ko-KR" dirty="0">
                 <a:latin typeface="배달의민족 주아" pitchFamily="18" charset="-127"/>
                 <a:ea typeface="배달의민족 주아" pitchFamily="18" charset="-127"/>
               </a:rPr>
@@ -16660,16 +16167,12 @@
           <a:lstStyle/>
           <a:p>
             <a:r>
-              <a:rPr lang="ko-KR" altLang="en-US" dirty="0" smtClean="0">
+              <a:rPr lang="ko-KR" altLang="en-US" dirty="0">
                 <a:latin typeface="배달의민족 주아" pitchFamily="18" charset="-127"/>
                 <a:ea typeface="배달의민족 주아" pitchFamily="18" charset="-127"/>
               </a:rPr>
               <a:t>변수를 사용하는 이유</a:t>
             </a:r>
-            <a:endParaRPr lang="ko-KR" altLang="en-US" dirty="0">
-              <a:latin typeface="배달의민족 주아" pitchFamily="18" charset="-127"/>
-              <a:ea typeface="배달의민족 주아" pitchFamily="18" charset="-127"/>
-            </a:endParaRPr>
           </a:p>
         </p:txBody>
       </p:sp>
@@ -16696,7 +16199,7 @@
           <a:lstStyle/>
           <a:p>
             <a:r>
-              <a:rPr lang="en-US" altLang="ko-KR" dirty="0" smtClean="0">
+              <a:rPr lang="en-US" altLang="ko-KR" dirty="0">
                 <a:solidFill>
                   <a:schemeClr val="accent5"/>
                 </a:solidFill>
@@ -16706,14 +16209,14 @@
               <a:t>S</a:t>
             </a:r>
             <a:r>
-              <a:rPr lang="en-US" altLang="ko-KR" dirty="0" smtClean="0">
+              <a:rPr lang="en-US" altLang="ko-KR" dirty="0">
                 <a:latin typeface="배달의민족 도현" pitchFamily="50" charset="-127"/>
                 <a:ea typeface="배달의민족 도현" pitchFamily="50" charset="-127"/>
               </a:rPr>
               <a:t>TART</a:t>
             </a:r>
             <a:r>
-              <a:rPr lang="en-US" altLang="ko-KR" dirty="0" smtClean="0">
+              <a:rPr lang="en-US" altLang="ko-KR" dirty="0">
                 <a:solidFill>
                   <a:schemeClr val="accent5"/>
                 </a:solidFill>
@@ -16723,7 +16226,7 @@
               <a:t>C</a:t>
             </a:r>
             <a:r>
-              <a:rPr lang="en-US" altLang="ko-KR" dirty="0" smtClean="0">
+              <a:rPr lang="en-US" altLang="ko-KR" dirty="0">
                 <a:latin typeface="배달의민족 도현" pitchFamily="50" charset="-127"/>
                 <a:ea typeface="배달의민족 도현" pitchFamily="50" charset="-127"/>
               </a:rPr>
@@ -16803,21 +16306,21 @@
           <a:lstStyle/>
           <a:p>
             <a:r>
-              <a:rPr lang="en-US" altLang="ko-KR" dirty="0" smtClean="0">
+              <a:rPr lang="en-US" altLang="ko-KR" dirty="0">
                 <a:latin typeface="배달의민족 주아" pitchFamily="18" charset="-127"/>
                 <a:ea typeface="배달의민족 주아" pitchFamily="18" charset="-127"/>
               </a:rPr>
               <a:t>3. </a:t>
             </a:r>
             <a:r>
-              <a:rPr lang="ko-KR" altLang="en-US" dirty="0" smtClean="0">
+              <a:rPr lang="ko-KR" altLang="en-US" dirty="0">
                 <a:latin typeface="배달의민족 주아" pitchFamily="18" charset="-127"/>
                 <a:ea typeface="배달의민족 주아" pitchFamily="18" charset="-127"/>
               </a:rPr>
               <a:t>변수</a:t>
             </a:r>
             <a:r>
-              <a:rPr lang="en-US" altLang="ko-KR" dirty="0" smtClean="0">
+              <a:rPr lang="en-US" altLang="ko-KR" dirty="0">
                 <a:latin typeface="배달의민족 주아" pitchFamily="18" charset="-127"/>
                 <a:ea typeface="배달의민족 주아" pitchFamily="18" charset="-127"/>
               </a:rPr>
@@ -16866,21 +16369,21 @@
           </a:lstStyle>
           <a:p>
             <a:r>
-              <a:rPr lang="en-US" altLang="ko-KR" sz="3600" dirty="0" smtClean="0">
+              <a:rPr lang="en-US" altLang="ko-KR" sz="3600" dirty="0">
                 <a:latin typeface="배달의민족 주아" pitchFamily="18" charset="-127"/>
                 <a:ea typeface="배달의민족 주아" pitchFamily="18" charset="-127"/>
               </a:rPr>
               <a:t>1. </a:t>
             </a:r>
             <a:r>
-              <a:rPr lang="ko-KR" altLang="en-US" sz="3600" dirty="0" smtClean="0">
+              <a:rPr lang="ko-KR" altLang="en-US" sz="3600" dirty="0">
                 <a:latin typeface="배달의민족 주아" pitchFamily="18" charset="-127"/>
                 <a:ea typeface="배달의민족 주아" pitchFamily="18" charset="-127"/>
               </a:rPr>
               <a:t>데이터에 </a:t>
             </a:r>
             <a:r>
-              <a:rPr lang="ko-KR" altLang="en-US" sz="3600" dirty="0" smtClean="0">
+              <a:rPr lang="ko-KR" altLang="en-US" sz="3600" dirty="0">
                 <a:solidFill>
                   <a:schemeClr val="accent5"/>
                 </a:solidFill>
@@ -16890,16 +16393,12 @@
               <a:t>이름</a:t>
             </a:r>
             <a:r>
-              <a:rPr lang="ko-KR" altLang="en-US" sz="3600" dirty="0" smtClean="0">
+              <a:rPr lang="ko-KR" altLang="en-US" sz="3600" dirty="0">
                 <a:latin typeface="배달의민족 주아" pitchFamily="18" charset="-127"/>
                 <a:ea typeface="배달의민족 주아" pitchFamily="18" charset="-127"/>
               </a:rPr>
               <a:t>을 붙여서 기억하기 쉽게</a:t>
             </a:r>
-            <a:endParaRPr lang="ko-KR" altLang="en-US" sz="3600" dirty="0">
-              <a:latin typeface="배달의민족 주아" pitchFamily="18" charset="-127"/>
-              <a:ea typeface="배달의민족 주아" pitchFamily="18" charset="-127"/>
-            </a:endParaRPr>
           </a:p>
         </p:txBody>
       </p:sp>
@@ -16942,21 +16441,21 @@
           </a:lstStyle>
           <a:p>
             <a:r>
-              <a:rPr lang="en-US" altLang="ko-KR" sz="3600" dirty="0" smtClean="0">
+              <a:rPr lang="en-US" altLang="ko-KR" sz="3600" dirty="0">
                 <a:latin typeface="배달의민족 주아" pitchFamily="18" charset="-127"/>
                 <a:ea typeface="배달의민족 주아" pitchFamily="18" charset="-127"/>
               </a:rPr>
               <a:t>2. </a:t>
             </a:r>
             <a:r>
-              <a:rPr lang="ko-KR" altLang="en-US" sz="3600" dirty="0" smtClean="0">
+              <a:rPr lang="ko-KR" altLang="en-US" sz="3600" dirty="0">
                 <a:latin typeface="배달의민족 주아" pitchFamily="18" charset="-127"/>
                 <a:ea typeface="배달의민족 주아" pitchFamily="18" charset="-127"/>
               </a:rPr>
               <a:t>데이터가 고정되어 있지 않고 </a:t>
             </a:r>
             <a:r>
-              <a:rPr lang="ko-KR" altLang="en-US" sz="3600" dirty="0" err="1" smtClean="0">
+              <a:rPr lang="ko-KR" altLang="en-US" sz="3600" dirty="0" err="1">
                 <a:solidFill>
                   <a:schemeClr val="accent5"/>
                 </a:solidFill>

--- a/파이썬기초(PPT)/파이썬 기초 2강_자료형과 변수.pptx
+++ b/파이썬기초(PPT)/파이썬 기초 2강_자료형과 변수.pptx
@@ -4,6 +4,12 @@
   <p:sldMasterIdLst>
     <p:sldMasterId id="2147483648" r:id="rId1"/>
   </p:sldMasterIdLst>
+  <p:notesMasterIdLst>
+    <p:notesMasterId r:id="rId23"/>
+  </p:notesMasterIdLst>
+  <p:handoutMasterIdLst>
+    <p:handoutMasterId r:id="rId24"/>
+  </p:handoutMasterIdLst>
   <p:sldIdLst>
     <p:sldId id="256" r:id="rId2"/>
     <p:sldId id="272" r:id="rId3"/>
@@ -28,7 +34,7 @@
     <p:sldId id="263" r:id="rId22"/>
   </p:sldIdLst>
   <p:sldSz cx="9144000" cy="6858000" type="screen4x3"/>
-  <p:notesSz cx="6858000" cy="9144000"/>
+  <p:notesSz cx="10020300" cy="6888163"/>
   <p:defaultTextStyle>
     <a:defPPr>
       <a:defRPr lang="ko-KR"/>
@@ -143,6 +149,2226 @@
 </p:presentation>
 </file>
 
+<file path=ppt/handoutMasters/handoutMaster1.xml><?xml version="1.0" encoding="utf-8"?>
+<p:handoutMaster xmlns:a="http://schemas.openxmlformats.org/drawingml/2006/main" xmlns:r="http://schemas.openxmlformats.org/officeDocument/2006/relationships" xmlns:p="http://schemas.openxmlformats.org/presentationml/2006/main">
+  <p:cSld>
+    <p:bg>
+      <p:bgRef idx="1001">
+        <a:schemeClr val="bg1"/>
+      </p:bgRef>
+    </p:bg>
+    <p:spTree>
+      <p:nvGrpSpPr>
+        <p:cNvPr id="1" name=""/>
+        <p:cNvGrpSpPr/>
+        <p:nvPr/>
+      </p:nvGrpSpPr>
+      <p:grpSpPr>
+        <a:xfrm>
+          <a:off x="0" y="0"/>
+          <a:ext cx="0" cy="0"/>
+          <a:chOff x="0" y="0"/>
+          <a:chExt cx="0" cy="0"/>
+        </a:xfrm>
+      </p:grpSpPr>
+      <p:sp>
+        <p:nvSpPr>
+          <p:cNvPr id="2" name="머리글 개체 틀 1">
+            <a:extLst>
+              <a:ext uri="{FF2B5EF4-FFF2-40B4-BE49-F238E27FC236}">
+                <a16:creationId xmlns:a16="http://schemas.microsoft.com/office/drawing/2014/main" id="{57756D7A-2786-41A8-82FA-48A41065DCC6}"/>
+              </a:ext>
+            </a:extLst>
+          </p:cNvPr>
+          <p:cNvSpPr>
+            <a:spLocks noGrp="1"/>
+          </p:cNvSpPr>
+          <p:nvPr>
+            <p:ph type="hdr" sz="quarter"/>
+          </p:nvPr>
+        </p:nvSpPr>
+        <p:spPr>
+          <a:xfrm>
+            <a:off x="0" y="0"/>
+            <a:ext cx="4341813" cy="346075"/>
+          </a:xfrm>
+          <a:prstGeom prst="rect">
+            <a:avLst/>
+          </a:prstGeom>
+        </p:spPr>
+        <p:txBody>
+          <a:bodyPr vert="horz" lIns="91440" tIns="45720" rIns="91440" bIns="45720" rtlCol="0"/>
+          <a:lstStyle>
+            <a:lvl1pPr algn="l">
+              <a:defRPr sz="1200"/>
+            </a:lvl1pPr>
+          </a:lstStyle>
+          <a:p>
+            <a:endParaRPr lang="ko-KR" altLang="en-US"/>
+          </a:p>
+        </p:txBody>
+      </p:sp>
+      <p:sp>
+        <p:nvSpPr>
+          <p:cNvPr id="3" name="날짜 개체 틀 2">
+            <a:extLst>
+              <a:ext uri="{FF2B5EF4-FFF2-40B4-BE49-F238E27FC236}">
+                <a16:creationId xmlns:a16="http://schemas.microsoft.com/office/drawing/2014/main" id="{C44E5F07-93D2-4FB4-A143-DD8356453E18}"/>
+              </a:ext>
+            </a:extLst>
+          </p:cNvPr>
+          <p:cNvSpPr>
+            <a:spLocks noGrp="1"/>
+          </p:cNvSpPr>
+          <p:nvPr>
+            <p:ph type="dt" sz="quarter" idx="1"/>
+          </p:nvPr>
+        </p:nvSpPr>
+        <p:spPr>
+          <a:xfrm>
+            <a:off x="5675313" y="0"/>
+            <a:ext cx="4343400" cy="346075"/>
+          </a:xfrm>
+          <a:prstGeom prst="rect">
+            <a:avLst/>
+          </a:prstGeom>
+        </p:spPr>
+        <p:txBody>
+          <a:bodyPr vert="horz" lIns="91440" tIns="45720" rIns="91440" bIns="45720" rtlCol="0"/>
+          <a:lstStyle>
+            <a:lvl1pPr algn="r">
+              <a:defRPr sz="1200"/>
+            </a:lvl1pPr>
+          </a:lstStyle>
+          <a:p>
+            <a:fld id="{40B9E4A6-A1A0-4277-9742-35F97AF7215F}" type="datetime1">
+              <a:rPr lang="ko-KR" altLang="en-US" smtClean="0"/>
+              <a:t>2020-11-01</a:t>
+            </a:fld>
+            <a:endParaRPr lang="ko-KR" altLang="en-US"/>
+          </a:p>
+        </p:txBody>
+      </p:sp>
+      <p:sp>
+        <p:nvSpPr>
+          <p:cNvPr id="4" name="바닥글 개체 틀 3">
+            <a:extLst>
+              <a:ext uri="{FF2B5EF4-FFF2-40B4-BE49-F238E27FC236}">
+                <a16:creationId xmlns:a16="http://schemas.microsoft.com/office/drawing/2014/main" id="{C63BFFDC-5447-4DF0-86FA-16B6CC6FD971}"/>
+              </a:ext>
+            </a:extLst>
+          </p:cNvPr>
+          <p:cNvSpPr>
+            <a:spLocks noGrp="1"/>
+          </p:cNvSpPr>
+          <p:nvPr>
+            <p:ph type="ftr" sz="quarter" idx="2"/>
+          </p:nvPr>
+        </p:nvSpPr>
+        <p:spPr>
+          <a:xfrm>
+            <a:off x="0" y="6542088"/>
+            <a:ext cx="4341813" cy="346075"/>
+          </a:xfrm>
+          <a:prstGeom prst="rect">
+            <a:avLst/>
+          </a:prstGeom>
+        </p:spPr>
+        <p:txBody>
+          <a:bodyPr vert="horz" lIns="91440" tIns="45720" rIns="91440" bIns="45720" rtlCol="0" anchor="b"/>
+          <a:lstStyle>
+            <a:lvl1pPr algn="l">
+              <a:defRPr sz="1200"/>
+            </a:lvl1pPr>
+          </a:lstStyle>
+          <a:p>
+            <a:endParaRPr lang="ko-KR" altLang="en-US"/>
+          </a:p>
+        </p:txBody>
+      </p:sp>
+      <p:sp>
+        <p:nvSpPr>
+          <p:cNvPr id="5" name="슬라이드 번호 개체 틀 4">
+            <a:extLst>
+              <a:ext uri="{FF2B5EF4-FFF2-40B4-BE49-F238E27FC236}">
+                <a16:creationId xmlns:a16="http://schemas.microsoft.com/office/drawing/2014/main" id="{19EC759A-8449-4BA6-A863-353C0C47B6C3}"/>
+              </a:ext>
+            </a:extLst>
+          </p:cNvPr>
+          <p:cNvSpPr>
+            <a:spLocks noGrp="1"/>
+          </p:cNvSpPr>
+          <p:nvPr>
+            <p:ph type="sldNum" sz="quarter" idx="3"/>
+          </p:nvPr>
+        </p:nvSpPr>
+        <p:spPr>
+          <a:xfrm>
+            <a:off x="5675313" y="6542088"/>
+            <a:ext cx="4343400" cy="346075"/>
+          </a:xfrm>
+          <a:prstGeom prst="rect">
+            <a:avLst/>
+          </a:prstGeom>
+        </p:spPr>
+        <p:txBody>
+          <a:bodyPr vert="horz" lIns="91440" tIns="45720" rIns="91440" bIns="45720" rtlCol="0" anchor="b"/>
+          <a:lstStyle>
+            <a:lvl1pPr algn="r">
+              <a:defRPr sz="1200"/>
+            </a:lvl1pPr>
+          </a:lstStyle>
+          <a:p>
+            <a:fld id="{0D92348B-D84C-4B2F-9ED9-3286613C13C7}" type="slidenum">
+              <a:rPr lang="ko-KR" altLang="en-US" smtClean="0"/>
+              <a:t>‹#›</a:t>
+            </a:fld>
+            <a:endParaRPr lang="ko-KR" altLang="en-US"/>
+          </a:p>
+        </p:txBody>
+      </p:sp>
+    </p:spTree>
+    <p:extLst>
+      <p:ext uri="{BB962C8B-B14F-4D97-AF65-F5344CB8AC3E}">
+        <p14:creationId xmlns:p14="http://schemas.microsoft.com/office/powerpoint/2010/main" val="3795056649"/>
+      </p:ext>
+    </p:extLst>
+  </p:cSld>
+  <p:clrMap bg1="lt1" tx1="dk1" bg2="lt2" tx2="dk2" accent1="accent1" accent2="accent2" accent3="accent3" accent4="accent4" accent5="accent5" accent6="accent6" hlink="hlink" folHlink="folHlink"/>
+  <p:hf hdr="0" ftr="0" dt="0"/>
+</p:handoutMaster>
+</file>
+
+<file path=ppt/notesMasters/notesMaster1.xml><?xml version="1.0" encoding="utf-8"?>
+<p:notesMaster xmlns:a="http://schemas.openxmlformats.org/drawingml/2006/main" xmlns:r="http://schemas.openxmlformats.org/officeDocument/2006/relationships" xmlns:p="http://schemas.openxmlformats.org/presentationml/2006/main">
+  <p:cSld>
+    <p:bg>
+      <p:bgRef idx="1001">
+        <a:schemeClr val="bg1"/>
+      </p:bgRef>
+    </p:bg>
+    <p:spTree>
+      <p:nvGrpSpPr>
+        <p:cNvPr id="1" name=""/>
+        <p:cNvGrpSpPr/>
+        <p:nvPr/>
+      </p:nvGrpSpPr>
+      <p:grpSpPr>
+        <a:xfrm>
+          <a:off x="0" y="0"/>
+          <a:ext cx="0" cy="0"/>
+          <a:chOff x="0" y="0"/>
+          <a:chExt cx="0" cy="0"/>
+        </a:xfrm>
+      </p:grpSpPr>
+      <p:sp>
+        <p:nvSpPr>
+          <p:cNvPr id="2" name="머리글 개체 틀 1"/>
+          <p:cNvSpPr>
+            <a:spLocks noGrp="1"/>
+          </p:cNvSpPr>
+          <p:nvPr>
+            <p:ph type="hdr" sz="quarter"/>
+          </p:nvPr>
+        </p:nvSpPr>
+        <p:spPr>
+          <a:xfrm>
+            <a:off x="2" y="2"/>
+            <a:ext cx="4341813" cy="346075"/>
+          </a:xfrm>
+          <a:prstGeom prst="rect">
+            <a:avLst/>
+          </a:prstGeom>
+        </p:spPr>
+        <p:txBody>
+          <a:bodyPr vert="horz" lIns="91435" tIns="45718" rIns="91435" bIns="45718" rtlCol="0"/>
+          <a:lstStyle>
+            <a:lvl1pPr algn="l">
+              <a:defRPr sz="1200"/>
+            </a:lvl1pPr>
+          </a:lstStyle>
+          <a:p>
+            <a:endParaRPr lang="ko-KR" altLang="en-US"/>
+          </a:p>
+        </p:txBody>
+      </p:sp>
+      <p:sp>
+        <p:nvSpPr>
+          <p:cNvPr id="3" name="날짜 개체 틀 2"/>
+          <p:cNvSpPr>
+            <a:spLocks noGrp="1"/>
+          </p:cNvSpPr>
+          <p:nvPr>
+            <p:ph type="dt" idx="1"/>
+          </p:nvPr>
+        </p:nvSpPr>
+        <p:spPr>
+          <a:xfrm>
+            <a:off x="5675313" y="2"/>
+            <a:ext cx="4343400" cy="346075"/>
+          </a:xfrm>
+          <a:prstGeom prst="rect">
+            <a:avLst/>
+          </a:prstGeom>
+        </p:spPr>
+        <p:txBody>
+          <a:bodyPr vert="horz" lIns="91435" tIns="45718" rIns="91435" bIns="45718" rtlCol="0"/>
+          <a:lstStyle>
+            <a:lvl1pPr algn="r">
+              <a:defRPr sz="1200"/>
+            </a:lvl1pPr>
+          </a:lstStyle>
+          <a:p>
+            <a:fld id="{5204240D-602B-48C2-BC5C-1930D3AF5673}" type="datetime1">
+              <a:rPr lang="ko-KR" altLang="en-US" smtClean="0"/>
+              <a:t>2020-11-01</a:t>
+            </a:fld>
+            <a:endParaRPr lang="ko-KR" altLang="en-US"/>
+          </a:p>
+        </p:txBody>
+      </p:sp>
+      <p:sp>
+        <p:nvSpPr>
+          <p:cNvPr id="4" name="슬라이드 이미지 개체 틀 3"/>
+          <p:cNvSpPr>
+            <a:spLocks noGrp="1" noRot="1" noChangeAspect="1"/>
+          </p:cNvSpPr>
+          <p:nvPr>
+            <p:ph type="sldImg" idx="2"/>
+          </p:nvPr>
+        </p:nvSpPr>
+        <p:spPr>
+          <a:xfrm>
+            <a:off x="3459163" y="860425"/>
+            <a:ext cx="3101975" cy="2325688"/>
+          </a:xfrm>
+          <a:prstGeom prst="rect">
+            <a:avLst/>
+          </a:prstGeom>
+          <a:noFill/>
+          <a:ln w="12700">
+            <a:solidFill>
+              <a:prstClr val="black"/>
+            </a:solidFill>
+          </a:ln>
+        </p:spPr>
+        <p:txBody>
+          <a:bodyPr vert="horz" lIns="91435" tIns="45718" rIns="91435" bIns="45718" rtlCol="0" anchor="ctr"/>
+          <a:lstStyle/>
+          <a:p>
+            <a:endParaRPr lang="ko-KR" altLang="en-US"/>
+          </a:p>
+        </p:txBody>
+      </p:sp>
+      <p:sp>
+        <p:nvSpPr>
+          <p:cNvPr id="5" name="슬라이드 노트 개체 틀 4"/>
+          <p:cNvSpPr>
+            <a:spLocks noGrp="1"/>
+          </p:cNvSpPr>
+          <p:nvPr>
+            <p:ph type="body" sz="quarter" idx="3"/>
+          </p:nvPr>
+        </p:nvSpPr>
+        <p:spPr>
+          <a:xfrm>
+            <a:off x="1001715" y="3314700"/>
+            <a:ext cx="8016875" cy="2713038"/>
+          </a:xfrm>
+          <a:prstGeom prst="rect">
+            <a:avLst/>
+          </a:prstGeom>
+        </p:spPr>
+        <p:txBody>
+          <a:bodyPr vert="horz" lIns="91435" tIns="45718" rIns="91435" bIns="45718" rtlCol="0"/>
+          <a:lstStyle/>
+          <a:p>
+            <a:pPr lvl="0"/>
+            <a:r>
+              <a:rPr lang="ko-KR" altLang="en-US"/>
+              <a:t>마스터 텍스트 스타일을 편집하려면 클릭</a:t>
+            </a:r>
+          </a:p>
+          <a:p>
+            <a:pPr lvl="1"/>
+            <a:r>
+              <a:rPr lang="ko-KR" altLang="en-US"/>
+              <a:t>두 번째 수준</a:t>
+            </a:r>
+          </a:p>
+          <a:p>
+            <a:pPr lvl="2"/>
+            <a:r>
+              <a:rPr lang="ko-KR" altLang="en-US"/>
+              <a:t>세 번째 수준</a:t>
+            </a:r>
+          </a:p>
+          <a:p>
+            <a:pPr lvl="3"/>
+            <a:r>
+              <a:rPr lang="ko-KR" altLang="en-US"/>
+              <a:t>네 번째 수준</a:t>
+            </a:r>
+          </a:p>
+          <a:p>
+            <a:pPr lvl="4"/>
+            <a:r>
+              <a:rPr lang="ko-KR" altLang="en-US"/>
+              <a:t>다섯 번째 수준</a:t>
+            </a:r>
+          </a:p>
+        </p:txBody>
+      </p:sp>
+      <p:sp>
+        <p:nvSpPr>
+          <p:cNvPr id="6" name="바닥글 개체 틀 5"/>
+          <p:cNvSpPr>
+            <a:spLocks noGrp="1"/>
+          </p:cNvSpPr>
+          <p:nvPr>
+            <p:ph type="ftr" sz="quarter" idx="4"/>
+          </p:nvPr>
+        </p:nvSpPr>
+        <p:spPr>
+          <a:xfrm>
+            <a:off x="2" y="6542090"/>
+            <a:ext cx="4341813" cy="346075"/>
+          </a:xfrm>
+          <a:prstGeom prst="rect">
+            <a:avLst/>
+          </a:prstGeom>
+        </p:spPr>
+        <p:txBody>
+          <a:bodyPr vert="horz" lIns="91435" tIns="45718" rIns="91435" bIns="45718" rtlCol="0" anchor="b"/>
+          <a:lstStyle>
+            <a:lvl1pPr algn="l">
+              <a:defRPr sz="1200"/>
+            </a:lvl1pPr>
+          </a:lstStyle>
+          <a:p>
+            <a:endParaRPr lang="ko-KR" altLang="en-US"/>
+          </a:p>
+        </p:txBody>
+      </p:sp>
+      <p:sp>
+        <p:nvSpPr>
+          <p:cNvPr id="7" name="슬라이드 번호 개체 틀 6"/>
+          <p:cNvSpPr>
+            <a:spLocks noGrp="1"/>
+          </p:cNvSpPr>
+          <p:nvPr>
+            <p:ph type="sldNum" sz="quarter" idx="5"/>
+          </p:nvPr>
+        </p:nvSpPr>
+        <p:spPr>
+          <a:xfrm>
+            <a:off x="5675313" y="6542090"/>
+            <a:ext cx="4343400" cy="346075"/>
+          </a:xfrm>
+          <a:prstGeom prst="rect">
+            <a:avLst/>
+          </a:prstGeom>
+        </p:spPr>
+        <p:txBody>
+          <a:bodyPr vert="horz" lIns="91435" tIns="45718" rIns="91435" bIns="45718" rtlCol="0" anchor="b"/>
+          <a:lstStyle>
+            <a:lvl1pPr algn="r">
+              <a:defRPr sz="1200"/>
+            </a:lvl1pPr>
+          </a:lstStyle>
+          <a:p>
+            <a:fld id="{2DAEF100-EDC4-4D5B-82E0-39A021831126}" type="slidenum">
+              <a:rPr lang="ko-KR" altLang="en-US" smtClean="0"/>
+              <a:t>‹#›</a:t>
+            </a:fld>
+            <a:endParaRPr lang="ko-KR" altLang="en-US"/>
+          </a:p>
+        </p:txBody>
+      </p:sp>
+    </p:spTree>
+    <p:extLst>
+      <p:ext uri="{BB962C8B-B14F-4D97-AF65-F5344CB8AC3E}">
+        <p14:creationId xmlns:p14="http://schemas.microsoft.com/office/powerpoint/2010/main" val="3772384788"/>
+      </p:ext>
+    </p:extLst>
+  </p:cSld>
+  <p:clrMap bg1="lt1" tx1="dk1" bg2="lt2" tx2="dk2" accent1="accent1" accent2="accent2" accent3="accent3" accent4="accent4" accent5="accent5" accent6="accent6" hlink="hlink" folHlink="folHlink"/>
+  <p:hf hdr="0" ftr="0" dt="0"/>
+  <p:notesStyle>
+    <a:lvl1pPr marL="0" algn="l" defTabSz="914400" rtl="0" eaLnBrk="1" latinLnBrk="1" hangingPunct="1">
+      <a:defRPr sz="1200" kern="1200">
+        <a:solidFill>
+          <a:schemeClr val="tx1"/>
+        </a:solidFill>
+        <a:latin typeface="+mn-lt"/>
+        <a:ea typeface="+mn-ea"/>
+        <a:cs typeface="+mn-cs"/>
+      </a:defRPr>
+    </a:lvl1pPr>
+    <a:lvl2pPr marL="457200" algn="l" defTabSz="914400" rtl="0" eaLnBrk="1" latinLnBrk="1" hangingPunct="1">
+      <a:defRPr sz="1200" kern="1200">
+        <a:solidFill>
+          <a:schemeClr val="tx1"/>
+        </a:solidFill>
+        <a:latin typeface="+mn-lt"/>
+        <a:ea typeface="+mn-ea"/>
+        <a:cs typeface="+mn-cs"/>
+      </a:defRPr>
+    </a:lvl2pPr>
+    <a:lvl3pPr marL="914400" algn="l" defTabSz="914400" rtl="0" eaLnBrk="1" latinLnBrk="1" hangingPunct="1">
+      <a:defRPr sz="1200" kern="1200">
+        <a:solidFill>
+          <a:schemeClr val="tx1"/>
+        </a:solidFill>
+        <a:latin typeface="+mn-lt"/>
+        <a:ea typeface="+mn-ea"/>
+        <a:cs typeface="+mn-cs"/>
+      </a:defRPr>
+    </a:lvl3pPr>
+    <a:lvl4pPr marL="1371600" algn="l" defTabSz="914400" rtl="0" eaLnBrk="1" latinLnBrk="1" hangingPunct="1">
+      <a:defRPr sz="1200" kern="1200">
+        <a:solidFill>
+          <a:schemeClr val="tx1"/>
+        </a:solidFill>
+        <a:latin typeface="+mn-lt"/>
+        <a:ea typeface="+mn-ea"/>
+        <a:cs typeface="+mn-cs"/>
+      </a:defRPr>
+    </a:lvl4pPr>
+    <a:lvl5pPr marL="1828800" algn="l" defTabSz="914400" rtl="0" eaLnBrk="1" latinLnBrk="1" hangingPunct="1">
+      <a:defRPr sz="1200" kern="1200">
+        <a:solidFill>
+          <a:schemeClr val="tx1"/>
+        </a:solidFill>
+        <a:latin typeface="+mn-lt"/>
+        <a:ea typeface="+mn-ea"/>
+        <a:cs typeface="+mn-cs"/>
+      </a:defRPr>
+    </a:lvl5pPr>
+    <a:lvl6pPr marL="2286000" algn="l" defTabSz="914400" rtl="0" eaLnBrk="1" latinLnBrk="1" hangingPunct="1">
+      <a:defRPr sz="1200" kern="1200">
+        <a:solidFill>
+          <a:schemeClr val="tx1"/>
+        </a:solidFill>
+        <a:latin typeface="+mn-lt"/>
+        <a:ea typeface="+mn-ea"/>
+        <a:cs typeface="+mn-cs"/>
+      </a:defRPr>
+    </a:lvl6pPr>
+    <a:lvl7pPr marL="2743200" algn="l" defTabSz="914400" rtl="0" eaLnBrk="1" latinLnBrk="1" hangingPunct="1">
+      <a:defRPr sz="1200" kern="1200">
+        <a:solidFill>
+          <a:schemeClr val="tx1"/>
+        </a:solidFill>
+        <a:latin typeface="+mn-lt"/>
+        <a:ea typeface="+mn-ea"/>
+        <a:cs typeface="+mn-cs"/>
+      </a:defRPr>
+    </a:lvl7pPr>
+    <a:lvl8pPr marL="3200400" algn="l" defTabSz="914400" rtl="0" eaLnBrk="1" latinLnBrk="1" hangingPunct="1">
+      <a:defRPr sz="1200" kern="1200">
+        <a:solidFill>
+          <a:schemeClr val="tx1"/>
+        </a:solidFill>
+        <a:latin typeface="+mn-lt"/>
+        <a:ea typeface="+mn-ea"/>
+        <a:cs typeface="+mn-cs"/>
+      </a:defRPr>
+    </a:lvl8pPr>
+    <a:lvl9pPr marL="3657600" algn="l" defTabSz="914400" rtl="0" eaLnBrk="1" latinLnBrk="1" hangingPunct="1">
+      <a:defRPr sz="1200" kern="1200">
+        <a:solidFill>
+          <a:schemeClr val="tx1"/>
+        </a:solidFill>
+        <a:latin typeface="+mn-lt"/>
+        <a:ea typeface="+mn-ea"/>
+        <a:cs typeface="+mn-cs"/>
+      </a:defRPr>
+    </a:lvl9pPr>
+  </p:notesStyle>
+</p:notesMaster>
+</file>
+
+<file path=ppt/notesSlides/notesSlide1.xml><?xml version="1.0" encoding="utf-8"?>
+<p:notes xmlns:a="http://schemas.openxmlformats.org/drawingml/2006/main" xmlns:r="http://schemas.openxmlformats.org/officeDocument/2006/relationships" xmlns:p="http://schemas.openxmlformats.org/presentationml/2006/main">
+  <p:cSld>
+    <p:spTree>
+      <p:nvGrpSpPr>
+        <p:cNvPr id="1" name=""/>
+        <p:cNvGrpSpPr/>
+        <p:nvPr/>
+      </p:nvGrpSpPr>
+      <p:grpSpPr>
+        <a:xfrm>
+          <a:off x="0" y="0"/>
+          <a:ext cx="0" cy="0"/>
+          <a:chOff x="0" y="0"/>
+          <a:chExt cx="0" cy="0"/>
+        </a:xfrm>
+      </p:grpSpPr>
+      <p:sp>
+        <p:nvSpPr>
+          <p:cNvPr id="2" name="슬라이드 이미지 개체 틀 1"/>
+          <p:cNvSpPr>
+            <a:spLocks noGrp="1" noRot="1" noChangeAspect="1"/>
+          </p:cNvSpPr>
+          <p:nvPr>
+            <p:ph type="sldImg"/>
+          </p:nvPr>
+        </p:nvSpPr>
+        <p:spPr/>
+      </p:sp>
+      <p:sp>
+        <p:nvSpPr>
+          <p:cNvPr id="3" name="슬라이드 노트 개체 틀 2"/>
+          <p:cNvSpPr>
+            <a:spLocks noGrp="1"/>
+          </p:cNvSpPr>
+          <p:nvPr>
+            <p:ph type="body" idx="1"/>
+          </p:nvPr>
+        </p:nvSpPr>
+        <p:spPr/>
+        <p:txBody>
+          <a:bodyPr/>
+          <a:lstStyle/>
+          <a:p>
+            <a:endParaRPr lang="ko-KR" altLang="en-US"/>
+          </a:p>
+        </p:txBody>
+      </p:sp>
+      <p:sp>
+        <p:nvSpPr>
+          <p:cNvPr id="4" name="슬라이드 번호 개체 틀 3"/>
+          <p:cNvSpPr>
+            <a:spLocks noGrp="1"/>
+          </p:cNvSpPr>
+          <p:nvPr>
+            <p:ph type="sldNum" sz="quarter" idx="5"/>
+          </p:nvPr>
+        </p:nvSpPr>
+        <p:spPr/>
+        <p:txBody>
+          <a:bodyPr/>
+          <a:lstStyle/>
+          <a:p>
+            <a:fld id="{2DAEF100-EDC4-4D5B-82E0-39A021831126}" type="slidenum">
+              <a:rPr lang="ko-KR" altLang="en-US" smtClean="0"/>
+              <a:t>1</a:t>
+            </a:fld>
+            <a:endParaRPr lang="ko-KR" altLang="en-US"/>
+          </a:p>
+        </p:txBody>
+      </p:sp>
+    </p:spTree>
+    <p:extLst>
+      <p:ext uri="{BB962C8B-B14F-4D97-AF65-F5344CB8AC3E}">
+        <p14:creationId xmlns:p14="http://schemas.microsoft.com/office/powerpoint/2010/main" val="2212552899"/>
+      </p:ext>
+    </p:extLst>
+  </p:cSld>
+  <p:clrMapOvr>
+    <a:masterClrMapping/>
+  </p:clrMapOvr>
+</p:notes>
+</file>
+
+<file path=ppt/notesSlides/notesSlide10.xml><?xml version="1.0" encoding="utf-8"?>
+<p:notes xmlns:a="http://schemas.openxmlformats.org/drawingml/2006/main" xmlns:r="http://schemas.openxmlformats.org/officeDocument/2006/relationships" xmlns:p="http://schemas.openxmlformats.org/presentationml/2006/main">
+  <p:cSld>
+    <p:spTree>
+      <p:nvGrpSpPr>
+        <p:cNvPr id="1" name=""/>
+        <p:cNvGrpSpPr/>
+        <p:nvPr/>
+      </p:nvGrpSpPr>
+      <p:grpSpPr>
+        <a:xfrm>
+          <a:off x="0" y="0"/>
+          <a:ext cx="0" cy="0"/>
+          <a:chOff x="0" y="0"/>
+          <a:chExt cx="0" cy="0"/>
+        </a:xfrm>
+      </p:grpSpPr>
+      <p:sp>
+        <p:nvSpPr>
+          <p:cNvPr id="2" name="슬라이드 이미지 개체 틀 1"/>
+          <p:cNvSpPr>
+            <a:spLocks noGrp="1" noRot="1" noChangeAspect="1"/>
+          </p:cNvSpPr>
+          <p:nvPr>
+            <p:ph type="sldImg"/>
+          </p:nvPr>
+        </p:nvSpPr>
+        <p:spPr/>
+      </p:sp>
+      <p:sp>
+        <p:nvSpPr>
+          <p:cNvPr id="3" name="슬라이드 노트 개체 틀 2"/>
+          <p:cNvSpPr>
+            <a:spLocks noGrp="1"/>
+          </p:cNvSpPr>
+          <p:nvPr>
+            <p:ph type="body" idx="1"/>
+          </p:nvPr>
+        </p:nvSpPr>
+        <p:spPr/>
+        <p:txBody>
+          <a:bodyPr/>
+          <a:lstStyle/>
+          <a:p>
+            <a:endParaRPr lang="ko-KR" altLang="en-US"/>
+          </a:p>
+        </p:txBody>
+      </p:sp>
+      <p:sp>
+        <p:nvSpPr>
+          <p:cNvPr id="4" name="슬라이드 번호 개체 틀 3"/>
+          <p:cNvSpPr>
+            <a:spLocks noGrp="1"/>
+          </p:cNvSpPr>
+          <p:nvPr>
+            <p:ph type="sldNum" sz="quarter" idx="5"/>
+          </p:nvPr>
+        </p:nvSpPr>
+        <p:spPr/>
+        <p:txBody>
+          <a:bodyPr/>
+          <a:lstStyle/>
+          <a:p>
+            <a:fld id="{2DAEF100-EDC4-4D5B-82E0-39A021831126}" type="slidenum">
+              <a:rPr lang="ko-KR" altLang="en-US" smtClean="0"/>
+              <a:t>10</a:t>
+            </a:fld>
+            <a:endParaRPr lang="ko-KR" altLang="en-US"/>
+          </a:p>
+        </p:txBody>
+      </p:sp>
+    </p:spTree>
+    <p:extLst>
+      <p:ext uri="{BB962C8B-B14F-4D97-AF65-F5344CB8AC3E}">
+        <p14:creationId xmlns:p14="http://schemas.microsoft.com/office/powerpoint/2010/main" val="2474395538"/>
+      </p:ext>
+    </p:extLst>
+  </p:cSld>
+  <p:clrMapOvr>
+    <a:masterClrMapping/>
+  </p:clrMapOvr>
+</p:notes>
+</file>
+
+<file path=ppt/notesSlides/notesSlide11.xml><?xml version="1.0" encoding="utf-8"?>
+<p:notes xmlns:a="http://schemas.openxmlformats.org/drawingml/2006/main" xmlns:r="http://schemas.openxmlformats.org/officeDocument/2006/relationships" xmlns:p="http://schemas.openxmlformats.org/presentationml/2006/main">
+  <p:cSld>
+    <p:spTree>
+      <p:nvGrpSpPr>
+        <p:cNvPr id="1" name=""/>
+        <p:cNvGrpSpPr/>
+        <p:nvPr/>
+      </p:nvGrpSpPr>
+      <p:grpSpPr>
+        <a:xfrm>
+          <a:off x="0" y="0"/>
+          <a:ext cx="0" cy="0"/>
+          <a:chOff x="0" y="0"/>
+          <a:chExt cx="0" cy="0"/>
+        </a:xfrm>
+      </p:grpSpPr>
+      <p:sp>
+        <p:nvSpPr>
+          <p:cNvPr id="2" name="슬라이드 이미지 개체 틀 1"/>
+          <p:cNvSpPr>
+            <a:spLocks noGrp="1" noRot="1" noChangeAspect="1"/>
+          </p:cNvSpPr>
+          <p:nvPr>
+            <p:ph type="sldImg"/>
+          </p:nvPr>
+        </p:nvSpPr>
+        <p:spPr/>
+      </p:sp>
+      <p:sp>
+        <p:nvSpPr>
+          <p:cNvPr id="3" name="슬라이드 노트 개체 틀 2"/>
+          <p:cNvSpPr>
+            <a:spLocks noGrp="1"/>
+          </p:cNvSpPr>
+          <p:nvPr>
+            <p:ph type="body" idx="1"/>
+          </p:nvPr>
+        </p:nvSpPr>
+        <p:spPr/>
+        <p:txBody>
+          <a:bodyPr/>
+          <a:lstStyle/>
+          <a:p>
+            <a:endParaRPr lang="ko-KR" altLang="en-US"/>
+          </a:p>
+        </p:txBody>
+      </p:sp>
+      <p:sp>
+        <p:nvSpPr>
+          <p:cNvPr id="4" name="슬라이드 번호 개체 틀 3"/>
+          <p:cNvSpPr>
+            <a:spLocks noGrp="1"/>
+          </p:cNvSpPr>
+          <p:nvPr>
+            <p:ph type="sldNum" sz="quarter" idx="5"/>
+          </p:nvPr>
+        </p:nvSpPr>
+        <p:spPr/>
+        <p:txBody>
+          <a:bodyPr/>
+          <a:lstStyle/>
+          <a:p>
+            <a:fld id="{2DAEF100-EDC4-4D5B-82E0-39A021831126}" type="slidenum">
+              <a:rPr lang="ko-KR" altLang="en-US" smtClean="0"/>
+              <a:t>11</a:t>
+            </a:fld>
+            <a:endParaRPr lang="ko-KR" altLang="en-US"/>
+          </a:p>
+        </p:txBody>
+      </p:sp>
+    </p:spTree>
+    <p:extLst>
+      <p:ext uri="{BB962C8B-B14F-4D97-AF65-F5344CB8AC3E}">
+        <p14:creationId xmlns:p14="http://schemas.microsoft.com/office/powerpoint/2010/main" val="1211846183"/>
+      </p:ext>
+    </p:extLst>
+  </p:cSld>
+  <p:clrMapOvr>
+    <a:masterClrMapping/>
+  </p:clrMapOvr>
+</p:notes>
+</file>
+
+<file path=ppt/notesSlides/notesSlide12.xml><?xml version="1.0" encoding="utf-8"?>
+<p:notes xmlns:a="http://schemas.openxmlformats.org/drawingml/2006/main" xmlns:r="http://schemas.openxmlformats.org/officeDocument/2006/relationships" xmlns:p="http://schemas.openxmlformats.org/presentationml/2006/main">
+  <p:cSld>
+    <p:spTree>
+      <p:nvGrpSpPr>
+        <p:cNvPr id="1" name=""/>
+        <p:cNvGrpSpPr/>
+        <p:nvPr/>
+      </p:nvGrpSpPr>
+      <p:grpSpPr>
+        <a:xfrm>
+          <a:off x="0" y="0"/>
+          <a:ext cx="0" cy="0"/>
+          <a:chOff x="0" y="0"/>
+          <a:chExt cx="0" cy="0"/>
+        </a:xfrm>
+      </p:grpSpPr>
+      <p:sp>
+        <p:nvSpPr>
+          <p:cNvPr id="2" name="슬라이드 이미지 개체 틀 1"/>
+          <p:cNvSpPr>
+            <a:spLocks noGrp="1" noRot="1" noChangeAspect="1"/>
+          </p:cNvSpPr>
+          <p:nvPr>
+            <p:ph type="sldImg"/>
+          </p:nvPr>
+        </p:nvSpPr>
+        <p:spPr/>
+      </p:sp>
+      <p:sp>
+        <p:nvSpPr>
+          <p:cNvPr id="3" name="슬라이드 노트 개체 틀 2"/>
+          <p:cNvSpPr>
+            <a:spLocks noGrp="1"/>
+          </p:cNvSpPr>
+          <p:nvPr>
+            <p:ph type="body" idx="1"/>
+          </p:nvPr>
+        </p:nvSpPr>
+        <p:spPr/>
+        <p:txBody>
+          <a:bodyPr/>
+          <a:lstStyle/>
+          <a:p>
+            <a:endParaRPr lang="ko-KR" altLang="en-US"/>
+          </a:p>
+        </p:txBody>
+      </p:sp>
+      <p:sp>
+        <p:nvSpPr>
+          <p:cNvPr id="4" name="슬라이드 번호 개체 틀 3"/>
+          <p:cNvSpPr>
+            <a:spLocks noGrp="1"/>
+          </p:cNvSpPr>
+          <p:nvPr>
+            <p:ph type="sldNum" sz="quarter" idx="5"/>
+          </p:nvPr>
+        </p:nvSpPr>
+        <p:spPr/>
+        <p:txBody>
+          <a:bodyPr/>
+          <a:lstStyle/>
+          <a:p>
+            <a:fld id="{2DAEF100-EDC4-4D5B-82E0-39A021831126}" type="slidenum">
+              <a:rPr lang="ko-KR" altLang="en-US" smtClean="0"/>
+              <a:t>12</a:t>
+            </a:fld>
+            <a:endParaRPr lang="ko-KR" altLang="en-US"/>
+          </a:p>
+        </p:txBody>
+      </p:sp>
+    </p:spTree>
+    <p:extLst>
+      <p:ext uri="{BB962C8B-B14F-4D97-AF65-F5344CB8AC3E}">
+        <p14:creationId xmlns:p14="http://schemas.microsoft.com/office/powerpoint/2010/main" val="715364826"/>
+      </p:ext>
+    </p:extLst>
+  </p:cSld>
+  <p:clrMapOvr>
+    <a:masterClrMapping/>
+  </p:clrMapOvr>
+</p:notes>
+</file>
+
+<file path=ppt/notesSlides/notesSlide13.xml><?xml version="1.0" encoding="utf-8"?>
+<p:notes xmlns:a="http://schemas.openxmlformats.org/drawingml/2006/main" xmlns:r="http://schemas.openxmlformats.org/officeDocument/2006/relationships" xmlns:p="http://schemas.openxmlformats.org/presentationml/2006/main">
+  <p:cSld>
+    <p:spTree>
+      <p:nvGrpSpPr>
+        <p:cNvPr id="1" name=""/>
+        <p:cNvGrpSpPr/>
+        <p:nvPr/>
+      </p:nvGrpSpPr>
+      <p:grpSpPr>
+        <a:xfrm>
+          <a:off x="0" y="0"/>
+          <a:ext cx="0" cy="0"/>
+          <a:chOff x="0" y="0"/>
+          <a:chExt cx="0" cy="0"/>
+        </a:xfrm>
+      </p:grpSpPr>
+      <p:sp>
+        <p:nvSpPr>
+          <p:cNvPr id="2" name="슬라이드 이미지 개체 틀 1"/>
+          <p:cNvSpPr>
+            <a:spLocks noGrp="1" noRot="1" noChangeAspect="1"/>
+          </p:cNvSpPr>
+          <p:nvPr>
+            <p:ph type="sldImg"/>
+          </p:nvPr>
+        </p:nvSpPr>
+        <p:spPr/>
+      </p:sp>
+      <p:sp>
+        <p:nvSpPr>
+          <p:cNvPr id="3" name="슬라이드 노트 개체 틀 2"/>
+          <p:cNvSpPr>
+            <a:spLocks noGrp="1"/>
+          </p:cNvSpPr>
+          <p:nvPr>
+            <p:ph type="body" idx="1"/>
+          </p:nvPr>
+        </p:nvSpPr>
+        <p:spPr/>
+        <p:txBody>
+          <a:bodyPr/>
+          <a:lstStyle/>
+          <a:p>
+            <a:endParaRPr lang="ko-KR" altLang="en-US"/>
+          </a:p>
+        </p:txBody>
+      </p:sp>
+      <p:sp>
+        <p:nvSpPr>
+          <p:cNvPr id="4" name="슬라이드 번호 개체 틀 3"/>
+          <p:cNvSpPr>
+            <a:spLocks noGrp="1"/>
+          </p:cNvSpPr>
+          <p:nvPr>
+            <p:ph type="sldNum" sz="quarter" idx="5"/>
+          </p:nvPr>
+        </p:nvSpPr>
+        <p:spPr/>
+        <p:txBody>
+          <a:bodyPr/>
+          <a:lstStyle/>
+          <a:p>
+            <a:fld id="{2DAEF100-EDC4-4D5B-82E0-39A021831126}" type="slidenum">
+              <a:rPr lang="ko-KR" altLang="en-US" smtClean="0"/>
+              <a:t>13</a:t>
+            </a:fld>
+            <a:endParaRPr lang="ko-KR" altLang="en-US"/>
+          </a:p>
+        </p:txBody>
+      </p:sp>
+    </p:spTree>
+    <p:extLst>
+      <p:ext uri="{BB962C8B-B14F-4D97-AF65-F5344CB8AC3E}">
+        <p14:creationId xmlns:p14="http://schemas.microsoft.com/office/powerpoint/2010/main" val="3227157309"/>
+      </p:ext>
+    </p:extLst>
+  </p:cSld>
+  <p:clrMapOvr>
+    <a:masterClrMapping/>
+  </p:clrMapOvr>
+</p:notes>
+</file>
+
+<file path=ppt/notesSlides/notesSlide14.xml><?xml version="1.0" encoding="utf-8"?>
+<p:notes xmlns:a="http://schemas.openxmlformats.org/drawingml/2006/main" xmlns:r="http://schemas.openxmlformats.org/officeDocument/2006/relationships" xmlns:p="http://schemas.openxmlformats.org/presentationml/2006/main">
+  <p:cSld>
+    <p:spTree>
+      <p:nvGrpSpPr>
+        <p:cNvPr id="1" name=""/>
+        <p:cNvGrpSpPr/>
+        <p:nvPr/>
+      </p:nvGrpSpPr>
+      <p:grpSpPr>
+        <a:xfrm>
+          <a:off x="0" y="0"/>
+          <a:ext cx="0" cy="0"/>
+          <a:chOff x="0" y="0"/>
+          <a:chExt cx="0" cy="0"/>
+        </a:xfrm>
+      </p:grpSpPr>
+      <p:sp>
+        <p:nvSpPr>
+          <p:cNvPr id="2" name="슬라이드 이미지 개체 틀 1"/>
+          <p:cNvSpPr>
+            <a:spLocks noGrp="1" noRot="1" noChangeAspect="1"/>
+          </p:cNvSpPr>
+          <p:nvPr>
+            <p:ph type="sldImg"/>
+          </p:nvPr>
+        </p:nvSpPr>
+        <p:spPr/>
+      </p:sp>
+      <p:sp>
+        <p:nvSpPr>
+          <p:cNvPr id="3" name="슬라이드 노트 개체 틀 2"/>
+          <p:cNvSpPr>
+            <a:spLocks noGrp="1"/>
+          </p:cNvSpPr>
+          <p:nvPr>
+            <p:ph type="body" idx="1"/>
+          </p:nvPr>
+        </p:nvSpPr>
+        <p:spPr/>
+        <p:txBody>
+          <a:bodyPr/>
+          <a:lstStyle/>
+          <a:p>
+            <a:endParaRPr lang="ko-KR" altLang="en-US"/>
+          </a:p>
+        </p:txBody>
+      </p:sp>
+      <p:sp>
+        <p:nvSpPr>
+          <p:cNvPr id="4" name="슬라이드 번호 개체 틀 3"/>
+          <p:cNvSpPr>
+            <a:spLocks noGrp="1"/>
+          </p:cNvSpPr>
+          <p:nvPr>
+            <p:ph type="sldNum" sz="quarter" idx="5"/>
+          </p:nvPr>
+        </p:nvSpPr>
+        <p:spPr/>
+        <p:txBody>
+          <a:bodyPr/>
+          <a:lstStyle/>
+          <a:p>
+            <a:fld id="{2DAEF100-EDC4-4D5B-82E0-39A021831126}" type="slidenum">
+              <a:rPr lang="ko-KR" altLang="en-US" smtClean="0"/>
+              <a:t>14</a:t>
+            </a:fld>
+            <a:endParaRPr lang="ko-KR" altLang="en-US"/>
+          </a:p>
+        </p:txBody>
+      </p:sp>
+    </p:spTree>
+    <p:extLst>
+      <p:ext uri="{BB962C8B-B14F-4D97-AF65-F5344CB8AC3E}">
+        <p14:creationId xmlns:p14="http://schemas.microsoft.com/office/powerpoint/2010/main" val="897747075"/>
+      </p:ext>
+    </p:extLst>
+  </p:cSld>
+  <p:clrMapOvr>
+    <a:masterClrMapping/>
+  </p:clrMapOvr>
+</p:notes>
+</file>
+
+<file path=ppt/notesSlides/notesSlide15.xml><?xml version="1.0" encoding="utf-8"?>
+<p:notes xmlns:a="http://schemas.openxmlformats.org/drawingml/2006/main" xmlns:r="http://schemas.openxmlformats.org/officeDocument/2006/relationships" xmlns:p="http://schemas.openxmlformats.org/presentationml/2006/main">
+  <p:cSld>
+    <p:spTree>
+      <p:nvGrpSpPr>
+        <p:cNvPr id="1" name=""/>
+        <p:cNvGrpSpPr/>
+        <p:nvPr/>
+      </p:nvGrpSpPr>
+      <p:grpSpPr>
+        <a:xfrm>
+          <a:off x="0" y="0"/>
+          <a:ext cx="0" cy="0"/>
+          <a:chOff x="0" y="0"/>
+          <a:chExt cx="0" cy="0"/>
+        </a:xfrm>
+      </p:grpSpPr>
+      <p:sp>
+        <p:nvSpPr>
+          <p:cNvPr id="2" name="슬라이드 이미지 개체 틀 1"/>
+          <p:cNvSpPr>
+            <a:spLocks noGrp="1" noRot="1" noChangeAspect="1"/>
+          </p:cNvSpPr>
+          <p:nvPr>
+            <p:ph type="sldImg"/>
+          </p:nvPr>
+        </p:nvSpPr>
+        <p:spPr/>
+      </p:sp>
+      <p:sp>
+        <p:nvSpPr>
+          <p:cNvPr id="3" name="슬라이드 노트 개체 틀 2"/>
+          <p:cNvSpPr>
+            <a:spLocks noGrp="1"/>
+          </p:cNvSpPr>
+          <p:nvPr>
+            <p:ph type="body" idx="1"/>
+          </p:nvPr>
+        </p:nvSpPr>
+        <p:spPr/>
+        <p:txBody>
+          <a:bodyPr/>
+          <a:lstStyle/>
+          <a:p>
+            <a:endParaRPr lang="ko-KR" altLang="en-US"/>
+          </a:p>
+        </p:txBody>
+      </p:sp>
+      <p:sp>
+        <p:nvSpPr>
+          <p:cNvPr id="4" name="슬라이드 번호 개체 틀 3"/>
+          <p:cNvSpPr>
+            <a:spLocks noGrp="1"/>
+          </p:cNvSpPr>
+          <p:nvPr>
+            <p:ph type="sldNum" sz="quarter" idx="5"/>
+          </p:nvPr>
+        </p:nvSpPr>
+        <p:spPr/>
+        <p:txBody>
+          <a:bodyPr/>
+          <a:lstStyle/>
+          <a:p>
+            <a:fld id="{2DAEF100-EDC4-4D5B-82E0-39A021831126}" type="slidenum">
+              <a:rPr lang="ko-KR" altLang="en-US" smtClean="0"/>
+              <a:t>15</a:t>
+            </a:fld>
+            <a:endParaRPr lang="ko-KR" altLang="en-US"/>
+          </a:p>
+        </p:txBody>
+      </p:sp>
+    </p:spTree>
+    <p:extLst>
+      <p:ext uri="{BB962C8B-B14F-4D97-AF65-F5344CB8AC3E}">
+        <p14:creationId xmlns:p14="http://schemas.microsoft.com/office/powerpoint/2010/main" val="1522445804"/>
+      </p:ext>
+    </p:extLst>
+  </p:cSld>
+  <p:clrMapOvr>
+    <a:masterClrMapping/>
+  </p:clrMapOvr>
+</p:notes>
+</file>
+
+<file path=ppt/notesSlides/notesSlide16.xml><?xml version="1.0" encoding="utf-8"?>
+<p:notes xmlns:a="http://schemas.openxmlformats.org/drawingml/2006/main" xmlns:r="http://schemas.openxmlformats.org/officeDocument/2006/relationships" xmlns:p="http://schemas.openxmlformats.org/presentationml/2006/main">
+  <p:cSld>
+    <p:spTree>
+      <p:nvGrpSpPr>
+        <p:cNvPr id="1" name=""/>
+        <p:cNvGrpSpPr/>
+        <p:nvPr/>
+      </p:nvGrpSpPr>
+      <p:grpSpPr>
+        <a:xfrm>
+          <a:off x="0" y="0"/>
+          <a:ext cx="0" cy="0"/>
+          <a:chOff x="0" y="0"/>
+          <a:chExt cx="0" cy="0"/>
+        </a:xfrm>
+      </p:grpSpPr>
+      <p:sp>
+        <p:nvSpPr>
+          <p:cNvPr id="2" name="슬라이드 이미지 개체 틀 1"/>
+          <p:cNvSpPr>
+            <a:spLocks noGrp="1" noRot="1" noChangeAspect="1"/>
+          </p:cNvSpPr>
+          <p:nvPr>
+            <p:ph type="sldImg"/>
+          </p:nvPr>
+        </p:nvSpPr>
+        <p:spPr/>
+      </p:sp>
+      <p:sp>
+        <p:nvSpPr>
+          <p:cNvPr id="3" name="슬라이드 노트 개체 틀 2"/>
+          <p:cNvSpPr>
+            <a:spLocks noGrp="1"/>
+          </p:cNvSpPr>
+          <p:nvPr>
+            <p:ph type="body" idx="1"/>
+          </p:nvPr>
+        </p:nvSpPr>
+        <p:spPr/>
+        <p:txBody>
+          <a:bodyPr/>
+          <a:lstStyle/>
+          <a:p>
+            <a:endParaRPr lang="ko-KR" altLang="en-US"/>
+          </a:p>
+        </p:txBody>
+      </p:sp>
+      <p:sp>
+        <p:nvSpPr>
+          <p:cNvPr id="4" name="슬라이드 번호 개체 틀 3"/>
+          <p:cNvSpPr>
+            <a:spLocks noGrp="1"/>
+          </p:cNvSpPr>
+          <p:nvPr>
+            <p:ph type="sldNum" sz="quarter" idx="5"/>
+          </p:nvPr>
+        </p:nvSpPr>
+        <p:spPr/>
+        <p:txBody>
+          <a:bodyPr/>
+          <a:lstStyle/>
+          <a:p>
+            <a:fld id="{2DAEF100-EDC4-4D5B-82E0-39A021831126}" type="slidenum">
+              <a:rPr lang="ko-KR" altLang="en-US" smtClean="0"/>
+              <a:t>16</a:t>
+            </a:fld>
+            <a:endParaRPr lang="ko-KR" altLang="en-US"/>
+          </a:p>
+        </p:txBody>
+      </p:sp>
+    </p:spTree>
+    <p:extLst>
+      <p:ext uri="{BB962C8B-B14F-4D97-AF65-F5344CB8AC3E}">
+        <p14:creationId xmlns:p14="http://schemas.microsoft.com/office/powerpoint/2010/main" val="2268376018"/>
+      </p:ext>
+    </p:extLst>
+  </p:cSld>
+  <p:clrMapOvr>
+    <a:masterClrMapping/>
+  </p:clrMapOvr>
+</p:notes>
+</file>
+
+<file path=ppt/notesSlides/notesSlide17.xml><?xml version="1.0" encoding="utf-8"?>
+<p:notes xmlns:a="http://schemas.openxmlformats.org/drawingml/2006/main" xmlns:r="http://schemas.openxmlformats.org/officeDocument/2006/relationships" xmlns:p="http://schemas.openxmlformats.org/presentationml/2006/main">
+  <p:cSld>
+    <p:spTree>
+      <p:nvGrpSpPr>
+        <p:cNvPr id="1" name=""/>
+        <p:cNvGrpSpPr/>
+        <p:nvPr/>
+      </p:nvGrpSpPr>
+      <p:grpSpPr>
+        <a:xfrm>
+          <a:off x="0" y="0"/>
+          <a:ext cx="0" cy="0"/>
+          <a:chOff x="0" y="0"/>
+          <a:chExt cx="0" cy="0"/>
+        </a:xfrm>
+      </p:grpSpPr>
+      <p:sp>
+        <p:nvSpPr>
+          <p:cNvPr id="2" name="슬라이드 이미지 개체 틀 1"/>
+          <p:cNvSpPr>
+            <a:spLocks noGrp="1" noRot="1" noChangeAspect="1"/>
+          </p:cNvSpPr>
+          <p:nvPr>
+            <p:ph type="sldImg"/>
+          </p:nvPr>
+        </p:nvSpPr>
+        <p:spPr/>
+      </p:sp>
+      <p:sp>
+        <p:nvSpPr>
+          <p:cNvPr id="3" name="슬라이드 노트 개체 틀 2"/>
+          <p:cNvSpPr>
+            <a:spLocks noGrp="1"/>
+          </p:cNvSpPr>
+          <p:nvPr>
+            <p:ph type="body" idx="1"/>
+          </p:nvPr>
+        </p:nvSpPr>
+        <p:spPr/>
+        <p:txBody>
+          <a:bodyPr/>
+          <a:lstStyle/>
+          <a:p>
+            <a:endParaRPr lang="ko-KR" altLang="en-US"/>
+          </a:p>
+        </p:txBody>
+      </p:sp>
+      <p:sp>
+        <p:nvSpPr>
+          <p:cNvPr id="4" name="슬라이드 번호 개체 틀 3"/>
+          <p:cNvSpPr>
+            <a:spLocks noGrp="1"/>
+          </p:cNvSpPr>
+          <p:nvPr>
+            <p:ph type="sldNum" sz="quarter" idx="5"/>
+          </p:nvPr>
+        </p:nvSpPr>
+        <p:spPr/>
+        <p:txBody>
+          <a:bodyPr/>
+          <a:lstStyle/>
+          <a:p>
+            <a:fld id="{2DAEF100-EDC4-4D5B-82E0-39A021831126}" type="slidenum">
+              <a:rPr lang="ko-KR" altLang="en-US" smtClean="0"/>
+              <a:t>17</a:t>
+            </a:fld>
+            <a:endParaRPr lang="ko-KR" altLang="en-US"/>
+          </a:p>
+        </p:txBody>
+      </p:sp>
+    </p:spTree>
+    <p:extLst>
+      <p:ext uri="{BB962C8B-B14F-4D97-AF65-F5344CB8AC3E}">
+        <p14:creationId xmlns:p14="http://schemas.microsoft.com/office/powerpoint/2010/main" val="2751152191"/>
+      </p:ext>
+    </p:extLst>
+  </p:cSld>
+  <p:clrMapOvr>
+    <a:masterClrMapping/>
+  </p:clrMapOvr>
+</p:notes>
+</file>
+
+<file path=ppt/notesSlides/notesSlide18.xml><?xml version="1.0" encoding="utf-8"?>
+<p:notes xmlns:a="http://schemas.openxmlformats.org/drawingml/2006/main" xmlns:r="http://schemas.openxmlformats.org/officeDocument/2006/relationships" xmlns:p="http://schemas.openxmlformats.org/presentationml/2006/main">
+  <p:cSld>
+    <p:spTree>
+      <p:nvGrpSpPr>
+        <p:cNvPr id="1" name=""/>
+        <p:cNvGrpSpPr/>
+        <p:nvPr/>
+      </p:nvGrpSpPr>
+      <p:grpSpPr>
+        <a:xfrm>
+          <a:off x="0" y="0"/>
+          <a:ext cx="0" cy="0"/>
+          <a:chOff x="0" y="0"/>
+          <a:chExt cx="0" cy="0"/>
+        </a:xfrm>
+      </p:grpSpPr>
+      <p:sp>
+        <p:nvSpPr>
+          <p:cNvPr id="2" name="슬라이드 이미지 개체 틀 1"/>
+          <p:cNvSpPr>
+            <a:spLocks noGrp="1" noRot="1" noChangeAspect="1"/>
+          </p:cNvSpPr>
+          <p:nvPr>
+            <p:ph type="sldImg"/>
+          </p:nvPr>
+        </p:nvSpPr>
+        <p:spPr/>
+      </p:sp>
+      <p:sp>
+        <p:nvSpPr>
+          <p:cNvPr id="3" name="슬라이드 노트 개체 틀 2"/>
+          <p:cNvSpPr>
+            <a:spLocks noGrp="1"/>
+          </p:cNvSpPr>
+          <p:nvPr>
+            <p:ph type="body" idx="1"/>
+          </p:nvPr>
+        </p:nvSpPr>
+        <p:spPr/>
+        <p:txBody>
+          <a:bodyPr/>
+          <a:lstStyle/>
+          <a:p>
+            <a:endParaRPr lang="ko-KR" altLang="en-US"/>
+          </a:p>
+        </p:txBody>
+      </p:sp>
+      <p:sp>
+        <p:nvSpPr>
+          <p:cNvPr id="4" name="슬라이드 번호 개체 틀 3"/>
+          <p:cNvSpPr>
+            <a:spLocks noGrp="1"/>
+          </p:cNvSpPr>
+          <p:nvPr>
+            <p:ph type="sldNum" sz="quarter" idx="5"/>
+          </p:nvPr>
+        </p:nvSpPr>
+        <p:spPr/>
+        <p:txBody>
+          <a:bodyPr/>
+          <a:lstStyle/>
+          <a:p>
+            <a:fld id="{2DAEF100-EDC4-4D5B-82E0-39A021831126}" type="slidenum">
+              <a:rPr lang="ko-KR" altLang="en-US" smtClean="0"/>
+              <a:t>18</a:t>
+            </a:fld>
+            <a:endParaRPr lang="ko-KR" altLang="en-US"/>
+          </a:p>
+        </p:txBody>
+      </p:sp>
+    </p:spTree>
+    <p:extLst>
+      <p:ext uri="{BB962C8B-B14F-4D97-AF65-F5344CB8AC3E}">
+        <p14:creationId xmlns:p14="http://schemas.microsoft.com/office/powerpoint/2010/main" val="3852918537"/>
+      </p:ext>
+    </p:extLst>
+  </p:cSld>
+  <p:clrMapOvr>
+    <a:masterClrMapping/>
+  </p:clrMapOvr>
+</p:notes>
+</file>
+
+<file path=ppt/notesSlides/notesSlide19.xml><?xml version="1.0" encoding="utf-8"?>
+<p:notes xmlns:a="http://schemas.openxmlformats.org/drawingml/2006/main" xmlns:r="http://schemas.openxmlformats.org/officeDocument/2006/relationships" xmlns:p="http://schemas.openxmlformats.org/presentationml/2006/main">
+  <p:cSld>
+    <p:spTree>
+      <p:nvGrpSpPr>
+        <p:cNvPr id="1" name=""/>
+        <p:cNvGrpSpPr/>
+        <p:nvPr/>
+      </p:nvGrpSpPr>
+      <p:grpSpPr>
+        <a:xfrm>
+          <a:off x="0" y="0"/>
+          <a:ext cx="0" cy="0"/>
+          <a:chOff x="0" y="0"/>
+          <a:chExt cx="0" cy="0"/>
+        </a:xfrm>
+      </p:grpSpPr>
+      <p:sp>
+        <p:nvSpPr>
+          <p:cNvPr id="2" name="슬라이드 이미지 개체 틀 1"/>
+          <p:cNvSpPr>
+            <a:spLocks noGrp="1" noRot="1" noChangeAspect="1"/>
+          </p:cNvSpPr>
+          <p:nvPr>
+            <p:ph type="sldImg"/>
+          </p:nvPr>
+        </p:nvSpPr>
+        <p:spPr/>
+      </p:sp>
+      <p:sp>
+        <p:nvSpPr>
+          <p:cNvPr id="3" name="슬라이드 노트 개체 틀 2"/>
+          <p:cNvSpPr>
+            <a:spLocks noGrp="1"/>
+          </p:cNvSpPr>
+          <p:nvPr>
+            <p:ph type="body" idx="1"/>
+          </p:nvPr>
+        </p:nvSpPr>
+        <p:spPr/>
+        <p:txBody>
+          <a:bodyPr/>
+          <a:lstStyle/>
+          <a:p>
+            <a:endParaRPr lang="ko-KR" altLang="en-US"/>
+          </a:p>
+        </p:txBody>
+      </p:sp>
+      <p:sp>
+        <p:nvSpPr>
+          <p:cNvPr id="4" name="슬라이드 번호 개체 틀 3"/>
+          <p:cNvSpPr>
+            <a:spLocks noGrp="1"/>
+          </p:cNvSpPr>
+          <p:nvPr>
+            <p:ph type="sldNum" sz="quarter" idx="5"/>
+          </p:nvPr>
+        </p:nvSpPr>
+        <p:spPr/>
+        <p:txBody>
+          <a:bodyPr/>
+          <a:lstStyle/>
+          <a:p>
+            <a:fld id="{2DAEF100-EDC4-4D5B-82E0-39A021831126}" type="slidenum">
+              <a:rPr lang="ko-KR" altLang="en-US" smtClean="0"/>
+              <a:t>19</a:t>
+            </a:fld>
+            <a:endParaRPr lang="ko-KR" altLang="en-US"/>
+          </a:p>
+        </p:txBody>
+      </p:sp>
+    </p:spTree>
+    <p:extLst>
+      <p:ext uri="{BB962C8B-B14F-4D97-AF65-F5344CB8AC3E}">
+        <p14:creationId xmlns:p14="http://schemas.microsoft.com/office/powerpoint/2010/main" val="4248029118"/>
+      </p:ext>
+    </p:extLst>
+  </p:cSld>
+  <p:clrMapOvr>
+    <a:masterClrMapping/>
+  </p:clrMapOvr>
+</p:notes>
+</file>
+
+<file path=ppt/notesSlides/notesSlide2.xml><?xml version="1.0" encoding="utf-8"?>
+<p:notes xmlns:a="http://schemas.openxmlformats.org/drawingml/2006/main" xmlns:r="http://schemas.openxmlformats.org/officeDocument/2006/relationships" xmlns:p="http://schemas.openxmlformats.org/presentationml/2006/main">
+  <p:cSld>
+    <p:spTree>
+      <p:nvGrpSpPr>
+        <p:cNvPr id="1" name=""/>
+        <p:cNvGrpSpPr/>
+        <p:nvPr/>
+      </p:nvGrpSpPr>
+      <p:grpSpPr>
+        <a:xfrm>
+          <a:off x="0" y="0"/>
+          <a:ext cx="0" cy="0"/>
+          <a:chOff x="0" y="0"/>
+          <a:chExt cx="0" cy="0"/>
+        </a:xfrm>
+      </p:grpSpPr>
+      <p:sp>
+        <p:nvSpPr>
+          <p:cNvPr id="2" name="슬라이드 이미지 개체 틀 1"/>
+          <p:cNvSpPr>
+            <a:spLocks noGrp="1" noRot="1" noChangeAspect="1"/>
+          </p:cNvSpPr>
+          <p:nvPr>
+            <p:ph type="sldImg"/>
+          </p:nvPr>
+        </p:nvSpPr>
+        <p:spPr/>
+      </p:sp>
+      <p:sp>
+        <p:nvSpPr>
+          <p:cNvPr id="3" name="슬라이드 노트 개체 틀 2"/>
+          <p:cNvSpPr>
+            <a:spLocks noGrp="1"/>
+          </p:cNvSpPr>
+          <p:nvPr>
+            <p:ph type="body" idx="1"/>
+          </p:nvPr>
+        </p:nvSpPr>
+        <p:spPr/>
+        <p:txBody>
+          <a:bodyPr/>
+          <a:lstStyle/>
+          <a:p>
+            <a:endParaRPr lang="ko-KR" altLang="en-US"/>
+          </a:p>
+        </p:txBody>
+      </p:sp>
+      <p:sp>
+        <p:nvSpPr>
+          <p:cNvPr id="4" name="슬라이드 번호 개체 틀 3"/>
+          <p:cNvSpPr>
+            <a:spLocks noGrp="1"/>
+          </p:cNvSpPr>
+          <p:nvPr>
+            <p:ph type="sldNum" sz="quarter" idx="5"/>
+          </p:nvPr>
+        </p:nvSpPr>
+        <p:spPr/>
+        <p:txBody>
+          <a:bodyPr/>
+          <a:lstStyle/>
+          <a:p>
+            <a:fld id="{2DAEF100-EDC4-4D5B-82E0-39A021831126}" type="slidenum">
+              <a:rPr lang="ko-KR" altLang="en-US" smtClean="0"/>
+              <a:t>2</a:t>
+            </a:fld>
+            <a:endParaRPr lang="ko-KR" altLang="en-US"/>
+          </a:p>
+        </p:txBody>
+      </p:sp>
+    </p:spTree>
+    <p:extLst>
+      <p:ext uri="{BB962C8B-B14F-4D97-AF65-F5344CB8AC3E}">
+        <p14:creationId xmlns:p14="http://schemas.microsoft.com/office/powerpoint/2010/main" val="137126726"/>
+      </p:ext>
+    </p:extLst>
+  </p:cSld>
+  <p:clrMapOvr>
+    <a:masterClrMapping/>
+  </p:clrMapOvr>
+</p:notes>
+</file>
+
+<file path=ppt/notesSlides/notesSlide20.xml><?xml version="1.0" encoding="utf-8"?>
+<p:notes xmlns:a="http://schemas.openxmlformats.org/drawingml/2006/main" xmlns:r="http://schemas.openxmlformats.org/officeDocument/2006/relationships" xmlns:p="http://schemas.openxmlformats.org/presentationml/2006/main">
+  <p:cSld>
+    <p:spTree>
+      <p:nvGrpSpPr>
+        <p:cNvPr id="1" name=""/>
+        <p:cNvGrpSpPr/>
+        <p:nvPr/>
+      </p:nvGrpSpPr>
+      <p:grpSpPr>
+        <a:xfrm>
+          <a:off x="0" y="0"/>
+          <a:ext cx="0" cy="0"/>
+          <a:chOff x="0" y="0"/>
+          <a:chExt cx="0" cy="0"/>
+        </a:xfrm>
+      </p:grpSpPr>
+      <p:sp>
+        <p:nvSpPr>
+          <p:cNvPr id="2" name="슬라이드 이미지 개체 틀 1"/>
+          <p:cNvSpPr>
+            <a:spLocks noGrp="1" noRot="1" noChangeAspect="1"/>
+          </p:cNvSpPr>
+          <p:nvPr>
+            <p:ph type="sldImg"/>
+          </p:nvPr>
+        </p:nvSpPr>
+        <p:spPr/>
+      </p:sp>
+      <p:sp>
+        <p:nvSpPr>
+          <p:cNvPr id="3" name="슬라이드 노트 개체 틀 2"/>
+          <p:cNvSpPr>
+            <a:spLocks noGrp="1"/>
+          </p:cNvSpPr>
+          <p:nvPr>
+            <p:ph type="body" idx="1"/>
+          </p:nvPr>
+        </p:nvSpPr>
+        <p:spPr/>
+        <p:txBody>
+          <a:bodyPr/>
+          <a:lstStyle/>
+          <a:p>
+            <a:endParaRPr lang="ko-KR" altLang="en-US"/>
+          </a:p>
+        </p:txBody>
+      </p:sp>
+      <p:sp>
+        <p:nvSpPr>
+          <p:cNvPr id="4" name="슬라이드 번호 개체 틀 3"/>
+          <p:cNvSpPr>
+            <a:spLocks noGrp="1"/>
+          </p:cNvSpPr>
+          <p:nvPr>
+            <p:ph type="sldNum" sz="quarter" idx="5"/>
+          </p:nvPr>
+        </p:nvSpPr>
+        <p:spPr/>
+        <p:txBody>
+          <a:bodyPr/>
+          <a:lstStyle/>
+          <a:p>
+            <a:fld id="{2DAEF100-EDC4-4D5B-82E0-39A021831126}" type="slidenum">
+              <a:rPr lang="ko-KR" altLang="en-US" smtClean="0"/>
+              <a:t>20</a:t>
+            </a:fld>
+            <a:endParaRPr lang="ko-KR" altLang="en-US"/>
+          </a:p>
+        </p:txBody>
+      </p:sp>
+    </p:spTree>
+    <p:extLst>
+      <p:ext uri="{BB962C8B-B14F-4D97-AF65-F5344CB8AC3E}">
+        <p14:creationId xmlns:p14="http://schemas.microsoft.com/office/powerpoint/2010/main" val="2855479089"/>
+      </p:ext>
+    </p:extLst>
+  </p:cSld>
+  <p:clrMapOvr>
+    <a:masterClrMapping/>
+  </p:clrMapOvr>
+</p:notes>
+</file>
+
+<file path=ppt/notesSlides/notesSlide3.xml><?xml version="1.0" encoding="utf-8"?>
+<p:notes xmlns:a="http://schemas.openxmlformats.org/drawingml/2006/main" xmlns:r="http://schemas.openxmlformats.org/officeDocument/2006/relationships" xmlns:p="http://schemas.openxmlformats.org/presentationml/2006/main">
+  <p:cSld>
+    <p:spTree>
+      <p:nvGrpSpPr>
+        <p:cNvPr id="1" name=""/>
+        <p:cNvGrpSpPr/>
+        <p:nvPr/>
+      </p:nvGrpSpPr>
+      <p:grpSpPr>
+        <a:xfrm>
+          <a:off x="0" y="0"/>
+          <a:ext cx="0" cy="0"/>
+          <a:chOff x="0" y="0"/>
+          <a:chExt cx="0" cy="0"/>
+        </a:xfrm>
+      </p:grpSpPr>
+      <p:sp>
+        <p:nvSpPr>
+          <p:cNvPr id="2" name="슬라이드 이미지 개체 틀 1"/>
+          <p:cNvSpPr>
+            <a:spLocks noGrp="1" noRot="1" noChangeAspect="1"/>
+          </p:cNvSpPr>
+          <p:nvPr>
+            <p:ph type="sldImg"/>
+          </p:nvPr>
+        </p:nvSpPr>
+        <p:spPr/>
+      </p:sp>
+      <p:sp>
+        <p:nvSpPr>
+          <p:cNvPr id="3" name="슬라이드 노트 개체 틀 2"/>
+          <p:cNvSpPr>
+            <a:spLocks noGrp="1"/>
+          </p:cNvSpPr>
+          <p:nvPr>
+            <p:ph type="body" idx="1"/>
+          </p:nvPr>
+        </p:nvSpPr>
+        <p:spPr/>
+        <p:txBody>
+          <a:bodyPr/>
+          <a:lstStyle/>
+          <a:p>
+            <a:endParaRPr lang="ko-KR" altLang="en-US"/>
+          </a:p>
+        </p:txBody>
+      </p:sp>
+      <p:sp>
+        <p:nvSpPr>
+          <p:cNvPr id="4" name="슬라이드 번호 개체 틀 3"/>
+          <p:cNvSpPr>
+            <a:spLocks noGrp="1"/>
+          </p:cNvSpPr>
+          <p:nvPr>
+            <p:ph type="sldNum" sz="quarter" idx="5"/>
+          </p:nvPr>
+        </p:nvSpPr>
+        <p:spPr/>
+        <p:txBody>
+          <a:bodyPr/>
+          <a:lstStyle/>
+          <a:p>
+            <a:fld id="{2DAEF100-EDC4-4D5B-82E0-39A021831126}" type="slidenum">
+              <a:rPr lang="ko-KR" altLang="en-US" smtClean="0"/>
+              <a:t>3</a:t>
+            </a:fld>
+            <a:endParaRPr lang="ko-KR" altLang="en-US"/>
+          </a:p>
+        </p:txBody>
+      </p:sp>
+    </p:spTree>
+    <p:extLst>
+      <p:ext uri="{BB962C8B-B14F-4D97-AF65-F5344CB8AC3E}">
+        <p14:creationId xmlns:p14="http://schemas.microsoft.com/office/powerpoint/2010/main" val="3792683224"/>
+      </p:ext>
+    </p:extLst>
+  </p:cSld>
+  <p:clrMapOvr>
+    <a:masterClrMapping/>
+  </p:clrMapOvr>
+</p:notes>
+</file>
+
+<file path=ppt/notesSlides/notesSlide4.xml><?xml version="1.0" encoding="utf-8"?>
+<p:notes xmlns:a="http://schemas.openxmlformats.org/drawingml/2006/main" xmlns:r="http://schemas.openxmlformats.org/officeDocument/2006/relationships" xmlns:p="http://schemas.openxmlformats.org/presentationml/2006/main">
+  <p:cSld>
+    <p:spTree>
+      <p:nvGrpSpPr>
+        <p:cNvPr id="1" name=""/>
+        <p:cNvGrpSpPr/>
+        <p:nvPr/>
+      </p:nvGrpSpPr>
+      <p:grpSpPr>
+        <a:xfrm>
+          <a:off x="0" y="0"/>
+          <a:ext cx="0" cy="0"/>
+          <a:chOff x="0" y="0"/>
+          <a:chExt cx="0" cy="0"/>
+        </a:xfrm>
+      </p:grpSpPr>
+      <p:sp>
+        <p:nvSpPr>
+          <p:cNvPr id="2" name="슬라이드 이미지 개체 틀 1"/>
+          <p:cNvSpPr>
+            <a:spLocks noGrp="1" noRot="1" noChangeAspect="1"/>
+          </p:cNvSpPr>
+          <p:nvPr>
+            <p:ph type="sldImg"/>
+          </p:nvPr>
+        </p:nvSpPr>
+        <p:spPr/>
+      </p:sp>
+      <p:sp>
+        <p:nvSpPr>
+          <p:cNvPr id="3" name="슬라이드 노트 개체 틀 2"/>
+          <p:cNvSpPr>
+            <a:spLocks noGrp="1"/>
+          </p:cNvSpPr>
+          <p:nvPr>
+            <p:ph type="body" idx="1"/>
+          </p:nvPr>
+        </p:nvSpPr>
+        <p:spPr/>
+        <p:txBody>
+          <a:bodyPr/>
+          <a:lstStyle/>
+          <a:p>
+            <a:endParaRPr lang="ko-KR" altLang="en-US"/>
+          </a:p>
+        </p:txBody>
+      </p:sp>
+      <p:sp>
+        <p:nvSpPr>
+          <p:cNvPr id="4" name="슬라이드 번호 개체 틀 3"/>
+          <p:cNvSpPr>
+            <a:spLocks noGrp="1"/>
+          </p:cNvSpPr>
+          <p:nvPr>
+            <p:ph type="sldNum" sz="quarter" idx="5"/>
+          </p:nvPr>
+        </p:nvSpPr>
+        <p:spPr/>
+        <p:txBody>
+          <a:bodyPr/>
+          <a:lstStyle/>
+          <a:p>
+            <a:fld id="{2DAEF100-EDC4-4D5B-82E0-39A021831126}" type="slidenum">
+              <a:rPr lang="ko-KR" altLang="en-US" smtClean="0"/>
+              <a:t>4</a:t>
+            </a:fld>
+            <a:endParaRPr lang="ko-KR" altLang="en-US"/>
+          </a:p>
+        </p:txBody>
+      </p:sp>
+    </p:spTree>
+    <p:extLst>
+      <p:ext uri="{BB962C8B-B14F-4D97-AF65-F5344CB8AC3E}">
+        <p14:creationId xmlns:p14="http://schemas.microsoft.com/office/powerpoint/2010/main" val="2154885591"/>
+      </p:ext>
+    </p:extLst>
+  </p:cSld>
+  <p:clrMapOvr>
+    <a:masterClrMapping/>
+  </p:clrMapOvr>
+</p:notes>
+</file>
+
+<file path=ppt/notesSlides/notesSlide5.xml><?xml version="1.0" encoding="utf-8"?>
+<p:notes xmlns:a="http://schemas.openxmlformats.org/drawingml/2006/main" xmlns:r="http://schemas.openxmlformats.org/officeDocument/2006/relationships" xmlns:p="http://schemas.openxmlformats.org/presentationml/2006/main">
+  <p:cSld>
+    <p:spTree>
+      <p:nvGrpSpPr>
+        <p:cNvPr id="1" name=""/>
+        <p:cNvGrpSpPr/>
+        <p:nvPr/>
+      </p:nvGrpSpPr>
+      <p:grpSpPr>
+        <a:xfrm>
+          <a:off x="0" y="0"/>
+          <a:ext cx="0" cy="0"/>
+          <a:chOff x="0" y="0"/>
+          <a:chExt cx="0" cy="0"/>
+        </a:xfrm>
+      </p:grpSpPr>
+      <p:sp>
+        <p:nvSpPr>
+          <p:cNvPr id="2" name="슬라이드 이미지 개체 틀 1"/>
+          <p:cNvSpPr>
+            <a:spLocks noGrp="1" noRot="1" noChangeAspect="1"/>
+          </p:cNvSpPr>
+          <p:nvPr>
+            <p:ph type="sldImg"/>
+          </p:nvPr>
+        </p:nvSpPr>
+        <p:spPr/>
+      </p:sp>
+      <p:sp>
+        <p:nvSpPr>
+          <p:cNvPr id="3" name="슬라이드 노트 개체 틀 2"/>
+          <p:cNvSpPr>
+            <a:spLocks noGrp="1"/>
+          </p:cNvSpPr>
+          <p:nvPr>
+            <p:ph type="body" idx="1"/>
+          </p:nvPr>
+        </p:nvSpPr>
+        <p:spPr/>
+        <p:txBody>
+          <a:bodyPr/>
+          <a:lstStyle/>
+          <a:p>
+            <a:endParaRPr lang="ko-KR" altLang="en-US"/>
+          </a:p>
+        </p:txBody>
+      </p:sp>
+      <p:sp>
+        <p:nvSpPr>
+          <p:cNvPr id="4" name="슬라이드 번호 개체 틀 3"/>
+          <p:cNvSpPr>
+            <a:spLocks noGrp="1"/>
+          </p:cNvSpPr>
+          <p:nvPr>
+            <p:ph type="sldNum" sz="quarter" idx="5"/>
+          </p:nvPr>
+        </p:nvSpPr>
+        <p:spPr/>
+        <p:txBody>
+          <a:bodyPr/>
+          <a:lstStyle/>
+          <a:p>
+            <a:fld id="{2DAEF100-EDC4-4D5B-82E0-39A021831126}" type="slidenum">
+              <a:rPr lang="ko-KR" altLang="en-US" smtClean="0"/>
+              <a:t>5</a:t>
+            </a:fld>
+            <a:endParaRPr lang="ko-KR" altLang="en-US"/>
+          </a:p>
+        </p:txBody>
+      </p:sp>
+    </p:spTree>
+    <p:extLst>
+      <p:ext uri="{BB962C8B-B14F-4D97-AF65-F5344CB8AC3E}">
+        <p14:creationId xmlns:p14="http://schemas.microsoft.com/office/powerpoint/2010/main" val="3167558897"/>
+      </p:ext>
+    </p:extLst>
+  </p:cSld>
+  <p:clrMapOvr>
+    <a:masterClrMapping/>
+  </p:clrMapOvr>
+</p:notes>
+</file>
+
+<file path=ppt/notesSlides/notesSlide6.xml><?xml version="1.0" encoding="utf-8"?>
+<p:notes xmlns:a="http://schemas.openxmlformats.org/drawingml/2006/main" xmlns:r="http://schemas.openxmlformats.org/officeDocument/2006/relationships" xmlns:p="http://schemas.openxmlformats.org/presentationml/2006/main">
+  <p:cSld>
+    <p:spTree>
+      <p:nvGrpSpPr>
+        <p:cNvPr id="1" name=""/>
+        <p:cNvGrpSpPr/>
+        <p:nvPr/>
+      </p:nvGrpSpPr>
+      <p:grpSpPr>
+        <a:xfrm>
+          <a:off x="0" y="0"/>
+          <a:ext cx="0" cy="0"/>
+          <a:chOff x="0" y="0"/>
+          <a:chExt cx="0" cy="0"/>
+        </a:xfrm>
+      </p:grpSpPr>
+      <p:sp>
+        <p:nvSpPr>
+          <p:cNvPr id="2" name="슬라이드 이미지 개체 틀 1"/>
+          <p:cNvSpPr>
+            <a:spLocks noGrp="1" noRot="1" noChangeAspect="1"/>
+          </p:cNvSpPr>
+          <p:nvPr>
+            <p:ph type="sldImg"/>
+          </p:nvPr>
+        </p:nvSpPr>
+        <p:spPr/>
+      </p:sp>
+      <p:sp>
+        <p:nvSpPr>
+          <p:cNvPr id="3" name="슬라이드 노트 개체 틀 2"/>
+          <p:cNvSpPr>
+            <a:spLocks noGrp="1"/>
+          </p:cNvSpPr>
+          <p:nvPr>
+            <p:ph type="body" idx="1"/>
+          </p:nvPr>
+        </p:nvSpPr>
+        <p:spPr/>
+        <p:txBody>
+          <a:bodyPr/>
+          <a:lstStyle/>
+          <a:p>
+            <a:endParaRPr lang="ko-KR" altLang="en-US"/>
+          </a:p>
+        </p:txBody>
+      </p:sp>
+      <p:sp>
+        <p:nvSpPr>
+          <p:cNvPr id="4" name="슬라이드 번호 개체 틀 3"/>
+          <p:cNvSpPr>
+            <a:spLocks noGrp="1"/>
+          </p:cNvSpPr>
+          <p:nvPr>
+            <p:ph type="sldNum" sz="quarter" idx="5"/>
+          </p:nvPr>
+        </p:nvSpPr>
+        <p:spPr/>
+        <p:txBody>
+          <a:bodyPr/>
+          <a:lstStyle/>
+          <a:p>
+            <a:fld id="{2DAEF100-EDC4-4D5B-82E0-39A021831126}" type="slidenum">
+              <a:rPr lang="ko-KR" altLang="en-US" smtClean="0"/>
+              <a:t>6</a:t>
+            </a:fld>
+            <a:endParaRPr lang="ko-KR" altLang="en-US"/>
+          </a:p>
+        </p:txBody>
+      </p:sp>
+    </p:spTree>
+    <p:extLst>
+      <p:ext uri="{BB962C8B-B14F-4D97-AF65-F5344CB8AC3E}">
+        <p14:creationId xmlns:p14="http://schemas.microsoft.com/office/powerpoint/2010/main" val="1587048074"/>
+      </p:ext>
+    </p:extLst>
+  </p:cSld>
+  <p:clrMapOvr>
+    <a:masterClrMapping/>
+  </p:clrMapOvr>
+</p:notes>
+</file>
+
+<file path=ppt/notesSlides/notesSlide7.xml><?xml version="1.0" encoding="utf-8"?>
+<p:notes xmlns:a="http://schemas.openxmlformats.org/drawingml/2006/main" xmlns:r="http://schemas.openxmlformats.org/officeDocument/2006/relationships" xmlns:p="http://schemas.openxmlformats.org/presentationml/2006/main">
+  <p:cSld>
+    <p:spTree>
+      <p:nvGrpSpPr>
+        <p:cNvPr id="1" name=""/>
+        <p:cNvGrpSpPr/>
+        <p:nvPr/>
+      </p:nvGrpSpPr>
+      <p:grpSpPr>
+        <a:xfrm>
+          <a:off x="0" y="0"/>
+          <a:ext cx="0" cy="0"/>
+          <a:chOff x="0" y="0"/>
+          <a:chExt cx="0" cy="0"/>
+        </a:xfrm>
+      </p:grpSpPr>
+      <p:sp>
+        <p:nvSpPr>
+          <p:cNvPr id="2" name="슬라이드 이미지 개체 틀 1"/>
+          <p:cNvSpPr>
+            <a:spLocks noGrp="1" noRot="1" noChangeAspect="1"/>
+          </p:cNvSpPr>
+          <p:nvPr>
+            <p:ph type="sldImg"/>
+          </p:nvPr>
+        </p:nvSpPr>
+        <p:spPr/>
+      </p:sp>
+      <p:sp>
+        <p:nvSpPr>
+          <p:cNvPr id="3" name="슬라이드 노트 개체 틀 2"/>
+          <p:cNvSpPr>
+            <a:spLocks noGrp="1"/>
+          </p:cNvSpPr>
+          <p:nvPr>
+            <p:ph type="body" idx="1"/>
+          </p:nvPr>
+        </p:nvSpPr>
+        <p:spPr/>
+        <p:txBody>
+          <a:bodyPr/>
+          <a:lstStyle/>
+          <a:p>
+            <a:endParaRPr lang="ko-KR" altLang="en-US"/>
+          </a:p>
+        </p:txBody>
+      </p:sp>
+      <p:sp>
+        <p:nvSpPr>
+          <p:cNvPr id="4" name="슬라이드 번호 개체 틀 3"/>
+          <p:cNvSpPr>
+            <a:spLocks noGrp="1"/>
+          </p:cNvSpPr>
+          <p:nvPr>
+            <p:ph type="sldNum" sz="quarter" idx="5"/>
+          </p:nvPr>
+        </p:nvSpPr>
+        <p:spPr/>
+        <p:txBody>
+          <a:bodyPr/>
+          <a:lstStyle/>
+          <a:p>
+            <a:fld id="{2DAEF100-EDC4-4D5B-82E0-39A021831126}" type="slidenum">
+              <a:rPr lang="ko-KR" altLang="en-US" smtClean="0"/>
+              <a:t>7</a:t>
+            </a:fld>
+            <a:endParaRPr lang="ko-KR" altLang="en-US"/>
+          </a:p>
+        </p:txBody>
+      </p:sp>
+    </p:spTree>
+    <p:extLst>
+      <p:ext uri="{BB962C8B-B14F-4D97-AF65-F5344CB8AC3E}">
+        <p14:creationId xmlns:p14="http://schemas.microsoft.com/office/powerpoint/2010/main" val="3326436041"/>
+      </p:ext>
+    </p:extLst>
+  </p:cSld>
+  <p:clrMapOvr>
+    <a:masterClrMapping/>
+  </p:clrMapOvr>
+</p:notes>
+</file>
+
+<file path=ppt/notesSlides/notesSlide8.xml><?xml version="1.0" encoding="utf-8"?>
+<p:notes xmlns:a="http://schemas.openxmlformats.org/drawingml/2006/main" xmlns:r="http://schemas.openxmlformats.org/officeDocument/2006/relationships" xmlns:p="http://schemas.openxmlformats.org/presentationml/2006/main">
+  <p:cSld>
+    <p:spTree>
+      <p:nvGrpSpPr>
+        <p:cNvPr id="1" name=""/>
+        <p:cNvGrpSpPr/>
+        <p:nvPr/>
+      </p:nvGrpSpPr>
+      <p:grpSpPr>
+        <a:xfrm>
+          <a:off x="0" y="0"/>
+          <a:ext cx="0" cy="0"/>
+          <a:chOff x="0" y="0"/>
+          <a:chExt cx="0" cy="0"/>
+        </a:xfrm>
+      </p:grpSpPr>
+      <p:sp>
+        <p:nvSpPr>
+          <p:cNvPr id="2" name="슬라이드 이미지 개체 틀 1"/>
+          <p:cNvSpPr>
+            <a:spLocks noGrp="1" noRot="1" noChangeAspect="1"/>
+          </p:cNvSpPr>
+          <p:nvPr>
+            <p:ph type="sldImg"/>
+          </p:nvPr>
+        </p:nvSpPr>
+        <p:spPr/>
+      </p:sp>
+      <p:sp>
+        <p:nvSpPr>
+          <p:cNvPr id="3" name="슬라이드 노트 개체 틀 2"/>
+          <p:cNvSpPr>
+            <a:spLocks noGrp="1"/>
+          </p:cNvSpPr>
+          <p:nvPr>
+            <p:ph type="body" idx="1"/>
+          </p:nvPr>
+        </p:nvSpPr>
+        <p:spPr/>
+        <p:txBody>
+          <a:bodyPr/>
+          <a:lstStyle/>
+          <a:p>
+            <a:endParaRPr lang="ko-KR" altLang="en-US"/>
+          </a:p>
+        </p:txBody>
+      </p:sp>
+      <p:sp>
+        <p:nvSpPr>
+          <p:cNvPr id="4" name="슬라이드 번호 개체 틀 3"/>
+          <p:cNvSpPr>
+            <a:spLocks noGrp="1"/>
+          </p:cNvSpPr>
+          <p:nvPr>
+            <p:ph type="sldNum" sz="quarter" idx="5"/>
+          </p:nvPr>
+        </p:nvSpPr>
+        <p:spPr/>
+        <p:txBody>
+          <a:bodyPr/>
+          <a:lstStyle/>
+          <a:p>
+            <a:fld id="{2DAEF100-EDC4-4D5B-82E0-39A021831126}" type="slidenum">
+              <a:rPr lang="ko-KR" altLang="en-US" smtClean="0"/>
+              <a:t>8</a:t>
+            </a:fld>
+            <a:endParaRPr lang="ko-KR" altLang="en-US"/>
+          </a:p>
+        </p:txBody>
+      </p:sp>
+    </p:spTree>
+    <p:extLst>
+      <p:ext uri="{BB962C8B-B14F-4D97-AF65-F5344CB8AC3E}">
+        <p14:creationId xmlns:p14="http://schemas.microsoft.com/office/powerpoint/2010/main" val="3377068332"/>
+      </p:ext>
+    </p:extLst>
+  </p:cSld>
+  <p:clrMapOvr>
+    <a:masterClrMapping/>
+  </p:clrMapOvr>
+</p:notes>
+</file>
+
+<file path=ppt/notesSlides/notesSlide9.xml><?xml version="1.0" encoding="utf-8"?>
+<p:notes xmlns:a="http://schemas.openxmlformats.org/drawingml/2006/main" xmlns:r="http://schemas.openxmlformats.org/officeDocument/2006/relationships" xmlns:p="http://schemas.openxmlformats.org/presentationml/2006/main">
+  <p:cSld>
+    <p:spTree>
+      <p:nvGrpSpPr>
+        <p:cNvPr id="1" name=""/>
+        <p:cNvGrpSpPr/>
+        <p:nvPr/>
+      </p:nvGrpSpPr>
+      <p:grpSpPr>
+        <a:xfrm>
+          <a:off x="0" y="0"/>
+          <a:ext cx="0" cy="0"/>
+          <a:chOff x="0" y="0"/>
+          <a:chExt cx="0" cy="0"/>
+        </a:xfrm>
+      </p:grpSpPr>
+      <p:sp>
+        <p:nvSpPr>
+          <p:cNvPr id="2" name="슬라이드 이미지 개체 틀 1"/>
+          <p:cNvSpPr>
+            <a:spLocks noGrp="1" noRot="1" noChangeAspect="1"/>
+          </p:cNvSpPr>
+          <p:nvPr>
+            <p:ph type="sldImg"/>
+          </p:nvPr>
+        </p:nvSpPr>
+        <p:spPr/>
+      </p:sp>
+      <p:sp>
+        <p:nvSpPr>
+          <p:cNvPr id="3" name="슬라이드 노트 개체 틀 2"/>
+          <p:cNvSpPr>
+            <a:spLocks noGrp="1"/>
+          </p:cNvSpPr>
+          <p:nvPr>
+            <p:ph type="body" idx="1"/>
+          </p:nvPr>
+        </p:nvSpPr>
+        <p:spPr/>
+        <p:txBody>
+          <a:bodyPr/>
+          <a:lstStyle/>
+          <a:p>
+            <a:endParaRPr lang="ko-KR" altLang="en-US"/>
+          </a:p>
+        </p:txBody>
+      </p:sp>
+      <p:sp>
+        <p:nvSpPr>
+          <p:cNvPr id="4" name="슬라이드 번호 개체 틀 3"/>
+          <p:cNvSpPr>
+            <a:spLocks noGrp="1"/>
+          </p:cNvSpPr>
+          <p:nvPr>
+            <p:ph type="sldNum" sz="quarter" idx="5"/>
+          </p:nvPr>
+        </p:nvSpPr>
+        <p:spPr/>
+        <p:txBody>
+          <a:bodyPr/>
+          <a:lstStyle/>
+          <a:p>
+            <a:fld id="{2DAEF100-EDC4-4D5B-82E0-39A021831126}" type="slidenum">
+              <a:rPr lang="ko-KR" altLang="en-US" smtClean="0"/>
+              <a:t>9</a:t>
+            </a:fld>
+            <a:endParaRPr lang="ko-KR" altLang="en-US"/>
+          </a:p>
+        </p:txBody>
+      </p:sp>
+    </p:spTree>
+    <p:extLst>
+      <p:ext uri="{BB962C8B-B14F-4D97-AF65-F5344CB8AC3E}">
+        <p14:creationId xmlns:p14="http://schemas.microsoft.com/office/powerpoint/2010/main" val="76116513"/>
+      </p:ext>
+    </p:extLst>
+  </p:cSld>
+  <p:clrMapOvr>
+    <a:masterClrMapping/>
+  </p:clrMapOvr>
+</p:notes>
+</file>
+
 <file path=ppt/slideLayouts/slideLayout1.xml><?xml version="1.0" encoding="utf-8"?>
 <p:sldLayout xmlns:a="http://schemas.openxmlformats.org/drawingml/2006/main" xmlns:r="http://schemas.openxmlformats.org/officeDocument/2006/relationships" xmlns:p="http://schemas.openxmlformats.org/presentationml/2006/main" type="title" preserve="1">
   <p:cSld name="제목 슬라이드">
@@ -322,7 +2548,7 @@
           <a:p>
             <a:fld id="{FB30EDBD-1C2D-4C1E-B459-B60219FAB484}" type="datetimeFigureOut">
               <a:rPr lang="ko-KR" altLang="en-US" smtClean="0"/>
-              <a:t>2020-10-31</a:t>
+              <a:t>2020-11-01</a:t>
             </a:fld>
             <a:endParaRPr lang="ko-KR" altLang="en-US"/>
           </a:p>
@@ -485,7 +2711,7 @@
           <a:p>
             <a:fld id="{FB30EDBD-1C2D-4C1E-B459-B60219FAB484}" type="datetimeFigureOut">
               <a:rPr lang="ko-KR" altLang="en-US" smtClean="0"/>
-              <a:t>2020-10-31</a:t>
+              <a:t>2020-11-01</a:t>
             </a:fld>
             <a:endParaRPr lang="ko-KR" altLang="en-US"/>
           </a:p>
@@ -658,7 +2884,7 @@
           <a:p>
             <a:fld id="{FB30EDBD-1C2D-4C1E-B459-B60219FAB484}" type="datetimeFigureOut">
               <a:rPr lang="ko-KR" altLang="en-US" smtClean="0"/>
-              <a:t>2020-10-31</a:t>
+              <a:t>2020-11-01</a:t>
             </a:fld>
             <a:endParaRPr lang="ko-KR" altLang="en-US"/>
           </a:p>
@@ -821,7 +3047,7 @@
           <a:p>
             <a:fld id="{FB30EDBD-1C2D-4C1E-B459-B60219FAB484}" type="datetimeFigureOut">
               <a:rPr lang="ko-KR" altLang="en-US" smtClean="0"/>
-              <a:t>2020-10-31</a:t>
+              <a:t>2020-11-01</a:t>
             </a:fld>
             <a:endParaRPr lang="ko-KR" altLang="en-US"/>
           </a:p>
@@ -1061,7 +3287,7 @@
           <a:p>
             <a:fld id="{FB30EDBD-1C2D-4C1E-B459-B60219FAB484}" type="datetimeFigureOut">
               <a:rPr lang="ko-KR" altLang="en-US" smtClean="0"/>
-              <a:t>2020-10-31</a:t>
+              <a:t>2020-11-01</a:t>
             </a:fld>
             <a:endParaRPr lang="ko-KR" altLang="en-US"/>
           </a:p>
@@ -1341,7 +3567,7 @@
           <a:p>
             <a:fld id="{FB30EDBD-1C2D-4C1E-B459-B60219FAB484}" type="datetimeFigureOut">
               <a:rPr lang="ko-KR" altLang="en-US" smtClean="0"/>
-              <a:t>2020-10-31</a:t>
+              <a:t>2020-11-01</a:t>
             </a:fld>
             <a:endParaRPr lang="ko-KR" altLang="en-US"/>
           </a:p>
@@ -1755,7 +3981,7 @@
           <a:p>
             <a:fld id="{FB30EDBD-1C2D-4C1E-B459-B60219FAB484}" type="datetimeFigureOut">
               <a:rPr lang="ko-KR" altLang="en-US" smtClean="0"/>
-              <a:t>2020-10-31</a:t>
+              <a:t>2020-11-01</a:t>
             </a:fld>
             <a:endParaRPr lang="ko-KR" altLang="en-US"/>
           </a:p>
@@ -1867,7 +4093,7 @@
           <a:p>
             <a:fld id="{FB30EDBD-1C2D-4C1E-B459-B60219FAB484}" type="datetimeFigureOut">
               <a:rPr lang="ko-KR" altLang="en-US" smtClean="0"/>
-              <a:t>2020-10-31</a:t>
+              <a:t>2020-11-01</a:t>
             </a:fld>
             <a:endParaRPr lang="ko-KR" altLang="en-US"/>
           </a:p>
@@ -1957,7 +4183,7 @@
           <a:p>
             <a:fld id="{FB30EDBD-1C2D-4C1E-B459-B60219FAB484}" type="datetimeFigureOut">
               <a:rPr lang="ko-KR" altLang="en-US" smtClean="0"/>
-              <a:t>2020-10-31</a:t>
+              <a:t>2020-11-01</a:t>
             </a:fld>
             <a:endParaRPr lang="ko-KR" altLang="en-US"/>
           </a:p>
@@ -2227,7 +4453,7 @@
           <a:p>
             <a:fld id="{FB30EDBD-1C2D-4C1E-B459-B60219FAB484}" type="datetimeFigureOut">
               <a:rPr lang="ko-KR" altLang="en-US" smtClean="0"/>
-              <a:t>2020-10-31</a:t>
+              <a:t>2020-11-01</a:t>
             </a:fld>
             <a:endParaRPr lang="ko-KR" altLang="en-US"/>
           </a:p>
@@ -2474,7 +4700,7 @@
           <a:p>
             <a:fld id="{FB30EDBD-1C2D-4C1E-B459-B60219FAB484}" type="datetimeFigureOut">
               <a:rPr lang="ko-KR" altLang="en-US" smtClean="0"/>
-              <a:t>2020-10-31</a:t>
+              <a:t>2020-11-01</a:t>
             </a:fld>
             <a:endParaRPr lang="ko-KR" altLang="en-US"/>
           </a:p>
@@ -2680,7 +4906,7 @@
           <a:p>
             <a:fld id="{FB30EDBD-1C2D-4C1E-B459-B60219FAB484}" type="datetimeFigureOut">
               <a:rPr lang="ko-KR" altLang="en-US" smtClean="0"/>
-              <a:t>2020-10-31</a:t>
+              <a:t>2020-11-01</a:t>
             </a:fld>
             <a:endParaRPr lang="ko-KR" altLang="en-US"/>
           </a:p>
@@ -3214,7 +5440,7 @@
           <p:nvPr/>
         </p:nvPicPr>
         <p:blipFill>
-          <a:blip r:embed="rId2" cstate="print">
+          <a:blip r:embed="rId3" cstate="print">
             <a:extLst>
               <a:ext uri="{28A0092B-C50C-407E-A947-70E740481C1C}">
                 <a14:useLocalDpi xmlns:a14="http://schemas.microsoft.com/office/drawing/2010/main" val="0"/>
@@ -4750,7 +6976,7 @@
           <p:nvPr/>
         </p:nvPicPr>
         <p:blipFill>
-          <a:blip r:embed="rId2">
+          <a:blip r:embed="rId3">
             <a:extLst>
               <a:ext uri="{28A0092B-C50C-407E-A947-70E740481C1C}">
                 <a14:useLocalDpi xmlns:a14="http://schemas.microsoft.com/office/drawing/2010/main" val="0"/>
@@ -7073,7 +9299,7 @@
           <p:nvPr/>
         </p:nvPicPr>
         <p:blipFill>
-          <a:blip r:embed="rId2">
+          <a:blip r:embed="rId3">
             <a:extLst>
               <a:ext uri="{28A0092B-C50C-407E-A947-70E740481C1C}">
                 <a14:useLocalDpi xmlns:a14="http://schemas.microsoft.com/office/drawing/2010/main" val="0"/>
@@ -8271,7 +10497,7 @@
           <p:nvPr/>
         </p:nvPicPr>
         <p:blipFill>
-          <a:blip r:embed="rId2">
+          <a:blip r:embed="rId3">
             <a:extLst>
               <a:ext uri="{28A0092B-C50C-407E-A947-70E740481C1C}">
                 <a14:useLocalDpi xmlns:a14="http://schemas.microsoft.com/office/drawing/2010/main" val="0"/>
@@ -12079,7 +14305,7 @@
           <p:nvPr/>
         </p:nvPicPr>
         <p:blipFill>
-          <a:blip r:embed="rId2">
+          <a:blip r:embed="rId3">
             <a:extLst>
               <a:ext uri="{28A0092B-C50C-407E-A947-70E740481C1C}">
                 <a14:useLocalDpi xmlns:a14="http://schemas.microsoft.com/office/drawing/2010/main" val="0"/>
@@ -12120,7 +14346,7 @@
           <p:nvPr/>
         </p:nvPicPr>
         <p:blipFill>
-          <a:blip r:embed="rId3">
+          <a:blip r:embed="rId4">
             <a:extLst>
               <a:ext uri="{28A0092B-C50C-407E-A947-70E740481C1C}">
                 <a14:useLocalDpi xmlns:a14="http://schemas.microsoft.com/office/drawing/2010/main" val="0"/>
@@ -14971,7 +17197,7 @@
           <p:nvPr/>
         </p:nvPicPr>
         <p:blipFill>
-          <a:blip r:embed="rId2">
+          <a:blip r:embed="rId3">
             <a:extLst>
               <a:ext uri="{28A0092B-C50C-407E-A947-70E740481C1C}">
                 <a14:useLocalDpi xmlns:a14="http://schemas.microsoft.com/office/drawing/2010/main" val="0"/>
@@ -16967,4 +19193,594 @@
   <a:objectDefaults/>
   <a:extraClrSchemeLst/>
 </a:theme>
+</file>
+
+<file path=ppt/theme/theme2.xml><?xml version="1.0" encoding="utf-8"?>
+<a:theme xmlns:a="http://schemas.openxmlformats.org/drawingml/2006/main" name="Office 테마">
+  <a:themeElements>
+    <a:clrScheme name="Office">
+      <a:dk1>
+        <a:sysClr val="windowText" lastClr="000000"/>
+      </a:dk1>
+      <a:lt1>
+        <a:sysClr val="window" lastClr="FFFFFF"/>
+      </a:lt1>
+      <a:dk2>
+        <a:srgbClr val="44546A"/>
+      </a:dk2>
+      <a:lt2>
+        <a:srgbClr val="E7E6E6"/>
+      </a:lt2>
+      <a:accent1>
+        <a:srgbClr val="4472C4"/>
+      </a:accent1>
+      <a:accent2>
+        <a:srgbClr val="ED7D31"/>
+      </a:accent2>
+      <a:accent3>
+        <a:srgbClr val="A5A5A5"/>
+      </a:accent3>
+      <a:accent4>
+        <a:srgbClr val="FFC000"/>
+      </a:accent4>
+      <a:accent5>
+        <a:srgbClr val="5B9BD5"/>
+      </a:accent5>
+      <a:accent6>
+        <a:srgbClr val="70AD47"/>
+      </a:accent6>
+      <a:hlink>
+        <a:srgbClr val="0563C1"/>
+      </a:hlink>
+      <a:folHlink>
+        <a:srgbClr val="954F72"/>
+      </a:folHlink>
+    </a:clrScheme>
+    <a:fontScheme name="Office">
+      <a:majorFont>
+        <a:latin typeface="맑은 고딕" panose="020F0302020204030204"/>
+        <a:ea typeface=""/>
+        <a:cs typeface=""/>
+        <a:font script="Jpan" typeface="游ゴシック Light"/>
+        <a:font script="Hang" typeface="맑은 고딕"/>
+        <a:font script="Hans" typeface="等线 Light"/>
+        <a:font script="Hant" typeface="新細明體"/>
+        <a:font script="Arab" typeface="Times New Roman"/>
+        <a:font script="Hebr" typeface="Times New Roman"/>
+        <a:font script="Thai" typeface="Angsana New"/>
+        <a:font script="Ethi" typeface="Nyala"/>
+        <a:font script="Beng" typeface="Vrinda"/>
+        <a:font script="Gujr" typeface="Shruti"/>
+        <a:font script="Khmr" typeface="MoolBoran"/>
+        <a:font script="Knda" typeface="Tunga"/>
+        <a:font script="Guru" typeface="Raavi"/>
+        <a:font script="Cans" typeface="Euphemia"/>
+        <a:font script="Cher" typeface="Plantagenet Cherokee"/>
+        <a:font script="Yiii" typeface="Microsoft Yi Baiti"/>
+        <a:font script="Tibt" typeface="Microsoft Himalaya"/>
+        <a:font script="Thaa" typeface="MV Boli"/>
+        <a:font script="Deva" typeface="Mangal"/>
+        <a:font script="Telu" typeface="Gautami"/>
+        <a:font script="Taml" typeface="Latha"/>
+        <a:font script="Syrc" typeface="Estrangelo Edessa"/>
+        <a:font script="Orya" typeface="Kalinga"/>
+        <a:font script="Mlym" typeface="Kartika"/>
+        <a:font script="Laoo" typeface="DokChampa"/>
+        <a:font script="Sinh" typeface="Iskoola Pota"/>
+        <a:font script="Mong" typeface="Mongolian Baiti"/>
+        <a:font script="Viet" typeface="Times New Roman"/>
+        <a:font script="Uigh" typeface="Microsoft Uighur"/>
+        <a:font script="Geor" typeface="Sylfaen"/>
+        <a:font script="Armn" typeface="Arial"/>
+        <a:font script="Bugi" typeface="Leelawadee UI"/>
+        <a:font script="Bopo" typeface="Microsoft JhengHei"/>
+        <a:font script="Java" typeface="Javanese Text"/>
+        <a:font script="Lisu" typeface="Segoe UI"/>
+        <a:font script="Mymr" typeface="Myanmar Text"/>
+        <a:font script="Nkoo" typeface="Ebrima"/>
+        <a:font script="Olck" typeface="Nirmala UI"/>
+        <a:font script="Osma" typeface="Ebrima"/>
+        <a:font script="Phag" typeface="Phagspa"/>
+        <a:font script="Syrn" typeface="Estrangelo Edessa"/>
+        <a:font script="Syrj" typeface="Estrangelo Edessa"/>
+        <a:font script="Syre" typeface="Estrangelo Edessa"/>
+        <a:font script="Sora" typeface="Nirmala UI"/>
+        <a:font script="Tale" typeface="Microsoft Tai Le"/>
+        <a:font script="Talu" typeface="Microsoft New Tai Lue"/>
+        <a:font script="Tfng" typeface="Ebrima"/>
+      </a:majorFont>
+      <a:minorFont>
+        <a:latin typeface="맑은 고딕" panose="020F0502020204030204"/>
+        <a:ea typeface=""/>
+        <a:cs typeface=""/>
+        <a:font script="Jpan" typeface="游ゴシック"/>
+        <a:font script="Hang" typeface="맑은 고딕"/>
+        <a:font script="Hans" typeface="等线"/>
+        <a:font script="Hant" typeface="新細明體"/>
+        <a:font script="Arab" typeface="Arial"/>
+        <a:font script="Hebr" typeface="Arial"/>
+        <a:font script="Thai" typeface="Cordia New"/>
+        <a:font script="Ethi" typeface="Nyala"/>
+        <a:font script="Beng" typeface="Vrinda"/>
+        <a:font script="Gujr" typeface="Shruti"/>
+        <a:font script="Khmr" typeface="DaunPenh"/>
+        <a:font script="Knda" typeface="Tunga"/>
+        <a:font script="Guru" typeface="Raavi"/>
+        <a:font script="Cans" typeface="Euphemia"/>
+        <a:font script="Cher" typeface="Plantagenet Cherokee"/>
+        <a:font script="Yiii" typeface="Microsoft Yi Baiti"/>
+        <a:font script="Tibt" typeface="Microsoft Himalaya"/>
+        <a:font script="Thaa" typeface="MV Boli"/>
+        <a:font script="Deva" typeface="Mangal"/>
+        <a:font script="Telu" typeface="Gautami"/>
+        <a:font script="Taml" typeface="Latha"/>
+        <a:font script="Syrc" typeface="Estrangelo Edessa"/>
+        <a:font script="Orya" typeface="Kalinga"/>
+        <a:font script="Mlym" typeface="Kartika"/>
+        <a:font script="Laoo" typeface="DokChampa"/>
+        <a:font script="Sinh" typeface="Iskoola Pota"/>
+        <a:font script="Mong" typeface="Mongolian Baiti"/>
+        <a:font script="Viet" typeface="Arial"/>
+        <a:font script="Uigh" typeface="Microsoft Uighur"/>
+        <a:font script="Geor" typeface="Sylfaen"/>
+        <a:font script="Armn" typeface="Arial"/>
+        <a:font script="Bugi" typeface="Leelawadee UI"/>
+        <a:font script="Bopo" typeface="Microsoft JhengHei"/>
+        <a:font script="Java" typeface="Javanese Text"/>
+        <a:font script="Lisu" typeface="Segoe UI"/>
+        <a:font script="Mymr" typeface="Myanmar Text"/>
+        <a:font script="Nkoo" typeface="Ebrima"/>
+        <a:font script="Olck" typeface="Nirmala UI"/>
+        <a:font script="Osma" typeface="Ebrima"/>
+        <a:font script="Phag" typeface="Phagspa"/>
+        <a:font script="Syrn" typeface="Estrangelo Edessa"/>
+        <a:font script="Syrj" typeface="Estrangelo Edessa"/>
+        <a:font script="Syre" typeface="Estrangelo Edessa"/>
+        <a:font script="Sora" typeface="Nirmala UI"/>
+        <a:font script="Tale" typeface="Microsoft Tai Le"/>
+        <a:font script="Talu" typeface="Microsoft New Tai Lue"/>
+        <a:font script="Tfng" typeface="Ebrima"/>
+      </a:minorFont>
+    </a:fontScheme>
+    <a:fmtScheme name="Office">
+      <a:fillStyleLst>
+        <a:solidFill>
+          <a:schemeClr val="phClr"/>
+        </a:solidFill>
+        <a:gradFill rotWithShape="1">
+          <a:gsLst>
+            <a:gs pos="0">
+              <a:schemeClr val="phClr">
+                <a:lumMod val="110000"/>
+                <a:satMod val="105000"/>
+                <a:tint val="67000"/>
+              </a:schemeClr>
+            </a:gs>
+            <a:gs pos="50000">
+              <a:schemeClr val="phClr">
+                <a:lumMod val="105000"/>
+                <a:satMod val="103000"/>
+                <a:tint val="73000"/>
+              </a:schemeClr>
+            </a:gs>
+            <a:gs pos="100000">
+              <a:schemeClr val="phClr">
+                <a:lumMod val="105000"/>
+                <a:satMod val="109000"/>
+                <a:tint val="81000"/>
+              </a:schemeClr>
+            </a:gs>
+          </a:gsLst>
+          <a:lin ang="5400000" scaled="0"/>
+        </a:gradFill>
+        <a:gradFill rotWithShape="1">
+          <a:gsLst>
+            <a:gs pos="0">
+              <a:schemeClr val="phClr">
+                <a:satMod val="103000"/>
+                <a:lumMod val="102000"/>
+                <a:tint val="94000"/>
+              </a:schemeClr>
+            </a:gs>
+            <a:gs pos="50000">
+              <a:schemeClr val="phClr">
+                <a:satMod val="110000"/>
+                <a:lumMod val="100000"/>
+                <a:shade val="100000"/>
+              </a:schemeClr>
+            </a:gs>
+            <a:gs pos="100000">
+              <a:schemeClr val="phClr">
+                <a:lumMod val="99000"/>
+                <a:satMod val="120000"/>
+                <a:shade val="78000"/>
+              </a:schemeClr>
+            </a:gs>
+          </a:gsLst>
+          <a:lin ang="5400000" scaled="0"/>
+        </a:gradFill>
+      </a:fillStyleLst>
+      <a:lnStyleLst>
+        <a:ln w="6350" cap="flat" cmpd="sng" algn="ctr">
+          <a:solidFill>
+            <a:schemeClr val="phClr"/>
+          </a:solidFill>
+          <a:prstDash val="solid"/>
+          <a:miter lim="800000"/>
+        </a:ln>
+        <a:ln w="12700" cap="flat" cmpd="sng" algn="ctr">
+          <a:solidFill>
+            <a:schemeClr val="phClr"/>
+          </a:solidFill>
+          <a:prstDash val="solid"/>
+          <a:miter lim="800000"/>
+        </a:ln>
+        <a:ln w="19050" cap="flat" cmpd="sng" algn="ctr">
+          <a:solidFill>
+            <a:schemeClr val="phClr"/>
+          </a:solidFill>
+          <a:prstDash val="solid"/>
+          <a:miter lim="800000"/>
+        </a:ln>
+      </a:lnStyleLst>
+      <a:effectStyleLst>
+        <a:effectStyle>
+          <a:effectLst/>
+        </a:effectStyle>
+        <a:effectStyle>
+          <a:effectLst/>
+        </a:effectStyle>
+        <a:effectStyle>
+          <a:effectLst>
+            <a:outerShdw blurRad="57150" dist="19050" dir="5400000" algn="ctr" rotWithShape="0">
+              <a:srgbClr val="000000">
+                <a:alpha val="63000"/>
+              </a:srgbClr>
+            </a:outerShdw>
+          </a:effectLst>
+        </a:effectStyle>
+      </a:effectStyleLst>
+      <a:bgFillStyleLst>
+        <a:solidFill>
+          <a:schemeClr val="phClr"/>
+        </a:solidFill>
+        <a:solidFill>
+          <a:schemeClr val="phClr">
+            <a:tint val="95000"/>
+            <a:satMod val="170000"/>
+          </a:schemeClr>
+        </a:solidFill>
+        <a:gradFill rotWithShape="1">
+          <a:gsLst>
+            <a:gs pos="0">
+              <a:schemeClr val="phClr">
+                <a:tint val="93000"/>
+                <a:satMod val="150000"/>
+                <a:shade val="98000"/>
+                <a:lumMod val="102000"/>
+              </a:schemeClr>
+            </a:gs>
+            <a:gs pos="50000">
+              <a:schemeClr val="phClr">
+                <a:tint val="98000"/>
+                <a:satMod val="130000"/>
+                <a:shade val="90000"/>
+                <a:lumMod val="103000"/>
+              </a:schemeClr>
+            </a:gs>
+            <a:gs pos="100000">
+              <a:schemeClr val="phClr">
+                <a:shade val="63000"/>
+                <a:satMod val="120000"/>
+              </a:schemeClr>
+            </a:gs>
+          </a:gsLst>
+          <a:lin ang="5400000" scaled="0"/>
+        </a:gradFill>
+      </a:bgFillStyleLst>
+    </a:fmtScheme>
+  </a:themeElements>
+  <a:objectDefaults/>
+  <a:extraClrSchemeLst/>
+  <a:extLst>
+    <a:ext uri="{05A4C25C-085E-4340-85A3-A5531E510DB2}">
+      <thm15:themeFamily xmlns:thm15="http://schemas.microsoft.com/office/thememl/2012/main" name="Office Theme" id="{62F939B6-93AF-4DB8-9C6B-D6C7DFDC589F}" vid="{4A3C46E8-61CC-4603-A589-7422A47A8E4A}"/>
+    </a:ext>
+  </a:extLst>
+</a:theme>
+</file>
+
+<file path=ppt/theme/theme3.xml><?xml version="1.0" encoding="utf-8"?>
+<a:theme xmlns:a="http://schemas.openxmlformats.org/drawingml/2006/main" name="Office 테마">
+  <a:themeElements>
+    <a:clrScheme name="Office">
+      <a:dk1>
+        <a:sysClr val="windowText" lastClr="000000"/>
+      </a:dk1>
+      <a:lt1>
+        <a:sysClr val="window" lastClr="FFFFFF"/>
+      </a:lt1>
+      <a:dk2>
+        <a:srgbClr val="44546A"/>
+      </a:dk2>
+      <a:lt2>
+        <a:srgbClr val="E7E6E6"/>
+      </a:lt2>
+      <a:accent1>
+        <a:srgbClr val="4472C4"/>
+      </a:accent1>
+      <a:accent2>
+        <a:srgbClr val="ED7D31"/>
+      </a:accent2>
+      <a:accent3>
+        <a:srgbClr val="A5A5A5"/>
+      </a:accent3>
+      <a:accent4>
+        <a:srgbClr val="FFC000"/>
+      </a:accent4>
+      <a:accent5>
+        <a:srgbClr val="5B9BD5"/>
+      </a:accent5>
+      <a:accent6>
+        <a:srgbClr val="70AD47"/>
+      </a:accent6>
+      <a:hlink>
+        <a:srgbClr val="0563C1"/>
+      </a:hlink>
+      <a:folHlink>
+        <a:srgbClr val="954F72"/>
+      </a:folHlink>
+    </a:clrScheme>
+    <a:fontScheme name="Office">
+      <a:majorFont>
+        <a:latin typeface="맑은 고딕" panose="020F0302020204030204"/>
+        <a:ea typeface=""/>
+        <a:cs typeface=""/>
+        <a:font script="Jpan" typeface="游ゴシック Light"/>
+        <a:font script="Hang" typeface="맑은 고딕"/>
+        <a:font script="Hans" typeface="等线 Light"/>
+        <a:font script="Hant" typeface="新細明體"/>
+        <a:font script="Arab" typeface="Times New Roman"/>
+        <a:font script="Hebr" typeface="Times New Roman"/>
+        <a:font script="Thai" typeface="Angsana New"/>
+        <a:font script="Ethi" typeface="Nyala"/>
+        <a:font script="Beng" typeface="Vrinda"/>
+        <a:font script="Gujr" typeface="Shruti"/>
+        <a:font script="Khmr" typeface="MoolBoran"/>
+        <a:font script="Knda" typeface="Tunga"/>
+        <a:font script="Guru" typeface="Raavi"/>
+        <a:font script="Cans" typeface="Euphemia"/>
+        <a:font script="Cher" typeface="Plantagenet Cherokee"/>
+        <a:font script="Yiii" typeface="Microsoft Yi Baiti"/>
+        <a:font script="Tibt" typeface="Microsoft Himalaya"/>
+        <a:font script="Thaa" typeface="MV Boli"/>
+        <a:font script="Deva" typeface="Mangal"/>
+        <a:font script="Telu" typeface="Gautami"/>
+        <a:font script="Taml" typeface="Latha"/>
+        <a:font script="Syrc" typeface="Estrangelo Edessa"/>
+        <a:font script="Orya" typeface="Kalinga"/>
+        <a:font script="Mlym" typeface="Kartika"/>
+        <a:font script="Laoo" typeface="DokChampa"/>
+        <a:font script="Sinh" typeface="Iskoola Pota"/>
+        <a:font script="Mong" typeface="Mongolian Baiti"/>
+        <a:font script="Viet" typeface="Times New Roman"/>
+        <a:font script="Uigh" typeface="Microsoft Uighur"/>
+        <a:font script="Geor" typeface="Sylfaen"/>
+        <a:font script="Armn" typeface="Arial"/>
+        <a:font script="Bugi" typeface="Leelawadee UI"/>
+        <a:font script="Bopo" typeface="Microsoft JhengHei"/>
+        <a:font script="Java" typeface="Javanese Text"/>
+        <a:font script="Lisu" typeface="Segoe UI"/>
+        <a:font script="Mymr" typeface="Myanmar Text"/>
+        <a:font script="Nkoo" typeface="Ebrima"/>
+        <a:font script="Olck" typeface="Nirmala UI"/>
+        <a:font script="Osma" typeface="Ebrima"/>
+        <a:font script="Phag" typeface="Phagspa"/>
+        <a:font script="Syrn" typeface="Estrangelo Edessa"/>
+        <a:font script="Syrj" typeface="Estrangelo Edessa"/>
+        <a:font script="Syre" typeface="Estrangelo Edessa"/>
+        <a:font script="Sora" typeface="Nirmala UI"/>
+        <a:font script="Tale" typeface="Microsoft Tai Le"/>
+        <a:font script="Talu" typeface="Microsoft New Tai Lue"/>
+        <a:font script="Tfng" typeface="Ebrima"/>
+      </a:majorFont>
+      <a:minorFont>
+        <a:latin typeface="맑은 고딕" panose="020F0502020204030204"/>
+        <a:ea typeface=""/>
+        <a:cs typeface=""/>
+        <a:font script="Jpan" typeface="游ゴシック"/>
+        <a:font script="Hang" typeface="맑은 고딕"/>
+        <a:font script="Hans" typeface="等线"/>
+        <a:font script="Hant" typeface="新細明體"/>
+        <a:font script="Arab" typeface="Arial"/>
+        <a:font script="Hebr" typeface="Arial"/>
+        <a:font script="Thai" typeface="Cordia New"/>
+        <a:font script="Ethi" typeface="Nyala"/>
+        <a:font script="Beng" typeface="Vrinda"/>
+        <a:font script="Gujr" typeface="Shruti"/>
+        <a:font script="Khmr" typeface="DaunPenh"/>
+        <a:font script="Knda" typeface="Tunga"/>
+        <a:font script="Guru" typeface="Raavi"/>
+        <a:font script="Cans" typeface="Euphemia"/>
+        <a:font script="Cher" typeface="Plantagenet Cherokee"/>
+        <a:font script="Yiii" typeface="Microsoft Yi Baiti"/>
+        <a:font script="Tibt" typeface="Microsoft Himalaya"/>
+        <a:font script="Thaa" typeface="MV Boli"/>
+        <a:font script="Deva" typeface="Mangal"/>
+        <a:font script="Telu" typeface="Gautami"/>
+        <a:font script="Taml" typeface="Latha"/>
+        <a:font script="Syrc" typeface="Estrangelo Edessa"/>
+        <a:font script="Orya" typeface="Kalinga"/>
+        <a:font script="Mlym" typeface="Kartika"/>
+        <a:font script="Laoo" typeface="DokChampa"/>
+        <a:font script="Sinh" typeface="Iskoola Pota"/>
+        <a:font script="Mong" typeface="Mongolian Baiti"/>
+        <a:font script="Viet" typeface="Arial"/>
+        <a:font script="Uigh" typeface="Microsoft Uighur"/>
+        <a:font script="Geor" typeface="Sylfaen"/>
+        <a:font script="Armn" typeface="Arial"/>
+        <a:font script="Bugi" typeface="Leelawadee UI"/>
+        <a:font script="Bopo" typeface="Microsoft JhengHei"/>
+        <a:font script="Java" typeface="Javanese Text"/>
+        <a:font script="Lisu" typeface="Segoe UI"/>
+        <a:font script="Mymr" typeface="Myanmar Text"/>
+        <a:font script="Nkoo" typeface="Ebrima"/>
+        <a:font script="Olck" typeface="Nirmala UI"/>
+        <a:font script="Osma" typeface="Ebrima"/>
+        <a:font script="Phag" typeface="Phagspa"/>
+        <a:font script="Syrn" typeface="Estrangelo Edessa"/>
+        <a:font script="Syrj" typeface="Estrangelo Edessa"/>
+        <a:font script="Syre" typeface="Estrangelo Edessa"/>
+        <a:font script="Sora" typeface="Nirmala UI"/>
+        <a:font script="Tale" typeface="Microsoft Tai Le"/>
+        <a:font script="Talu" typeface="Microsoft New Tai Lue"/>
+        <a:font script="Tfng" typeface="Ebrima"/>
+      </a:minorFont>
+    </a:fontScheme>
+    <a:fmtScheme name="Office">
+      <a:fillStyleLst>
+        <a:solidFill>
+          <a:schemeClr val="phClr"/>
+        </a:solidFill>
+        <a:gradFill rotWithShape="1">
+          <a:gsLst>
+            <a:gs pos="0">
+              <a:schemeClr val="phClr">
+                <a:lumMod val="110000"/>
+                <a:satMod val="105000"/>
+                <a:tint val="67000"/>
+              </a:schemeClr>
+            </a:gs>
+            <a:gs pos="50000">
+              <a:schemeClr val="phClr">
+                <a:lumMod val="105000"/>
+                <a:satMod val="103000"/>
+                <a:tint val="73000"/>
+              </a:schemeClr>
+            </a:gs>
+            <a:gs pos="100000">
+              <a:schemeClr val="phClr">
+                <a:lumMod val="105000"/>
+                <a:satMod val="109000"/>
+                <a:tint val="81000"/>
+              </a:schemeClr>
+            </a:gs>
+          </a:gsLst>
+          <a:lin ang="5400000" scaled="0"/>
+        </a:gradFill>
+        <a:gradFill rotWithShape="1">
+          <a:gsLst>
+            <a:gs pos="0">
+              <a:schemeClr val="phClr">
+                <a:satMod val="103000"/>
+                <a:lumMod val="102000"/>
+                <a:tint val="94000"/>
+              </a:schemeClr>
+            </a:gs>
+            <a:gs pos="50000">
+              <a:schemeClr val="phClr">
+                <a:satMod val="110000"/>
+                <a:lumMod val="100000"/>
+                <a:shade val="100000"/>
+              </a:schemeClr>
+            </a:gs>
+            <a:gs pos="100000">
+              <a:schemeClr val="phClr">
+                <a:lumMod val="99000"/>
+                <a:satMod val="120000"/>
+                <a:shade val="78000"/>
+              </a:schemeClr>
+            </a:gs>
+          </a:gsLst>
+          <a:lin ang="5400000" scaled="0"/>
+        </a:gradFill>
+      </a:fillStyleLst>
+      <a:lnStyleLst>
+        <a:ln w="6350" cap="flat" cmpd="sng" algn="ctr">
+          <a:solidFill>
+            <a:schemeClr val="phClr"/>
+          </a:solidFill>
+          <a:prstDash val="solid"/>
+          <a:miter lim="800000"/>
+        </a:ln>
+        <a:ln w="12700" cap="flat" cmpd="sng" algn="ctr">
+          <a:solidFill>
+            <a:schemeClr val="phClr"/>
+          </a:solidFill>
+          <a:prstDash val="solid"/>
+          <a:miter lim="800000"/>
+        </a:ln>
+        <a:ln w="19050" cap="flat" cmpd="sng" algn="ctr">
+          <a:solidFill>
+            <a:schemeClr val="phClr"/>
+          </a:solidFill>
+          <a:prstDash val="solid"/>
+          <a:miter lim="800000"/>
+        </a:ln>
+      </a:lnStyleLst>
+      <a:effectStyleLst>
+        <a:effectStyle>
+          <a:effectLst/>
+        </a:effectStyle>
+        <a:effectStyle>
+          <a:effectLst/>
+        </a:effectStyle>
+        <a:effectStyle>
+          <a:effectLst>
+            <a:outerShdw blurRad="57150" dist="19050" dir="5400000" algn="ctr" rotWithShape="0">
+              <a:srgbClr val="000000">
+                <a:alpha val="63000"/>
+              </a:srgbClr>
+            </a:outerShdw>
+          </a:effectLst>
+        </a:effectStyle>
+      </a:effectStyleLst>
+      <a:bgFillStyleLst>
+        <a:solidFill>
+          <a:schemeClr val="phClr"/>
+        </a:solidFill>
+        <a:solidFill>
+          <a:schemeClr val="phClr">
+            <a:tint val="95000"/>
+            <a:satMod val="170000"/>
+          </a:schemeClr>
+        </a:solidFill>
+        <a:gradFill rotWithShape="1">
+          <a:gsLst>
+            <a:gs pos="0">
+              <a:schemeClr val="phClr">
+                <a:tint val="93000"/>
+                <a:satMod val="150000"/>
+                <a:shade val="98000"/>
+                <a:lumMod val="102000"/>
+              </a:schemeClr>
+            </a:gs>
+            <a:gs pos="50000">
+              <a:schemeClr val="phClr">
+                <a:tint val="98000"/>
+                <a:satMod val="130000"/>
+                <a:shade val="90000"/>
+                <a:lumMod val="103000"/>
+              </a:schemeClr>
+            </a:gs>
+            <a:gs pos="100000">
+              <a:schemeClr val="phClr">
+                <a:shade val="63000"/>
+                <a:satMod val="120000"/>
+              </a:schemeClr>
+            </a:gs>
+          </a:gsLst>
+          <a:lin ang="5400000" scaled="0"/>
+        </a:gradFill>
+      </a:bgFillStyleLst>
+    </a:fmtScheme>
+  </a:themeElements>
+  <a:objectDefaults/>
+  <a:extraClrSchemeLst/>
+  <a:extLst>
+    <a:ext uri="{05A4C25C-085E-4340-85A3-A5531E510DB2}">
+      <thm15:themeFamily xmlns:thm15="http://schemas.microsoft.com/office/thememl/2012/main" name="Office Theme" id="{62F939B6-93AF-4DB8-9C6B-D6C7DFDC589F}" vid="{4A3C46E8-61CC-4603-A589-7422A47A8E4A}"/>
+    </a:ext>
+  </a:extLst>
+</a:theme>
 </file>
--- a/파이썬기초(PPT)/파이썬 기초 2강_자료형과 변수.pptx
+++ b/파이썬기초(PPT)/파이썬 기초 2강_자료형과 변수.pptx
@@ -243,7 +243,7 @@
           <a:p>
             <a:fld id="{40B9E4A6-A1A0-4277-9742-35F97AF7215F}" type="datetime1">
               <a:rPr lang="ko-KR" altLang="en-US" smtClean="0"/>
-              <a:t>2020-11-01</a:t>
+              <a:t>2020-11-08</a:t>
             </a:fld>
             <a:endParaRPr lang="ko-KR" altLang="en-US"/>
           </a:p>
@@ -421,7 +421,7 @@
           <a:p>
             <a:fld id="{5204240D-602B-48C2-BC5C-1930D3AF5673}" type="datetime1">
               <a:rPr lang="ko-KR" altLang="en-US" smtClean="0"/>
-              <a:t>2020-11-01</a:t>
+              <a:t>2020-11-08</a:t>
             </a:fld>
             <a:endParaRPr lang="ko-KR" altLang="en-US"/>
           </a:p>
@@ -2548,7 +2548,7 @@
           <a:p>
             <a:fld id="{FB30EDBD-1C2D-4C1E-B459-B60219FAB484}" type="datetimeFigureOut">
               <a:rPr lang="ko-KR" altLang="en-US" smtClean="0"/>
-              <a:t>2020-11-01</a:t>
+              <a:t>2020-11-08</a:t>
             </a:fld>
             <a:endParaRPr lang="ko-KR" altLang="en-US"/>
           </a:p>
@@ -2711,7 +2711,7 @@
           <a:p>
             <a:fld id="{FB30EDBD-1C2D-4C1E-B459-B60219FAB484}" type="datetimeFigureOut">
               <a:rPr lang="ko-KR" altLang="en-US" smtClean="0"/>
-              <a:t>2020-11-01</a:t>
+              <a:t>2020-11-08</a:t>
             </a:fld>
             <a:endParaRPr lang="ko-KR" altLang="en-US"/>
           </a:p>
@@ -2884,7 +2884,7 @@
           <a:p>
             <a:fld id="{FB30EDBD-1C2D-4C1E-B459-B60219FAB484}" type="datetimeFigureOut">
               <a:rPr lang="ko-KR" altLang="en-US" smtClean="0"/>
-              <a:t>2020-11-01</a:t>
+              <a:t>2020-11-08</a:t>
             </a:fld>
             <a:endParaRPr lang="ko-KR" altLang="en-US"/>
           </a:p>
@@ -3047,7 +3047,7 @@
           <a:p>
             <a:fld id="{FB30EDBD-1C2D-4C1E-B459-B60219FAB484}" type="datetimeFigureOut">
               <a:rPr lang="ko-KR" altLang="en-US" smtClean="0"/>
-              <a:t>2020-11-01</a:t>
+              <a:t>2020-11-08</a:t>
             </a:fld>
             <a:endParaRPr lang="ko-KR" altLang="en-US"/>
           </a:p>
@@ -3287,7 +3287,7 @@
           <a:p>
             <a:fld id="{FB30EDBD-1C2D-4C1E-B459-B60219FAB484}" type="datetimeFigureOut">
               <a:rPr lang="ko-KR" altLang="en-US" smtClean="0"/>
-              <a:t>2020-11-01</a:t>
+              <a:t>2020-11-08</a:t>
             </a:fld>
             <a:endParaRPr lang="ko-KR" altLang="en-US"/>
           </a:p>
@@ -3567,7 +3567,7 @@
           <a:p>
             <a:fld id="{FB30EDBD-1C2D-4C1E-B459-B60219FAB484}" type="datetimeFigureOut">
               <a:rPr lang="ko-KR" altLang="en-US" smtClean="0"/>
-              <a:t>2020-11-01</a:t>
+              <a:t>2020-11-08</a:t>
             </a:fld>
             <a:endParaRPr lang="ko-KR" altLang="en-US"/>
           </a:p>
@@ -3981,7 +3981,7 @@
           <a:p>
             <a:fld id="{FB30EDBD-1C2D-4C1E-B459-B60219FAB484}" type="datetimeFigureOut">
               <a:rPr lang="ko-KR" altLang="en-US" smtClean="0"/>
-              <a:t>2020-11-01</a:t>
+              <a:t>2020-11-08</a:t>
             </a:fld>
             <a:endParaRPr lang="ko-KR" altLang="en-US"/>
           </a:p>
@@ -4093,7 +4093,7 @@
           <a:p>
             <a:fld id="{FB30EDBD-1C2D-4C1E-B459-B60219FAB484}" type="datetimeFigureOut">
               <a:rPr lang="ko-KR" altLang="en-US" smtClean="0"/>
-              <a:t>2020-11-01</a:t>
+              <a:t>2020-11-08</a:t>
             </a:fld>
             <a:endParaRPr lang="ko-KR" altLang="en-US"/>
           </a:p>
@@ -4183,7 +4183,7 @@
           <a:p>
             <a:fld id="{FB30EDBD-1C2D-4C1E-B459-B60219FAB484}" type="datetimeFigureOut">
               <a:rPr lang="ko-KR" altLang="en-US" smtClean="0"/>
-              <a:t>2020-11-01</a:t>
+              <a:t>2020-11-08</a:t>
             </a:fld>
             <a:endParaRPr lang="ko-KR" altLang="en-US"/>
           </a:p>
@@ -4453,7 +4453,7 @@
           <a:p>
             <a:fld id="{FB30EDBD-1C2D-4C1E-B459-B60219FAB484}" type="datetimeFigureOut">
               <a:rPr lang="ko-KR" altLang="en-US" smtClean="0"/>
-              <a:t>2020-11-01</a:t>
+              <a:t>2020-11-08</a:t>
             </a:fld>
             <a:endParaRPr lang="ko-KR" altLang="en-US"/>
           </a:p>
@@ -4700,7 +4700,7 @@
           <a:p>
             <a:fld id="{FB30EDBD-1C2D-4C1E-B459-B60219FAB484}" type="datetimeFigureOut">
               <a:rPr lang="ko-KR" altLang="en-US" smtClean="0"/>
-              <a:t>2020-11-01</a:t>
+              <a:t>2020-11-08</a:t>
             </a:fld>
             <a:endParaRPr lang="ko-KR" altLang="en-US"/>
           </a:p>
@@ -4906,7 +4906,7 @@
           <a:p>
             <a:fld id="{FB30EDBD-1C2D-4C1E-B459-B60219FAB484}" type="datetimeFigureOut">
               <a:rPr lang="ko-KR" altLang="en-US" smtClean="0"/>
-              <a:t>2020-11-01</a:t>
+              <a:t>2020-11-08</a:t>
             </a:fld>
             <a:endParaRPr lang="ko-KR" altLang="en-US"/>
           </a:p>
